--- a/endcourse/Final.pptx
+++ b/endcourse/Final.pptx
@@ -5,7 +5,7 @@
     <p:sldMasterId id="2147483648" r:id="rId1"/>
   </p:sldMasterIdLst>
   <p:notesMasterIdLst>
-    <p:notesMasterId r:id="rId18"/>
+    <p:notesMasterId r:id="rId20"/>
   </p:notesMasterIdLst>
   <p:sldIdLst>
     <p:sldId id="256" r:id="rId2"/>
@@ -14,16 +14,18 @@
     <p:sldId id="280" r:id="rId5"/>
     <p:sldId id="278" r:id="rId6"/>
     <p:sldId id="277" r:id="rId7"/>
-    <p:sldId id="259" r:id="rId8"/>
+    <p:sldId id="272" r:id="rId8"/>
     <p:sldId id="281" r:id="rId9"/>
-    <p:sldId id="262" r:id="rId10"/>
-    <p:sldId id="263" r:id="rId11"/>
-    <p:sldId id="274" r:id="rId12"/>
-    <p:sldId id="275" r:id="rId13"/>
-    <p:sldId id="276" r:id="rId14"/>
-    <p:sldId id="269" r:id="rId15"/>
-    <p:sldId id="271" r:id="rId16"/>
-    <p:sldId id="279" r:id="rId17"/>
+    <p:sldId id="259" r:id="rId10"/>
+    <p:sldId id="282" r:id="rId11"/>
+    <p:sldId id="262" r:id="rId12"/>
+    <p:sldId id="263" r:id="rId13"/>
+    <p:sldId id="274" r:id="rId14"/>
+    <p:sldId id="275" r:id="rId15"/>
+    <p:sldId id="276" r:id="rId16"/>
+    <p:sldId id="269" r:id="rId17"/>
+    <p:sldId id="271" r:id="rId18"/>
+    <p:sldId id="279" r:id="rId19"/>
   </p:sldIdLst>
   <p:sldSz cx="12192000" cy="6858000"/>
   <p:notesSz cx="6858000" cy="9144000"/>
@@ -272,7 +274,7 @@
       </p15:sldGuideLst>
     </p:ext>
     <p:ext uri="http://customooxmlschemas.google.com/">
-      <go:slidesCustomData xmlns="" xmlns:mc="http://schemas.openxmlformats.org/markup-compatibility/2006" xmlns:mv="urn:schemas-microsoft-com:mac:vml" xmlns:c="http://schemas.openxmlformats.org/drawingml/2006/chart" xmlns:dgm="http://schemas.openxmlformats.org/drawingml/2006/diagram" xmlns:o="urn:schemas-microsoft-com:office:office" xmlns:v="urn:schemas-microsoft-com:vml" xmlns:pvml="urn:schemas-microsoft-com:office:powerpoint" xmlns:com="http://schemas.openxmlformats.org/drawingml/2006/compatibility" xmlns:p14="http://schemas.microsoft.com/office/powerpoint/2010/main" xmlns:p15="http://schemas.microsoft.com/office/powerpoint/2012/main" xmlns:ahyp="http://schemas.microsoft.com/office/drawing/2018/hyperlinkcolor" xmlns:go="http://customooxmlschemas.google.com/" r:id="rId22" roundtripDataSignature="AMtx7mhoq0TkclQKjBSroxzJOyhUTDGeHw=="/>
+      <go:slidesCustomData xmlns:go="http://customooxmlschemas.google.com/" xmlns:ahyp="http://schemas.microsoft.com/office/drawing/2018/hyperlinkcolor" xmlns:p15="http://schemas.microsoft.com/office/powerpoint/2012/main" xmlns:p14="http://schemas.microsoft.com/office/powerpoint/2010/main" xmlns:com="http://schemas.openxmlformats.org/drawingml/2006/compatibility" xmlns:pvml="urn:schemas-microsoft-com:office:powerpoint" xmlns:v="urn:schemas-microsoft-com:vml" xmlns:o="urn:schemas-microsoft-com:office:office" xmlns:dgm="http://schemas.openxmlformats.org/drawingml/2006/diagram" xmlns:c="http://schemas.openxmlformats.org/drawingml/2006/chart" xmlns:mv="urn:schemas-microsoft-com:mac:vml" xmlns:mc="http://schemas.openxmlformats.org/markup-compatibility/2006" xmlns="" r:id="rId22" roundtripDataSignature="AMtx7mhoq0TkclQKjBSroxzJOyhUTDGeHw=="/>
     </p:ext>
   </p:extLst>
 </p:presentation>
@@ -1858,7 +1860,7 @@
   <p:cSld>
     <p:spTree>
       <p:nvGrpSpPr>
-        <p:cNvPr id="1" name="Shape 140"/>
+        <p:cNvPr id="1" name="Shape 112"/>
         <p:cNvGrpSpPr/>
         <p:nvPr/>
       </p:nvGrpSpPr>
@@ -1872,7 +1874,53 @@
       </p:grpSpPr>
       <p:sp>
         <p:nvSpPr>
-          <p:cNvPr id="141" name="Google Shape;141;p23:notes"/>
+          <p:cNvPr id="113" name="Google Shape;113;p4:notes"/>
+          <p:cNvSpPr txBox="1">
+            <a:spLocks noGrp="1"/>
+          </p:cNvSpPr>
+          <p:nvPr>
+            <p:ph type="body" idx="1"/>
+          </p:nvPr>
+        </p:nvSpPr>
+        <p:spPr>
+          <a:xfrm>
+            <a:off x="685800" y="4400550"/>
+            <a:ext cx="5486400" cy="3600450"/>
+          </a:xfrm>
+          <a:prstGeom prst="rect">
+            <a:avLst/>
+          </a:prstGeom>
+          <a:noFill/>
+          <a:ln>
+            <a:noFill/>
+          </a:ln>
+        </p:spPr>
+        <p:txBody>
+          <a:bodyPr spcFirstLastPara="1" wrap="square" lIns="91425" tIns="45700" rIns="91425" bIns="45700" anchor="t" anchorCtr="0">
+            <a:noAutofit/>
+          </a:bodyPr>
+          <a:lstStyle/>
+          <a:p>
+            <a:pPr marL="0" lvl="0" indent="0" algn="l" rtl="0">
+              <a:lnSpc>
+                <a:spcPct val="100000"/>
+              </a:lnSpc>
+              <a:spcBef>
+                <a:spcPts val="0"/>
+              </a:spcBef>
+              <a:spcAft>
+                <a:spcPts val="0"/>
+              </a:spcAft>
+              <a:buSzPts val="1400"/>
+              <a:buNone/>
+            </a:pPr>
+            <a:endParaRPr/>
+          </a:p>
+        </p:txBody>
+      </p:sp>
+      <p:sp>
+        <p:nvSpPr>
+          <p:cNvPr id="114" name="Google Shape;114;p4:notes"/>
           <p:cNvSpPr>
             <a:spLocks noGrp="1" noRot="1" noChangeAspect="1"/>
           </p:cNvSpPr>
@@ -1921,9 +1969,39 @@
           </a:ln>
         </p:spPr>
       </p:sp>
+    </p:spTree>
+    <p:extLst>
+      <p:ext uri="{BB962C8B-B14F-4D97-AF65-F5344CB8AC3E}">
+        <p14:creationId xmlns:p14="http://schemas.microsoft.com/office/powerpoint/2010/main" val="3950504409"/>
+      </p:ext>
+    </p:extLst>
+  </p:cSld>
+  <p:clrMapOvr>
+    <a:masterClrMapping/>
+  </p:clrMapOvr>
+</p:notes>
+</file>
+
+<file path=ppt/notesSlides/notesSlide11.xml><?xml version="1.0" encoding="utf-8"?>
+<p:notes xmlns:a="http://schemas.openxmlformats.org/drawingml/2006/main" xmlns:r="http://schemas.openxmlformats.org/officeDocument/2006/relationships" xmlns:p="http://schemas.openxmlformats.org/presentationml/2006/main" showMasterSp="0" showMasterPhAnim="0">
+  <p:cSld>
+    <p:spTree>
+      <p:nvGrpSpPr>
+        <p:cNvPr id="1" name="Shape 134"/>
+        <p:cNvGrpSpPr/>
+        <p:nvPr/>
+      </p:nvGrpSpPr>
+      <p:grpSpPr>
+        <a:xfrm>
+          <a:off x="0" y="0"/>
+          <a:ext cx="0" cy="0"/>
+          <a:chOff x="0" y="0"/>
+          <a:chExt cx="0" cy="0"/>
+        </a:xfrm>
+      </p:grpSpPr>
       <p:sp>
         <p:nvSpPr>
-          <p:cNvPr id="142" name="Google Shape;142;p23:notes"/>
+          <p:cNvPr id="135" name="Google Shape;135;p22:notes"/>
           <p:cNvSpPr txBox="1">
             <a:spLocks noGrp="1"/>
           </p:cNvSpPr>
@@ -1950,7 +2028,7 @@
           </a:bodyPr>
           <a:lstStyle/>
           <a:p>
-            <a:pPr marL="0" marR="0" lvl="0" indent="0" algn="l" rtl="0">
+            <a:pPr marL="0" lvl="0" indent="0" algn="l" rtl="0">
               <a:lnSpc>
                 <a:spcPct val="100000"/>
               </a:lnSpc>
@@ -1960,103 +2038,16 @@
               <a:spcAft>
                 <a:spcPts val="0"/>
               </a:spcAft>
-              <a:buClr>
-                <a:schemeClr val="dk1"/>
-              </a:buClr>
-              <a:buSzPts val="1200"/>
-              <a:buFont typeface="Arial"/>
+              <a:buSzPts val="1400"/>
               <a:buNone/>
             </a:pPr>
-            <a:endParaRPr sz="1200" b="0" i="0">
-              <a:solidFill>
-                <a:schemeClr val="dk1"/>
-              </a:solidFill>
-              <a:latin typeface="Arial"/>
-              <a:ea typeface="Arial"/>
-              <a:cs typeface="Arial"/>
-              <a:sym typeface="Arial"/>
-            </a:endParaRPr>
+            <a:endParaRPr/>
           </a:p>
         </p:txBody>
       </p:sp>
       <p:sp>
         <p:nvSpPr>
-          <p:cNvPr id="143" name="Google Shape;143;p23:notes"/>
-          <p:cNvSpPr txBox="1">
-            <a:spLocks noGrp="1"/>
-          </p:cNvSpPr>
-          <p:nvPr>
-            <p:ph type="sldNum" idx="12"/>
-          </p:nvPr>
-        </p:nvSpPr>
-        <p:spPr>
-          <a:xfrm>
-            <a:off x="3884613" y="8685213"/>
-            <a:ext cx="2971800" cy="458787"/>
-          </a:xfrm>
-          <a:prstGeom prst="rect">
-            <a:avLst/>
-          </a:prstGeom>
-          <a:noFill/>
-          <a:ln>
-            <a:noFill/>
-          </a:ln>
-        </p:spPr>
-        <p:txBody>
-          <a:bodyPr spcFirstLastPara="1" wrap="square" lIns="91425" tIns="45700" rIns="91425" bIns="45700" anchor="b" anchorCtr="0">
-            <a:noAutofit/>
-          </a:bodyPr>
-          <a:lstStyle/>
-          <a:p>
-            <a:pPr marL="0" lvl="0" indent="0" algn="r" rtl="0">
-              <a:lnSpc>
-                <a:spcPct val="100000"/>
-              </a:lnSpc>
-              <a:spcBef>
-                <a:spcPts val="0"/>
-              </a:spcBef>
-              <a:spcAft>
-                <a:spcPts val="0"/>
-              </a:spcAft>
-              <a:buSzPts val="1400"/>
-              <a:buNone/>
-            </a:pPr>
-            <a:fld id="{00000000-1234-1234-1234-123412341234}" type="slidenum">
-              <a:rPr lang="en-US"/>
-              <a:t>10</a:t>
-            </a:fld>
-            <a:endParaRPr/>
-          </a:p>
-        </p:txBody>
-      </p:sp>
-    </p:spTree>
-  </p:cSld>
-  <p:clrMapOvr>
-    <a:masterClrMapping/>
-  </p:clrMapOvr>
-</p:notes>
-</file>
-
-<file path=ppt/notesSlides/notesSlide11.xml><?xml version="1.0" encoding="utf-8"?>
-<p:notes xmlns:a="http://schemas.openxmlformats.org/drawingml/2006/main" xmlns:r="http://schemas.openxmlformats.org/officeDocument/2006/relationships" xmlns:p="http://schemas.openxmlformats.org/presentationml/2006/main" showMasterSp="0" showMasterPhAnim="0">
-  <p:cSld>
-    <p:spTree>
-      <p:nvGrpSpPr>
-        <p:cNvPr id="1" name="Shape 140"/>
-        <p:cNvGrpSpPr/>
-        <p:nvPr/>
-      </p:nvGrpSpPr>
-      <p:grpSpPr>
-        <a:xfrm>
-          <a:off x="0" y="0"/>
-          <a:ext cx="0" cy="0"/>
-          <a:chOff x="0" y="0"/>
-          <a:chExt cx="0" cy="0"/>
-        </a:xfrm>
-      </p:grpSpPr>
-      <p:sp>
-        <p:nvSpPr>
-          <p:cNvPr id="141" name="Google Shape;141;p23:notes"/>
+          <p:cNvPr id="136" name="Google Shape;136;p22:notes"/>
           <p:cNvSpPr>
             <a:spLocks noGrp="1" noRot="1" noChangeAspect="1"/>
           </p:cNvSpPr>
@@ -2105,120 +2096,7 @@
           </a:ln>
         </p:spPr>
       </p:sp>
-      <p:sp>
-        <p:nvSpPr>
-          <p:cNvPr id="142" name="Google Shape;142;p23:notes"/>
-          <p:cNvSpPr txBox="1">
-            <a:spLocks noGrp="1"/>
-          </p:cNvSpPr>
-          <p:nvPr>
-            <p:ph type="body" idx="1"/>
-          </p:nvPr>
-        </p:nvSpPr>
-        <p:spPr>
-          <a:xfrm>
-            <a:off x="685800" y="4400550"/>
-            <a:ext cx="5486400" cy="3600450"/>
-          </a:xfrm>
-          <a:prstGeom prst="rect">
-            <a:avLst/>
-          </a:prstGeom>
-          <a:noFill/>
-          <a:ln>
-            <a:noFill/>
-          </a:ln>
-        </p:spPr>
-        <p:txBody>
-          <a:bodyPr spcFirstLastPara="1" wrap="square" lIns="91425" tIns="45700" rIns="91425" bIns="45700" anchor="t" anchorCtr="0">
-            <a:noAutofit/>
-          </a:bodyPr>
-          <a:lstStyle/>
-          <a:p>
-            <a:pPr marL="0" marR="0" lvl="0" indent="0" algn="l" rtl="0">
-              <a:lnSpc>
-                <a:spcPct val="100000"/>
-              </a:lnSpc>
-              <a:spcBef>
-                <a:spcPts val="0"/>
-              </a:spcBef>
-              <a:spcAft>
-                <a:spcPts val="0"/>
-              </a:spcAft>
-              <a:buClr>
-                <a:schemeClr val="dk1"/>
-              </a:buClr>
-              <a:buSzPts val="1200"/>
-              <a:buFont typeface="Arial"/>
-              <a:buNone/>
-            </a:pPr>
-            <a:endParaRPr sz="1200" b="0" i="0">
-              <a:solidFill>
-                <a:schemeClr val="dk1"/>
-              </a:solidFill>
-              <a:latin typeface="Arial"/>
-              <a:ea typeface="Arial"/>
-              <a:cs typeface="Arial"/>
-              <a:sym typeface="Arial"/>
-            </a:endParaRPr>
-          </a:p>
-        </p:txBody>
-      </p:sp>
-      <p:sp>
-        <p:nvSpPr>
-          <p:cNvPr id="143" name="Google Shape;143;p23:notes"/>
-          <p:cNvSpPr txBox="1">
-            <a:spLocks noGrp="1"/>
-          </p:cNvSpPr>
-          <p:nvPr>
-            <p:ph type="sldNum" idx="12"/>
-          </p:nvPr>
-        </p:nvSpPr>
-        <p:spPr>
-          <a:xfrm>
-            <a:off x="3884613" y="8685213"/>
-            <a:ext cx="2971800" cy="458787"/>
-          </a:xfrm>
-          <a:prstGeom prst="rect">
-            <a:avLst/>
-          </a:prstGeom>
-          <a:noFill/>
-          <a:ln>
-            <a:noFill/>
-          </a:ln>
-        </p:spPr>
-        <p:txBody>
-          <a:bodyPr spcFirstLastPara="1" wrap="square" lIns="91425" tIns="45700" rIns="91425" bIns="45700" anchor="b" anchorCtr="0">
-            <a:noAutofit/>
-          </a:bodyPr>
-          <a:lstStyle/>
-          <a:p>
-            <a:pPr marL="0" lvl="0" indent="0" algn="r" rtl="0">
-              <a:lnSpc>
-                <a:spcPct val="100000"/>
-              </a:lnSpc>
-              <a:spcBef>
-                <a:spcPts val="0"/>
-              </a:spcBef>
-              <a:spcAft>
-                <a:spcPts val="0"/>
-              </a:spcAft>
-              <a:buSzPts val="1400"/>
-              <a:buNone/>
-            </a:pPr>
-            <a:fld id="{00000000-1234-1234-1234-123412341234}" type="slidenum">
-              <a:rPr lang="en-US"/>
-              <a:t>11</a:t>
-            </a:fld>
-            <a:endParaRPr/>
-          </a:p>
-        </p:txBody>
-      </p:sp>
     </p:spTree>
-    <p:extLst>
-      <p:ext uri="{BB962C8B-B14F-4D97-AF65-F5344CB8AC3E}">
-        <p14:creationId xmlns:p14="http://schemas.microsoft.com/office/powerpoint/2010/main" val="2560408357"/>
-      </p:ext>
-    </p:extLst>
   </p:cSld>
   <p:clrMapOvr>
     <a:masterClrMapping/>
@@ -2403,11 +2281,6 @@
         </p:txBody>
       </p:sp>
     </p:spTree>
-    <p:extLst>
-      <p:ext uri="{BB962C8B-B14F-4D97-AF65-F5344CB8AC3E}">
-        <p14:creationId xmlns:p14="http://schemas.microsoft.com/office/powerpoint/2010/main" val="808293360"/>
-      </p:ext>
-    </p:extLst>
   </p:cSld>
   <p:clrMapOvr>
     <a:masterClrMapping/>
@@ -2594,6 +2467,384 @@
     </p:spTree>
     <p:extLst>
       <p:ext uri="{BB962C8B-B14F-4D97-AF65-F5344CB8AC3E}">
+        <p14:creationId xmlns:p14="http://schemas.microsoft.com/office/powerpoint/2010/main" val="2560408357"/>
+      </p:ext>
+    </p:extLst>
+  </p:cSld>
+  <p:clrMapOvr>
+    <a:masterClrMapping/>
+  </p:clrMapOvr>
+</p:notes>
+</file>
+
+<file path=ppt/notesSlides/notesSlide14.xml><?xml version="1.0" encoding="utf-8"?>
+<p:notes xmlns:a="http://schemas.openxmlformats.org/drawingml/2006/main" xmlns:r="http://schemas.openxmlformats.org/officeDocument/2006/relationships" xmlns:p="http://schemas.openxmlformats.org/presentationml/2006/main" showMasterSp="0" showMasterPhAnim="0">
+  <p:cSld>
+    <p:spTree>
+      <p:nvGrpSpPr>
+        <p:cNvPr id="1" name="Shape 140"/>
+        <p:cNvGrpSpPr/>
+        <p:nvPr/>
+      </p:nvGrpSpPr>
+      <p:grpSpPr>
+        <a:xfrm>
+          <a:off x="0" y="0"/>
+          <a:ext cx="0" cy="0"/>
+          <a:chOff x="0" y="0"/>
+          <a:chExt cx="0" cy="0"/>
+        </a:xfrm>
+      </p:grpSpPr>
+      <p:sp>
+        <p:nvSpPr>
+          <p:cNvPr id="141" name="Google Shape;141;p23:notes"/>
+          <p:cNvSpPr>
+            <a:spLocks noGrp="1" noRot="1" noChangeAspect="1"/>
+          </p:cNvSpPr>
+          <p:nvPr>
+            <p:ph type="sldImg" idx="2"/>
+          </p:nvPr>
+        </p:nvSpPr>
+        <p:spPr>
+          <a:xfrm>
+            <a:off x="685800" y="1143000"/>
+            <a:ext cx="5486400" cy="3086100"/>
+          </a:xfrm>
+          <a:custGeom>
+            <a:avLst/>
+            <a:gdLst/>
+            <a:ahLst/>
+            <a:cxnLst/>
+            <a:rect l="l" t="t" r="r" b="b"/>
+            <a:pathLst>
+              <a:path w="120000" h="120000" extrusionOk="0">
+                <a:moveTo>
+                  <a:pt x="0" y="0"/>
+                </a:moveTo>
+                <a:lnTo>
+                  <a:pt x="120000" y="0"/>
+                </a:lnTo>
+                <a:lnTo>
+                  <a:pt x="120000" y="120000"/>
+                </a:lnTo>
+                <a:lnTo>
+                  <a:pt x="0" y="120000"/>
+                </a:lnTo>
+                <a:close/>
+              </a:path>
+            </a:pathLst>
+          </a:custGeom>
+          <a:noFill/>
+          <a:ln w="12700" cap="flat" cmpd="sng">
+            <a:solidFill>
+              <a:srgbClr val="000000"/>
+            </a:solidFill>
+            <a:prstDash val="solid"/>
+            <a:round/>
+            <a:headEnd type="none" w="sm" len="sm"/>
+            <a:tailEnd type="none" w="sm" len="sm"/>
+          </a:ln>
+        </p:spPr>
+      </p:sp>
+      <p:sp>
+        <p:nvSpPr>
+          <p:cNvPr id="142" name="Google Shape;142;p23:notes"/>
+          <p:cNvSpPr txBox="1">
+            <a:spLocks noGrp="1"/>
+          </p:cNvSpPr>
+          <p:nvPr>
+            <p:ph type="body" idx="1"/>
+          </p:nvPr>
+        </p:nvSpPr>
+        <p:spPr>
+          <a:xfrm>
+            <a:off x="685800" y="4400550"/>
+            <a:ext cx="5486400" cy="3600450"/>
+          </a:xfrm>
+          <a:prstGeom prst="rect">
+            <a:avLst/>
+          </a:prstGeom>
+          <a:noFill/>
+          <a:ln>
+            <a:noFill/>
+          </a:ln>
+        </p:spPr>
+        <p:txBody>
+          <a:bodyPr spcFirstLastPara="1" wrap="square" lIns="91425" tIns="45700" rIns="91425" bIns="45700" anchor="t" anchorCtr="0">
+            <a:noAutofit/>
+          </a:bodyPr>
+          <a:lstStyle/>
+          <a:p>
+            <a:pPr marL="0" marR="0" lvl="0" indent="0" algn="l" rtl="0">
+              <a:lnSpc>
+                <a:spcPct val="100000"/>
+              </a:lnSpc>
+              <a:spcBef>
+                <a:spcPts val="0"/>
+              </a:spcBef>
+              <a:spcAft>
+                <a:spcPts val="0"/>
+              </a:spcAft>
+              <a:buClr>
+                <a:schemeClr val="dk1"/>
+              </a:buClr>
+              <a:buSzPts val="1200"/>
+              <a:buFont typeface="Arial"/>
+              <a:buNone/>
+            </a:pPr>
+            <a:endParaRPr sz="1200" b="0" i="0">
+              <a:solidFill>
+                <a:schemeClr val="dk1"/>
+              </a:solidFill>
+              <a:latin typeface="Arial"/>
+              <a:ea typeface="Arial"/>
+              <a:cs typeface="Arial"/>
+              <a:sym typeface="Arial"/>
+            </a:endParaRPr>
+          </a:p>
+        </p:txBody>
+      </p:sp>
+      <p:sp>
+        <p:nvSpPr>
+          <p:cNvPr id="143" name="Google Shape;143;p23:notes"/>
+          <p:cNvSpPr txBox="1">
+            <a:spLocks noGrp="1"/>
+          </p:cNvSpPr>
+          <p:nvPr>
+            <p:ph type="sldNum" idx="12"/>
+          </p:nvPr>
+        </p:nvSpPr>
+        <p:spPr>
+          <a:xfrm>
+            <a:off x="3884613" y="8685213"/>
+            <a:ext cx="2971800" cy="458787"/>
+          </a:xfrm>
+          <a:prstGeom prst="rect">
+            <a:avLst/>
+          </a:prstGeom>
+          <a:noFill/>
+          <a:ln>
+            <a:noFill/>
+          </a:ln>
+        </p:spPr>
+        <p:txBody>
+          <a:bodyPr spcFirstLastPara="1" wrap="square" lIns="91425" tIns="45700" rIns="91425" bIns="45700" anchor="b" anchorCtr="0">
+            <a:noAutofit/>
+          </a:bodyPr>
+          <a:lstStyle/>
+          <a:p>
+            <a:pPr marL="0" lvl="0" indent="0" algn="r" rtl="0">
+              <a:lnSpc>
+                <a:spcPct val="100000"/>
+              </a:lnSpc>
+              <a:spcBef>
+                <a:spcPts val="0"/>
+              </a:spcBef>
+              <a:spcAft>
+                <a:spcPts val="0"/>
+              </a:spcAft>
+              <a:buSzPts val="1400"/>
+              <a:buNone/>
+            </a:pPr>
+            <a:fld id="{00000000-1234-1234-1234-123412341234}" type="slidenum">
+              <a:rPr lang="en-US"/>
+              <a:t>14</a:t>
+            </a:fld>
+            <a:endParaRPr/>
+          </a:p>
+        </p:txBody>
+      </p:sp>
+    </p:spTree>
+    <p:extLst>
+      <p:ext uri="{BB962C8B-B14F-4D97-AF65-F5344CB8AC3E}">
+        <p14:creationId xmlns:p14="http://schemas.microsoft.com/office/powerpoint/2010/main" val="808293360"/>
+      </p:ext>
+    </p:extLst>
+  </p:cSld>
+  <p:clrMapOvr>
+    <a:masterClrMapping/>
+  </p:clrMapOvr>
+</p:notes>
+</file>
+
+<file path=ppt/notesSlides/notesSlide15.xml><?xml version="1.0" encoding="utf-8"?>
+<p:notes xmlns:a="http://schemas.openxmlformats.org/drawingml/2006/main" xmlns:r="http://schemas.openxmlformats.org/officeDocument/2006/relationships" xmlns:p="http://schemas.openxmlformats.org/presentationml/2006/main" showMasterSp="0" showMasterPhAnim="0">
+  <p:cSld>
+    <p:spTree>
+      <p:nvGrpSpPr>
+        <p:cNvPr id="1" name="Shape 140"/>
+        <p:cNvGrpSpPr/>
+        <p:nvPr/>
+      </p:nvGrpSpPr>
+      <p:grpSpPr>
+        <a:xfrm>
+          <a:off x="0" y="0"/>
+          <a:ext cx="0" cy="0"/>
+          <a:chOff x="0" y="0"/>
+          <a:chExt cx="0" cy="0"/>
+        </a:xfrm>
+      </p:grpSpPr>
+      <p:sp>
+        <p:nvSpPr>
+          <p:cNvPr id="141" name="Google Shape;141;p23:notes"/>
+          <p:cNvSpPr>
+            <a:spLocks noGrp="1" noRot="1" noChangeAspect="1"/>
+          </p:cNvSpPr>
+          <p:nvPr>
+            <p:ph type="sldImg" idx="2"/>
+          </p:nvPr>
+        </p:nvSpPr>
+        <p:spPr>
+          <a:xfrm>
+            <a:off x="685800" y="1143000"/>
+            <a:ext cx="5486400" cy="3086100"/>
+          </a:xfrm>
+          <a:custGeom>
+            <a:avLst/>
+            <a:gdLst/>
+            <a:ahLst/>
+            <a:cxnLst/>
+            <a:rect l="l" t="t" r="r" b="b"/>
+            <a:pathLst>
+              <a:path w="120000" h="120000" extrusionOk="0">
+                <a:moveTo>
+                  <a:pt x="0" y="0"/>
+                </a:moveTo>
+                <a:lnTo>
+                  <a:pt x="120000" y="0"/>
+                </a:lnTo>
+                <a:lnTo>
+                  <a:pt x="120000" y="120000"/>
+                </a:lnTo>
+                <a:lnTo>
+                  <a:pt x="0" y="120000"/>
+                </a:lnTo>
+                <a:close/>
+              </a:path>
+            </a:pathLst>
+          </a:custGeom>
+          <a:noFill/>
+          <a:ln w="12700" cap="flat" cmpd="sng">
+            <a:solidFill>
+              <a:srgbClr val="000000"/>
+            </a:solidFill>
+            <a:prstDash val="solid"/>
+            <a:round/>
+            <a:headEnd type="none" w="sm" len="sm"/>
+            <a:tailEnd type="none" w="sm" len="sm"/>
+          </a:ln>
+        </p:spPr>
+      </p:sp>
+      <p:sp>
+        <p:nvSpPr>
+          <p:cNvPr id="142" name="Google Shape;142;p23:notes"/>
+          <p:cNvSpPr txBox="1">
+            <a:spLocks noGrp="1"/>
+          </p:cNvSpPr>
+          <p:nvPr>
+            <p:ph type="body" idx="1"/>
+          </p:nvPr>
+        </p:nvSpPr>
+        <p:spPr>
+          <a:xfrm>
+            <a:off x="685800" y="4400550"/>
+            <a:ext cx="5486400" cy="3600450"/>
+          </a:xfrm>
+          <a:prstGeom prst="rect">
+            <a:avLst/>
+          </a:prstGeom>
+          <a:noFill/>
+          <a:ln>
+            <a:noFill/>
+          </a:ln>
+        </p:spPr>
+        <p:txBody>
+          <a:bodyPr spcFirstLastPara="1" wrap="square" lIns="91425" tIns="45700" rIns="91425" bIns="45700" anchor="t" anchorCtr="0">
+            <a:noAutofit/>
+          </a:bodyPr>
+          <a:lstStyle/>
+          <a:p>
+            <a:pPr marL="0" marR="0" lvl="0" indent="0" algn="l" rtl="0">
+              <a:lnSpc>
+                <a:spcPct val="100000"/>
+              </a:lnSpc>
+              <a:spcBef>
+                <a:spcPts val="0"/>
+              </a:spcBef>
+              <a:spcAft>
+                <a:spcPts val="0"/>
+              </a:spcAft>
+              <a:buClr>
+                <a:schemeClr val="dk1"/>
+              </a:buClr>
+              <a:buSzPts val="1200"/>
+              <a:buFont typeface="Arial"/>
+              <a:buNone/>
+            </a:pPr>
+            <a:endParaRPr sz="1200" b="0" i="0">
+              <a:solidFill>
+                <a:schemeClr val="dk1"/>
+              </a:solidFill>
+              <a:latin typeface="Arial"/>
+              <a:ea typeface="Arial"/>
+              <a:cs typeface="Arial"/>
+              <a:sym typeface="Arial"/>
+            </a:endParaRPr>
+          </a:p>
+        </p:txBody>
+      </p:sp>
+      <p:sp>
+        <p:nvSpPr>
+          <p:cNvPr id="143" name="Google Shape;143;p23:notes"/>
+          <p:cNvSpPr txBox="1">
+            <a:spLocks noGrp="1"/>
+          </p:cNvSpPr>
+          <p:nvPr>
+            <p:ph type="sldNum" idx="12"/>
+          </p:nvPr>
+        </p:nvSpPr>
+        <p:spPr>
+          <a:xfrm>
+            <a:off x="3884613" y="8685213"/>
+            <a:ext cx="2971800" cy="458787"/>
+          </a:xfrm>
+          <a:prstGeom prst="rect">
+            <a:avLst/>
+          </a:prstGeom>
+          <a:noFill/>
+          <a:ln>
+            <a:noFill/>
+          </a:ln>
+        </p:spPr>
+        <p:txBody>
+          <a:bodyPr spcFirstLastPara="1" wrap="square" lIns="91425" tIns="45700" rIns="91425" bIns="45700" anchor="b" anchorCtr="0">
+            <a:noAutofit/>
+          </a:bodyPr>
+          <a:lstStyle/>
+          <a:p>
+            <a:pPr marL="0" lvl="0" indent="0" algn="r" rtl="0">
+              <a:lnSpc>
+                <a:spcPct val="100000"/>
+              </a:lnSpc>
+              <a:spcBef>
+                <a:spcPts val="0"/>
+              </a:spcBef>
+              <a:spcAft>
+                <a:spcPts val="0"/>
+              </a:spcAft>
+              <a:buSzPts val="1400"/>
+              <a:buNone/>
+            </a:pPr>
+            <a:fld id="{00000000-1234-1234-1234-123412341234}" type="slidenum">
+              <a:rPr lang="en-US"/>
+              <a:t>15</a:t>
+            </a:fld>
+            <a:endParaRPr/>
+          </a:p>
+        </p:txBody>
+      </p:sp>
+    </p:spTree>
+    <p:extLst>
+      <p:ext uri="{BB962C8B-B14F-4D97-AF65-F5344CB8AC3E}">
         <p14:creationId xmlns:p14="http://schemas.microsoft.com/office/powerpoint/2010/main" val="2902635279"/>
       </p:ext>
     </p:extLst>
@@ -2604,7 +2855,7 @@
 </p:notes>
 </file>
 
-<file path=ppt/notesSlides/notesSlide14.xml><?xml version="1.0" encoding="utf-8"?>
+<file path=ppt/notesSlides/notesSlide16.xml><?xml version="1.0" encoding="utf-8"?>
 <p:notes xmlns:a="http://schemas.openxmlformats.org/drawingml/2006/main" xmlns:r="http://schemas.openxmlformats.org/officeDocument/2006/relationships" xmlns:p="http://schemas.openxmlformats.org/presentationml/2006/main" showMasterSp="0" showMasterPhAnim="0">
   <p:cSld>
     <p:spTree>
@@ -2708,7 +2959,7 @@
 </p:notes>
 </file>
 
-<file path=ppt/notesSlides/notesSlide15.xml><?xml version="1.0" encoding="utf-8"?>
+<file path=ppt/notesSlides/notesSlide17.xml><?xml version="1.0" encoding="utf-8"?>
 <p:notes xmlns:a="http://schemas.openxmlformats.org/drawingml/2006/main" xmlns:r="http://schemas.openxmlformats.org/officeDocument/2006/relationships" xmlns:p="http://schemas.openxmlformats.org/presentationml/2006/main" showMasterSp="0" showMasterPhAnim="0">
   <p:cSld>
     <p:spTree>
@@ -2812,7 +3063,7 @@
 </p:notes>
 </file>
 
-<file path=ppt/notesSlides/notesSlide16.xml><?xml version="1.0" encoding="utf-8"?>
+<file path=ppt/notesSlides/notesSlide18.xml><?xml version="1.0" encoding="utf-8"?>
 <p:notes xmlns:a="http://schemas.openxmlformats.org/drawingml/2006/main" xmlns:r="http://schemas.openxmlformats.org/officeDocument/2006/relationships" xmlns:p="http://schemas.openxmlformats.org/presentationml/2006/main" showMasterSp="0" showMasterPhAnim="0">
   <p:cSld>
     <p:spTree>
@@ -3847,6 +4098,11 @@
         </p:spPr>
       </p:sp>
     </p:spTree>
+    <p:extLst>
+      <p:ext uri="{BB962C8B-B14F-4D97-AF65-F5344CB8AC3E}">
+        <p14:creationId xmlns:p14="http://schemas.microsoft.com/office/powerpoint/2010/main" val="2807820720"/>
+      </p:ext>
+    </p:extLst>
   </p:cSld>
   <p:clrMapOvr>
     <a:masterClrMapping/>
@@ -3986,7 +4242,7 @@
   <p:cSld>
     <p:spTree>
       <p:nvGrpSpPr>
-        <p:cNvPr id="1" name="Shape 134"/>
+        <p:cNvPr id="1" name="Shape 112"/>
         <p:cNvGrpSpPr/>
         <p:nvPr/>
       </p:nvGrpSpPr>
@@ -4000,7 +4256,7 @@
       </p:grpSpPr>
       <p:sp>
         <p:nvSpPr>
-          <p:cNvPr id="135" name="Google Shape;135;p22:notes"/>
+          <p:cNvPr id="113" name="Google Shape;113;p4:notes"/>
           <p:cNvSpPr txBox="1">
             <a:spLocks noGrp="1"/>
           </p:cNvSpPr>
@@ -4046,7 +4302,7 @@
       </p:sp>
       <p:sp>
         <p:nvSpPr>
-          <p:cNvPr id="136" name="Google Shape;136;p22:notes"/>
+          <p:cNvPr id="114" name="Google Shape;114;p4:notes"/>
           <p:cNvSpPr>
             <a:spLocks noGrp="1" noRot="1" noChangeAspect="1"/>
           </p:cNvSpPr>
@@ -15334,7 +15590,7 @@
   <p:cSld>
     <p:spTree>
       <p:nvGrpSpPr>
-        <p:cNvPr id="1" name="Shape 144"/>
+        <p:cNvPr id="1" name="Shape 115"/>
         <p:cNvGrpSpPr/>
         <p:nvPr/>
       </p:nvGrpSpPr>
@@ -15348,18 +15604,18 @@
       </p:grpSpPr>
       <p:sp>
         <p:nvSpPr>
-          <p:cNvPr id="145" name="Google Shape;145;p23"/>
+          <p:cNvPr id="116" name="Google Shape;116;p4"/>
           <p:cNvSpPr txBox="1">
             <a:spLocks noGrp="1"/>
           </p:cNvSpPr>
           <p:nvPr>
-            <p:ph type="title"/>
+            <p:ph type="body" idx="1"/>
           </p:nvPr>
         </p:nvSpPr>
         <p:spPr>
           <a:xfrm>
-            <a:off x="289561" y="830950"/>
-            <a:ext cx="3082290" cy="483500"/>
+            <a:off x="451028" y="2045970"/>
+            <a:ext cx="6951600" cy="4190406"/>
           </a:xfrm>
           <a:prstGeom prst="rect">
             <a:avLst/>
@@ -15377,6 +15633,75 @@
           <a:p>
             <a:pPr marL="0" lvl="0" indent="0" algn="l" rtl="0">
               <a:lnSpc>
+                <a:spcPct val="130000"/>
+              </a:lnSpc>
+              <a:spcBef>
+                <a:spcPts val="600"/>
+              </a:spcBef>
+              <a:spcAft>
+                <a:spcPts val="0"/>
+              </a:spcAft>
+              <a:buNone/>
+            </a:pPr>
+            <a:endParaRPr dirty="0">
+              <a:solidFill>
+                <a:srgbClr val="000000"/>
+              </a:solidFill>
+            </a:endParaRPr>
+          </a:p>
+          <a:p>
+            <a:pPr marL="228600" lvl="0" indent="-91440" algn="l" rtl="0">
+              <a:lnSpc>
+                <a:spcPct val="130000"/>
+              </a:lnSpc>
+              <a:spcBef>
+                <a:spcPts val="600"/>
+              </a:spcBef>
+              <a:spcAft>
+                <a:spcPts val="0"/>
+              </a:spcAft>
+              <a:buSzPts val="2160"/>
+              <a:buNone/>
+            </a:pPr>
+            <a:endParaRPr dirty="0">
+              <a:solidFill>
+                <a:srgbClr val="000000"/>
+              </a:solidFill>
+            </a:endParaRPr>
+          </a:p>
+        </p:txBody>
+      </p:sp>
+      <p:sp>
+        <p:nvSpPr>
+          <p:cNvPr id="117" name="Google Shape;117;p4"/>
+          <p:cNvSpPr txBox="1">
+            <a:spLocks noGrp="1"/>
+          </p:cNvSpPr>
+          <p:nvPr>
+            <p:ph type="title"/>
+          </p:nvPr>
+        </p:nvSpPr>
+        <p:spPr>
+          <a:xfrm>
+            <a:off x="478727" y="1081776"/>
+            <a:ext cx="6951472" cy="590931"/>
+          </a:xfrm>
+          <a:prstGeom prst="rect">
+            <a:avLst/>
+          </a:prstGeom>
+          <a:noFill/>
+          <a:ln>
+            <a:noFill/>
+          </a:ln>
+        </p:spPr>
+        <p:txBody>
+          <a:bodyPr spcFirstLastPara="1" wrap="square" lIns="91425" tIns="45700" rIns="91425" bIns="45700" anchor="t" anchorCtr="0">
+            <a:noAutofit/>
+          </a:bodyPr>
+          <a:lstStyle/>
+          <a:p>
+            <a:pPr marL="0" lvl="0" indent="0" algn="l" rtl="0">
+              <a:lnSpc>
                 <a:spcPct val="100000"/>
               </a:lnSpc>
               <a:spcBef>
@@ -15393,19 +15718,99 @@
               <a:buNone/>
             </a:pPr>
             <a:r>
+              <a:rPr lang="en-US" sz="2800" dirty="0" err="1"/>
+              <a:t>Chọn</a:t>
+            </a:r>
+            <a:r>
               <a:rPr lang="en-US" sz="2800" dirty="0"/>
-              <a:t>45MDV</a:t>
+              <a:t> N </a:t>
+            </a:r>
+            <a:r>
+              <a:rPr lang="en-US" sz="2800" dirty="0" err="1"/>
+              <a:t>trong</a:t>
+            </a:r>
+            <a:r>
+              <a:rPr lang="en-US" sz="2800" dirty="0"/>
+              <a:t> </a:t>
+            </a:r>
+            <a:r>
+              <a:rPr lang="en-US" sz="2800" dirty="0" err="1"/>
+              <a:t>khi</a:t>
+            </a:r>
+            <a:r>
+              <a:rPr lang="en-US" sz="2800" dirty="0"/>
+              <a:t> </a:t>
+            </a:r>
+            <a:r>
+              <a:rPr lang="en-US" sz="2800" dirty="0" err="1"/>
+              <a:t>sử</a:t>
+            </a:r>
+            <a:r>
+              <a:rPr lang="en-US" sz="2800" dirty="0"/>
+              <a:t> dung FFT</a:t>
             </a:r>
             <a:endParaRPr sz="2800" dirty="0"/>
           </a:p>
         </p:txBody>
       </p:sp>
+      <p:sp>
+        <p:nvSpPr>
+          <p:cNvPr id="5" name="TextBox 4">
+            <a:extLst>
+              <a:ext uri="{FF2B5EF4-FFF2-40B4-BE49-F238E27FC236}">
+                <a16:creationId xmlns:a16="http://schemas.microsoft.com/office/drawing/2014/main" id="{7B513E3B-664B-934C-A698-0747B5005CF5}"/>
+              </a:ext>
+            </a:extLst>
+          </p:cNvPr>
+          <p:cNvSpPr txBox="1"/>
+          <p:nvPr/>
+        </p:nvSpPr>
+        <p:spPr>
+          <a:xfrm>
+            <a:off x="478727" y="6279157"/>
+            <a:ext cx="8309610" cy="477054"/>
+          </a:xfrm>
+          <a:prstGeom prst="rect">
+            <a:avLst/>
+          </a:prstGeom>
+          <a:noFill/>
+        </p:spPr>
+        <p:txBody>
+          <a:bodyPr wrap="square" rtlCol="0">
+            <a:spAutoFit/>
+          </a:bodyPr>
+          <a:lstStyle/>
+          <a:p>
+            <a:r>
+              <a:rPr lang="en-VN" sz="2500" dirty="0">
+                <a:solidFill>
+                  <a:schemeClr val="bg2">
+                    <a:lumMod val="50000"/>
+                  </a:schemeClr>
+                </a:solidFill>
+                <a:sym typeface="Wingdings" pitchFamily="2" charset="2"/>
+              </a:rPr>
+              <a:t> N = </a:t>
+            </a:r>
+            <a:r>
+              <a:rPr lang="en-VN" sz="2500" b="1" dirty="0">
+                <a:solidFill>
+                  <a:schemeClr val="bg2">
+                    <a:lumMod val="50000"/>
+                  </a:schemeClr>
+                </a:solidFill>
+              </a:rPr>
+              <a:t>32068</a:t>
+            </a:r>
+          </a:p>
+        </p:txBody>
+      </p:sp>
       <p:pic>
         <p:nvPicPr>
-          <p:cNvPr id="9" name="Picture 8">
+          <p:cNvPr id="3" name="Picture 2">
             <a:extLst>
               <a:ext uri="{FF2B5EF4-FFF2-40B4-BE49-F238E27FC236}">
-                <a16:creationId xmlns:a16="http://schemas.microsoft.com/office/drawing/2014/main" id="{783DE511-C1D8-D84C-A6B8-319E54DDDA7A}"/>
+                <a16:creationId xmlns:a16="http://schemas.microsoft.com/office/drawing/2014/main" id="{306894E9-F286-5945-8088-EEA5A4372A4A}"/>
               </a:ext>
             </a:extLst>
           </p:cNvPr>
@@ -15422,172 +15827,131 @@
         </p:blipFill>
         <p:spPr>
           <a:xfrm>
-            <a:off x="6139644" y="3225097"/>
-            <a:ext cx="5863591" cy="1497329"/>
+            <a:off x="183712" y="1524000"/>
+            <a:ext cx="10978274" cy="4755157"/>
           </a:xfrm>
           <a:prstGeom prst="rect">
             <a:avLst/>
           </a:prstGeom>
         </p:spPr>
       </p:pic>
+    </p:spTree>
+    <p:extLst>
+      <p:ext uri="{BB962C8B-B14F-4D97-AF65-F5344CB8AC3E}">
+        <p14:creationId xmlns:p14="http://schemas.microsoft.com/office/powerpoint/2010/main" val="2992089931"/>
+      </p:ext>
+    </p:extLst>
+  </p:cSld>
+  <p:clrMapOvr>
+    <a:masterClrMapping/>
+  </p:clrMapOvr>
+</p:sld>
+</file>
+
+<file path=ppt/slides/slide11.xml><?xml version="1.0" encoding="utf-8"?>
+<p:sld xmlns:a="http://schemas.openxmlformats.org/drawingml/2006/main" xmlns:r="http://schemas.openxmlformats.org/officeDocument/2006/relationships" xmlns:p="http://schemas.openxmlformats.org/presentationml/2006/main">
+  <p:cSld>
+    <p:spTree>
+      <p:nvGrpSpPr>
+        <p:cNvPr id="1" name="Shape 137"/>
+        <p:cNvGrpSpPr/>
+        <p:nvPr/>
+      </p:nvGrpSpPr>
+      <p:grpSpPr>
+        <a:xfrm>
+          <a:off x="0" y="0"/>
+          <a:ext cx="0" cy="0"/>
+          <a:chOff x="0" y="0"/>
+          <a:chExt cx="0" cy="0"/>
+        </a:xfrm>
+      </p:grpSpPr>
       <p:sp>
         <p:nvSpPr>
-          <p:cNvPr id="12" name="TextBox 11">
-            <a:extLst>
-              <a:ext uri="{FF2B5EF4-FFF2-40B4-BE49-F238E27FC236}">
-                <a16:creationId xmlns:a16="http://schemas.microsoft.com/office/drawing/2014/main" id="{C97EF5C4-0909-0742-AF5F-97C07A9FE67F}"/>
-              </a:ext>
-            </a:extLst>
-          </p:cNvPr>
-          <p:cNvSpPr txBox="1"/>
-          <p:nvPr/>
+          <p:cNvPr id="138" name="Google Shape;138;p22"/>
+          <p:cNvSpPr txBox="1">
+            <a:spLocks noGrp="1"/>
+          </p:cNvSpPr>
+          <p:nvPr>
+            <p:ph type="ctrTitle"/>
+          </p:nvPr>
         </p:nvSpPr>
         <p:spPr>
           <a:xfrm>
-            <a:off x="6096000" y="1330957"/>
-            <a:ext cx="4263390" cy="369332"/>
+            <a:off x="337920" y="1908810"/>
+            <a:ext cx="8845200" cy="2878790"/>
           </a:xfrm>
           <a:prstGeom prst="rect">
             <a:avLst/>
           </a:prstGeom>
           <a:noFill/>
+          <a:ln>
+            <a:noFill/>
+          </a:ln>
         </p:spPr>
         <p:txBody>
-          <a:bodyPr wrap="square" rtlCol="0">
-            <a:spAutoFit/>
+          <a:bodyPr spcFirstLastPara="1" wrap="square" lIns="0" tIns="45700" rIns="91425" bIns="45700" anchor="b" anchorCtr="0">
+            <a:noAutofit/>
           </a:bodyPr>
           <a:lstStyle/>
           <a:p>
-            <a:r>
-              <a:rPr lang="en-VN" sz="1800" b="1" dirty="0">
-                <a:solidFill>
-                  <a:schemeClr val="bg2">
-                    <a:lumMod val="50000"/>
-                  </a:schemeClr>
-                </a:solidFill>
-              </a:rPr>
-              <a:t>So sánh với Wave Suffer</a:t>
-            </a:r>
-          </a:p>
-        </p:txBody>
-      </p:sp>
-      <p:sp>
-        <p:nvSpPr>
-          <p:cNvPr id="2" name="TextBox 1">
-            <a:extLst>
-              <a:ext uri="{FF2B5EF4-FFF2-40B4-BE49-F238E27FC236}">
-                <a16:creationId xmlns:a16="http://schemas.microsoft.com/office/drawing/2014/main" id="{BA93B098-D4A2-B948-8040-DD51607F5E44}"/>
-              </a:ext>
-            </a:extLst>
-          </p:cNvPr>
-          <p:cNvSpPr txBox="1"/>
-          <p:nvPr/>
-        </p:nvSpPr>
-        <p:spPr>
-          <a:xfrm>
-            <a:off x="6229348" y="5429250"/>
-            <a:ext cx="3931920" cy="1169551"/>
-          </a:xfrm>
-          <a:prstGeom prst="rect">
-            <a:avLst/>
-          </a:prstGeom>
-          <a:noFill/>
-        </p:spPr>
-        <p:txBody>
-          <a:bodyPr wrap="square" rtlCol="0">
-            <a:spAutoFit/>
-          </a:bodyPr>
-          <a:lstStyle/>
-          <a:p>
-            <a:pPr marL="285750" indent="-285750">
-              <a:buFontTx/>
-              <a:buChar char="-"/>
+            <a:pPr marL="0" lvl="0" indent="0" algn="l" rtl="0">
+              <a:lnSpc>
+                <a:spcPct val="100000"/>
+              </a:lnSpc>
+              <a:spcBef>
+                <a:spcPts val="0"/>
+              </a:spcBef>
+              <a:spcAft>
+                <a:spcPts val="0"/>
+              </a:spcAft>
+              <a:buClr>
+                <a:schemeClr val="dk2"/>
+              </a:buClr>
+              <a:buSzPts val="5400"/>
+              <a:buFont typeface="Arial"/>
+              <a:buNone/>
             </a:pPr>
             <a:r>
-              <a:rPr lang="en-VN" dirty="0"/>
-              <a:t>Đường F0 cơ bản khá giống với kết quả thu được từ wave suffer</a:t>
+              <a:rPr lang="en-US" sz="5200" dirty="0"/>
+              <a:t>3.KẾT QUẢ  </a:t>
             </a:r>
-          </a:p>
-          <a:p>
-            <a:pPr marL="285750" indent="-285750">
-              <a:buFontTx/>
-              <a:buChar char="-"/>
-            </a:pPr>
+            <a:br>
+              <a:rPr lang="en-US" sz="5200" dirty="0"/>
+            </a:br>
             <a:r>
-              <a:rPr lang="en-VN" dirty="0"/>
-              <a:t>Kết quả cuối cùng F0mean : lệch rất ít, F0 std còn chênh lệch.</a:t>
+              <a:rPr lang="en-US" sz="5200" dirty="0"/>
+              <a:t>GIẢI THÍCH KẾT QUẢ</a:t>
             </a:r>
-          </a:p>
-          <a:p>
-            <a:pPr marL="285750" indent="-285750">
-              <a:buFontTx/>
-              <a:buChar char="-"/>
-            </a:pPr>
-            <a:r>
-              <a:rPr lang="en-VN" dirty="0"/>
-              <a:t>Sai số do nhiễu từ tạp âm bên ngoài.</a:t>
-            </a:r>
+            <a:endParaRPr sz="5200" dirty="0"/>
           </a:p>
         </p:txBody>
       </p:sp>
       <p:pic>
         <p:nvPicPr>
-          <p:cNvPr id="3" name="Picture 2">
-            <a:extLst>
-              <a:ext uri="{FF2B5EF4-FFF2-40B4-BE49-F238E27FC236}">
-                <a16:creationId xmlns:a16="http://schemas.microsoft.com/office/drawing/2014/main" id="{5163F2E1-1C73-054A-AC99-08F045D111D8}"/>
-              </a:ext>
-            </a:extLst>
-          </p:cNvPr>
-          <p:cNvPicPr>
-            <a:picLocks noChangeAspect="1"/>
-          </p:cNvPicPr>
+          <p:cNvPr id="139" name="Google Shape;139;p22"/>
+          <p:cNvPicPr preferRelativeResize="0"/>
           <p:nvPr/>
         </p:nvPicPr>
         <p:blipFill>
-          <a:blip r:embed="rId4"/>
+          <a:blip r:embed="rId3">
+            <a:alphaModFix/>
+          </a:blip>
           <a:stretch>
             <a:fillRect/>
           </a:stretch>
         </p:blipFill>
         <p:spPr>
           <a:xfrm>
-            <a:off x="88674" y="1314450"/>
-            <a:ext cx="6007326" cy="5531106"/>
+            <a:off x="474700" y="4787600"/>
+            <a:ext cx="5147775" cy="1103475"/>
           </a:xfrm>
           <a:prstGeom prst="rect">
             <a:avLst/>
           </a:prstGeom>
-        </p:spPr>
-      </p:pic>
-      <p:pic>
-        <p:nvPicPr>
-          <p:cNvPr id="4" name="Picture 3">
-            <a:extLst>
-              <a:ext uri="{FF2B5EF4-FFF2-40B4-BE49-F238E27FC236}">
-                <a16:creationId xmlns:a16="http://schemas.microsoft.com/office/drawing/2014/main" id="{292171BF-97CB-7A4C-AEB1-1FB7C0EE7E4C}"/>
-              </a:ext>
-            </a:extLst>
-          </p:cNvPr>
-          <p:cNvPicPr>
-            <a:picLocks noChangeAspect="1"/>
-          </p:cNvPicPr>
-          <p:nvPr/>
-        </p:nvPicPr>
-        <p:blipFill>
-          <a:blip r:embed="rId5"/>
-          <a:stretch>
-            <a:fillRect/>
-          </a:stretch>
-        </p:blipFill>
-        <p:spPr>
-          <a:xfrm>
-            <a:off x="6108125" y="1770806"/>
-            <a:ext cx="5953295" cy="1263717"/>
-          </a:xfrm>
-          <a:prstGeom prst="rect">
-            <a:avLst/>
-          </a:prstGeom>
+          <a:noFill/>
+          <a:ln>
+            <a:noFill/>
+          </a:ln>
         </p:spPr>
       </p:pic>
     </p:spTree>
@@ -15601,293 +15965,7 @@
         <p:fade/>
       </p:transition>
     </mc:Choice>
-    <mc:Fallback xmlns="" xmlns:mv="urn:schemas-microsoft-com:mac:vml" xmlns:c="http://schemas.openxmlformats.org/drawingml/2006/chart" xmlns:dgm="http://schemas.openxmlformats.org/drawingml/2006/diagram" xmlns:o="urn:schemas-microsoft-com:office:office" xmlns:v="urn:schemas-microsoft-com:vml" xmlns:pvml="urn:schemas-microsoft-com:office:powerpoint" xmlns:com="http://schemas.openxmlformats.org/drawingml/2006/compatibility" xmlns:p15="http://schemas.microsoft.com/office/powerpoint/2012/main" xmlns:ahyp="http://schemas.microsoft.com/office/drawing/2018/hyperlinkcolor">
-      <p:transition spd="slow">
-        <p:fade/>
-      </p:transition>
-    </mc:Fallback>
-  </mc:AlternateContent>
-</p:sld>
-</file>
-
-<file path=ppt/slides/slide11.xml><?xml version="1.0" encoding="utf-8"?>
-<p:sld xmlns:a="http://schemas.openxmlformats.org/drawingml/2006/main" xmlns:r="http://schemas.openxmlformats.org/officeDocument/2006/relationships" xmlns:p="http://schemas.openxmlformats.org/presentationml/2006/main">
-  <p:cSld>
-    <p:spTree>
-      <p:nvGrpSpPr>
-        <p:cNvPr id="1" name="Shape 144"/>
-        <p:cNvGrpSpPr/>
-        <p:nvPr/>
-      </p:nvGrpSpPr>
-      <p:grpSpPr>
-        <a:xfrm>
-          <a:off x="0" y="0"/>
-          <a:ext cx="0" cy="0"/>
-          <a:chOff x="0" y="0"/>
-          <a:chExt cx="0" cy="0"/>
-        </a:xfrm>
-      </p:grpSpPr>
-      <p:sp>
-        <p:nvSpPr>
-          <p:cNvPr id="145" name="Google Shape;145;p23"/>
-          <p:cNvSpPr txBox="1">
-            <a:spLocks noGrp="1"/>
-          </p:cNvSpPr>
-          <p:nvPr>
-            <p:ph type="title"/>
-          </p:nvPr>
-        </p:nvSpPr>
-        <p:spPr>
-          <a:xfrm>
-            <a:off x="289561" y="830950"/>
-            <a:ext cx="3082290" cy="483500"/>
-          </a:xfrm>
-          <a:prstGeom prst="rect">
-            <a:avLst/>
-          </a:prstGeom>
-          <a:noFill/>
-          <a:ln>
-            <a:noFill/>
-          </a:ln>
-        </p:spPr>
-        <p:txBody>
-          <a:bodyPr spcFirstLastPara="1" wrap="square" lIns="91425" tIns="45700" rIns="91425" bIns="45700" anchor="t" anchorCtr="0">
-            <a:noAutofit/>
-          </a:bodyPr>
-          <a:lstStyle/>
-          <a:p>
-            <a:pPr marL="0" lvl="0" indent="0" algn="l" rtl="0">
-              <a:lnSpc>
-                <a:spcPct val="100000"/>
-              </a:lnSpc>
-              <a:spcBef>
-                <a:spcPts val="0"/>
-              </a:spcBef>
-              <a:spcAft>
-                <a:spcPts val="0"/>
-              </a:spcAft>
-              <a:buClr>
-                <a:schemeClr val="dk2"/>
-              </a:buClr>
-              <a:buSzPts val="2800"/>
-              <a:buFont typeface="Arial"/>
-              <a:buNone/>
-            </a:pPr>
-            <a:r>
-              <a:rPr lang="en-US" sz="2800" dirty="0"/>
-              <a:t>44MTT</a:t>
-            </a:r>
-            <a:endParaRPr sz="2800" dirty="0"/>
-          </a:p>
-        </p:txBody>
-      </p:sp>
-      <p:pic>
-        <p:nvPicPr>
-          <p:cNvPr id="8" name="Picture 7">
-            <a:extLst>
-              <a:ext uri="{FF2B5EF4-FFF2-40B4-BE49-F238E27FC236}">
-                <a16:creationId xmlns:a16="http://schemas.microsoft.com/office/drawing/2014/main" id="{F58691D4-0542-8844-9730-C3C2BA2FA8CD}"/>
-              </a:ext>
-            </a:extLst>
-          </p:cNvPr>
-          <p:cNvPicPr>
-            <a:picLocks noChangeAspect="1"/>
-          </p:cNvPicPr>
-          <p:nvPr/>
-        </p:nvPicPr>
-        <p:blipFill>
-          <a:blip r:embed="rId3"/>
-          <a:stretch>
-            <a:fillRect/>
-          </a:stretch>
-        </p:blipFill>
-        <p:spPr>
-          <a:xfrm>
-            <a:off x="6096000" y="3024098"/>
-            <a:ext cx="6044624" cy="1405890"/>
-          </a:xfrm>
-          <a:prstGeom prst="rect">
-            <a:avLst/>
-          </a:prstGeom>
-        </p:spPr>
-      </p:pic>
-      <p:sp>
-        <p:nvSpPr>
-          <p:cNvPr id="7" name="TextBox 6">
-            <a:extLst>
-              <a:ext uri="{FF2B5EF4-FFF2-40B4-BE49-F238E27FC236}">
-                <a16:creationId xmlns:a16="http://schemas.microsoft.com/office/drawing/2014/main" id="{9565F0CB-552B-4F45-A18B-E36FF5B376AD}"/>
-              </a:ext>
-            </a:extLst>
-          </p:cNvPr>
-          <p:cNvSpPr txBox="1"/>
-          <p:nvPr/>
-        </p:nvSpPr>
-        <p:spPr>
-          <a:xfrm>
-            <a:off x="6096000" y="5492912"/>
-            <a:ext cx="3931920" cy="954107"/>
-          </a:xfrm>
-          <a:prstGeom prst="rect">
-            <a:avLst/>
-          </a:prstGeom>
-          <a:noFill/>
-        </p:spPr>
-        <p:txBody>
-          <a:bodyPr wrap="square" rtlCol="0">
-            <a:spAutoFit/>
-          </a:bodyPr>
-          <a:lstStyle/>
-          <a:p>
-            <a:pPr marL="285750" indent="-285750">
-              <a:buFontTx/>
-              <a:buChar char="-"/>
-            </a:pPr>
-            <a:r>
-              <a:rPr lang="en-VN" dirty="0"/>
-              <a:t>Đường F0 cơ bản vẫn còn các pitch ảo</a:t>
-            </a:r>
-          </a:p>
-          <a:p>
-            <a:pPr marL="285750" indent="-285750">
-              <a:buFontTx/>
-              <a:buChar char="-"/>
-            </a:pPr>
-            <a:r>
-              <a:rPr lang="en-VN" dirty="0"/>
-              <a:t>Kết quả cuối cùng F0mean : lệch ~15hz, F0 std chênh lệch nhiều.</a:t>
-            </a:r>
-          </a:p>
-          <a:p>
-            <a:pPr marL="285750" indent="-285750">
-              <a:buFontTx/>
-              <a:buChar char="-"/>
-            </a:pPr>
-            <a:r>
-              <a:rPr lang="en-VN" dirty="0"/>
-              <a:t>Sai số do nhiễu từ tạp âm bên ngoài.</a:t>
-            </a:r>
-          </a:p>
-        </p:txBody>
-      </p:sp>
-      <p:pic>
-        <p:nvPicPr>
-          <p:cNvPr id="2" name="Picture 1">
-            <a:extLst>
-              <a:ext uri="{FF2B5EF4-FFF2-40B4-BE49-F238E27FC236}">
-                <a16:creationId xmlns:a16="http://schemas.microsoft.com/office/drawing/2014/main" id="{F40E7B7F-AAFB-8945-BED7-B604AA9B4CDB}"/>
-              </a:ext>
-            </a:extLst>
-          </p:cNvPr>
-          <p:cNvPicPr>
-            <a:picLocks noChangeAspect="1"/>
-          </p:cNvPicPr>
-          <p:nvPr/>
-        </p:nvPicPr>
-        <p:blipFill>
-          <a:blip r:embed="rId4"/>
-          <a:stretch>
-            <a:fillRect/>
-          </a:stretch>
-        </p:blipFill>
-        <p:spPr>
-          <a:xfrm>
-            <a:off x="51375" y="1257366"/>
-            <a:ext cx="6322587" cy="5553471"/>
-          </a:xfrm>
-          <a:prstGeom prst="rect">
-            <a:avLst/>
-          </a:prstGeom>
-        </p:spPr>
-      </p:pic>
-      <p:pic>
-        <p:nvPicPr>
-          <p:cNvPr id="4" name="Picture 3">
-            <a:extLst>
-              <a:ext uri="{FF2B5EF4-FFF2-40B4-BE49-F238E27FC236}">
-                <a16:creationId xmlns:a16="http://schemas.microsoft.com/office/drawing/2014/main" id="{AEB2D595-9D3F-7749-964E-328E5810C76E}"/>
-              </a:ext>
-            </a:extLst>
-          </p:cNvPr>
-          <p:cNvPicPr>
-            <a:picLocks noChangeAspect="1"/>
-          </p:cNvPicPr>
-          <p:nvPr/>
-        </p:nvPicPr>
-        <p:blipFill>
-          <a:blip r:embed="rId5"/>
-          <a:stretch>
-            <a:fillRect/>
-          </a:stretch>
-        </p:blipFill>
-        <p:spPr>
-          <a:xfrm>
-            <a:off x="6373962" y="1591620"/>
-            <a:ext cx="5829243" cy="1247812"/>
-          </a:xfrm>
-          <a:prstGeom prst="rect">
-            <a:avLst/>
-          </a:prstGeom>
-        </p:spPr>
-      </p:pic>
-      <p:sp>
-        <p:nvSpPr>
-          <p:cNvPr id="11" name="TextBox 10">
-            <a:extLst>
-              <a:ext uri="{FF2B5EF4-FFF2-40B4-BE49-F238E27FC236}">
-                <a16:creationId xmlns:a16="http://schemas.microsoft.com/office/drawing/2014/main" id="{15ABC423-1340-0241-B249-DB632B867F86}"/>
-              </a:ext>
-            </a:extLst>
-          </p:cNvPr>
-          <p:cNvSpPr txBox="1"/>
-          <p:nvPr/>
-        </p:nvSpPr>
-        <p:spPr>
-          <a:xfrm>
-            <a:off x="6373962" y="1257366"/>
-            <a:ext cx="4263390" cy="369332"/>
-          </a:xfrm>
-          <a:prstGeom prst="rect">
-            <a:avLst/>
-          </a:prstGeom>
-          <a:noFill/>
-        </p:spPr>
-        <p:txBody>
-          <a:bodyPr wrap="square" rtlCol="0">
-            <a:spAutoFit/>
-          </a:bodyPr>
-          <a:lstStyle/>
-          <a:p>
-            <a:r>
-              <a:rPr lang="en-VN" sz="1800" b="1" dirty="0">
-                <a:solidFill>
-                  <a:schemeClr val="bg2">
-                    <a:lumMod val="50000"/>
-                  </a:schemeClr>
-                </a:solidFill>
-              </a:rPr>
-              <a:t>So sánh với Wave Suffer</a:t>
-            </a:r>
-          </a:p>
-        </p:txBody>
-      </p:sp>
-    </p:spTree>
-    <p:extLst>
-      <p:ext uri="{BB962C8B-B14F-4D97-AF65-F5344CB8AC3E}">
-        <p14:creationId xmlns:p14="http://schemas.microsoft.com/office/powerpoint/2010/main" val="2547080055"/>
-      </p:ext>
-    </p:extLst>
-  </p:cSld>
-  <p:clrMapOvr>
-    <a:masterClrMapping/>
-  </p:clrMapOvr>
-  <mc:AlternateContent xmlns:mc="http://schemas.openxmlformats.org/markup-compatibility/2006" xmlns:p14="http://schemas.microsoft.com/office/powerpoint/2010/main">
-    <mc:Choice Requires="p14">
-      <p:transition spd="med" p14:dur="700">
-        <p:fade/>
-      </p:transition>
-    </mc:Choice>
-    <mc:Fallback xmlns="" xmlns:mv="urn:schemas-microsoft-com:mac:vml" xmlns:c="http://schemas.openxmlformats.org/drawingml/2006/chart" xmlns:dgm="http://schemas.openxmlformats.org/drawingml/2006/diagram" xmlns:o="urn:schemas-microsoft-com:office:office" xmlns:v="urn:schemas-microsoft-com:vml" xmlns:pvml="urn:schemas-microsoft-com:office:powerpoint" xmlns:com="http://schemas.openxmlformats.org/drawingml/2006/compatibility" xmlns:p15="http://schemas.microsoft.com/office/powerpoint/2012/main" xmlns:ahyp="http://schemas.microsoft.com/office/drawing/2018/hyperlinkcolor">
+    <mc:Fallback xmlns:ahyp="http://schemas.microsoft.com/office/drawing/2018/hyperlinkcolor" xmlns:p15="http://schemas.microsoft.com/office/powerpoint/2012/main" xmlns:com="http://schemas.openxmlformats.org/drawingml/2006/compatibility" xmlns:pvml="urn:schemas-microsoft-com:office:powerpoint" xmlns:v="urn:schemas-microsoft-com:vml" xmlns:o="urn:schemas-microsoft-com:office:office" xmlns:dgm="http://schemas.openxmlformats.org/drawingml/2006/diagram" xmlns:c="http://schemas.openxmlformats.org/drawingml/2006/chart" xmlns:mv="urn:schemas-microsoft-com:mac:vml" xmlns="">
       <p:transition spd="slow">
         <p:fade/>
       </p:transition>
@@ -15961,18 +16039,147 @@
             </a:pPr>
             <a:r>
               <a:rPr lang="en-US" sz="2800" dirty="0"/>
-              <a:t>30FTN</a:t>
+              <a:t>45MDV</a:t>
             </a:r>
             <a:endParaRPr sz="2800" dirty="0"/>
           </a:p>
         </p:txBody>
       </p:sp>
+      <p:sp>
+        <p:nvSpPr>
+          <p:cNvPr id="12" name="TextBox 11">
+            <a:extLst>
+              <a:ext uri="{FF2B5EF4-FFF2-40B4-BE49-F238E27FC236}">
+                <a16:creationId xmlns:a16="http://schemas.microsoft.com/office/drawing/2014/main" id="{C97EF5C4-0909-0742-AF5F-97C07A9FE67F}"/>
+              </a:ext>
+            </a:extLst>
+          </p:cNvPr>
+          <p:cNvSpPr txBox="1"/>
+          <p:nvPr/>
+        </p:nvSpPr>
+        <p:spPr>
+          <a:xfrm>
+            <a:off x="6096000" y="1330957"/>
+            <a:ext cx="4263390" cy="369332"/>
+          </a:xfrm>
+          <a:prstGeom prst="rect">
+            <a:avLst/>
+          </a:prstGeom>
+          <a:noFill/>
+        </p:spPr>
+        <p:txBody>
+          <a:bodyPr wrap="square" rtlCol="0">
+            <a:spAutoFit/>
+          </a:bodyPr>
+          <a:lstStyle/>
+          <a:p>
+            <a:r>
+              <a:rPr lang="en-VN" sz="1800" b="1" dirty="0">
+                <a:solidFill>
+                  <a:schemeClr val="bg2">
+                    <a:lumMod val="50000"/>
+                  </a:schemeClr>
+                </a:solidFill>
+              </a:rPr>
+              <a:t>So sánh với Wave Suffer</a:t>
+            </a:r>
+          </a:p>
+        </p:txBody>
+      </p:sp>
+      <p:sp>
+        <p:nvSpPr>
+          <p:cNvPr id="2" name="TextBox 1">
+            <a:extLst>
+              <a:ext uri="{FF2B5EF4-FFF2-40B4-BE49-F238E27FC236}">
+                <a16:creationId xmlns:a16="http://schemas.microsoft.com/office/drawing/2014/main" id="{BA93B098-D4A2-B948-8040-DD51607F5E44}"/>
+              </a:ext>
+            </a:extLst>
+          </p:cNvPr>
+          <p:cNvSpPr txBox="1"/>
+          <p:nvPr/>
+        </p:nvSpPr>
+        <p:spPr>
+          <a:xfrm>
+            <a:off x="6108125" y="4535871"/>
+            <a:ext cx="4517834" cy="2031325"/>
+          </a:xfrm>
+          <a:prstGeom prst="rect">
+            <a:avLst/>
+          </a:prstGeom>
+          <a:noFill/>
+        </p:spPr>
+        <p:txBody>
+          <a:bodyPr wrap="square" rtlCol="0">
+            <a:spAutoFit/>
+          </a:bodyPr>
+          <a:lstStyle/>
+          <a:p>
+            <a:r>
+              <a:rPr lang="en-VN" dirty="0"/>
+              <a:t>&gt;&gt;&gt; Nhận xét:</a:t>
+            </a:r>
+          </a:p>
+          <a:p>
+            <a:pPr marL="285750" indent="-285750">
+              <a:buFontTx/>
+              <a:buChar char="-"/>
+            </a:pPr>
+            <a:r>
+              <a:rPr lang="en-VN" dirty="0"/>
+              <a:t>Phân đoạn speech và silence sai số nhỏ.</a:t>
+            </a:r>
+          </a:p>
+          <a:p>
+            <a:pPr marL="285750" indent="-285750">
+              <a:buFontTx/>
+              <a:buChar char="-"/>
+            </a:pPr>
+            <a:r>
+              <a:rPr lang="en-VN" dirty="0"/>
+              <a:t>Đường F0 cơ bản giống với kết quả, nhưng độ lệch còn lớn.</a:t>
+            </a:r>
+          </a:p>
+          <a:p>
+            <a:pPr marL="285750" indent="-285750">
+              <a:buFontTx/>
+              <a:buChar char="-"/>
+            </a:pPr>
+            <a:r>
+              <a:rPr lang="en-VN" dirty="0"/>
+              <a:t>Kết quả cuối cùng F0mean : lệch 47Hz</a:t>
+            </a:r>
+          </a:p>
+          <a:p>
+            <a:pPr marL="285750" indent="-285750">
+              <a:buFontTx/>
+              <a:buChar char="-"/>
+            </a:pPr>
+            <a:r>
+              <a:rPr lang="en-VN" dirty="0"/>
+              <a:t>F0 std lệch 1.7</a:t>
+            </a:r>
+          </a:p>
+          <a:p>
+            <a:endParaRPr lang="en-VN" dirty="0"/>
+          </a:p>
+          <a:p>
+            <a:pPr marL="285750" indent="-285750">
+              <a:buFontTx/>
+              <a:buChar char="-"/>
+            </a:pPr>
+            <a:r>
+              <a:rPr lang="en-VN" dirty="0"/>
+              <a:t>Sai số do cuối mỗi nguyên âm có hơi thở lẫn vào, do bước chọn hài chưa được chính xác.</a:t>
+            </a:r>
+          </a:p>
+        </p:txBody>
+      </p:sp>
       <p:pic>
         <p:nvPicPr>
-          <p:cNvPr id="10" name="Picture 9">
+          <p:cNvPr id="4" name="Picture 3">
             <a:extLst>
               <a:ext uri="{FF2B5EF4-FFF2-40B4-BE49-F238E27FC236}">
-                <a16:creationId xmlns:a16="http://schemas.microsoft.com/office/drawing/2014/main" id="{22978F0C-2DBB-DF45-AC3D-7C757B29D568}"/>
+                <a16:creationId xmlns:a16="http://schemas.microsoft.com/office/drawing/2014/main" id="{292171BF-97CB-7A4C-AEB1-1FB7C0EE7E4C}"/>
               </a:ext>
             </a:extLst>
           </p:cNvPr>
@@ -15989,79 +16196,20 @@
         </p:blipFill>
         <p:spPr>
           <a:xfrm>
-            <a:off x="6096000" y="3155626"/>
-            <a:ext cx="6096000" cy="1465052"/>
+            <a:off x="6108125" y="1770806"/>
+            <a:ext cx="5953295" cy="1263717"/>
           </a:xfrm>
           <a:prstGeom prst="rect">
             <a:avLst/>
           </a:prstGeom>
         </p:spPr>
       </p:pic>
-      <p:sp>
-        <p:nvSpPr>
-          <p:cNvPr id="7" name="TextBox 6">
+      <p:pic>
+        <p:nvPicPr>
+          <p:cNvPr id="5" name="Picture 4">
             <a:extLst>
               <a:ext uri="{FF2B5EF4-FFF2-40B4-BE49-F238E27FC236}">
-                <a16:creationId xmlns:a16="http://schemas.microsoft.com/office/drawing/2014/main" id="{82208451-3488-2140-B76A-2227D60862E1}"/>
-              </a:ext>
-            </a:extLst>
-          </p:cNvPr>
-          <p:cNvSpPr txBox="1"/>
-          <p:nvPr/>
-        </p:nvSpPr>
-        <p:spPr>
-          <a:xfrm>
-            <a:off x="6261734" y="5461575"/>
-            <a:ext cx="4471035" cy="1169551"/>
-          </a:xfrm>
-          <a:prstGeom prst="rect">
-            <a:avLst/>
-          </a:prstGeom>
-          <a:noFill/>
-        </p:spPr>
-        <p:txBody>
-          <a:bodyPr wrap="square" rtlCol="0">
-            <a:spAutoFit/>
-          </a:bodyPr>
-          <a:lstStyle/>
-          <a:p>
-            <a:pPr marL="285750" indent="-285750">
-              <a:buFontTx/>
-              <a:buChar char="-"/>
-            </a:pPr>
-            <a:r>
-              <a:rPr lang="en-VN" dirty="0"/>
-              <a:t>Đường F0 cơ bản giống kết quả wave suffer</a:t>
-            </a:r>
-          </a:p>
-          <a:p>
-            <a:pPr marL="285750" indent="-285750">
-              <a:buFontTx/>
-              <a:buChar char="-"/>
-            </a:pPr>
-            <a:r>
-              <a:rPr lang="en-VN" dirty="0"/>
-              <a:t>Kết quả cuối cùng F0mean và F0std chênh lệch rất ít, độ chính xác cao</a:t>
-            </a:r>
-          </a:p>
-          <a:p>
-            <a:pPr marL="285750" indent="-285750">
-              <a:buFontTx/>
-              <a:buChar char="-"/>
-            </a:pPr>
-            <a:r>
-              <a:rPr lang="en-VN" dirty="0"/>
-              <a:t>Nhờ hàm lọc trung vị tăng độ chính xác, và môi trường sạch,k có tạp âm</a:t>
-            </a:r>
-          </a:p>
-        </p:txBody>
-      </p:sp>
-      <p:pic>
-        <p:nvPicPr>
-          <p:cNvPr id="2" name="Picture 1">
-            <a:extLst>
-              <a:ext uri="{FF2B5EF4-FFF2-40B4-BE49-F238E27FC236}">
-                <a16:creationId xmlns:a16="http://schemas.microsoft.com/office/drawing/2014/main" id="{D31A8CD6-DFA0-8442-B492-B170A1B269ED}"/>
+                <a16:creationId xmlns:a16="http://schemas.microsoft.com/office/drawing/2014/main" id="{A5C939DB-5746-184E-BA30-4429122181B7}"/>
               </a:ext>
             </a:extLst>
           </p:cNvPr>
@@ -16078,8 +16226,8 @@
         </p:blipFill>
         <p:spPr>
           <a:xfrm>
-            <a:off x="0" y="1288440"/>
-            <a:ext cx="6096000" cy="5569560"/>
+            <a:off x="31519" y="1330956"/>
+            <a:ext cx="6052357" cy="5527043"/>
           </a:xfrm>
           <a:prstGeom prst="rect">
             <a:avLst/>
@@ -16088,10 +16236,10 @@
       </p:pic>
       <p:pic>
         <p:nvPicPr>
-          <p:cNvPr id="4" name="Picture 3">
+          <p:cNvPr id="6" name="Picture 5">
             <a:extLst>
               <a:ext uri="{FF2B5EF4-FFF2-40B4-BE49-F238E27FC236}">
-                <a16:creationId xmlns:a16="http://schemas.microsoft.com/office/drawing/2014/main" id="{648821D3-FB6C-2442-B87C-BD017DFE924E}"/>
+                <a16:creationId xmlns:a16="http://schemas.microsoft.com/office/drawing/2014/main" id="{6C673EC7-6E54-524F-AB38-235988ED9120}"/>
               </a:ext>
             </a:extLst>
           </p:cNvPr>
@@ -16108,61 +16256,15 @@
         </p:blipFill>
         <p:spPr>
           <a:xfrm>
-            <a:off x="6096000" y="1694764"/>
-            <a:ext cx="6096000" cy="1341120"/>
+            <a:off x="6096000" y="2937594"/>
+            <a:ext cx="5953295" cy="1424199"/>
           </a:xfrm>
           <a:prstGeom prst="rect">
             <a:avLst/>
           </a:prstGeom>
         </p:spPr>
       </p:pic>
-      <p:sp>
-        <p:nvSpPr>
-          <p:cNvPr id="11" name="TextBox 10">
-            <a:extLst>
-              <a:ext uri="{FF2B5EF4-FFF2-40B4-BE49-F238E27FC236}">
-                <a16:creationId xmlns:a16="http://schemas.microsoft.com/office/drawing/2014/main" id="{47FA6F05-5295-3441-B4C6-25BAC28CD15C}"/>
-              </a:ext>
-            </a:extLst>
-          </p:cNvPr>
-          <p:cNvSpPr txBox="1"/>
-          <p:nvPr/>
-        </p:nvSpPr>
-        <p:spPr>
-          <a:xfrm>
-            <a:off x="6096000" y="1314450"/>
-            <a:ext cx="4263390" cy="369332"/>
-          </a:xfrm>
-          <a:prstGeom prst="rect">
-            <a:avLst/>
-          </a:prstGeom>
-          <a:noFill/>
-        </p:spPr>
-        <p:txBody>
-          <a:bodyPr wrap="square" rtlCol="0">
-            <a:spAutoFit/>
-          </a:bodyPr>
-          <a:lstStyle/>
-          <a:p>
-            <a:r>
-              <a:rPr lang="en-VN" sz="1800" b="1" dirty="0">
-                <a:solidFill>
-                  <a:schemeClr val="bg2">
-                    <a:lumMod val="50000"/>
-                  </a:schemeClr>
-                </a:solidFill>
-              </a:rPr>
-              <a:t>So sánh với Wave Suffer</a:t>
-            </a:r>
-          </a:p>
-        </p:txBody>
-      </p:sp>
     </p:spTree>
-    <p:extLst>
-      <p:ext uri="{BB962C8B-B14F-4D97-AF65-F5344CB8AC3E}">
-        <p14:creationId xmlns:p14="http://schemas.microsoft.com/office/powerpoint/2010/main" val="3079895878"/>
-      </p:ext>
-    </p:extLst>
   </p:cSld>
   <p:clrMapOvr>
     <a:masterClrMapping/>
@@ -16173,7 +16275,7 @@
         <p:fade/>
       </p:transition>
     </mc:Choice>
-    <mc:Fallback xmlns="" xmlns:mv="urn:schemas-microsoft-com:mac:vml" xmlns:c="http://schemas.openxmlformats.org/drawingml/2006/chart" xmlns:dgm="http://schemas.openxmlformats.org/drawingml/2006/diagram" xmlns:o="urn:schemas-microsoft-com:office:office" xmlns:v="urn:schemas-microsoft-com:vml" xmlns:pvml="urn:schemas-microsoft-com:office:powerpoint" xmlns:com="http://schemas.openxmlformats.org/drawingml/2006/compatibility" xmlns:p15="http://schemas.microsoft.com/office/powerpoint/2012/main" xmlns:ahyp="http://schemas.microsoft.com/office/drawing/2018/hyperlinkcolor">
+    <mc:Fallback xmlns:ahyp="http://schemas.microsoft.com/office/drawing/2018/hyperlinkcolor" xmlns:p15="http://schemas.microsoft.com/office/powerpoint/2012/main" xmlns:com="http://schemas.openxmlformats.org/drawingml/2006/compatibility" xmlns:pvml="urn:schemas-microsoft-com:office:powerpoint" xmlns:v="urn:schemas-microsoft-com:vml" xmlns:o="urn:schemas-microsoft-com:office:office" xmlns:dgm="http://schemas.openxmlformats.org/drawingml/2006/diagram" xmlns:c="http://schemas.openxmlformats.org/drawingml/2006/chart" xmlns:mv="urn:schemas-microsoft-com:mac:vml" xmlns="">
       <p:transition spd="slow">
         <p:fade/>
       </p:transition>
@@ -16247,7 +16349,7 @@
             </a:pPr>
             <a:r>
               <a:rPr lang="en-US" sz="2800" dirty="0"/>
-              <a:t>42FQT</a:t>
+              <a:t>44MTT</a:t>
             </a:r>
             <a:endParaRPr sz="2800" dirty="0"/>
           </a:p>
@@ -16255,10 +16357,10 @@
       </p:sp>
       <p:pic>
         <p:nvPicPr>
-          <p:cNvPr id="8" name="Picture 7">
+          <p:cNvPr id="4" name="Picture 3">
             <a:extLst>
               <a:ext uri="{FF2B5EF4-FFF2-40B4-BE49-F238E27FC236}">
-                <a16:creationId xmlns:a16="http://schemas.microsoft.com/office/drawing/2014/main" id="{78232268-EEA4-3344-B4C0-2798BB1B8A40}"/>
+                <a16:creationId xmlns:a16="http://schemas.microsoft.com/office/drawing/2014/main" id="{AEB2D595-9D3F-7749-964E-328E5810C76E}"/>
               </a:ext>
             </a:extLst>
           </p:cNvPr>
@@ -16274,9 +16376,9 @@
           </a:stretch>
         </p:blipFill>
         <p:spPr>
-          <a:xfrm rot="10800000" flipH="1" flipV="1">
-            <a:off x="6096000" y="3051695"/>
-            <a:ext cx="6096000" cy="1828800"/>
+          <a:xfrm>
+            <a:off x="6138978" y="1591620"/>
+            <a:ext cx="6064228" cy="1247812"/>
           </a:xfrm>
           <a:prstGeom prst="rect">
             <a:avLst/>
@@ -16285,10 +16387,10 @@
       </p:pic>
       <p:sp>
         <p:nvSpPr>
-          <p:cNvPr id="7" name="TextBox 6">
+          <p:cNvPr id="11" name="TextBox 10">
             <a:extLst>
               <a:ext uri="{FF2B5EF4-FFF2-40B4-BE49-F238E27FC236}">
-                <a16:creationId xmlns:a16="http://schemas.microsoft.com/office/drawing/2014/main" id="{BBCF8505-7D5F-DE49-820F-60F22693C4CA}"/>
+                <a16:creationId xmlns:a16="http://schemas.microsoft.com/office/drawing/2014/main" id="{15ABC423-1340-0241-B249-DB632B867F86}"/>
               </a:ext>
             </a:extLst>
           </p:cNvPr>
@@ -16297,8 +16399,8 @@
         </p:nvSpPr>
         <p:spPr>
           <a:xfrm>
-            <a:off x="6260750" y="5256429"/>
-            <a:ext cx="4796790" cy="1169551"/>
+            <a:off x="6373962" y="1257366"/>
+            <a:ext cx="4263390" cy="369332"/>
           </a:xfrm>
           <a:prstGeom prst="rect">
             <a:avLst/>
@@ -16311,43 +16413,25 @@
           </a:bodyPr>
           <a:lstStyle/>
           <a:p>
-            <a:pPr marL="285750" indent="-285750">
-              <a:buFontTx/>
-              <a:buChar char="-"/>
-            </a:pPr>
             <a:r>
-              <a:rPr lang="en-VN" dirty="0"/>
-              <a:t>Đường F0 cơ bản giống kết quả wave suffer</a:t>
-            </a:r>
-          </a:p>
-          <a:p>
-            <a:pPr marL="285750" indent="-285750">
-              <a:buFontTx/>
-              <a:buChar char="-"/>
-            </a:pPr>
-            <a:r>
-              <a:rPr lang="en-VN" dirty="0"/>
-              <a:t>Kết quả cuối cùng F0mean và F0std chênh lệch rất ít, độ chính xác cao</a:t>
-            </a:r>
-          </a:p>
-          <a:p>
-            <a:pPr marL="285750" indent="-285750">
-              <a:buFontTx/>
-              <a:buChar char="-"/>
-            </a:pPr>
-            <a:r>
-              <a:rPr lang="en-VN" dirty="0"/>
-              <a:t>Nhờ hàm lọc trung vị tăng độ chính xác, và môi trường sạch,k có tạp âm</a:t>
+              <a:rPr lang="en-VN" sz="1800" b="1" dirty="0">
+                <a:solidFill>
+                  <a:schemeClr val="bg2">
+                    <a:lumMod val="50000"/>
+                  </a:schemeClr>
+                </a:solidFill>
+              </a:rPr>
+              <a:t>So sánh với Wave Suffer</a:t>
             </a:r>
           </a:p>
         </p:txBody>
       </p:sp>
       <p:pic>
         <p:nvPicPr>
-          <p:cNvPr id="2" name="Picture 1">
+          <p:cNvPr id="3" name="Picture 2">
             <a:extLst>
               <a:ext uri="{FF2B5EF4-FFF2-40B4-BE49-F238E27FC236}">
-                <a16:creationId xmlns:a16="http://schemas.microsoft.com/office/drawing/2014/main" id="{43AE5D1A-3C80-0C49-92B8-AAE0B3817023}"/>
+                <a16:creationId xmlns:a16="http://schemas.microsoft.com/office/drawing/2014/main" id="{3DBD8B83-0F9A-574F-B6DA-CF342C420AD0}"/>
               </a:ext>
             </a:extLst>
           </p:cNvPr>
@@ -16364,8 +16448,8 @@
         </p:blipFill>
         <p:spPr>
           <a:xfrm>
-            <a:off x="32385" y="1257233"/>
-            <a:ext cx="6311910" cy="5547176"/>
+            <a:off x="51376" y="1280883"/>
+            <a:ext cx="6087601" cy="5406317"/>
           </a:xfrm>
           <a:prstGeom prst="rect">
             <a:avLst/>
@@ -16374,10 +16458,10 @@
       </p:pic>
       <p:pic>
         <p:nvPicPr>
-          <p:cNvPr id="4" name="Picture 3">
+          <p:cNvPr id="5" name="Picture 4">
             <a:extLst>
               <a:ext uri="{FF2B5EF4-FFF2-40B4-BE49-F238E27FC236}">
-                <a16:creationId xmlns:a16="http://schemas.microsoft.com/office/drawing/2014/main" id="{5CF9947D-4025-5A4B-BB6C-C080F09D7628}"/>
+                <a16:creationId xmlns:a16="http://schemas.microsoft.com/office/drawing/2014/main" id="{C78D06DE-0D35-A24F-8A73-3CCECCF6F6F2}"/>
               </a:ext>
             </a:extLst>
           </p:cNvPr>
@@ -16394,8 +16478,537 @@
         </p:blipFill>
         <p:spPr>
           <a:xfrm>
+            <a:off x="6170268" y="2839432"/>
+            <a:ext cx="6001647" cy="1337280"/>
+          </a:xfrm>
+          <a:prstGeom prst="rect">
+            <a:avLst/>
+          </a:prstGeom>
+        </p:spPr>
+      </p:pic>
+      <p:sp>
+        <p:nvSpPr>
+          <p:cNvPr id="10" name="TextBox 9">
+            <a:extLst>
+              <a:ext uri="{FF2B5EF4-FFF2-40B4-BE49-F238E27FC236}">
+                <a16:creationId xmlns:a16="http://schemas.microsoft.com/office/drawing/2014/main" id="{66671088-4871-1641-B20F-9BC6030BC816}"/>
+              </a:ext>
+            </a:extLst>
+          </p:cNvPr>
+          <p:cNvSpPr txBox="1"/>
+          <p:nvPr/>
+        </p:nvSpPr>
+        <p:spPr>
+          <a:xfrm>
+            <a:off x="6138976" y="4466161"/>
+            <a:ext cx="4498375" cy="2246769"/>
+          </a:xfrm>
+          <a:prstGeom prst="rect">
+            <a:avLst/>
+          </a:prstGeom>
+          <a:noFill/>
+        </p:spPr>
+        <p:txBody>
+          <a:bodyPr wrap="square" rtlCol="0">
+            <a:spAutoFit/>
+          </a:bodyPr>
+          <a:lstStyle/>
+          <a:p>
+            <a:r>
+              <a:rPr lang="en-VN" dirty="0"/>
+              <a:t>&gt;&gt;&gt;Nhận xét:</a:t>
+            </a:r>
+          </a:p>
+          <a:p>
+            <a:pPr marL="285750" indent="-285750">
+              <a:buFontTx/>
+              <a:buChar char="-"/>
+            </a:pPr>
+            <a:r>
+              <a:rPr lang="en-VN" dirty="0"/>
+              <a:t>Việc phân cách giữa speech và silence là chính xác cao.</a:t>
+            </a:r>
+          </a:p>
+          <a:p>
+            <a:pPr marL="285750" indent="-285750">
+              <a:buFontTx/>
+              <a:buChar char="-"/>
+            </a:pPr>
+            <a:r>
+              <a:rPr lang="en-VN" dirty="0"/>
+              <a:t>Đường F0 có nhiều pitch ảo xuất hiện. Chưa có độ chính xác.</a:t>
+            </a:r>
+          </a:p>
+          <a:p>
+            <a:pPr marL="285750" indent="-285750">
+              <a:buFontTx/>
+              <a:buChar char="-"/>
+            </a:pPr>
+            <a:r>
+              <a:rPr lang="en-VN" dirty="0"/>
+              <a:t>Kết quả cuối cùng F0mean : lệch 28Hz</a:t>
+            </a:r>
+          </a:p>
+          <a:p>
+            <a:pPr marL="285750" indent="-285750">
+              <a:buFontTx/>
+              <a:buChar char="-"/>
+            </a:pPr>
+            <a:r>
+              <a:rPr lang="en-VN" dirty="0"/>
+              <a:t>F0 std lệch 13Hz</a:t>
+            </a:r>
+          </a:p>
+          <a:p>
+            <a:endParaRPr lang="en-VN" dirty="0"/>
+          </a:p>
+          <a:p>
+            <a:pPr marL="285750" indent="-285750">
+              <a:buFontTx/>
+              <a:buChar char="-"/>
+            </a:pPr>
+            <a:r>
+              <a:rPr lang="en-VN" dirty="0"/>
+              <a:t>Sai số do cuối mỗi nguyên âm có hơi thở lẫn vào, do bước chọn hài chưa được chính xác.</a:t>
+            </a:r>
+          </a:p>
+        </p:txBody>
+      </p:sp>
+    </p:spTree>
+    <p:extLst>
+      <p:ext uri="{BB962C8B-B14F-4D97-AF65-F5344CB8AC3E}">
+        <p14:creationId xmlns:p14="http://schemas.microsoft.com/office/powerpoint/2010/main" val="2547080055"/>
+      </p:ext>
+    </p:extLst>
+  </p:cSld>
+  <p:clrMapOvr>
+    <a:masterClrMapping/>
+  </p:clrMapOvr>
+  <mc:AlternateContent xmlns:mc="http://schemas.openxmlformats.org/markup-compatibility/2006" xmlns:p14="http://schemas.microsoft.com/office/powerpoint/2010/main">
+    <mc:Choice Requires="p14">
+      <p:transition spd="med" p14:dur="700">
+        <p:fade/>
+      </p:transition>
+    </mc:Choice>
+    <mc:Fallback xmlns:ahyp="http://schemas.microsoft.com/office/drawing/2018/hyperlinkcolor" xmlns:p15="http://schemas.microsoft.com/office/powerpoint/2012/main" xmlns:com="http://schemas.openxmlformats.org/drawingml/2006/compatibility" xmlns:pvml="urn:schemas-microsoft-com:office:powerpoint" xmlns:v="urn:schemas-microsoft-com:vml" xmlns:o="urn:schemas-microsoft-com:office:office" xmlns:dgm="http://schemas.openxmlformats.org/drawingml/2006/diagram" xmlns:c="http://schemas.openxmlformats.org/drawingml/2006/chart" xmlns:mv="urn:schemas-microsoft-com:mac:vml" xmlns="">
+      <p:transition spd="slow">
+        <p:fade/>
+      </p:transition>
+    </mc:Fallback>
+  </mc:AlternateContent>
+</p:sld>
+</file>
+
+<file path=ppt/slides/slide14.xml><?xml version="1.0" encoding="utf-8"?>
+<p:sld xmlns:a="http://schemas.openxmlformats.org/drawingml/2006/main" xmlns:r="http://schemas.openxmlformats.org/officeDocument/2006/relationships" xmlns:p="http://schemas.openxmlformats.org/presentationml/2006/main">
+  <p:cSld>
+    <p:spTree>
+      <p:nvGrpSpPr>
+        <p:cNvPr id="1" name="Shape 144"/>
+        <p:cNvGrpSpPr/>
+        <p:nvPr/>
+      </p:nvGrpSpPr>
+      <p:grpSpPr>
+        <a:xfrm>
+          <a:off x="0" y="0"/>
+          <a:ext cx="0" cy="0"/>
+          <a:chOff x="0" y="0"/>
+          <a:chExt cx="0" cy="0"/>
+        </a:xfrm>
+      </p:grpSpPr>
+      <p:sp>
+        <p:nvSpPr>
+          <p:cNvPr id="145" name="Google Shape;145;p23"/>
+          <p:cNvSpPr txBox="1">
+            <a:spLocks noGrp="1"/>
+          </p:cNvSpPr>
+          <p:nvPr>
+            <p:ph type="title"/>
+          </p:nvPr>
+        </p:nvSpPr>
+        <p:spPr>
+          <a:xfrm>
+            <a:off x="289561" y="830950"/>
+            <a:ext cx="3082290" cy="483500"/>
+          </a:xfrm>
+          <a:prstGeom prst="rect">
+            <a:avLst/>
+          </a:prstGeom>
+          <a:noFill/>
+          <a:ln>
+            <a:noFill/>
+          </a:ln>
+        </p:spPr>
+        <p:txBody>
+          <a:bodyPr spcFirstLastPara="1" wrap="square" lIns="91425" tIns="45700" rIns="91425" bIns="45700" anchor="t" anchorCtr="0">
+            <a:noAutofit/>
+          </a:bodyPr>
+          <a:lstStyle/>
+          <a:p>
+            <a:pPr marL="0" lvl="0" indent="0" algn="l" rtl="0">
+              <a:lnSpc>
+                <a:spcPct val="100000"/>
+              </a:lnSpc>
+              <a:spcBef>
+                <a:spcPts val="0"/>
+              </a:spcBef>
+              <a:spcAft>
+                <a:spcPts val="0"/>
+              </a:spcAft>
+              <a:buClr>
+                <a:schemeClr val="dk2"/>
+              </a:buClr>
+              <a:buSzPts val="2800"/>
+              <a:buFont typeface="Arial"/>
+              <a:buNone/>
+            </a:pPr>
+            <a:r>
+              <a:rPr lang="en-US" sz="2800" dirty="0"/>
+              <a:t>30FTN</a:t>
+            </a:r>
+            <a:endParaRPr sz="2800" dirty="0"/>
+          </a:p>
+        </p:txBody>
+      </p:sp>
+      <p:pic>
+        <p:nvPicPr>
+          <p:cNvPr id="4" name="Picture 3">
+            <a:extLst>
+              <a:ext uri="{FF2B5EF4-FFF2-40B4-BE49-F238E27FC236}">
+                <a16:creationId xmlns:a16="http://schemas.microsoft.com/office/drawing/2014/main" id="{648821D3-FB6C-2442-B87C-BD017DFE924E}"/>
+              </a:ext>
+            </a:extLst>
+          </p:cNvPr>
+          <p:cNvPicPr>
+            <a:picLocks noChangeAspect="1"/>
+          </p:cNvPicPr>
+          <p:nvPr/>
+        </p:nvPicPr>
+        <p:blipFill>
+          <a:blip r:embed="rId3"/>
+          <a:stretch>
+            <a:fillRect/>
+          </a:stretch>
+        </p:blipFill>
+        <p:spPr>
+          <a:xfrm>
+            <a:off x="6096000" y="1694764"/>
+            <a:ext cx="6096000" cy="1341120"/>
+          </a:xfrm>
+          <a:prstGeom prst="rect">
+            <a:avLst/>
+          </a:prstGeom>
+        </p:spPr>
+      </p:pic>
+      <p:sp>
+        <p:nvSpPr>
+          <p:cNvPr id="11" name="TextBox 10">
+            <a:extLst>
+              <a:ext uri="{FF2B5EF4-FFF2-40B4-BE49-F238E27FC236}">
+                <a16:creationId xmlns:a16="http://schemas.microsoft.com/office/drawing/2014/main" id="{47FA6F05-5295-3441-B4C6-25BAC28CD15C}"/>
+              </a:ext>
+            </a:extLst>
+          </p:cNvPr>
+          <p:cNvSpPr txBox="1"/>
+          <p:nvPr/>
+        </p:nvSpPr>
+        <p:spPr>
+          <a:xfrm>
+            <a:off x="6096000" y="1314450"/>
+            <a:ext cx="4263390" cy="369332"/>
+          </a:xfrm>
+          <a:prstGeom prst="rect">
+            <a:avLst/>
+          </a:prstGeom>
+          <a:noFill/>
+        </p:spPr>
+        <p:txBody>
+          <a:bodyPr wrap="square" rtlCol="0">
+            <a:spAutoFit/>
+          </a:bodyPr>
+          <a:lstStyle/>
+          <a:p>
+            <a:r>
+              <a:rPr lang="en-VN" sz="1800" b="1" dirty="0">
+                <a:solidFill>
+                  <a:schemeClr val="bg2">
+                    <a:lumMod val="50000"/>
+                  </a:schemeClr>
+                </a:solidFill>
+              </a:rPr>
+              <a:t>So sánh với Wave Suffer</a:t>
+            </a:r>
+          </a:p>
+        </p:txBody>
+      </p:sp>
+      <p:pic>
+        <p:nvPicPr>
+          <p:cNvPr id="3" name="Picture 2">
+            <a:extLst>
+              <a:ext uri="{FF2B5EF4-FFF2-40B4-BE49-F238E27FC236}">
+                <a16:creationId xmlns:a16="http://schemas.microsoft.com/office/drawing/2014/main" id="{437744CA-CD2F-994B-9A79-F9DC40D6DA52}"/>
+              </a:ext>
+            </a:extLst>
+          </p:cNvPr>
+          <p:cNvPicPr>
+            <a:picLocks noChangeAspect="1"/>
+          </p:cNvPicPr>
+          <p:nvPr/>
+        </p:nvPicPr>
+        <p:blipFill>
+          <a:blip r:embed="rId4"/>
+          <a:stretch>
+            <a:fillRect/>
+          </a:stretch>
+        </p:blipFill>
+        <p:spPr>
+          <a:xfrm>
+            <a:off x="0" y="1314450"/>
+            <a:ext cx="6114237" cy="5422681"/>
+          </a:xfrm>
+          <a:prstGeom prst="rect">
+            <a:avLst/>
+          </a:prstGeom>
+        </p:spPr>
+      </p:pic>
+      <p:pic>
+        <p:nvPicPr>
+          <p:cNvPr id="5" name="Picture 4">
+            <a:extLst>
+              <a:ext uri="{FF2B5EF4-FFF2-40B4-BE49-F238E27FC236}">
+                <a16:creationId xmlns:a16="http://schemas.microsoft.com/office/drawing/2014/main" id="{E97B88A6-06BF-DA44-8650-9BBB89264899}"/>
+              </a:ext>
+            </a:extLst>
+          </p:cNvPr>
+          <p:cNvPicPr>
+            <a:picLocks noChangeAspect="1"/>
+          </p:cNvPicPr>
+          <p:nvPr/>
+        </p:nvPicPr>
+        <p:blipFill>
+          <a:blip r:embed="rId5"/>
+          <a:stretch>
+            <a:fillRect/>
+          </a:stretch>
+        </p:blipFill>
+        <p:spPr>
+          <a:xfrm>
+            <a:off x="6114236" y="3104724"/>
+            <a:ext cx="6077764" cy="1246559"/>
+          </a:xfrm>
+          <a:prstGeom prst="rect">
+            <a:avLst/>
+          </a:prstGeom>
+        </p:spPr>
+      </p:pic>
+      <p:sp>
+        <p:nvSpPr>
+          <p:cNvPr id="12" name="TextBox 11">
+            <a:extLst>
+              <a:ext uri="{FF2B5EF4-FFF2-40B4-BE49-F238E27FC236}">
+                <a16:creationId xmlns:a16="http://schemas.microsoft.com/office/drawing/2014/main" id="{E7A2384E-B176-9646-8005-0235166621CB}"/>
+              </a:ext>
+            </a:extLst>
+          </p:cNvPr>
+          <p:cNvSpPr txBox="1"/>
+          <p:nvPr/>
+        </p:nvSpPr>
+        <p:spPr>
+          <a:xfrm>
+            <a:off x="6138976" y="4466161"/>
+            <a:ext cx="4498375" cy="2031325"/>
+          </a:xfrm>
+          <a:prstGeom prst="rect">
+            <a:avLst/>
+          </a:prstGeom>
+          <a:noFill/>
+        </p:spPr>
+        <p:txBody>
+          <a:bodyPr wrap="square" rtlCol="0">
+            <a:spAutoFit/>
+          </a:bodyPr>
+          <a:lstStyle/>
+          <a:p>
+            <a:r>
+              <a:rPr lang="en-VN" dirty="0"/>
+              <a:t>&gt;&gt;&gt;Nhận xét:</a:t>
+            </a:r>
+          </a:p>
+          <a:p>
+            <a:pPr marL="285750" indent="-285750">
+              <a:buFontTx/>
+              <a:buChar char="-"/>
+            </a:pPr>
+            <a:r>
+              <a:rPr lang="en-VN" dirty="0"/>
+              <a:t>Việc phân cách giữa speech và silence là chính xác cao.</a:t>
+            </a:r>
+          </a:p>
+          <a:p>
+            <a:pPr marL="285750" indent="-285750">
+              <a:buFontTx/>
+              <a:buChar char="-"/>
+            </a:pPr>
+            <a:r>
+              <a:rPr lang="en-VN" dirty="0"/>
+              <a:t>Đường F0 độ chính xác cao.</a:t>
+            </a:r>
+          </a:p>
+          <a:p>
+            <a:pPr marL="285750" indent="-285750">
+              <a:buFontTx/>
+              <a:buChar char="-"/>
+            </a:pPr>
+            <a:r>
+              <a:rPr lang="en-VN" dirty="0"/>
+              <a:t>Kết quả cuối cùng F0mean : lệch 9Hz</a:t>
+            </a:r>
+          </a:p>
+          <a:p>
+            <a:pPr marL="285750" indent="-285750">
+              <a:buFontTx/>
+              <a:buChar char="-"/>
+            </a:pPr>
+            <a:r>
+              <a:rPr lang="en-VN" dirty="0"/>
+              <a:t>F0 std lệch ~4Hz</a:t>
+            </a:r>
+          </a:p>
+          <a:p>
+            <a:endParaRPr lang="en-VN" dirty="0"/>
+          </a:p>
+          <a:p>
+            <a:pPr marL="285750" indent="-285750">
+              <a:buFontTx/>
+              <a:buChar char="-"/>
+            </a:pPr>
+            <a:r>
+              <a:rPr lang="en-VN" dirty="0"/>
+              <a:t>Sai số do cuối mỗi nguyên âm có hơi thở lẫn vào, do bước chọn hài chưa được chính xác.</a:t>
+            </a:r>
+          </a:p>
+        </p:txBody>
+      </p:sp>
+    </p:spTree>
+    <p:extLst>
+      <p:ext uri="{BB962C8B-B14F-4D97-AF65-F5344CB8AC3E}">
+        <p14:creationId xmlns:p14="http://schemas.microsoft.com/office/powerpoint/2010/main" val="3079895878"/>
+      </p:ext>
+    </p:extLst>
+  </p:cSld>
+  <p:clrMapOvr>
+    <a:masterClrMapping/>
+  </p:clrMapOvr>
+  <mc:AlternateContent xmlns:mc="http://schemas.openxmlformats.org/markup-compatibility/2006" xmlns:p14="http://schemas.microsoft.com/office/powerpoint/2010/main">
+    <mc:Choice Requires="p14">
+      <p:transition spd="med" p14:dur="700">
+        <p:fade/>
+      </p:transition>
+    </mc:Choice>
+    <mc:Fallback xmlns:ahyp="http://schemas.microsoft.com/office/drawing/2018/hyperlinkcolor" xmlns:p15="http://schemas.microsoft.com/office/powerpoint/2012/main" xmlns:com="http://schemas.openxmlformats.org/drawingml/2006/compatibility" xmlns:pvml="urn:schemas-microsoft-com:office:powerpoint" xmlns:v="urn:schemas-microsoft-com:vml" xmlns:o="urn:schemas-microsoft-com:office:office" xmlns:dgm="http://schemas.openxmlformats.org/drawingml/2006/diagram" xmlns:c="http://schemas.openxmlformats.org/drawingml/2006/chart" xmlns:mv="urn:schemas-microsoft-com:mac:vml" xmlns="">
+      <p:transition spd="slow">
+        <p:fade/>
+      </p:transition>
+    </mc:Fallback>
+  </mc:AlternateContent>
+</p:sld>
+</file>
+
+<file path=ppt/slides/slide15.xml><?xml version="1.0" encoding="utf-8"?>
+<p:sld xmlns:a="http://schemas.openxmlformats.org/drawingml/2006/main" xmlns:r="http://schemas.openxmlformats.org/officeDocument/2006/relationships" xmlns:p="http://schemas.openxmlformats.org/presentationml/2006/main">
+  <p:cSld>
+    <p:spTree>
+      <p:nvGrpSpPr>
+        <p:cNvPr id="1" name="Shape 144"/>
+        <p:cNvGrpSpPr/>
+        <p:nvPr/>
+      </p:nvGrpSpPr>
+      <p:grpSpPr>
+        <a:xfrm>
+          <a:off x="0" y="0"/>
+          <a:ext cx="0" cy="0"/>
+          <a:chOff x="0" y="0"/>
+          <a:chExt cx="0" cy="0"/>
+        </a:xfrm>
+      </p:grpSpPr>
+      <p:sp>
+        <p:nvSpPr>
+          <p:cNvPr id="145" name="Google Shape;145;p23"/>
+          <p:cNvSpPr txBox="1">
+            <a:spLocks noGrp="1"/>
+          </p:cNvSpPr>
+          <p:nvPr>
+            <p:ph type="title"/>
+          </p:nvPr>
+        </p:nvSpPr>
+        <p:spPr>
+          <a:xfrm>
+            <a:off x="289561" y="830950"/>
+            <a:ext cx="3082290" cy="483500"/>
+          </a:xfrm>
+          <a:prstGeom prst="rect">
+            <a:avLst/>
+          </a:prstGeom>
+          <a:noFill/>
+          <a:ln>
+            <a:noFill/>
+          </a:ln>
+        </p:spPr>
+        <p:txBody>
+          <a:bodyPr spcFirstLastPara="1" wrap="square" lIns="91425" tIns="45700" rIns="91425" bIns="45700" anchor="t" anchorCtr="0">
+            <a:noAutofit/>
+          </a:bodyPr>
+          <a:lstStyle/>
+          <a:p>
+            <a:pPr marL="0" lvl="0" indent="0" algn="l" rtl="0">
+              <a:lnSpc>
+                <a:spcPct val="100000"/>
+              </a:lnSpc>
+              <a:spcBef>
+                <a:spcPts val="0"/>
+              </a:spcBef>
+              <a:spcAft>
+                <a:spcPts val="0"/>
+              </a:spcAft>
+              <a:buClr>
+                <a:schemeClr val="dk2"/>
+              </a:buClr>
+              <a:buSzPts val="2800"/>
+              <a:buFont typeface="Arial"/>
+              <a:buNone/>
+            </a:pPr>
+            <a:r>
+              <a:rPr lang="en-US" sz="2800" dirty="0"/>
+              <a:t>42FQT</a:t>
+            </a:r>
+            <a:endParaRPr sz="2800" dirty="0"/>
+          </a:p>
+        </p:txBody>
+      </p:sp>
+      <p:pic>
+        <p:nvPicPr>
+          <p:cNvPr id="4" name="Picture 3">
+            <a:extLst>
+              <a:ext uri="{FF2B5EF4-FFF2-40B4-BE49-F238E27FC236}">
+                <a16:creationId xmlns:a16="http://schemas.microsoft.com/office/drawing/2014/main" id="{5CF9947D-4025-5A4B-BB6C-C080F09D7628}"/>
+              </a:ext>
+            </a:extLst>
+          </p:cNvPr>
+          <p:cNvPicPr>
+            <a:picLocks noChangeAspect="1"/>
+          </p:cNvPicPr>
+          <p:nvPr/>
+        </p:nvPicPr>
+        <p:blipFill>
+          <a:blip r:embed="rId3"/>
+          <a:stretch>
+            <a:fillRect/>
+          </a:stretch>
+        </p:blipFill>
+        <p:spPr>
+          <a:xfrm>
             <a:off x="6164148" y="1765245"/>
-            <a:ext cx="6234332" cy="1286450"/>
+            <a:ext cx="6027852" cy="1169551"/>
           </a:xfrm>
           <a:prstGeom prst="rect">
             <a:avLst/>
@@ -16443,6 +17056,154 @@
           </a:p>
         </p:txBody>
       </p:sp>
+      <p:pic>
+        <p:nvPicPr>
+          <p:cNvPr id="3" name="Picture 2">
+            <a:extLst>
+              <a:ext uri="{FF2B5EF4-FFF2-40B4-BE49-F238E27FC236}">
+                <a16:creationId xmlns:a16="http://schemas.microsoft.com/office/drawing/2014/main" id="{00CF72FD-0501-1F45-A65A-64F697426637}"/>
+              </a:ext>
+            </a:extLst>
+          </p:cNvPr>
+          <p:cNvPicPr>
+            <a:picLocks noChangeAspect="1"/>
+          </p:cNvPicPr>
+          <p:nvPr/>
+        </p:nvPicPr>
+        <p:blipFill>
+          <a:blip r:embed="rId4"/>
+          <a:stretch>
+            <a:fillRect/>
+          </a:stretch>
+        </p:blipFill>
+        <p:spPr>
+          <a:xfrm>
+            <a:off x="-36653" y="1314450"/>
+            <a:ext cx="6297403" cy="5573824"/>
+          </a:xfrm>
+          <a:prstGeom prst="rect">
+            <a:avLst/>
+          </a:prstGeom>
+        </p:spPr>
+      </p:pic>
+      <p:pic>
+        <p:nvPicPr>
+          <p:cNvPr id="5" name="Picture 4">
+            <a:extLst>
+              <a:ext uri="{FF2B5EF4-FFF2-40B4-BE49-F238E27FC236}">
+                <a16:creationId xmlns:a16="http://schemas.microsoft.com/office/drawing/2014/main" id="{22428C0E-6251-2942-8F4F-76539DFE9EE1}"/>
+              </a:ext>
+            </a:extLst>
+          </p:cNvPr>
+          <p:cNvPicPr>
+            <a:picLocks noChangeAspect="1"/>
+          </p:cNvPicPr>
+          <p:nvPr/>
+        </p:nvPicPr>
+        <p:blipFill>
+          <a:blip r:embed="rId5"/>
+          <a:stretch>
+            <a:fillRect/>
+          </a:stretch>
+        </p:blipFill>
+        <p:spPr>
+          <a:xfrm>
+            <a:off x="6260750" y="3018821"/>
+            <a:ext cx="5931250" cy="1330572"/>
+          </a:xfrm>
+          <a:prstGeom prst="rect">
+            <a:avLst/>
+          </a:prstGeom>
+        </p:spPr>
+      </p:pic>
+      <p:sp>
+        <p:nvSpPr>
+          <p:cNvPr id="10" name="TextBox 9">
+            <a:extLst>
+              <a:ext uri="{FF2B5EF4-FFF2-40B4-BE49-F238E27FC236}">
+                <a16:creationId xmlns:a16="http://schemas.microsoft.com/office/drawing/2014/main" id="{54863193-A63F-8649-8DF0-E534AF5E725C}"/>
+              </a:ext>
+            </a:extLst>
+          </p:cNvPr>
+          <p:cNvSpPr txBox="1"/>
+          <p:nvPr/>
+        </p:nvSpPr>
+        <p:spPr>
+          <a:xfrm>
+            <a:off x="6138976" y="4466161"/>
+            <a:ext cx="4697190" cy="2031325"/>
+          </a:xfrm>
+          <a:prstGeom prst="rect">
+            <a:avLst/>
+          </a:prstGeom>
+          <a:noFill/>
+        </p:spPr>
+        <p:txBody>
+          <a:bodyPr wrap="square" rtlCol="0">
+            <a:spAutoFit/>
+          </a:bodyPr>
+          <a:lstStyle/>
+          <a:p>
+            <a:r>
+              <a:rPr lang="en-VN" dirty="0"/>
+              <a:t>&gt;&gt;&gt;Nhận xét:</a:t>
+            </a:r>
+          </a:p>
+          <a:p>
+            <a:pPr marL="285750" indent="-285750">
+              <a:buFontTx/>
+              <a:buChar char="-"/>
+            </a:pPr>
+            <a:r>
+              <a:rPr lang="en-VN" dirty="0"/>
+              <a:t>Việc phân cách giữa speech và silence vẫn còn bị bỏ xót ở phần cuối mỗi nguyên âm.</a:t>
+            </a:r>
+          </a:p>
+          <a:p>
+            <a:pPr marL="285750" indent="-285750">
+              <a:buFontTx/>
+              <a:buChar char="-"/>
+            </a:pPr>
+            <a:r>
+              <a:rPr lang="en-VN" dirty="0"/>
+              <a:t>Đường F0 chỉ tương đối chính xác</a:t>
+            </a:r>
+          </a:p>
+          <a:p>
+            <a:pPr marL="285750" indent="-285750">
+              <a:buFontTx/>
+              <a:buChar char="-"/>
+            </a:pPr>
+            <a:r>
+              <a:rPr lang="en-VN" dirty="0"/>
+              <a:t>Kết quả cuối cùng F0mean : lệch 14Hz</a:t>
+            </a:r>
+          </a:p>
+          <a:p>
+            <a:pPr marL="285750" indent="-285750">
+              <a:buFontTx/>
+              <a:buChar char="-"/>
+            </a:pPr>
+            <a:r>
+              <a:rPr lang="en-VN" dirty="0"/>
+              <a:t>F0 std lệch ~1.5Hz</a:t>
+            </a:r>
+          </a:p>
+          <a:p>
+            <a:endParaRPr lang="en-VN" dirty="0"/>
+          </a:p>
+          <a:p>
+            <a:pPr marL="285750" indent="-285750">
+              <a:buFontTx/>
+              <a:buChar char="-"/>
+            </a:pPr>
+            <a:r>
+              <a:rPr lang="en-VN" dirty="0"/>
+              <a:t>Sai số do cuối mỗi nguyên âm có hơi thở lẫn vào, do bước chọn hài chưa được chính xác.</a:t>
+            </a:r>
+          </a:p>
+        </p:txBody>
+      </p:sp>
     </p:spTree>
     <p:extLst>
       <p:ext uri="{BB962C8B-B14F-4D97-AF65-F5344CB8AC3E}">
@@ -16459,7 +17220,7 @@
         <p:fade/>
       </p:transition>
     </mc:Choice>
-    <mc:Fallback xmlns="" xmlns:mv="urn:schemas-microsoft-com:mac:vml" xmlns:c="http://schemas.openxmlformats.org/drawingml/2006/chart" xmlns:dgm="http://schemas.openxmlformats.org/drawingml/2006/diagram" xmlns:o="urn:schemas-microsoft-com:office:office" xmlns:v="urn:schemas-microsoft-com:vml" xmlns:pvml="urn:schemas-microsoft-com:office:powerpoint" xmlns:com="http://schemas.openxmlformats.org/drawingml/2006/compatibility" xmlns:p15="http://schemas.microsoft.com/office/powerpoint/2012/main" xmlns:ahyp="http://schemas.microsoft.com/office/drawing/2018/hyperlinkcolor">
+    <mc:Fallback xmlns:ahyp="http://schemas.microsoft.com/office/drawing/2018/hyperlinkcolor" xmlns:p15="http://schemas.microsoft.com/office/powerpoint/2012/main" xmlns:com="http://schemas.openxmlformats.org/drawingml/2006/compatibility" xmlns:pvml="urn:schemas-microsoft-com:office:powerpoint" xmlns:v="urn:schemas-microsoft-com:vml" xmlns:o="urn:schemas-microsoft-com:office:office" xmlns:dgm="http://schemas.openxmlformats.org/drawingml/2006/diagram" xmlns:c="http://schemas.openxmlformats.org/drawingml/2006/chart" xmlns:mv="urn:schemas-microsoft-com:mac:vml" xmlns="">
       <p:transition spd="slow">
         <p:fade/>
       </p:transition>
@@ -16468,7 +17229,7 @@
 </p:sld>
 </file>
 
-<file path=ppt/slides/slide14.xml><?xml version="1.0" encoding="utf-8"?>
+<file path=ppt/slides/slide16.xml><?xml version="1.0" encoding="utf-8"?>
 <p:sld xmlns:a="http://schemas.openxmlformats.org/drawingml/2006/main" xmlns:r="http://schemas.openxmlformats.org/officeDocument/2006/relationships" xmlns:p="http://schemas.openxmlformats.org/presentationml/2006/main">
   <p:cSld>
     <p:spTree>
@@ -16543,7 +17304,7 @@
         </p:nvSpPr>
         <p:spPr>
           <a:xfrm>
-            <a:off x="400928" y="1897381"/>
+            <a:off x="369397" y="1802788"/>
             <a:ext cx="5977011" cy="3941298"/>
           </a:xfrm>
           <a:prstGeom prst="rect">
@@ -16600,8 +17361,8 @@
         </p:nvSpPr>
         <p:spPr>
           <a:xfrm>
-            <a:off x="147941" y="2119329"/>
-            <a:ext cx="7257612" cy="4154984"/>
+            <a:off x="147941" y="1982694"/>
+            <a:ext cx="7257612" cy="4493538"/>
           </a:xfrm>
           <a:prstGeom prst="rect">
             <a:avLst/>
@@ -16626,21 +17387,21 @@
                   </a:schemeClr>
                 </a:solidFill>
               </a:rPr>
-              <a:t>Ngưỡng chung: + STE: 0.21	+MA:0.185</a:t>
+              <a:t>Ngưỡng chung: + STE: 0.21  +MA:0.185   </a:t>
             </a:r>
           </a:p>
           <a:p>
-            <a:pPr marL="285750" indent="-285750">
-              <a:buFontTx/>
-              <a:buChar char="-"/>
-            </a:pPr>
-            <a:endParaRPr lang="en-VN" sz="2200" dirty="0">
-              <a:solidFill>
-                <a:schemeClr val="bg2">
-                  <a:lumMod val="50000"/>
-                </a:schemeClr>
-              </a:solidFill>
-            </a:endParaRPr>
+            <a:pPr lvl="4"/>
+            <a:r>
+              <a:rPr lang="en-VN" sz="2200" dirty="0">
+                <a:solidFill>
+                  <a:schemeClr val="bg2">
+                    <a:lumMod val="50000"/>
+                  </a:schemeClr>
+                </a:solidFill>
+              </a:rPr>
+              <a:t>			+ Autocorrect : 0.37</a:t>
+            </a:r>
           </a:p>
           <a:p>
             <a:pPr marL="285750" indent="-285750">
@@ -16667,7 +17428,7 @@
                   </a:schemeClr>
                 </a:solidFill>
               </a:rPr>
-              <a:t>	+ Thuật toán 1: kết quả tương đối, ở mỗi đoạn cuối nguyên âm có nơi chưa lấy được là khung nguyên âm do nhiễu cũng như hơi thở người phát âm.</a:t>
+              <a:t>	+ Thuật toán 1: kết quả chính xác khá cao, các nguyên âm có phần cuối kéo dài kèm hơn thở vẫn còn bị bỏ xót.</a:t>
             </a:r>
           </a:p>
           <a:p>
@@ -16679,7 +17440,7 @@
                   </a:schemeClr>
                 </a:solidFill>
               </a:rPr>
-              <a:t>	+ Thuật toán 2: Độ chênh lệch không quá lớn =&gt; kết quả là chính xác tương đối.</a:t>
+              <a:t>	+ Thuật toán 2: &gt; Các file male cho kết quả sai số cao hơn các file female. Đường F0 cơ bản khá giống với kết quả WaveSuffer.</a:t>
             </a:r>
           </a:p>
           <a:p>
@@ -16691,17 +17452,8 @@
                   </a:schemeClr>
                 </a:solidFill>
               </a:rPr>
-              <a:t>So sánh với thuật toán ACF: độ chính xác không bằng.</a:t>
+              <a:t> - So sánh với thuật toán ACF: Độ chính xác không bằng.</a:t>
             </a:r>
-          </a:p>
-          <a:p>
-            <a:endParaRPr lang="en-VN" sz="2200" dirty="0">
-              <a:solidFill>
-                <a:schemeClr val="bg2">
-                  <a:lumMod val="50000"/>
-                </a:schemeClr>
-              </a:solidFill>
-            </a:endParaRPr>
           </a:p>
           <a:p>
             <a:r>
@@ -16728,7 +17480,7 @@
         <p:fade/>
       </p:transition>
     </mc:Choice>
-    <mc:Fallback xmlns="" xmlns:mv="urn:schemas-microsoft-com:mac:vml" xmlns:c="http://schemas.openxmlformats.org/drawingml/2006/chart" xmlns:dgm="http://schemas.openxmlformats.org/drawingml/2006/diagram" xmlns:o="urn:schemas-microsoft-com:office:office" xmlns:v="urn:schemas-microsoft-com:vml" xmlns:pvml="urn:schemas-microsoft-com:office:powerpoint" xmlns:com="http://schemas.openxmlformats.org/drawingml/2006/compatibility" xmlns:p15="http://schemas.microsoft.com/office/powerpoint/2012/main" xmlns:ahyp="http://schemas.microsoft.com/office/drawing/2018/hyperlinkcolor">
+    <mc:Fallback xmlns:ahyp="http://schemas.microsoft.com/office/drawing/2018/hyperlinkcolor" xmlns:p15="http://schemas.microsoft.com/office/powerpoint/2012/main" xmlns:com="http://schemas.openxmlformats.org/drawingml/2006/compatibility" xmlns:pvml="urn:schemas-microsoft-com:office:powerpoint" xmlns:v="urn:schemas-microsoft-com:vml" xmlns:o="urn:schemas-microsoft-com:office:office" xmlns:dgm="http://schemas.openxmlformats.org/drawingml/2006/diagram" xmlns:c="http://schemas.openxmlformats.org/drawingml/2006/chart" xmlns:mv="urn:schemas-microsoft-com:mac:vml" xmlns="">
       <p:transition spd="slow">
         <p:fade/>
       </p:transition>
@@ -16737,7 +17489,7 @@
 </p:sld>
 </file>
 
-<file path=ppt/slides/slide15.xml><?xml version="1.0" encoding="utf-8"?>
+<file path=ppt/slides/slide17.xml><?xml version="1.0" encoding="utf-8"?>
 <p:sld xmlns:a="http://schemas.openxmlformats.org/drawingml/2006/main" xmlns:r="http://schemas.openxmlformats.org/officeDocument/2006/relationships" xmlns:p="http://schemas.openxmlformats.org/presentationml/2006/main">
   <p:cSld>
     <p:spTree>
@@ -16880,7 +17632,7 @@
         <p:fade/>
       </p:transition>
     </mc:Choice>
-    <mc:Fallback xmlns="" xmlns:mv="urn:schemas-microsoft-com:mac:vml" xmlns:c="http://schemas.openxmlformats.org/drawingml/2006/chart" xmlns:dgm="http://schemas.openxmlformats.org/drawingml/2006/diagram" xmlns:o="urn:schemas-microsoft-com:office:office" xmlns:v="urn:schemas-microsoft-com:vml" xmlns:pvml="urn:schemas-microsoft-com:office:powerpoint" xmlns:com="http://schemas.openxmlformats.org/drawingml/2006/compatibility" xmlns:p15="http://schemas.microsoft.com/office/powerpoint/2012/main" xmlns:ahyp="http://schemas.microsoft.com/office/drawing/2018/hyperlinkcolor">
+    <mc:Fallback xmlns:ahyp="http://schemas.microsoft.com/office/drawing/2018/hyperlinkcolor" xmlns:p15="http://schemas.microsoft.com/office/powerpoint/2012/main" xmlns:com="http://schemas.openxmlformats.org/drawingml/2006/compatibility" xmlns:pvml="urn:schemas-microsoft-com:office:powerpoint" xmlns:v="urn:schemas-microsoft-com:vml" xmlns:o="urn:schemas-microsoft-com:office:office" xmlns:dgm="http://schemas.openxmlformats.org/drawingml/2006/diagram" xmlns:c="http://schemas.openxmlformats.org/drawingml/2006/chart" xmlns:mv="urn:schemas-microsoft-com:mac:vml" xmlns="">
       <p:transition spd="slow">
         <p:fade/>
       </p:transition>
@@ -16889,7 +17641,7 @@
 </p:sld>
 </file>
 
-<file path=ppt/slides/slide16.xml><?xml version="1.0" encoding="utf-8"?>
+<file path=ppt/slides/slide18.xml><?xml version="1.0" encoding="utf-8"?>
 <p:sld xmlns:a="http://schemas.openxmlformats.org/drawingml/2006/main" xmlns:r="http://schemas.openxmlformats.org/officeDocument/2006/relationships" xmlns:p="http://schemas.openxmlformats.org/presentationml/2006/main">
   <p:cSld>
     <p:spTree>
@@ -17163,7 +17915,7 @@
         <p:fade/>
       </p:transition>
     </mc:Choice>
-    <mc:Fallback xmlns="" xmlns:mv="urn:schemas-microsoft-com:mac:vml" xmlns:c="http://schemas.openxmlformats.org/drawingml/2006/chart" xmlns:dgm="http://schemas.openxmlformats.org/drawingml/2006/diagram" xmlns:o="urn:schemas-microsoft-com:office:office" xmlns:v="urn:schemas-microsoft-com:vml" xmlns:pvml="urn:schemas-microsoft-com:office:powerpoint" xmlns:com="http://schemas.openxmlformats.org/drawingml/2006/compatibility" xmlns:p15="http://schemas.microsoft.com/office/powerpoint/2012/main" xmlns:ahyp="http://schemas.microsoft.com/office/drawing/2018/hyperlinkcolor">
+    <mc:Fallback xmlns:ahyp="http://schemas.microsoft.com/office/drawing/2018/hyperlinkcolor" xmlns:p15="http://schemas.microsoft.com/office/powerpoint/2012/main" xmlns:com="http://schemas.openxmlformats.org/drawingml/2006/compatibility" xmlns:pvml="urn:schemas-microsoft-com:office:powerpoint" xmlns:v="urn:schemas-microsoft-com:vml" xmlns:o="urn:schemas-microsoft-com:office:office" xmlns:dgm="http://schemas.openxmlformats.org/drawingml/2006/diagram" xmlns:c="http://schemas.openxmlformats.org/drawingml/2006/chart" xmlns:mv="urn:schemas-microsoft-com:mac:vml" xmlns="">
       <p:transition spd="slow">
         <p:fade/>
       </p:transition>
@@ -17391,10 +18143,10 @@
       </p:sp>
       <p:pic>
         <p:nvPicPr>
-          <p:cNvPr id="4" name="Picture 3">
+          <p:cNvPr id="3" name="Picture 2">
             <a:extLst>
               <a:ext uri="{FF2B5EF4-FFF2-40B4-BE49-F238E27FC236}">
-                <a16:creationId xmlns:a16="http://schemas.microsoft.com/office/drawing/2014/main" id="{9E8E096F-857E-A64D-A337-5F780DBCF8B9}"/>
+                <a16:creationId xmlns:a16="http://schemas.microsoft.com/office/drawing/2014/main" id="{B64CC54A-D6C9-914D-95EF-ACF2DFD37039}"/>
               </a:ext>
             </a:extLst>
           </p:cNvPr>
@@ -17411,8 +18163,8 @@
         </p:blipFill>
         <p:spPr>
           <a:xfrm>
-            <a:off x="886432" y="1831161"/>
-            <a:ext cx="8523382" cy="4771516"/>
+            <a:off x="535809" y="1756104"/>
+            <a:ext cx="8145736" cy="4775200"/>
           </a:xfrm>
           <a:prstGeom prst="rect">
             <a:avLst/>
@@ -17430,7 +18182,7 @@
         <p:fade/>
       </p:transition>
     </mc:Choice>
-    <mc:Fallback xmlns="" xmlns:mv="urn:schemas-microsoft-com:mac:vml" xmlns:c="http://schemas.openxmlformats.org/drawingml/2006/chart" xmlns:dgm="http://schemas.openxmlformats.org/drawingml/2006/diagram" xmlns:o="urn:schemas-microsoft-com:office:office" xmlns:v="urn:schemas-microsoft-com:vml" xmlns:pvml="urn:schemas-microsoft-com:office:powerpoint" xmlns:com="http://schemas.openxmlformats.org/drawingml/2006/compatibility" xmlns:p15="http://schemas.microsoft.com/office/powerpoint/2012/main" xmlns:ahyp="http://schemas.microsoft.com/office/drawing/2018/hyperlinkcolor">
+    <mc:Fallback xmlns:ahyp="http://schemas.microsoft.com/office/drawing/2018/hyperlinkcolor" xmlns:p15="http://schemas.microsoft.com/office/powerpoint/2012/main" xmlns:com="http://schemas.openxmlformats.org/drawingml/2006/compatibility" xmlns:pvml="urn:schemas-microsoft-com:office:powerpoint" xmlns:v="urn:schemas-microsoft-com:vml" xmlns:o="urn:schemas-microsoft-com:office:office" xmlns:dgm="http://schemas.openxmlformats.org/drawingml/2006/diagram" xmlns:c="http://schemas.openxmlformats.org/drawingml/2006/chart" xmlns:mv="urn:schemas-microsoft-com:mac:vml" xmlns="">
       <p:transition spd="slow">
         <p:fade/>
       </p:transition>
@@ -17698,7 +18450,7 @@
         <p:fade/>
       </p:transition>
     </mc:Choice>
-    <mc:Fallback xmlns="" xmlns:mv="urn:schemas-microsoft-com:mac:vml" xmlns:c="http://schemas.openxmlformats.org/drawingml/2006/chart" xmlns:dgm="http://schemas.openxmlformats.org/drawingml/2006/diagram" xmlns:o="urn:schemas-microsoft-com:office:office" xmlns:v="urn:schemas-microsoft-com:vml" xmlns:pvml="urn:schemas-microsoft-com:office:powerpoint" xmlns:com="http://schemas.openxmlformats.org/drawingml/2006/compatibility" xmlns:p15="http://schemas.microsoft.com/office/powerpoint/2012/main" xmlns:ahyp="http://schemas.microsoft.com/office/drawing/2018/hyperlinkcolor">
+    <mc:Fallback xmlns:ahyp="http://schemas.microsoft.com/office/drawing/2018/hyperlinkcolor" xmlns:p15="http://schemas.microsoft.com/office/powerpoint/2012/main" xmlns:com="http://schemas.openxmlformats.org/drawingml/2006/compatibility" xmlns:pvml="urn:schemas-microsoft-com:office:powerpoint" xmlns:v="urn:schemas-microsoft-com:vml" xmlns:o="urn:schemas-microsoft-com:office:office" xmlns:dgm="http://schemas.openxmlformats.org/drawingml/2006/diagram" xmlns:c="http://schemas.openxmlformats.org/drawingml/2006/chart" xmlns:mv="urn:schemas-microsoft-com:mac:vml" xmlns="">
       <p:transition spd="slow">
         <p:fade/>
       </p:transition>
@@ -17926,7 +18678,7 @@
         <p:fade/>
       </p:transition>
     </mc:Choice>
-    <mc:Fallback xmlns="" xmlns:mv="urn:schemas-microsoft-com:mac:vml" xmlns:c="http://schemas.openxmlformats.org/drawingml/2006/chart" xmlns:dgm="http://schemas.openxmlformats.org/drawingml/2006/diagram" xmlns:o="urn:schemas-microsoft-com:office:office" xmlns:v="urn:schemas-microsoft-com:vml" xmlns:pvml="urn:schemas-microsoft-com:office:powerpoint" xmlns:com="http://schemas.openxmlformats.org/drawingml/2006/compatibility" xmlns:p15="http://schemas.microsoft.com/office/powerpoint/2012/main" xmlns:ahyp="http://schemas.microsoft.com/office/drawing/2018/hyperlinkcolor">
+    <mc:Fallback xmlns:ahyp="http://schemas.microsoft.com/office/drawing/2018/hyperlinkcolor" xmlns:p15="http://schemas.microsoft.com/office/powerpoint/2012/main" xmlns:com="http://schemas.openxmlformats.org/drawingml/2006/compatibility" xmlns:pvml="urn:schemas-microsoft-com:office:powerpoint" xmlns:v="urn:schemas-microsoft-com:vml" xmlns:o="urn:schemas-microsoft-com:office:office" xmlns:dgm="http://schemas.openxmlformats.org/drawingml/2006/diagram" xmlns:c="http://schemas.openxmlformats.org/drawingml/2006/chart" xmlns:mv="urn:schemas-microsoft-com:mac:vml" xmlns="">
       <p:transition spd="slow">
         <p:fade/>
       </p:transition>
@@ -18047,7 +18799,14 @@
             </a:pPr>
             <a:r>
               <a:rPr lang="en-US" sz="5400" dirty="0"/>
-              <a:t>2. XÁC ĐỊNH NGƯỠNG</a:t>
+              <a:t>2. XÁC ĐỊNH NGƯỠNG,</a:t>
+            </a:r>
+            <a:br>
+              <a:rPr lang="en-US" sz="5400" dirty="0"/>
+            </a:br>
+            <a:r>
+              <a:rPr lang="en-US" sz="5400" dirty="0"/>
+              <a:t>CHỌN N TRONG FFT</a:t>
             </a:r>
             <a:endParaRPr sz="5400" dirty="0"/>
           </a:p>
@@ -18069,7 +18828,7 @@
         <p:fade/>
       </p:transition>
     </mc:Choice>
-    <mc:Fallback xmlns="" xmlns:mv="urn:schemas-microsoft-com:mac:vml" xmlns:c="http://schemas.openxmlformats.org/drawingml/2006/chart" xmlns:dgm="http://schemas.openxmlformats.org/drawingml/2006/diagram" xmlns:o="urn:schemas-microsoft-com:office:office" xmlns:v="urn:schemas-microsoft-com:vml" xmlns:pvml="urn:schemas-microsoft-com:office:powerpoint" xmlns:com="http://schemas.openxmlformats.org/drawingml/2006/compatibility" xmlns:p15="http://schemas.microsoft.com/office/powerpoint/2012/main" xmlns:ahyp="http://schemas.microsoft.com/office/drawing/2018/hyperlinkcolor">
+    <mc:Fallback xmlns:ahyp="http://schemas.microsoft.com/office/drawing/2018/hyperlinkcolor" xmlns:p15="http://schemas.microsoft.com/office/powerpoint/2012/main" xmlns:com="http://schemas.openxmlformats.org/drawingml/2006/compatibility" xmlns:pvml="urn:schemas-microsoft-com:office:powerpoint" xmlns:v="urn:schemas-microsoft-com:vml" xmlns:o="urn:schemas-microsoft-com:office:office" xmlns:dgm="http://schemas.openxmlformats.org/drawingml/2006/diagram" xmlns:c="http://schemas.openxmlformats.org/drawingml/2006/chart" xmlns:mv="urn:schemas-microsoft-com:mac:vml" xmlns="">
       <p:transition spd="slow">
         <p:fade/>
       </p:transition>
@@ -18079,6 +18838,2187 @@
 </file>
 
 <file path=ppt/slides/slide7.xml><?xml version="1.0" encoding="utf-8"?>
+<p:sld xmlns:a="http://schemas.openxmlformats.org/drawingml/2006/main" xmlns:r="http://schemas.openxmlformats.org/officeDocument/2006/relationships" xmlns:p="http://schemas.openxmlformats.org/presentationml/2006/main">
+  <p:cSld>
+    <p:spTree>
+      <p:nvGrpSpPr>
+        <p:cNvPr id="1" name="Shape 115"/>
+        <p:cNvGrpSpPr/>
+        <p:nvPr/>
+      </p:nvGrpSpPr>
+      <p:grpSpPr>
+        <a:xfrm>
+          <a:off x="0" y="0"/>
+          <a:ext cx="0" cy="0"/>
+          <a:chOff x="0" y="0"/>
+          <a:chExt cx="0" cy="0"/>
+        </a:xfrm>
+      </p:grpSpPr>
+      <p:sp>
+        <p:nvSpPr>
+          <p:cNvPr id="116" name="Google Shape;116;p4"/>
+          <p:cNvSpPr txBox="1">
+            <a:spLocks noGrp="1"/>
+          </p:cNvSpPr>
+          <p:nvPr>
+            <p:ph type="body" idx="1"/>
+          </p:nvPr>
+        </p:nvSpPr>
+        <p:spPr>
+          <a:xfrm>
+            <a:off x="451028" y="2045970"/>
+            <a:ext cx="6951600" cy="4190406"/>
+          </a:xfrm>
+          <a:prstGeom prst="rect">
+            <a:avLst/>
+          </a:prstGeom>
+          <a:noFill/>
+          <a:ln>
+            <a:noFill/>
+          </a:ln>
+        </p:spPr>
+        <p:txBody>
+          <a:bodyPr spcFirstLastPara="1" wrap="square" lIns="91425" tIns="45700" rIns="91425" bIns="45700" anchor="t" anchorCtr="0">
+            <a:noAutofit/>
+          </a:bodyPr>
+          <a:lstStyle/>
+          <a:p>
+            <a:pPr marL="0" lvl="0" indent="0" algn="l" rtl="0">
+              <a:lnSpc>
+                <a:spcPct val="130000"/>
+              </a:lnSpc>
+              <a:spcBef>
+                <a:spcPts val="600"/>
+              </a:spcBef>
+              <a:spcAft>
+                <a:spcPts val="0"/>
+              </a:spcAft>
+              <a:buNone/>
+            </a:pPr>
+            <a:endParaRPr dirty="0">
+              <a:solidFill>
+                <a:srgbClr val="000000"/>
+              </a:solidFill>
+            </a:endParaRPr>
+          </a:p>
+          <a:p>
+            <a:pPr marL="228600" lvl="0" indent="-91440" algn="l" rtl="0">
+              <a:lnSpc>
+                <a:spcPct val="130000"/>
+              </a:lnSpc>
+              <a:spcBef>
+                <a:spcPts val="600"/>
+              </a:spcBef>
+              <a:spcAft>
+                <a:spcPts val="0"/>
+              </a:spcAft>
+              <a:buSzPts val="2160"/>
+              <a:buNone/>
+            </a:pPr>
+            <a:endParaRPr dirty="0">
+              <a:solidFill>
+                <a:srgbClr val="000000"/>
+              </a:solidFill>
+            </a:endParaRPr>
+          </a:p>
+        </p:txBody>
+      </p:sp>
+      <p:sp>
+        <p:nvSpPr>
+          <p:cNvPr id="117" name="Google Shape;117;p4"/>
+          <p:cNvSpPr txBox="1">
+            <a:spLocks noGrp="1"/>
+          </p:cNvSpPr>
+          <p:nvPr>
+            <p:ph type="title"/>
+          </p:nvPr>
+        </p:nvSpPr>
+        <p:spPr>
+          <a:xfrm>
+            <a:off x="451018" y="1081776"/>
+            <a:ext cx="6951472" cy="590931"/>
+          </a:xfrm>
+          <a:prstGeom prst="rect">
+            <a:avLst/>
+          </a:prstGeom>
+          <a:noFill/>
+          <a:ln>
+            <a:noFill/>
+          </a:ln>
+        </p:spPr>
+        <p:txBody>
+          <a:bodyPr spcFirstLastPara="1" wrap="square" lIns="91425" tIns="45700" rIns="91425" bIns="45700" anchor="t" anchorCtr="0">
+            <a:noAutofit/>
+          </a:bodyPr>
+          <a:lstStyle/>
+          <a:p>
+            <a:pPr marL="0" lvl="0" indent="0" algn="l" rtl="0">
+              <a:lnSpc>
+                <a:spcPct val="100000"/>
+              </a:lnSpc>
+              <a:spcBef>
+                <a:spcPts val="0"/>
+              </a:spcBef>
+              <a:spcAft>
+                <a:spcPts val="0"/>
+              </a:spcAft>
+              <a:buClr>
+                <a:schemeClr val="dk2"/>
+              </a:buClr>
+              <a:buSzPts val="2800"/>
+              <a:buFont typeface="Arial"/>
+              <a:buNone/>
+            </a:pPr>
+            <a:r>
+              <a:rPr lang="en-US" sz="2800" dirty="0" err="1"/>
+              <a:t>Xác</a:t>
+            </a:r>
+            <a:r>
+              <a:rPr lang="en-US" sz="2800" dirty="0"/>
+              <a:t> </a:t>
+            </a:r>
+            <a:r>
+              <a:rPr lang="en-US" sz="2800" dirty="0" err="1"/>
+              <a:t>định</a:t>
+            </a:r>
+            <a:r>
+              <a:rPr lang="en-US" sz="2800" dirty="0"/>
+              <a:t> </a:t>
+            </a:r>
+            <a:r>
+              <a:rPr lang="en-US" sz="2800" dirty="0" err="1"/>
+              <a:t>ngưỡng</a:t>
+            </a:r>
+            <a:r>
+              <a:rPr lang="en-US" sz="2800" dirty="0"/>
+              <a:t> Autocorrect</a:t>
+            </a:r>
+            <a:endParaRPr sz="2800" dirty="0"/>
+          </a:p>
+        </p:txBody>
+      </p:sp>
+      <p:graphicFrame>
+        <p:nvGraphicFramePr>
+          <p:cNvPr id="2" name="Table 2">
+            <a:extLst>
+              <a:ext uri="{FF2B5EF4-FFF2-40B4-BE49-F238E27FC236}">
+                <a16:creationId xmlns:a16="http://schemas.microsoft.com/office/drawing/2014/main" id="{58BC1CBF-515E-5B42-A824-5DABE59FF0A2}"/>
+              </a:ext>
+            </a:extLst>
+          </p:cNvPr>
+          <p:cNvGraphicFramePr>
+            <a:graphicFrameLocks noGrp="1"/>
+          </p:cNvGraphicFramePr>
+          <p:nvPr>
+            <p:extLst>
+              <p:ext uri="{D42A27DB-BD31-4B8C-83A1-F6EECF244321}">
+                <p14:modId xmlns:p14="http://schemas.microsoft.com/office/powerpoint/2010/main" val="2389985180"/>
+              </p:ext>
+            </p:extLst>
+          </p:nvPr>
+        </p:nvGraphicFramePr>
+        <p:xfrm>
+          <a:off x="640080" y="1672707"/>
+          <a:ext cx="10229850" cy="4040821"/>
+        </p:xfrm>
+        <a:graphic>
+          <a:graphicData uri="http://schemas.openxmlformats.org/drawingml/2006/table">
+            <a:tbl>
+              <a:tblPr firstRow="1" bandRow="1">
+                <a:tableStyleId>{5C22544A-7EE6-4342-B048-85BDC9FD1C3A}</a:tableStyleId>
+              </a:tblPr>
+              <a:tblGrid>
+                <a:gridCol w="2045970">
+                  <a:extLst>
+                    <a:ext uri="{9D8B030D-6E8A-4147-A177-3AD203B41FA5}">
+                      <a16:colId xmlns:a16="http://schemas.microsoft.com/office/drawing/2014/main" val="1977437174"/>
+                    </a:ext>
+                  </a:extLst>
+                </a:gridCol>
+                <a:gridCol w="2045970">
+                  <a:extLst>
+                    <a:ext uri="{9D8B030D-6E8A-4147-A177-3AD203B41FA5}">
+                      <a16:colId xmlns:a16="http://schemas.microsoft.com/office/drawing/2014/main" val="1639461737"/>
+                    </a:ext>
+                  </a:extLst>
+                </a:gridCol>
+                <a:gridCol w="2045970">
+                  <a:extLst>
+                    <a:ext uri="{9D8B030D-6E8A-4147-A177-3AD203B41FA5}">
+                      <a16:colId xmlns:a16="http://schemas.microsoft.com/office/drawing/2014/main" val="4289298959"/>
+                    </a:ext>
+                  </a:extLst>
+                </a:gridCol>
+                <a:gridCol w="2045970">
+                  <a:extLst>
+                    <a:ext uri="{9D8B030D-6E8A-4147-A177-3AD203B41FA5}">
+                      <a16:colId xmlns:a16="http://schemas.microsoft.com/office/drawing/2014/main" val="4163473307"/>
+                    </a:ext>
+                  </a:extLst>
+                </a:gridCol>
+                <a:gridCol w="2045970">
+                  <a:extLst>
+                    <a:ext uri="{9D8B030D-6E8A-4147-A177-3AD203B41FA5}">
+                      <a16:colId xmlns:a16="http://schemas.microsoft.com/office/drawing/2014/main" val="49734491"/>
+                    </a:ext>
+                  </a:extLst>
+                </a:gridCol>
+              </a:tblGrid>
+              <a:tr h="777898">
+                <a:tc>
+                  <a:txBody>
+                    <a:bodyPr/>
+                    <a:lstStyle/>
+                    <a:p>
+                      <a:pPr algn="ctr"/>
+                      <a:endParaRPr lang="en-VN" sz="2000" dirty="0"/>
+                    </a:p>
+                  </a:txBody>
+                  <a:tcPr/>
+                </a:tc>
+                <a:tc>
+                  <a:txBody>
+                    <a:bodyPr/>
+                    <a:lstStyle/>
+                    <a:p>
+                      <a:pPr algn="ctr"/>
+                      <a:r>
+                        <a:rPr lang="en-VN" sz="2000" dirty="0"/>
+                        <a:t>Phone_M1</a:t>
+                      </a:r>
+                    </a:p>
+                  </a:txBody>
+                  <a:tcPr/>
+                </a:tc>
+                <a:tc>
+                  <a:txBody>
+                    <a:bodyPr/>
+                    <a:lstStyle/>
+                    <a:p>
+                      <a:pPr algn="ctr"/>
+                      <a:r>
+                        <a:rPr lang="en-VN" sz="2000" dirty="0"/>
+                        <a:t>Phone_F1</a:t>
+                      </a:r>
+                    </a:p>
+                  </a:txBody>
+                  <a:tcPr/>
+                </a:tc>
+                <a:tc>
+                  <a:txBody>
+                    <a:bodyPr/>
+                    <a:lstStyle/>
+                    <a:p>
+                      <a:pPr algn="ctr"/>
+                      <a:r>
+                        <a:rPr lang="en-VN" sz="2000" dirty="0"/>
+                        <a:t>Studio_M1</a:t>
+                      </a:r>
+                    </a:p>
+                  </a:txBody>
+                  <a:tcPr/>
+                </a:tc>
+                <a:tc>
+                  <a:txBody>
+                    <a:bodyPr/>
+                    <a:lstStyle/>
+                    <a:p>
+                      <a:pPr algn="ctr"/>
+                      <a:r>
+                        <a:rPr lang="en-VN" sz="2000" dirty="0"/>
+                        <a:t>Studio_F1</a:t>
+                      </a:r>
+                    </a:p>
+                  </a:txBody>
+                  <a:tcPr/>
+                </a:tc>
+                <a:extLst>
+                  <a:ext uri="{0D108BD9-81ED-4DB2-BD59-A6C34878D82A}">
+                    <a16:rowId xmlns:a16="http://schemas.microsoft.com/office/drawing/2014/main" val="762379995"/>
+                  </a:ext>
+                </a:extLst>
+              </a:tr>
+              <a:tr h="946443">
+                <a:tc>
+                  <a:txBody>
+                    <a:bodyPr/>
+                    <a:lstStyle/>
+                    <a:p>
+                      <a:pPr algn="ctr"/>
+                      <a:r>
+                        <a:rPr lang="en-US" sz="2000" b="1" dirty="0" err="1">
+                          <a:solidFill>
+                            <a:schemeClr val="bg2">
+                              <a:lumMod val="50000"/>
+                            </a:schemeClr>
+                          </a:solidFill>
+                        </a:rPr>
+                        <a:t>thresholdv</a:t>
+                      </a:r>
+                      <a:endParaRPr lang="en-VN" sz="2000" b="1" dirty="0">
+                        <a:solidFill>
+                          <a:schemeClr val="bg2">
+                            <a:lumMod val="50000"/>
+                          </a:schemeClr>
+                        </a:solidFill>
+                      </a:endParaRPr>
+                    </a:p>
+                  </a:txBody>
+                  <a:tcPr/>
+                </a:tc>
+                <a:tc>
+                  <a:txBody>
+                    <a:bodyPr/>
+                    <a:lstStyle/>
+                    <a:p>
+                      <a:pPr marL="0" marR="0" lvl="0" indent="0" algn="ctr" defTabSz="914400" rtl="0" eaLnBrk="1" fontAlgn="auto" latinLnBrk="0" hangingPunct="1">
+                        <a:lnSpc>
+                          <a:spcPct val="100000"/>
+                        </a:lnSpc>
+                        <a:spcBef>
+                          <a:spcPts val="0"/>
+                        </a:spcBef>
+                        <a:spcAft>
+                          <a:spcPts val="0"/>
+                        </a:spcAft>
+                        <a:buClr>
+                          <a:srgbClr val="000000"/>
+                        </a:buClr>
+                        <a:buSzTx/>
+                        <a:buFont typeface="Arial"/>
+                        <a:buNone/>
+                        <a:tabLst/>
+                        <a:defRPr/>
+                      </a:pPr>
+                      <a:r>
+                        <a:rPr lang="en-VN" sz="2000" b="0" i="0" u="none" strike="noStrike" cap="none" dirty="0">
+                          <a:solidFill>
+                            <a:schemeClr val="dk1"/>
+                          </a:solidFill>
+                          <a:effectLst/>
+                          <a:latin typeface="+mn-lt"/>
+                          <a:ea typeface="+mn-ea"/>
+                          <a:cs typeface="+mn-cs"/>
+                          <a:sym typeface="Arial"/>
+                        </a:rPr>
+                        <a:t>0.4865</a:t>
+                      </a:r>
+                    </a:p>
+                    <a:p>
+                      <a:pPr marL="0" marR="0" lvl="0" indent="0" algn="ctr" defTabSz="914400" rtl="0" eaLnBrk="1" fontAlgn="auto" latinLnBrk="0" hangingPunct="1">
+                        <a:lnSpc>
+                          <a:spcPct val="100000"/>
+                        </a:lnSpc>
+                        <a:spcBef>
+                          <a:spcPts val="0"/>
+                        </a:spcBef>
+                        <a:spcAft>
+                          <a:spcPts val="0"/>
+                        </a:spcAft>
+                        <a:buClr>
+                          <a:srgbClr val="000000"/>
+                        </a:buClr>
+                        <a:buSzTx/>
+                        <a:buFont typeface="Arial"/>
+                        <a:buNone/>
+                        <a:tabLst/>
+                        <a:defRPr/>
+                      </a:pPr>
+                      <a:endParaRPr lang="en-VN" sz="2000" b="0" i="0" u="none" strike="noStrike" cap="none" dirty="0">
+                        <a:solidFill>
+                          <a:schemeClr val="dk1"/>
+                        </a:solidFill>
+                        <a:effectLst/>
+                        <a:latin typeface="+mn-lt"/>
+                        <a:ea typeface="+mn-ea"/>
+                        <a:cs typeface="+mn-cs"/>
+                        <a:sym typeface="Arial"/>
+                      </a:endParaRPr>
+                    </a:p>
+                    <a:p>
+                      <a:pPr marL="0" marR="0" lvl="0" indent="0" algn="ctr" defTabSz="914400" rtl="0" eaLnBrk="1" fontAlgn="auto" latinLnBrk="0" hangingPunct="1">
+                        <a:lnSpc>
+                          <a:spcPct val="100000"/>
+                        </a:lnSpc>
+                        <a:spcBef>
+                          <a:spcPts val="0"/>
+                        </a:spcBef>
+                        <a:spcAft>
+                          <a:spcPts val="0"/>
+                        </a:spcAft>
+                        <a:buClr>
+                          <a:srgbClr val="000000"/>
+                        </a:buClr>
+                        <a:buSzTx/>
+                        <a:buFont typeface="Arial"/>
+                        <a:buNone/>
+                        <a:tabLst/>
+                        <a:defRPr/>
+                      </a:pPr>
+                      <a:endParaRPr lang="en-VN" sz="2000" b="0" i="0" u="none" strike="noStrike" cap="none" dirty="0">
+                        <a:solidFill>
+                          <a:schemeClr val="dk1"/>
+                        </a:solidFill>
+                        <a:effectLst/>
+                        <a:latin typeface="+mn-lt"/>
+                        <a:ea typeface="+mn-ea"/>
+                        <a:cs typeface="+mn-cs"/>
+                        <a:sym typeface="Arial"/>
+                      </a:endParaRPr>
+                    </a:p>
+                    <a:p>
+                      <a:pPr algn="ctr"/>
+                      <a:endParaRPr lang="en-VN" sz="2000" dirty="0"/>
+                    </a:p>
+                  </a:txBody>
+                  <a:tcPr/>
+                </a:tc>
+                <a:tc>
+                  <a:txBody>
+                    <a:bodyPr/>
+                    <a:lstStyle/>
+                    <a:p>
+                      <a:pPr algn="ctr"/>
+                      <a:r>
+                        <a:rPr lang="en-VN" sz="2000" b="0" i="0" u="none" strike="noStrike" cap="none" dirty="0">
+                          <a:solidFill>
+                            <a:schemeClr val="dk1"/>
+                          </a:solidFill>
+                          <a:effectLst/>
+                          <a:latin typeface="+mn-lt"/>
+                          <a:ea typeface="+mn-ea"/>
+                          <a:cs typeface="+mn-cs"/>
+                          <a:sym typeface="Arial"/>
+                        </a:rPr>
+                        <a:t>0.5375</a:t>
+                      </a:r>
+                    </a:p>
+                  </a:txBody>
+                  <a:tcPr/>
+                </a:tc>
+                <a:tc>
+                  <a:txBody>
+                    <a:bodyPr/>
+                    <a:lstStyle/>
+                    <a:p>
+                      <a:pPr algn="ctr"/>
+                      <a:r>
+                        <a:rPr lang="en-VN" sz="2000" b="0" i="0" u="none" strike="noStrike" cap="none" dirty="0">
+                          <a:solidFill>
+                            <a:schemeClr val="dk1"/>
+                          </a:solidFill>
+                          <a:effectLst/>
+                          <a:latin typeface="+mn-lt"/>
+                          <a:ea typeface="+mn-ea"/>
+                          <a:cs typeface="+mn-cs"/>
+                          <a:sym typeface="Arial"/>
+                        </a:rPr>
+                        <a:t>0.4015 </a:t>
+                      </a:r>
+                    </a:p>
+                    <a:p>
+                      <a:pPr algn="ctr"/>
+                      <a:endParaRPr lang="en-VN" sz="2000" dirty="0"/>
+                    </a:p>
+                  </a:txBody>
+                  <a:tcPr/>
+                </a:tc>
+                <a:tc>
+                  <a:txBody>
+                    <a:bodyPr/>
+                    <a:lstStyle/>
+                    <a:p>
+                      <a:pPr marL="0" marR="0" lvl="0" indent="0" algn="ctr" defTabSz="914400" rtl="0" eaLnBrk="1" fontAlgn="auto" latinLnBrk="0" hangingPunct="1">
+                        <a:lnSpc>
+                          <a:spcPct val="100000"/>
+                        </a:lnSpc>
+                        <a:spcBef>
+                          <a:spcPts val="0"/>
+                        </a:spcBef>
+                        <a:spcAft>
+                          <a:spcPts val="0"/>
+                        </a:spcAft>
+                        <a:buClr>
+                          <a:srgbClr val="000000"/>
+                        </a:buClr>
+                        <a:buSzTx/>
+                        <a:buFont typeface="Arial"/>
+                        <a:buNone/>
+                        <a:tabLst/>
+                        <a:defRPr/>
+                      </a:pPr>
+                      <a:r>
+                        <a:rPr lang="en-VN" sz="2000" b="0" i="0" u="none" strike="noStrike" cap="none" dirty="0">
+                          <a:solidFill>
+                            <a:schemeClr val="dk1"/>
+                          </a:solidFill>
+                          <a:effectLst/>
+                          <a:latin typeface="+mn-lt"/>
+                          <a:ea typeface="+mn-ea"/>
+                          <a:cs typeface="+mn-cs"/>
+                          <a:sym typeface="Arial"/>
+                        </a:rPr>
+                        <a:t>0.3347</a:t>
+                      </a:r>
+                    </a:p>
+                    <a:p>
+                      <a:pPr marL="0" marR="0" lvl="0" indent="0" algn="ctr" defTabSz="914400" rtl="0" eaLnBrk="1" fontAlgn="auto" latinLnBrk="0" hangingPunct="1">
+                        <a:lnSpc>
+                          <a:spcPct val="100000"/>
+                        </a:lnSpc>
+                        <a:spcBef>
+                          <a:spcPts val="0"/>
+                        </a:spcBef>
+                        <a:spcAft>
+                          <a:spcPts val="0"/>
+                        </a:spcAft>
+                        <a:buClr>
+                          <a:srgbClr val="000000"/>
+                        </a:buClr>
+                        <a:buSzTx/>
+                        <a:buFont typeface="Arial"/>
+                        <a:buNone/>
+                        <a:tabLst/>
+                        <a:defRPr/>
+                      </a:pPr>
+                      <a:endParaRPr lang="en-VN" sz="2000" b="0" i="0" u="none" strike="noStrike" cap="none" dirty="0">
+                        <a:solidFill>
+                          <a:schemeClr val="dk1"/>
+                        </a:solidFill>
+                        <a:effectLst/>
+                        <a:latin typeface="+mn-lt"/>
+                        <a:ea typeface="+mn-ea"/>
+                        <a:cs typeface="+mn-cs"/>
+                        <a:sym typeface="Arial"/>
+                      </a:endParaRPr>
+                    </a:p>
+                    <a:p>
+                      <a:pPr marL="0" marR="0" lvl="0" indent="0" algn="ctr" defTabSz="914400" rtl="0" eaLnBrk="1" fontAlgn="auto" latinLnBrk="0" hangingPunct="1">
+                        <a:lnSpc>
+                          <a:spcPct val="100000"/>
+                        </a:lnSpc>
+                        <a:spcBef>
+                          <a:spcPts val="0"/>
+                        </a:spcBef>
+                        <a:spcAft>
+                          <a:spcPts val="0"/>
+                        </a:spcAft>
+                        <a:buClr>
+                          <a:srgbClr val="000000"/>
+                        </a:buClr>
+                        <a:buSzTx/>
+                        <a:buFont typeface="Arial"/>
+                        <a:buNone/>
+                        <a:tabLst/>
+                        <a:defRPr/>
+                      </a:pPr>
+                      <a:endParaRPr lang="en-VN" sz="2000" b="0" i="0" u="none" strike="noStrike" cap="none" dirty="0">
+                        <a:solidFill>
+                          <a:schemeClr val="dk1"/>
+                        </a:solidFill>
+                        <a:effectLst/>
+                        <a:latin typeface="+mn-lt"/>
+                        <a:ea typeface="+mn-ea"/>
+                        <a:cs typeface="+mn-cs"/>
+                        <a:sym typeface="Arial"/>
+                      </a:endParaRPr>
+                    </a:p>
+                  </a:txBody>
+                  <a:tcPr/>
+                </a:tc>
+                <a:extLst>
+                  <a:ext uri="{0D108BD9-81ED-4DB2-BD59-A6C34878D82A}">
+                    <a16:rowId xmlns:a16="http://schemas.microsoft.com/office/drawing/2014/main" val="1113746075"/>
+                  </a:ext>
+                </a:extLst>
+              </a:tr>
+              <a:tr h="946443">
+                <a:tc>
+                  <a:txBody>
+                    <a:bodyPr/>
+                    <a:lstStyle/>
+                    <a:p>
+                      <a:pPr algn="ctr"/>
+                      <a:r>
+                        <a:rPr lang="en-US" sz="2000" b="1" dirty="0" err="1">
+                          <a:solidFill>
+                            <a:schemeClr val="bg2">
+                              <a:lumMod val="50000"/>
+                            </a:schemeClr>
+                          </a:solidFill>
+                        </a:rPr>
+                        <a:t>thresholduv</a:t>
+                      </a:r>
+                      <a:endParaRPr lang="en-VN" sz="2000" b="1" dirty="0">
+                        <a:solidFill>
+                          <a:schemeClr val="bg2">
+                            <a:lumMod val="50000"/>
+                          </a:schemeClr>
+                        </a:solidFill>
+                      </a:endParaRPr>
+                    </a:p>
+                  </a:txBody>
+                  <a:tcPr/>
+                </a:tc>
+                <a:tc>
+                  <a:txBody>
+                    <a:bodyPr/>
+                    <a:lstStyle/>
+                    <a:p>
+                      <a:pPr algn="ctr"/>
+                      <a:r>
+                        <a:rPr lang="en-VN" sz="2000" b="0" i="0" u="none" strike="noStrike" cap="none" dirty="0">
+                          <a:solidFill>
+                            <a:schemeClr val="dk1"/>
+                          </a:solidFill>
+                          <a:effectLst/>
+                          <a:latin typeface="+mn-lt"/>
+                          <a:ea typeface="+mn-ea"/>
+                          <a:cs typeface="+mn-cs"/>
+                          <a:sym typeface="Arial"/>
+                        </a:rPr>
+                        <a:t>0.241</a:t>
+                      </a:r>
+                    </a:p>
+                  </a:txBody>
+                  <a:tcPr/>
+                </a:tc>
+                <a:tc>
+                  <a:txBody>
+                    <a:bodyPr/>
+                    <a:lstStyle/>
+                    <a:p>
+                      <a:pPr algn="ctr"/>
+                      <a:r>
+                        <a:rPr lang="en-VN" sz="2000" b="0" i="0" u="none" strike="noStrike" cap="none" dirty="0">
+                          <a:solidFill>
+                            <a:schemeClr val="dk1"/>
+                          </a:solidFill>
+                          <a:effectLst/>
+                          <a:latin typeface="+mn-lt"/>
+                          <a:ea typeface="+mn-ea"/>
+                          <a:cs typeface="+mn-cs"/>
+                          <a:sym typeface="Arial"/>
+                        </a:rPr>
+                        <a:t>0.39</a:t>
+                      </a:r>
+                    </a:p>
+                    <a:p>
+                      <a:pPr algn="ctr"/>
+                      <a:endParaRPr lang="en-VN" sz="2000" dirty="0"/>
+                    </a:p>
+                  </a:txBody>
+                  <a:tcPr/>
+                </a:tc>
+                <a:tc>
+                  <a:txBody>
+                    <a:bodyPr/>
+                    <a:lstStyle/>
+                    <a:p>
+                      <a:pPr algn="ctr"/>
+                      <a:r>
+                        <a:rPr lang="en-VN" sz="2000" b="0" i="0" u="none" strike="noStrike" cap="none" dirty="0">
+                          <a:solidFill>
+                            <a:schemeClr val="dk1"/>
+                          </a:solidFill>
+                          <a:effectLst/>
+                          <a:latin typeface="+mn-lt"/>
+                          <a:ea typeface="+mn-ea"/>
+                          <a:cs typeface="+mn-cs"/>
+                          <a:sym typeface="Arial"/>
+                        </a:rPr>
+                        <a:t>0.4459</a:t>
+                      </a:r>
+                    </a:p>
+                    <a:p>
+                      <a:pPr algn="ctr"/>
+                      <a:endParaRPr lang="en-VN" sz="2000" dirty="0"/>
+                    </a:p>
+                  </a:txBody>
+                  <a:tcPr/>
+                </a:tc>
+                <a:tc>
+                  <a:txBody>
+                    <a:bodyPr/>
+                    <a:lstStyle/>
+                    <a:p>
+                      <a:pPr marL="0" marR="0" lvl="0" indent="0" algn="ctr" defTabSz="914400" rtl="0" eaLnBrk="1" fontAlgn="auto" latinLnBrk="0" hangingPunct="1">
+                        <a:lnSpc>
+                          <a:spcPct val="100000"/>
+                        </a:lnSpc>
+                        <a:spcBef>
+                          <a:spcPts val="0"/>
+                        </a:spcBef>
+                        <a:spcAft>
+                          <a:spcPts val="0"/>
+                        </a:spcAft>
+                        <a:buClr>
+                          <a:srgbClr val="000000"/>
+                        </a:buClr>
+                        <a:buSzTx/>
+                        <a:buFont typeface="Arial"/>
+                        <a:buNone/>
+                        <a:tabLst/>
+                        <a:defRPr/>
+                      </a:pPr>
+                      <a:r>
+                        <a:rPr lang="en-VN" sz="2000" b="0" i="0" u="none" strike="noStrike" cap="none" dirty="0">
+                          <a:solidFill>
+                            <a:schemeClr val="dk1"/>
+                          </a:solidFill>
+                          <a:effectLst/>
+                          <a:latin typeface="+mn-lt"/>
+                          <a:ea typeface="+mn-ea"/>
+                          <a:cs typeface="+mn-cs"/>
+                          <a:sym typeface="Arial"/>
+                        </a:rPr>
+                        <a:t>0.5671</a:t>
+                      </a:r>
+                    </a:p>
+                    <a:p>
+                      <a:pPr marL="0" marR="0" lvl="0" indent="0" algn="ctr" defTabSz="914400" rtl="0" eaLnBrk="1" fontAlgn="auto" latinLnBrk="0" hangingPunct="1">
+                        <a:lnSpc>
+                          <a:spcPct val="100000"/>
+                        </a:lnSpc>
+                        <a:spcBef>
+                          <a:spcPts val="0"/>
+                        </a:spcBef>
+                        <a:spcAft>
+                          <a:spcPts val="0"/>
+                        </a:spcAft>
+                        <a:buClr>
+                          <a:srgbClr val="000000"/>
+                        </a:buClr>
+                        <a:buSzTx/>
+                        <a:buFont typeface="Arial"/>
+                        <a:buNone/>
+                        <a:tabLst/>
+                        <a:defRPr/>
+                      </a:pPr>
+                      <a:endParaRPr lang="en-VN" sz="2000" b="0" i="0" u="none" strike="noStrike" cap="none" dirty="0">
+                        <a:solidFill>
+                          <a:schemeClr val="dk1"/>
+                        </a:solidFill>
+                        <a:effectLst/>
+                        <a:latin typeface="+mn-lt"/>
+                        <a:ea typeface="+mn-ea"/>
+                        <a:cs typeface="+mn-cs"/>
+                        <a:sym typeface="Arial"/>
+                      </a:endParaRPr>
+                    </a:p>
+                    <a:p>
+                      <a:pPr algn="ctr"/>
+                      <a:endParaRPr lang="en-VN" sz="2000" dirty="0"/>
+                    </a:p>
+                  </a:txBody>
+                  <a:tcPr/>
+                </a:tc>
+                <a:extLst>
+                  <a:ext uri="{0D108BD9-81ED-4DB2-BD59-A6C34878D82A}">
+                    <a16:rowId xmlns:a16="http://schemas.microsoft.com/office/drawing/2014/main" val="3874263939"/>
+                  </a:ext>
+                </a:extLst>
+              </a:tr>
+              <a:tr h="946443">
+                <a:tc>
+                  <a:txBody>
+                    <a:bodyPr/>
+                    <a:lstStyle/>
+                    <a:p>
+                      <a:pPr algn="ctr"/>
+                      <a:r>
+                        <a:rPr lang="en-US" sz="2000" b="1" dirty="0">
+                          <a:solidFill>
+                            <a:schemeClr val="bg2">
+                              <a:lumMod val="50000"/>
+                            </a:schemeClr>
+                          </a:solidFill>
+                        </a:rPr>
+                        <a:t>threshold</a:t>
+                      </a:r>
+                      <a:endParaRPr lang="en-VN" sz="2000" b="1" dirty="0">
+                        <a:solidFill>
+                          <a:schemeClr val="bg2">
+                            <a:lumMod val="50000"/>
+                          </a:schemeClr>
+                        </a:solidFill>
+                      </a:endParaRPr>
+                    </a:p>
+                  </a:txBody>
+                  <a:tcPr/>
+                </a:tc>
+                <a:tc>
+                  <a:txBody>
+                    <a:bodyPr/>
+                    <a:lstStyle/>
+                    <a:p>
+                      <a:pPr algn="ctr"/>
+                      <a:r>
+                        <a:rPr lang="en-VN" sz="2000" b="0" i="0" u="none" strike="noStrike" cap="none" dirty="0">
+                          <a:solidFill>
+                            <a:schemeClr val="dk1"/>
+                          </a:solidFill>
+                          <a:effectLst/>
+                          <a:latin typeface="+mn-lt"/>
+                          <a:ea typeface="+mn-ea"/>
+                          <a:cs typeface="+mn-cs"/>
+                          <a:sym typeface="Arial"/>
+                        </a:rPr>
+                        <a:t>0.35</a:t>
+                      </a:r>
+                    </a:p>
+                    <a:p>
+                      <a:pPr algn="ctr"/>
+                      <a:endParaRPr lang="en-VN" sz="2000" dirty="0"/>
+                    </a:p>
+                  </a:txBody>
+                  <a:tcPr/>
+                </a:tc>
+                <a:tc>
+                  <a:txBody>
+                    <a:bodyPr/>
+                    <a:lstStyle/>
+                    <a:p>
+                      <a:pPr algn="ctr"/>
+                      <a:r>
+                        <a:rPr lang="en-VN" sz="2000" b="0" i="0" u="none" strike="noStrike" cap="none" dirty="0">
+                          <a:solidFill>
+                            <a:schemeClr val="dk1"/>
+                          </a:solidFill>
+                          <a:effectLst/>
+                          <a:latin typeface="+mn-lt"/>
+                          <a:ea typeface="+mn-ea"/>
+                          <a:cs typeface="+mn-cs"/>
+                          <a:sym typeface="Arial"/>
+                        </a:rPr>
+                        <a:t>0.4</a:t>
+                      </a:r>
+                    </a:p>
+                  </a:txBody>
+                  <a:tcPr/>
+                </a:tc>
+                <a:tc>
+                  <a:txBody>
+                    <a:bodyPr/>
+                    <a:lstStyle/>
+                    <a:p>
+                      <a:pPr algn="ctr"/>
+                      <a:r>
+                        <a:rPr lang="en-VN" sz="2000" b="0" i="0" u="none" strike="noStrike" cap="none" dirty="0">
+                          <a:solidFill>
+                            <a:schemeClr val="dk1"/>
+                          </a:solidFill>
+                          <a:effectLst/>
+                          <a:latin typeface="+mn-lt"/>
+                          <a:ea typeface="+mn-ea"/>
+                          <a:cs typeface="+mn-cs"/>
+                          <a:sym typeface="Arial"/>
+                        </a:rPr>
+                        <a:t>0.4237 </a:t>
+                      </a:r>
+                    </a:p>
+                    <a:p>
+                      <a:pPr algn="ctr"/>
+                      <a:endParaRPr lang="en-VN" sz="2000" dirty="0"/>
+                    </a:p>
+                  </a:txBody>
+                  <a:tcPr/>
+                </a:tc>
+                <a:tc>
+                  <a:txBody>
+                    <a:bodyPr/>
+                    <a:lstStyle/>
+                    <a:p>
+                      <a:pPr algn="ctr"/>
+                      <a:r>
+                        <a:rPr lang="en-VN" sz="2000" b="0" i="0" u="none" strike="noStrike" cap="none" dirty="0">
+                          <a:solidFill>
+                            <a:schemeClr val="dk1"/>
+                          </a:solidFill>
+                          <a:effectLst/>
+                          <a:latin typeface="+mn-lt"/>
+                          <a:ea typeface="+mn-ea"/>
+                          <a:cs typeface="+mn-cs"/>
+                          <a:sym typeface="Arial"/>
+                        </a:rPr>
+                        <a:t>0.4009</a:t>
+                      </a:r>
+                    </a:p>
+                    <a:p>
+                      <a:pPr algn="ctr"/>
+                      <a:endParaRPr lang="en-VN" sz="2000" dirty="0"/>
+                    </a:p>
+                  </a:txBody>
+                  <a:tcPr/>
+                </a:tc>
+                <a:extLst>
+                  <a:ext uri="{0D108BD9-81ED-4DB2-BD59-A6C34878D82A}">
+                    <a16:rowId xmlns:a16="http://schemas.microsoft.com/office/drawing/2014/main" val="3732852221"/>
+                  </a:ext>
+                </a:extLst>
+              </a:tr>
+            </a:tbl>
+          </a:graphicData>
+        </a:graphic>
+      </p:graphicFrame>
+      <p:sp>
+        <p:nvSpPr>
+          <p:cNvPr id="3" name="TextBox 2">
+            <a:extLst>
+              <a:ext uri="{FF2B5EF4-FFF2-40B4-BE49-F238E27FC236}">
+                <a16:creationId xmlns:a16="http://schemas.microsoft.com/office/drawing/2014/main" id="{60E14EEE-28A9-B64D-95B0-010D0C9C9FEB}"/>
+              </a:ext>
+            </a:extLst>
+          </p:cNvPr>
+          <p:cNvSpPr txBox="1"/>
+          <p:nvPr/>
+        </p:nvSpPr>
+        <p:spPr>
+          <a:xfrm>
+            <a:off x="826669" y="6048097"/>
+            <a:ext cx="8309610" cy="477054"/>
+          </a:xfrm>
+          <a:prstGeom prst="rect">
+            <a:avLst/>
+          </a:prstGeom>
+          <a:noFill/>
+        </p:spPr>
+        <p:txBody>
+          <a:bodyPr wrap="square" rtlCol="0">
+            <a:spAutoFit/>
+          </a:bodyPr>
+          <a:lstStyle/>
+          <a:p>
+            <a:r>
+              <a:rPr lang="en-VN" sz="2500" dirty="0">
+                <a:solidFill>
+                  <a:schemeClr val="bg2">
+                    <a:lumMod val="50000"/>
+                  </a:schemeClr>
+                </a:solidFill>
+                <a:sym typeface="Wingdings" pitchFamily="2" charset="2"/>
+              </a:rPr>
+              <a:t> Threshold: (0.35+0.4+0.4237+0.4009)/4 ~= </a:t>
+            </a:r>
+            <a:r>
+              <a:rPr lang="en-VN" sz="2500" b="1" dirty="0">
+                <a:solidFill>
+                  <a:schemeClr val="bg2">
+                    <a:lumMod val="50000"/>
+                  </a:schemeClr>
+                </a:solidFill>
+              </a:rPr>
+              <a:t>0.37</a:t>
+            </a:r>
+          </a:p>
+        </p:txBody>
+      </p:sp>
+    </p:spTree>
+    <p:extLst>
+      <p:ext uri="{BB962C8B-B14F-4D97-AF65-F5344CB8AC3E}">
+        <p14:creationId xmlns:p14="http://schemas.microsoft.com/office/powerpoint/2010/main" val="4219292196"/>
+      </p:ext>
+    </p:extLst>
+  </p:cSld>
+  <p:clrMapOvr>
+    <a:masterClrMapping/>
+  </p:clrMapOvr>
+</p:sld>
+</file>
+
+<file path=ppt/slides/slide8.xml><?xml version="1.0" encoding="utf-8"?>
+<p:sld xmlns:a="http://schemas.openxmlformats.org/drawingml/2006/main" xmlns:r="http://schemas.openxmlformats.org/officeDocument/2006/relationships" xmlns:p="http://schemas.openxmlformats.org/presentationml/2006/main">
+  <p:cSld>
+    <p:spTree>
+      <p:nvGrpSpPr>
+        <p:cNvPr id="1" name="Shape 115"/>
+        <p:cNvGrpSpPr/>
+        <p:nvPr/>
+      </p:nvGrpSpPr>
+      <p:grpSpPr>
+        <a:xfrm>
+          <a:off x="0" y="0"/>
+          <a:ext cx="0" cy="0"/>
+          <a:chOff x="0" y="0"/>
+          <a:chExt cx="0" cy="0"/>
+        </a:xfrm>
+      </p:grpSpPr>
+      <p:sp>
+        <p:nvSpPr>
+          <p:cNvPr id="116" name="Google Shape;116;p4"/>
+          <p:cNvSpPr txBox="1">
+            <a:spLocks noGrp="1"/>
+          </p:cNvSpPr>
+          <p:nvPr>
+            <p:ph type="body" idx="1"/>
+          </p:nvPr>
+        </p:nvSpPr>
+        <p:spPr>
+          <a:xfrm>
+            <a:off x="451028" y="2045970"/>
+            <a:ext cx="6951600" cy="4190406"/>
+          </a:xfrm>
+          <a:prstGeom prst="rect">
+            <a:avLst/>
+          </a:prstGeom>
+          <a:noFill/>
+          <a:ln>
+            <a:noFill/>
+          </a:ln>
+        </p:spPr>
+        <p:txBody>
+          <a:bodyPr spcFirstLastPara="1" wrap="square" lIns="91425" tIns="45700" rIns="91425" bIns="45700" anchor="t" anchorCtr="0">
+            <a:noAutofit/>
+          </a:bodyPr>
+          <a:lstStyle/>
+          <a:p>
+            <a:pPr marL="0" lvl="0" indent="0" algn="l" rtl="0">
+              <a:lnSpc>
+                <a:spcPct val="130000"/>
+              </a:lnSpc>
+              <a:spcBef>
+                <a:spcPts val="600"/>
+              </a:spcBef>
+              <a:spcAft>
+                <a:spcPts val="0"/>
+              </a:spcAft>
+              <a:buNone/>
+            </a:pPr>
+            <a:endParaRPr dirty="0">
+              <a:solidFill>
+                <a:srgbClr val="000000"/>
+              </a:solidFill>
+            </a:endParaRPr>
+          </a:p>
+          <a:p>
+            <a:pPr marL="228600" lvl="0" indent="-91440" algn="l" rtl="0">
+              <a:lnSpc>
+                <a:spcPct val="130000"/>
+              </a:lnSpc>
+              <a:spcBef>
+                <a:spcPts val="600"/>
+              </a:spcBef>
+              <a:spcAft>
+                <a:spcPts val="0"/>
+              </a:spcAft>
+              <a:buSzPts val="2160"/>
+              <a:buNone/>
+            </a:pPr>
+            <a:endParaRPr dirty="0">
+              <a:solidFill>
+                <a:srgbClr val="000000"/>
+              </a:solidFill>
+            </a:endParaRPr>
+          </a:p>
+        </p:txBody>
+      </p:sp>
+      <p:sp>
+        <p:nvSpPr>
+          <p:cNvPr id="117" name="Google Shape;117;p4"/>
+          <p:cNvSpPr txBox="1">
+            <a:spLocks noGrp="1"/>
+          </p:cNvSpPr>
+          <p:nvPr>
+            <p:ph type="title"/>
+          </p:nvPr>
+        </p:nvSpPr>
+        <p:spPr>
+          <a:xfrm>
+            <a:off x="478727" y="1081776"/>
+            <a:ext cx="6951472" cy="590931"/>
+          </a:xfrm>
+          <a:prstGeom prst="rect">
+            <a:avLst/>
+          </a:prstGeom>
+          <a:noFill/>
+          <a:ln>
+            <a:noFill/>
+          </a:ln>
+        </p:spPr>
+        <p:txBody>
+          <a:bodyPr spcFirstLastPara="1" wrap="square" lIns="91425" tIns="45700" rIns="91425" bIns="45700" anchor="t" anchorCtr="0">
+            <a:noAutofit/>
+          </a:bodyPr>
+          <a:lstStyle/>
+          <a:p>
+            <a:pPr marL="0" lvl="0" indent="0" algn="l" rtl="0">
+              <a:lnSpc>
+                <a:spcPct val="100000"/>
+              </a:lnSpc>
+              <a:spcBef>
+                <a:spcPts val="0"/>
+              </a:spcBef>
+              <a:spcAft>
+                <a:spcPts val="0"/>
+              </a:spcAft>
+              <a:buClr>
+                <a:schemeClr val="dk2"/>
+              </a:buClr>
+              <a:buSzPts val="2800"/>
+              <a:buFont typeface="Arial"/>
+              <a:buNone/>
+            </a:pPr>
+            <a:r>
+              <a:rPr lang="en-US" sz="2800" dirty="0" err="1"/>
+              <a:t>Xác</a:t>
+            </a:r>
+            <a:r>
+              <a:rPr lang="en-US" sz="2800" dirty="0"/>
+              <a:t> </a:t>
+            </a:r>
+            <a:r>
+              <a:rPr lang="en-US" sz="2800" dirty="0" err="1"/>
+              <a:t>định</a:t>
+            </a:r>
+            <a:r>
+              <a:rPr lang="en-US" sz="2800" dirty="0"/>
+              <a:t> </a:t>
+            </a:r>
+            <a:r>
+              <a:rPr lang="en-US" sz="2800" dirty="0" err="1"/>
+              <a:t>ngưỡng</a:t>
+            </a:r>
+            <a:r>
+              <a:rPr lang="en-US" sz="2800" dirty="0"/>
+              <a:t> MA</a:t>
+            </a:r>
+            <a:endParaRPr sz="2800" dirty="0"/>
+          </a:p>
+        </p:txBody>
+      </p:sp>
+      <p:graphicFrame>
+        <p:nvGraphicFramePr>
+          <p:cNvPr id="2" name="Table 2">
+            <a:extLst>
+              <a:ext uri="{FF2B5EF4-FFF2-40B4-BE49-F238E27FC236}">
+                <a16:creationId xmlns:a16="http://schemas.microsoft.com/office/drawing/2014/main" id="{58BC1CBF-515E-5B42-A824-5DABE59FF0A2}"/>
+              </a:ext>
+            </a:extLst>
+          </p:cNvPr>
+          <p:cNvGraphicFramePr>
+            <a:graphicFrameLocks noGrp="1"/>
+          </p:cNvGraphicFramePr>
+          <p:nvPr/>
+        </p:nvGraphicFramePr>
+        <p:xfrm>
+          <a:off x="451018" y="1672708"/>
+          <a:ext cx="10441771" cy="3710945"/>
+        </p:xfrm>
+        <a:graphic>
+          <a:graphicData uri="http://schemas.openxmlformats.org/drawingml/2006/table">
+            <a:tbl>
+              <a:tblPr firstRow="1" bandRow="1">
+                <a:tableStyleId>{5C22544A-7EE6-4342-B048-85BDC9FD1C3A}</a:tableStyleId>
+              </a:tblPr>
+              <a:tblGrid>
+                <a:gridCol w="2148835">
+                  <a:extLst>
+                    <a:ext uri="{9D8B030D-6E8A-4147-A177-3AD203B41FA5}">
+                      <a16:colId xmlns:a16="http://schemas.microsoft.com/office/drawing/2014/main" val="1977437174"/>
+                    </a:ext>
+                  </a:extLst>
+                </a:gridCol>
+                <a:gridCol w="2073234">
+                  <a:extLst>
+                    <a:ext uri="{9D8B030D-6E8A-4147-A177-3AD203B41FA5}">
+                      <a16:colId xmlns:a16="http://schemas.microsoft.com/office/drawing/2014/main" val="1639461737"/>
+                    </a:ext>
+                  </a:extLst>
+                </a:gridCol>
+                <a:gridCol w="2073234">
+                  <a:extLst>
+                    <a:ext uri="{9D8B030D-6E8A-4147-A177-3AD203B41FA5}">
+                      <a16:colId xmlns:a16="http://schemas.microsoft.com/office/drawing/2014/main" val="4289298959"/>
+                    </a:ext>
+                  </a:extLst>
+                </a:gridCol>
+                <a:gridCol w="2073234">
+                  <a:extLst>
+                    <a:ext uri="{9D8B030D-6E8A-4147-A177-3AD203B41FA5}">
+                      <a16:colId xmlns:a16="http://schemas.microsoft.com/office/drawing/2014/main" val="4163473307"/>
+                    </a:ext>
+                  </a:extLst>
+                </a:gridCol>
+                <a:gridCol w="2073234">
+                  <a:extLst>
+                    <a:ext uri="{9D8B030D-6E8A-4147-A177-3AD203B41FA5}">
+                      <a16:colId xmlns:a16="http://schemas.microsoft.com/office/drawing/2014/main" val="49734491"/>
+                    </a:ext>
+                  </a:extLst>
+                </a:gridCol>
+              </a:tblGrid>
+              <a:tr h="562346">
+                <a:tc>
+                  <a:txBody>
+                    <a:bodyPr/>
+                    <a:lstStyle/>
+                    <a:p>
+                      <a:pPr algn="ctr"/>
+                      <a:endParaRPr lang="en-VN" sz="2000" dirty="0"/>
+                    </a:p>
+                  </a:txBody>
+                  <a:tcPr/>
+                </a:tc>
+                <a:tc>
+                  <a:txBody>
+                    <a:bodyPr/>
+                    <a:lstStyle/>
+                    <a:p>
+                      <a:pPr algn="ctr"/>
+                      <a:r>
+                        <a:rPr lang="en-VN" sz="2000" dirty="0"/>
+                        <a:t>01MDA</a:t>
+                      </a:r>
+                    </a:p>
+                  </a:txBody>
+                  <a:tcPr/>
+                </a:tc>
+                <a:tc>
+                  <a:txBody>
+                    <a:bodyPr/>
+                    <a:lstStyle/>
+                    <a:p>
+                      <a:pPr algn="ctr"/>
+                      <a:r>
+                        <a:rPr lang="en-VN" sz="2000" dirty="0"/>
+                        <a:t>03MAB</a:t>
+                      </a:r>
+                    </a:p>
+                  </a:txBody>
+                  <a:tcPr/>
+                </a:tc>
+                <a:tc>
+                  <a:txBody>
+                    <a:bodyPr/>
+                    <a:lstStyle/>
+                    <a:p>
+                      <a:pPr algn="ctr"/>
+                      <a:r>
+                        <a:rPr lang="en-VN" sz="2000" dirty="0"/>
+                        <a:t>02FVA</a:t>
+                      </a:r>
+                    </a:p>
+                  </a:txBody>
+                  <a:tcPr/>
+                </a:tc>
+                <a:tc>
+                  <a:txBody>
+                    <a:bodyPr/>
+                    <a:lstStyle/>
+                    <a:p>
+                      <a:pPr algn="ctr"/>
+                      <a:r>
+                        <a:rPr lang="en-VN" sz="2000" dirty="0"/>
+                        <a:t>06FTB</a:t>
+                      </a:r>
+                    </a:p>
+                  </a:txBody>
+                  <a:tcPr/>
+                </a:tc>
+                <a:extLst>
+                  <a:ext uri="{0D108BD9-81ED-4DB2-BD59-A6C34878D82A}">
+                    <a16:rowId xmlns:a16="http://schemas.microsoft.com/office/drawing/2014/main" val="762379995"/>
+                  </a:ext>
+                </a:extLst>
+              </a:tr>
+              <a:tr h="970043">
+                <a:tc>
+                  <a:txBody>
+                    <a:bodyPr/>
+                    <a:lstStyle/>
+                    <a:p>
+                      <a:pPr algn="ctr"/>
+                      <a:r>
+                        <a:rPr lang="en-VN" sz="2000" b="1" dirty="0">
+                          <a:solidFill>
+                            <a:schemeClr val="bg2">
+                              <a:lumMod val="50000"/>
+                            </a:schemeClr>
+                          </a:solidFill>
+                        </a:rPr>
+                        <a:t>Meanv</a:t>
+                      </a:r>
+                    </a:p>
+                  </a:txBody>
+                  <a:tcPr/>
+                </a:tc>
+                <a:tc>
+                  <a:txBody>
+                    <a:bodyPr/>
+                    <a:lstStyle/>
+                    <a:p>
+                      <a:pPr marL="0" marR="0" lvl="0" indent="0" algn="ctr" defTabSz="914400" rtl="0" eaLnBrk="1" fontAlgn="auto" latinLnBrk="0" hangingPunct="1">
+                        <a:lnSpc>
+                          <a:spcPct val="100000"/>
+                        </a:lnSpc>
+                        <a:spcBef>
+                          <a:spcPts val="0"/>
+                        </a:spcBef>
+                        <a:spcAft>
+                          <a:spcPts val="0"/>
+                        </a:spcAft>
+                        <a:buClr>
+                          <a:srgbClr val="000000"/>
+                        </a:buClr>
+                        <a:buSzTx/>
+                        <a:buFont typeface="Arial"/>
+                        <a:buNone/>
+                        <a:tabLst/>
+                        <a:defRPr/>
+                      </a:pPr>
+                      <a:r>
+                        <a:rPr lang="en-VN" sz="2000" b="0" i="0" u="none" strike="noStrike" cap="none" dirty="0">
+                          <a:solidFill>
+                            <a:schemeClr val="dk1"/>
+                          </a:solidFill>
+                          <a:effectLst/>
+                          <a:latin typeface="+mn-lt"/>
+                          <a:ea typeface="+mn-ea"/>
+                          <a:cs typeface="+mn-cs"/>
+                          <a:sym typeface="Arial"/>
+                        </a:rPr>
+                        <a:t>0.3399</a:t>
+                      </a:r>
+                    </a:p>
+                    <a:p>
+                      <a:pPr algn="ctr"/>
+                      <a:endParaRPr lang="en-VN" sz="2000" dirty="0"/>
+                    </a:p>
+                    <a:p>
+                      <a:pPr algn="ctr"/>
+                      <a:endParaRPr lang="en-VN" sz="2000" dirty="0"/>
+                    </a:p>
+                  </a:txBody>
+                  <a:tcPr/>
+                </a:tc>
+                <a:tc>
+                  <a:txBody>
+                    <a:bodyPr/>
+                    <a:lstStyle/>
+                    <a:p>
+                      <a:pPr marL="0" marR="0" lvl="0" indent="0" algn="ctr" defTabSz="914400" rtl="0" eaLnBrk="1" fontAlgn="auto" latinLnBrk="0" hangingPunct="1">
+                        <a:lnSpc>
+                          <a:spcPct val="100000"/>
+                        </a:lnSpc>
+                        <a:spcBef>
+                          <a:spcPts val="0"/>
+                        </a:spcBef>
+                        <a:spcAft>
+                          <a:spcPts val="0"/>
+                        </a:spcAft>
+                        <a:buClr>
+                          <a:srgbClr val="000000"/>
+                        </a:buClr>
+                        <a:buSzTx/>
+                        <a:buFont typeface="Arial"/>
+                        <a:buNone/>
+                        <a:tabLst/>
+                        <a:defRPr/>
+                      </a:pPr>
+                      <a:r>
+                        <a:rPr lang="en-VN" sz="2000" b="0" i="0" u="none" strike="noStrike" cap="none" dirty="0">
+                          <a:solidFill>
+                            <a:schemeClr val="dk1"/>
+                          </a:solidFill>
+                          <a:effectLst/>
+                          <a:latin typeface="+mn-lt"/>
+                          <a:ea typeface="+mn-ea"/>
+                          <a:cs typeface="+mn-cs"/>
+                          <a:sym typeface="Arial"/>
+                        </a:rPr>
+                        <a:t>0.3048</a:t>
+                      </a:r>
+                    </a:p>
+                  </a:txBody>
+                  <a:tcPr/>
+                </a:tc>
+                <a:tc>
+                  <a:txBody>
+                    <a:bodyPr/>
+                    <a:lstStyle/>
+                    <a:p>
+                      <a:pPr marL="0" marR="0" lvl="0" indent="0" algn="ctr" defTabSz="914400" rtl="0" eaLnBrk="1" fontAlgn="auto" latinLnBrk="0" hangingPunct="1">
+                        <a:lnSpc>
+                          <a:spcPct val="100000"/>
+                        </a:lnSpc>
+                        <a:spcBef>
+                          <a:spcPts val="0"/>
+                        </a:spcBef>
+                        <a:spcAft>
+                          <a:spcPts val="0"/>
+                        </a:spcAft>
+                        <a:buClr>
+                          <a:srgbClr val="000000"/>
+                        </a:buClr>
+                        <a:buSzTx/>
+                        <a:buFont typeface="Arial"/>
+                        <a:buNone/>
+                        <a:tabLst/>
+                        <a:defRPr/>
+                      </a:pPr>
+                      <a:r>
+                        <a:rPr lang="en-VN" sz="2000" b="0" i="0" u="none" strike="noStrike" cap="none" dirty="0">
+                          <a:solidFill>
+                            <a:schemeClr val="dk1"/>
+                          </a:solidFill>
+                          <a:effectLst/>
+                          <a:latin typeface="+mn-lt"/>
+                          <a:ea typeface="+mn-ea"/>
+                          <a:cs typeface="+mn-cs"/>
+                          <a:sym typeface="Arial"/>
+                        </a:rPr>
+                        <a:t>0.4116</a:t>
+                      </a:r>
+                      <a:endParaRPr lang="en-VN" sz="2000" dirty="0"/>
+                    </a:p>
+                  </a:txBody>
+                  <a:tcPr/>
+                </a:tc>
+                <a:tc>
+                  <a:txBody>
+                    <a:bodyPr/>
+                    <a:lstStyle/>
+                    <a:p>
+                      <a:pPr marL="0" marR="0" lvl="0" indent="0" algn="ctr" defTabSz="914400" rtl="0" eaLnBrk="1" fontAlgn="auto" latinLnBrk="0" hangingPunct="1">
+                        <a:lnSpc>
+                          <a:spcPct val="100000"/>
+                        </a:lnSpc>
+                        <a:spcBef>
+                          <a:spcPts val="0"/>
+                        </a:spcBef>
+                        <a:spcAft>
+                          <a:spcPts val="0"/>
+                        </a:spcAft>
+                        <a:buClr>
+                          <a:srgbClr val="000000"/>
+                        </a:buClr>
+                        <a:buSzTx/>
+                        <a:buFont typeface="Arial"/>
+                        <a:buNone/>
+                        <a:tabLst/>
+                        <a:defRPr/>
+                      </a:pPr>
+                      <a:r>
+                        <a:rPr lang="en-VN" sz="2000" b="0" i="0" u="none" strike="noStrike" cap="none" dirty="0">
+                          <a:solidFill>
+                            <a:schemeClr val="dk1"/>
+                          </a:solidFill>
+                          <a:effectLst/>
+                          <a:latin typeface="+mn-lt"/>
+                          <a:ea typeface="+mn-ea"/>
+                          <a:cs typeface="+mn-cs"/>
+                          <a:sym typeface="Arial"/>
+                        </a:rPr>
+                        <a:t>0.3179</a:t>
+                      </a:r>
+                    </a:p>
+                    <a:p>
+                      <a:pPr marL="0" marR="0" lvl="0" indent="0" algn="ctr" defTabSz="914400" rtl="0" eaLnBrk="1" fontAlgn="auto" latinLnBrk="0" hangingPunct="1">
+                        <a:lnSpc>
+                          <a:spcPct val="100000"/>
+                        </a:lnSpc>
+                        <a:spcBef>
+                          <a:spcPts val="0"/>
+                        </a:spcBef>
+                        <a:spcAft>
+                          <a:spcPts val="0"/>
+                        </a:spcAft>
+                        <a:buClr>
+                          <a:srgbClr val="000000"/>
+                        </a:buClr>
+                        <a:buSzTx/>
+                        <a:buFont typeface="Arial"/>
+                        <a:buNone/>
+                        <a:tabLst/>
+                        <a:defRPr/>
+                      </a:pPr>
+                      <a:endParaRPr lang="en-VN" sz="2000" b="0" i="0" u="none" strike="noStrike" cap="none" dirty="0">
+                        <a:solidFill>
+                          <a:schemeClr val="dk1"/>
+                        </a:solidFill>
+                        <a:effectLst/>
+                        <a:latin typeface="+mn-lt"/>
+                        <a:ea typeface="+mn-ea"/>
+                        <a:cs typeface="+mn-cs"/>
+                        <a:sym typeface="Arial"/>
+                      </a:endParaRPr>
+                    </a:p>
+                  </a:txBody>
+                  <a:tcPr/>
+                </a:tc>
+                <a:extLst>
+                  <a:ext uri="{0D108BD9-81ED-4DB2-BD59-A6C34878D82A}">
+                    <a16:rowId xmlns:a16="http://schemas.microsoft.com/office/drawing/2014/main" val="1113746075"/>
+                  </a:ext>
+                </a:extLst>
+              </a:tr>
+              <a:tr h="714253">
+                <a:tc>
+                  <a:txBody>
+                    <a:bodyPr/>
+                    <a:lstStyle/>
+                    <a:p>
+                      <a:pPr algn="ctr"/>
+                      <a:r>
+                        <a:rPr lang="en-VN" sz="2000" b="1" dirty="0">
+                          <a:solidFill>
+                            <a:schemeClr val="bg2">
+                              <a:lumMod val="50000"/>
+                            </a:schemeClr>
+                          </a:solidFill>
+                        </a:rPr>
+                        <a:t>Stdv</a:t>
+                      </a:r>
+                    </a:p>
+                  </a:txBody>
+                  <a:tcPr/>
+                </a:tc>
+                <a:tc>
+                  <a:txBody>
+                    <a:bodyPr/>
+                    <a:lstStyle/>
+                    <a:p>
+                      <a:pPr marL="0" marR="0" lvl="0" indent="0" algn="ctr" defTabSz="914400" rtl="0" eaLnBrk="1" fontAlgn="auto" latinLnBrk="0" hangingPunct="1">
+                        <a:lnSpc>
+                          <a:spcPct val="100000"/>
+                        </a:lnSpc>
+                        <a:spcBef>
+                          <a:spcPts val="0"/>
+                        </a:spcBef>
+                        <a:spcAft>
+                          <a:spcPts val="0"/>
+                        </a:spcAft>
+                        <a:buClr>
+                          <a:srgbClr val="000000"/>
+                        </a:buClr>
+                        <a:buSzTx/>
+                        <a:buFont typeface="Arial"/>
+                        <a:buNone/>
+                        <a:tabLst/>
+                        <a:defRPr/>
+                      </a:pPr>
+                      <a:r>
+                        <a:rPr lang="en-VN" sz="2000" b="0" i="0" u="none" strike="noStrike" cap="none" dirty="0">
+                          <a:solidFill>
+                            <a:schemeClr val="dk1"/>
+                          </a:solidFill>
+                          <a:effectLst/>
+                          <a:latin typeface="+mn-lt"/>
+                          <a:ea typeface="+mn-ea"/>
+                          <a:cs typeface="+mn-cs"/>
+                          <a:sym typeface="Arial"/>
+                        </a:rPr>
+                        <a:t>0.3784</a:t>
+                      </a:r>
+                    </a:p>
+                  </a:txBody>
+                  <a:tcPr/>
+                </a:tc>
+                <a:tc>
+                  <a:txBody>
+                    <a:bodyPr/>
+                    <a:lstStyle/>
+                    <a:p>
+                      <a:pPr marL="0" marR="0" lvl="0" indent="0" algn="ctr" defTabSz="914400" rtl="0" eaLnBrk="1" fontAlgn="auto" latinLnBrk="0" hangingPunct="1">
+                        <a:lnSpc>
+                          <a:spcPct val="100000"/>
+                        </a:lnSpc>
+                        <a:spcBef>
+                          <a:spcPts val="0"/>
+                        </a:spcBef>
+                        <a:spcAft>
+                          <a:spcPts val="0"/>
+                        </a:spcAft>
+                        <a:buClr>
+                          <a:srgbClr val="000000"/>
+                        </a:buClr>
+                        <a:buSzTx/>
+                        <a:buFont typeface="Arial"/>
+                        <a:buNone/>
+                        <a:tabLst/>
+                        <a:defRPr/>
+                      </a:pPr>
+                      <a:r>
+                        <a:rPr lang="en-VN" sz="2000" b="0" i="0" u="none" strike="noStrike" cap="none" dirty="0">
+                          <a:solidFill>
+                            <a:schemeClr val="dk1"/>
+                          </a:solidFill>
+                          <a:effectLst/>
+                          <a:latin typeface="+mn-lt"/>
+                          <a:ea typeface="+mn-ea"/>
+                          <a:cs typeface="+mn-cs"/>
+                          <a:sym typeface="Arial"/>
+                        </a:rPr>
+                        <a:t>0.2317</a:t>
+                      </a:r>
+                    </a:p>
+                  </a:txBody>
+                  <a:tcPr/>
+                </a:tc>
+                <a:tc>
+                  <a:txBody>
+                    <a:bodyPr/>
+                    <a:lstStyle/>
+                    <a:p>
+                      <a:pPr marL="0" marR="0" lvl="0" indent="0" algn="ctr" defTabSz="914400" rtl="0" eaLnBrk="1" fontAlgn="auto" latinLnBrk="0" hangingPunct="1">
+                        <a:lnSpc>
+                          <a:spcPct val="100000"/>
+                        </a:lnSpc>
+                        <a:spcBef>
+                          <a:spcPts val="0"/>
+                        </a:spcBef>
+                        <a:spcAft>
+                          <a:spcPts val="0"/>
+                        </a:spcAft>
+                        <a:buClr>
+                          <a:srgbClr val="000000"/>
+                        </a:buClr>
+                        <a:buSzTx/>
+                        <a:buFont typeface="Arial"/>
+                        <a:buNone/>
+                        <a:tabLst/>
+                        <a:defRPr/>
+                      </a:pPr>
+                      <a:r>
+                        <a:rPr lang="en-VN" sz="2000" b="0" i="0" u="none" strike="noStrike" cap="none" dirty="0">
+                          <a:solidFill>
+                            <a:schemeClr val="dk1"/>
+                          </a:solidFill>
+                          <a:effectLst/>
+                          <a:latin typeface="+mn-lt"/>
+                          <a:ea typeface="+mn-ea"/>
+                          <a:cs typeface="+mn-cs"/>
+                          <a:sym typeface="Arial"/>
+                        </a:rPr>
+                        <a:t>0.3696</a:t>
+                      </a:r>
+                    </a:p>
+                    <a:p>
+                      <a:pPr algn="ctr"/>
+                      <a:endParaRPr lang="en-VN" sz="2000" dirty="0"/>
+                    </a:p>
+                  </a:txBody>
+                  <a:tcPr/>
+                </a:tc>
+                <a:tc>
+                  <a:txBody>
+                    <a:bodyPr/>
+                    <a:lstStyle/>
+                    <a:p>
+                      <a:pPr marL="0" marR="0" lvl="0" indent="0" algn="ctr" defTabSz="914400" rtl="0" eaLnBrk="1" fontAlgn="auto" latinLnBrk="0" hangingPunct="1">
+                        <a:lnSpc>
+                          <a:spcPct val="100000"/>
+                        </a:lnSpc>
+                        <a:spcBef>
+                          <a:spcPts val="0"/>
+                        </a:spcBef>
+                        <a:spcAft>
+                          <a:spcPts val="0"/>
+                        </a:spcAft>
+                        <a:buClr>
+                          <a:srgbClr val="000000"/>
+                        </a:buClr>
+                        <a:buSzTx/>
+                        <a:buFont typeface="Arial"/>
+                        <a:buNone/>
+                        <a:tabLst/>
+                        <a:defRPr/>
+                      </a:pPr>
+                      <a:r>
+                        <a:rPr lang="en-VN" sz="2000" b="0" i="0" u="none" strike="noStrike" cap="none" dirty="0">
+                          <a:solidFill>
+                            <a:schemeClr val="dk1"/>
+                          </a:solidFill>
+                          <a:effectLst/>
+                          <a:latin typeface="+mn-lt"/>
+                          <a:ea typeface="+mn-ea"/>
+                          <a:cs typeface="+mn-cs"/>
+                          <a:sym typeface="Arial"/>
+                        </a:rPr>
+                        <a:t>0.3537</a:t>
+                      </a:r>
+                    </a:p>
+                    <a:p>
+                      <a:pPr algn="ctr"/>
+                      <a:endParaRPr lang="en-VN" sz="2000" dirty="0"/>
+                    </a:p>
+                  </a:txBody>
+                  <a:tcPr/>
+                </a:tc>
+                <a:extLst>
+                  <a:ext uri="{0D108BD9-81ED-4DB2-BD59-A6C34878D82A}">
+                    <a16:rowId xmlns:a16="http://schemas.microsoft.com/office/drawing/2014/main" val="3874263939"/>
+                  </a:ext>
+                </a:extLst>
+              </a:tr>
+              <a:tr h="714253">
+                <a:tc>
+                  <a:txBody>
+                    <a:bodyPr/>
+                    <a:lstStyle/>
+                    <a:p>
+                      <a:pPr algn="ctr"/>
+                      <a:r>
+                        <a:rPr lang="en-VN" sz="2000" b="1" dirty="0">
+                          <a:solidFill>
+                            <a:schemeClr val="bg2">
+                              <a:lumMod val="50000"/>
+                            </a:schemeClr>
+                          </a:solidFill>
+                        </a:rPr>
+                        <a:t>Meanuv</a:t>
+                      </a:r>
+                    </a:p>
+                  </a:txBody>
+                  <a:tcPr/>
+                </a:tc>
+                <a:tc>
+                  <a:txBody>
+                    <a:bodyPr/>
+                    <a:lstStyle/>
+                    <a:p>
+                      <a:pPr marL="0" marR="0" lvl="0" indent="0" algn="ctr" defTabSz="914400" rtl="0" eaLnBrk="1" fontAlgn="auto" latinLnBrk="0" hangingPunct="1">
+                        <a:lnSpc>
+                          <a:spcPct val="100000"/>
+                        </a:lnSpc>
+                        <a:spcBef>
+                          <a:spcPts val="0"/>
+                        </a:spcBef>
+                        <a:spcAft>
+                          <a:spcPts val="0"/>
+                        </a:spcAft>
+                        <a:buClr>
+                          <a:srgbClr val="000000"/>
+                        </a:buClr>
+                        <a:buSzTx/>
+                        <a:buFont typeface="Arial"/>
+                        <a:buNone/>
+                        <a:tabLst/>
+                        <a:defRPr/>
+                      </a:pPr>
+                      <a:r>
+                        <a:rPr lang="en-VN" sz="2000" b="0" i="0" u="none" strike="noStrike" cap="none" dirty="0">
+                          <a:solidFill>
+                            <a:schemeClr val="dk1"/>
+                          </a:solidFill>
+                          <a:effectLst/>
+                          <a:latin typeface="+mn-lt"/>
+                          <a:ea typeface="+mn-ea"/>
+                          <a:cs typeface="+mn-cs"/>
+                          <a:sym typeface="Arial"/>
+                        </a:rPr>
+                        <a:t>0.1762</a:t>
+                      </a:r>
+                    </a:p>
+                    <a:p>
+                      <a:pPr algn="ctr"/>
+                      <a:endParaRPr lang="en-VN" sz="2000" dirty="0"/>
+                    </a:p>
+                  </a:txBody>
+                  <a:tcPr/>
+                </a:tc>
+                <a:tc>
+                  <a:txBody>
+                    <a:bodyPr/>
+                    <a:lstStyle/>
+                    <a:p>
+                      <a:pPr marL="0" marR="0" lvl="0" indent="0" algn="ctr" defTabSz="914400" rtl="0" eaLnBrk="1" fontAlgn="auto" latinLnBrk="0" hangingPunct="1">
+                        <a:lnSpc>
+                          <a:spcPct val="100000"/>
+                        </a:lnSpc>
+                        <a:spcBef>
+                          <a:spcPts val="0"/>
+                        </a:spcBef>
+                        <a:spcAft>
+                          <a:spcPts val="0"/>
+                        </a:spcAft>
+                        <a:buClr>
+                          <a:srgbClr val="000000"/>
+                        </a:buClr>
+                        <a:buSzTx/>
+                        <a:buFont typeface="Arial"/>
+                        <a:buNone/>
+                        <a:tabLst/>
+                        <a:defRPr/>
+                      </a:pPr>
+                      <a:r>
+                        <a:rPr lang="en-VN" sz="2000" b="0" i="0" u="none" strike="noStrike" cap="none" dirty="0">
+                          <a:solidFill>
+                            <a:schemeClr val="dk1"/>
+                          </a:solidFill>
+                          <a:effectLst/>
+                          <a:latin typeface="+mn-lt"/>
+                          <a:ea typeface="+mn-ea"/>
+                          <a:cs typeface="+mn-cs"/>
+                          <a:sym typeface="Arial"/>
+                        </a:rPr>
+                        <a:t>0.2303</a:t>
+                      </a:r>
+                    </a:p>
+                  </a:txBody>
+                  <a:tcPr/>
+                </a:tc>
+                <a:tc>
+                  <a:txBody>
+                    <a:bodyPr/>
+                    <a:lstStyle/>
+                    <a:p>
+                      <a:pPr marL="0" marR="0" lvl="0" indent="0" algn="ctr" defTabSz="914400" rtl="0" eaLnBrk="1" fontAlgn="auto" latinLnBrk="0" hangingPunct="1">
+                        <a:lnSpc>
+                          <a:spcPct val="100000"/>
+                        </a:lnSpc>
+                        <a:spcBef>
+                          <a:spcPts val="0"/>
+                        </a:spcBef>
+                        <a:spcAft>
+                          <a:spcPts val="0"/>
+                        </a:spcAft>
+                        <a:buClr>
+                          <a:srgbClr val="000000"/>
+                        </a:buClr>
+                        <a:buSzTx/>
+                        <a:buFont typeface="Arial"/>
+                        <a:buNone/>
+                        <a:tabLst/>
+                        <a:defRPr/>
+                      </a:pPr>
+                      <a:r>
+                        <a:rPr lang="en-VN" sz="2000" b="0" i="0" u="none" strike="noStrike" cap="none" dirty="0">
+                          <a:solidFill>
+                            <a:schemeClr val="dk1"/>
+                          </a:solidFill>
+                          <a:effectLst/>
+                          <a:latin typeface="+mn-lt"/>
+                          <a:ea typeface="+mn-ea"/>
+                          <a:cs typeface="+mn-cs"/>
+                          <a:sym typeface="Arial"/>
+                        </a:rPr>
+                        <a:t>0.3705</a:t>
+                      </a:r>
+                    </a:p>
+                    <a:p>
+                      <a:pPr algn="ctr"/>
+                      <a:endParaRPr lang="en-VN" sz="2000" dirty="0"/>
+                    </a:p>
+                  </a:txBody>
+                  <a:tcPr/>
+                </a:tc>
+                <a:tc>
+                  <a:txBody>
+                    <a:bodyPr/>
+                    <a:lstStyle/>
+                    <a:p>
+                      <a:pPr marL="0" marR="0" lvl="0" indent="0" algn="ctr" defTabSz="914400" rtl="0" eaLnBrk="1" fontAlgn="auto" latinLnBrk="0" hangingPunct="1">
+                        <a:lnSpc>
+                          <a:spcPct val="100000"/>
+                        </a:lnSpc>
+                        <a:spcBef>
+                          <a:spcPts val="0"/>
+                        </a:spcBef>
+                        <a:spcAft>
+                          <a:spcPts val="0"/>
+                        </a:spcAft>
+                        <a:buClr>
+                          <a:srgbClr val="000000"/>
+                        </a:buClr>
+                        <a:buSzTx/>
+                        <a:buFont typeface="Arial"/>
+                        <a:buNone/>
+                        <a:tabLst/>
+                        <a:defRPr/>
+                      </a:pPr>
+                      <a:r>
+                        <a:rPr lang="en-VN" sz="2000" b="0" i="0" u="none" strike="noStrike" cap="none" dirty="0">
+                          <a:solidFill>
+                            <a:schemeClr val="dk1"/>
+                          </a:solidFill>
+                          <a:effectLst/>
+                          <a:latin typeface="+mn-lt"/>
+                          <a:ea typeface="+mn-ea"/>
+                          <a:cs typeface="+mn-cs"/>
+                          <a:sym typeface="Arial"/>
+                        </a:rPr>
+                        <a:t>0.2591</a:t>
+                      </a:r>
+                    </a:p>
+                    <a:p>
+                      <a:pPr algn="ctr"/>
+                      <a:endParaRPr lang="en-VN" sz="2000" dirty="0"/>
+                    </a:p>
+                  </a:txBody>
+                  <a:tcPr/>
+                </a:tc>
+                <a:extLst>
+                  <a:ext uri="{0D108BD9-81ED-4DB2-BD59-A6C34878D82A}">
+                    <a16:rowId xmlns:a16="http://schemas.microsoft.com/office/drawing/2014/main" val="3732852221"/>
+                  </a:ext>
+                </a:extLst>
+              </a:tr>
+              <a:tr h="714253">
+                <a:tc>
+                  <a:txBody>
+                    <a:bodyPr/>
+                    <a:lstStyle/>
+                    <a:p>
+                      <a:pPr algn="ctr"/>
+                      <a:r>
+                        <a:rPr lang="en-VN" sz="2000" b="1" dirty="0">
+                          <a:solidFill>
+                            <a:schemeClr val="bg2">
+                              <a:lumMod val="50000"/>
+                            </a:schemeClr>
+                          </a:solidFill>
+                        </a:rPr>
+                        <a:t>Stduv</a:t>
+                      </a:r>
+                    </a:p>
+                  </a:txBody>
+                  <a:tcPr/>
+                </a:tc>
+                <a:tc>
+                  <a:txBody>
+                    <a:bodyPr/>
+                    <a:lstStyle/>
+                    <a:p>
+                      <a:pPr marL="0" marR="0" lvl="0" indent="0" algn="ctr" defTabSz="914400" rtl="0" eaLnBrk="1" fontAlgn="auto" latinLnBrk="0" hangingPunct="1">
+                        <a:lnSpc>
+                          <a:spcPct val="100000"/>
+                        </a:lnSpc>
+                        <a:spcBef>
+                          <a:spcPts val="0"/>
+                        </a:spcBef>
+                        <a:spcAft>
+                          <a:spcPts val="0"/>
+                        </a:spcAft>
+                        <a:buClr>
+                          <a:srgbClr val="000000"/>
+                        </a:buClr>
+                        <a:buSzTx/>
+                        <a:buFont typeface="Arial"/>
+                        <a:buNone/>
+                        <a:tabLst/>
+                        <a:defRPr/>
+                      </a:pPr>
+                      <a:r>
+                        <a:rPr lang="en-VN" sz="2000" b="0" i="0" u="none" strike="noStrike" cap="none" dirty="0">
+                          <a:solidFill>
+                            <a:schemeClr val="dk1"/>
+                          </a:solidFill>
+                          <a:effectLst/>
+                          <a:latin typeface="+mn-lt"/>
+                          <a:ea typeface="+mn-ea"/>
+                          <a:cs typeface="+mn-cs"/>
+                          <a:sym typeface="Arial"/>
+                        </a:rPr>
+                        <a:t>0.2</a:t>
+                      </a:r>
+                    </a:p>
+                  </a:txBody>
+                  <a:tcPr/>
+                </a:tc>
+                <a:tc>
+                  <a:txBody>
+                    <a:bodyPr/>
+                    <a:lstStyle/>
+                    <a:p>
+                      <a:pPr marL="0" marR="0" lvl="0" indent="0" algn="ctr" defTabSz="914400" rtl="0" eaLnBrk="1" fontAlgn="auto" latinLnBrk="0" hangingPunct="1">
+                        <a:lnSpc>
+                          <a:spcPct val="100000"/>
+                        </a:lnSpc>
+                        <a:spcBef>
+                          <a:spcPts val="0"/>
+                        </a:spcBef>
+                        <a:spcAft>
+                          <a:spcPts val="0"/>
+                        </a:spcAft>
+                        <a:buClr>
+                          <a:srgbClr val="000000"/>
+                        </a:buClr>
+                        <a:buSzTx/>
+                        <a:buFont typeface="Arial"/>
+                        <a:buNone/>
+                        <a:tabLst/>
+                        <a:defRPr/>
+                      </a:pPr>
+                      <a:r>
+                        <a:rPr lang="en-VN" sz="2000" b="0" i="0" u="none" strike="noStrike" cap="none" dirty="0">
+                          <a:solidFill>
+                            <a:schemeClr val="dk1"/>
+                          </a:solidFill>
+                          <a:effectLst/>
+                          <a:latin typeface="+mn-lt"/>
+                          <a:ea typeface="+mn-ea"/>
+                          <a:cs typeface="+mn-cs"/>
+                          <a:sym typeface="Arial"/>
+                        </a:rPr>
+                        <a:t>0.2034</a:t>
+                      </a:r>
+                    </a:p>
+                  </a:txBody>
+                  <a:tcPr/>
+                </a:tc>
+                <a:tc>
+                  <a:txBody>
+                    <a:bodyPr/>
+                    <a:lstStyle/>
+                    <a:p>
+                      <a:pPr marL="0" marR="0" lvl="0" indent="0" algn="ctr" defTabSz="914400" rtl="0" eaLnBrk="1" fontAlgn="auto" latinLnBrk="0" hangingPunct="1">
+                        <a:lnSpc>
+                          <a:spcPct val="100000"/>
+                        </a:lnSpc>
+                        <a:spcBef>
+                          <a:spcPts val="0"/>
+                        </a:spcBef>
+                        <a:spcAft>
+                          <a:spcPts val="0"/>
+                        </a:spcAft>
+                        <a:buClr>
+                          <a:srgbClr val="000000"/>
+                        </a:buClr>
+                        <a:buSzTx/>
+                        <a:buFont typeface="Arial"/>
+                        <a:buNone/>
+                        <a:tabLst/>
+                        <a:defRPr/>
+                      </a:pPr>
+                      <a:r>
+                        <a:rPr lang="en-VN" sz="2000" b="0" i="0" u="none" strike="noStrike" cap="none" dirty="0">
+                          <a:solidFill>
+                            <a:schemeClr val="dk1"/>
+                          </a:solidFill>
+                          <a:effectLst/>
+                          <a:latin typeface="+mn-lt"/>
+                          <a:ea typeface="+mn-ea"/>
+                          <a:cs typeface="+mn-cs"/>
+                          <a:sym typeface="Arial"/>
+                        </a:rPr>
+                        <a:t>0.2100</a:t>
+                      </a:r>
+                    </a:p>
+                    <a:p>
+                      <a:pPr algn="ctr"/>
+                      <a:endParaRPr lang="en-VN" sz="2000" dirty="0"/>
+                    </a:p>
+                  </a:txBody>
+                  <a:tcPr/>
+                </a:tc>
+                <a:tc>
+                  <a:txBody>
+                    <a:bodyPr/>
+                    <a:lstStyle/>
+                    <a:p>
+                      <a:pPr marL="0" marR="0" lvl="0" indent="0" algn="ctr" defTabSz="914400" rtl="0" eaLnBrk="1" fontAlgn="auto" latinLnBrk="0" hangingPunct="1">
+                        <a:lnSpc>
+                          <a:spcPct val="100000"/>
+                        </a:lnSpc>
+                        <a:spcBef>
+                          <a:spcPts val="0"/>
+                        </a:spcBef>
+                        <a:spcAft>
+                          <a:spcPts val="0"/>
+                        </a:spcAft>
+                        <a:buClr>
+                          <a:srgbClr val="000000"/>
+                        </a:buClr>
+                        <a:buSzTx/>
+                        <a:buFont typeface="Arial"/>
+                        <a:buNone/>
+                        <a:tabLst/>
+                        <a:defRPr/>
+                      </a:pPr>
+                      <a:r>
+                        <a:rPr lang="en-VN" sz="2000" b="0" i="0" u="none" strike="noStrike" cap="none" dirty="0">
+                          <a:solidFill>
+                            <a:schemeClr val="dk1"/>
+                          </a:solidFill>
+                          <a:effectLst/>
+                          <a:latin typeface="+mn-lt"/>
+                          <a:ea typeface="+mn-ea"/>
+                          <a:cs typeface="+mn-cs"/>
+                          <a:sym typeface="Arial"/>
+                        </a:rPr>
+                        <a:t>0.1824</a:t>
+                      </a:r>
+                    </a:p>
+                  </a:txBody>
+                  <a:tcPr/>
+                </a:tc>
+                <a:extLst>
+                  <a:ext uri="{0D108BD9-81ED-4DB2-BD59-A6C34878D82A}">
+                    <a16:rowId xmlns:a16="http://schemas.microsoft.com/office/drawing/2014/main" val="1354287867"/>
+                  </a:ext>
+                </a:extLst>
+              </a:tr>
+            </a:tbl>
+          </a:graphicData>
+        </a:graphic>
+      </p:graphicFrame>
+      <p:sp>
+        <p:nvSpPr>
+          <p:cNvPr id="5" name="TextBox 4">
+            <a:extLst>
+              <a:ext uri="{FF2B5EF4-FFF2-40B4-BE49-F238E27FC236}">
+                <a16:creationId xmlns:a16="http://schemas.microsoft.com/office/drawing/2014/main" id="{7B513E3B-664B-934C-A698-0747B5005CF5}"/>
+              </a:ext>
+            </a:extLst>
+          </p:cNvPr>
+          <p:cNvSpPr txBox="1"/>
+          <p:nvPr/>
+        </p:nvSpPr>
+        <p:spPr>
+          <a:xfrm>
+            <a:off x="451018" y="5776224"/>
+            <a:ext cx="8309610" cy="477054"/>
+          </a:xfrm>
+          <a:prstGeom prst="rect">
+            <a:avLst/>
+          </a:prstGeom>
+          <a:noFill/>
+        </p:spPr>
+        <p:txBody>
+          <a:bodyPr wrap="square" rtlCol="0">
+            <a:spAutoFit/>
+          </a:bodyPr>
+          <a:lstStyle/>
+          <a:p>
+            <a:r>
+              <a:rPr lang="en-VN" sz="2500" dirty="0">
+                <a:solidFill>
+                  <a:schemeClr val="bg2">
+                    <a:lumMod val="50000"/>
+                  </a:schemeClr>
+                </a:solidFill>
+                <a:sym typeface="Wingdings" pitchFamily="2" charset="2"/>
+              </a:rPr>
+              <a:t> Threshold: (0.207+0.215+0.238+0.211)/4 ~= </a:t>
+            </a:r>
+            <a:r>
+              <a:rPr lang="en-VN" sz="2500" b="1" dirty="0">
+                <a:solidFill>
+                  <a:schemeClr val="bg2">
+                    <a:lumMod val="50000"/>
+                  </a:schemeClr>
+                </a:solidFill>
+              </a:rPr>
+              <a:t>0.2175</a:t>
+            </a:r>
+          </a:p>
+        </p:txBody>
+      </p:sp>
+    </p:spTree>
+    <p:extLst>
+      <p:ext uri="{BB962C8B-B14F-4D97-AF65-F5344CB8AC3E}">
+        <p14:creationId xmlns:p14="http://schemas.microsoft.com/office/powerpoint/2010/main" val="3088539536"/>
+      </p:ext>
+    </p:extLst>
+  </p:cSld>
+  <p:clrMapOvr>
+    <a:masterClrMapping/>
+  </p:clrMapOvr>
+</p:sld>
+</file>
+
+<file path=ppt/slides/slide9.xml><?xml version="1.0" encoding="utf-8"?>
 <p:sld xmlns:a="http://schemas.openxmlformats.org/drawingml/2006/main" xmlns:r="http://schemas.openxmlformats.org/officeDocument/2006/relationships" xmlns:p="http://schemas.openxmlformats.org/presentationml/2006/main">
   <p:cSld>
     <p:spTree>
@@ -19271,1324 +22211,6 @@
 </p:sld>
 </file>
 
-<file path=ppt/slides/slide8.xml><?xml version="1.0" encoding="utf-8"?>
-<p:sld xmlns:a="http://schemas.openxmlformats.org/drawingml/2006/main" xmlns:r="http://schemas.openxmlformats.org/officeDocument/2006/relationships" xmlns:p="http://schemas.openxmlformats.org/presentationml/2006/main">
-  <p:cSld>
-    <p:spTree>
-      <p:nvGrpSpPr>
-        <p:cNvPr id="1" name="Shape 115"/>
-        <p:cNvGrpSpPr/>
-        <p:nvPr/>
-      </p:nvGrpSpPr>
-      <p:grpSpPr>
-        <a:xfrm>
-          <a:off x="0" y="0"/>
-          <a:ext cx="0" cy="0"/>
-          <a:chOff x="0" y="0"/>
-          <a:chExt cx="0" cy="0"/>
-        </a:xfrm>
-      </p:grpSpPr>
-      <p:sp>
-        <p:nvSpPr>
-          <p:cNvPr id="116" name="Google Shape;116;p4"/>
-          <p:cNvSpPr txBox="1">
-            <a:spLocks noGrp="1"/>
-          </p:cNvSpPr>
-          <p:nvPr>
-            <p:ph type="body" idx="1"/>
-          </p:nvPr>
-        </p:nvSpPr>
-        <p:spPr>
-          <a:xfrm>
-            <a:off x="451028" y="2045970"/>
-            <a:ext cx="6951600" cy="4190406"/>
-          </a:xfrm>
-          <a:prstGeom prst="rect">
-            <a:avLst/>
-          </a:prstGeom>
-          <a:noFill/>
-          <a:ln>
-            <a:noFill/>
-          </a:ln>
-        </p:spPr>
-        <p:txBody>
-          <a:bodyPr spcFirstLastPara="1" wrap="square" lIns="91425" tIns="45700" rIns="91425" bIns="45700" anchor="t" anchorCtr="0">
-            <a:noAutofit/>
-          </a:bodyPr>
-          <a:lstStyle/>
-          <a:p>
-            <a:pPr marL="0" lvl="0" indent="0" algn="l" rtl="0">
-              <a:lnSpc>
-                <a:spcPct val="130000"/>
-              </a:lnSpc>
-              <a:spcBef>
-                <a:spcPts val="600"/>
-              </a:spcBef>
-              <a:spcAft>
-                <a:spcPts val="0"/>
-              </a:spcAft>
-              <a:buNone/>
-            </a:pPr>
-            <a:endParaRPr dirty="0">
-              <a:solidFill>
-                <a:srgbClr val="000000"/>
-              </a:solidFill>
-            </a:endParaRPr>
-          </a:p>
-          <a:p>
-            <a:pPr marL="228600" lvl="0" indent="-91440" algn="l" rtl="0">
-              <a:lnSpc>
-                <a:spcPct val="130000"/>
-              </a:lnSpc>
-              <a:spcBef>
-                <a:spcPts val="600"/>
-              </a:spcBef>
-              <a:spcAft>
-                <a:spcPts val="0"/>
-              </a:spcAft>
-              <a:buSzPts val="2160"/>
-              <a:buNone/>
-            </a:pPr>
-            <a:endParaRPr dirty="0">
-              <a:solidFill>
-                <a:srgbClr val="000000"/>
-              </a:solidFill>
-            </a:endParaRPr>
-          </a:p>
-        </p:txBody>
-      </p:sp>
-      <p:sp>
-        <p:nvSpPr>
-          <p:cNvPr id="117" name="Google Shape;117;p4"/>
-          <p:cNvSpPr txBox="1">
-            <a:spLocks noGrp="1"/>
-          </p:cNvSpPr>
-          <p:nvPr>
-            <p:ph type="title"/>
-          </p:nvPr>
-        </p:nvSpPr>
-        <p:spPr>
-          <a:xfrm>
-            <a:off x="478727" y="1081776"/>
-            <a:ext cx="6951472" cy="590931"/>
-          </a:xfrm>
-          <a:prstGeom prst="rect">
-            <a:avLst/>
-          </a:prstGeom>
-          <a:noFill/>
-          <a:ln>
-            <a:noFill/>
-          </a:ln>
-        </p:spPr>
-        <p:txBody>
-          <a:bodyPr spcFirstLastPara="1" wrap="square" lIns="91425" tIns="45700" rIns="91425" bIns="45700" anchor="t" anchorCtr="0">
-            <a:noAutofit/>
-          </a:bodyPr>
-          <a:lstStyle/>
-          <a:p>
-            <a:pPr marL="0" lvl="0" indent="0" algn="l" rtl="0">
-              <a:lnSpc>
-                <a:spcPct val="100000"/>
-              </a:lnSpc>
-              <a:spcBef>
-                <a:spcPts val="0"/>
-              </a:spcBef>
-              <a:spcAft>
-                <a:spcPts val="0"/>
-              </a:spcAft>
-              <a:buClr>
-                <a:schemeClr val="dk2"/>
-              </a:buClr>
-              <a:buSzPts val="2800"/>
-              <a:buFont typeface="Arial"/>
-              <a:buNone/>
-            </a:pPr>
-            <a:r>
-              <a:rPr lang="en-US" sz="2800" dirty="0" err="1"/>
-              <a:t>Xác</a:t>
-            </a:r>
-            <a:r>
-              <a:rPr lang="en-US" sz="2800" dirty="0"/>
-              <a:t> </a:t>
-            </a:r>
-            <a:r>
-              <a:rPr lang="en-US" sz="2800" dirty="0" err="1"/>
-              <a:t>định</a:t>
-            </a:r>
-            <a:r>
-              <a:rPr lang="en-US" sz="2800" dirty="0"/>
-              <a:t> </a:t>
-            </a:r>
-            <a:r>
-              <a:rPr lang="en-US" sz="2800" dirty="0" err="1"/>
-              <a:t>ngưỡng</a:t>
-            </a:r>
-            <a:r>
-              <a:rPr lang="en-US" sz="2800" dirty="0"/>
-              <a:t> MA</a:t>
-            </a:r>
-            <a:endParaRPr sz="2800" dirty="0"/>
-          </a:p>
-        </p:txBody>
-      </p:sp>
-      <p:graphicFrame>
-        <p:nvGraphicFramePr>
-          <p:cNvPr id="2" name="Table 2">
-            <a:extLst>
-              <a:ext uri="{FF2B5EF4-FFF2-40B4-BE49-F238E27FC236}">
-                <a16:creationId xmlns:a16="http://schemas.microsoft.com/office/drawing/2014/main" id="{58BC1CBF-515E-5B42-A824-5DABE59FF0A2}"/>
-              </a:ext>
-            </a:extLst>
-          </p:cNvPr>
-          <p:cNvGraphicFramePr>
-            <a:graphicFrameLocks noGrp="1"/>
-          </p:cNvGraphicFramePr>
-          <p:nvPr/>
-        </p:nvGraphicFramePr>
-        <p:xfrm>
-          <a:off x="451018" y="1672708"/>
-          <a:ext cx="10441771" cy="3710945"/>
-        </p:xfrm>
-        <a:graphic>
-          <a:graphicData uri="http://schemas.openxmlformats.org/drawingml/2006/table">
-            <a:tbl>
-              <a:tblPr firstRow="1" bandRow="1">
-                <a:tableStyleId>{5C22544A-7EE6-4342-B048-85BDC9FD1C3A}</a:tableStyleId>
-              </a:tblPr>
-              <a:tblGrid>
-                <a:gridCol w="2148835">
-                  <a:extLst>
-                    <a:ext uri="{9D8B030D-6E8A-4147-A177-3AD203B41FA5}">
-                      <a16:colId xmlns:a16="http://schemas.microsoft.com/office/drawing/2014/main" val="1977437174"/>
-                    </a:ext>
-                  </a:extLst>
-                </a:gridCol>
-                <a:gridCol w="2073234">
-                  <a:extLst>
-                    <a:ext uri="{9D8B030D-6E8A-4147-A177-3AD203B41FA5}">
-                      <a16:colId xmlns:a16="http://schemas.microsoft.com/office/drawing/2014/main" val="1639461737"/>
-                    </a:ext>
-                  </a:extLst>
-                </a:gridCol>
-                <a:gridCol w="2073234">
-                  <a:extLst>
-                    <a:ext uri="{9D8B030D-6E8A-4147-A177-3AD203B41FA5}">
-                      <a16:colId xmlns:a16="http://schemas.microsoft.com/office/drawing/2014/main" val="4289298959"/>
-                    </a:ext>
-                  </a:extLst>
-                </a:gridCol>
-                <a:gridCol w="2073234">
-                  <a:extLst>
-                    <a:ext uri="{9D8B030D-6E8A-4147-A177-3AD203B41FA5}">
-                      <a16:colId xmlns:a16="http://schemas.microsoft.com/office/drawing/2014/main" val="4163473307"/>
-                    </a:ext>
-                  </a:extLst>
-                </a:gridCol>
-                <a:gridCol w="2073234">
-                  <a:extLst>
-                    <a:ext uri="{9D8B030D-6E8A-4147-A177-3AD203B41FA5}">
-                      <a16:colId xmlns:a16="http://schemas.microsoft.com/office/drawing/2014/main" val="49734491"/>
-                    </a:ext>
-                  </a:extLst>
-                </a:gridCol>
-              </a:tblGrid>
-              <a:tr h="562346">
-                <a:tc>
-                  <a:txBody>
-                    <a:bodyPr/>
-                    <a:lstStyle/>
-                    <a:p>
-                      <a:pPr algn="ctr"/>
-                      <a:endParaRPr lang="en-VN" sz="2000" dirty="0"/>
-                    </a:p>
-                  </a:txBody>
-                  <a:tcPr/>
-                </a:tc>
-                <a:tc>
-                  <a:txBody>
-                    <a:bodyPr/>
-                    <a:lstStyle/>
-                    <a:p>
-                      <a:pPr algn="ctr"/>
-                      <a:r>
-                        <a:rPr lang="en-VN" sz="2000" dirty="0"/>
-                        <a:t>01MDA</a:t>
-                      </a:r>
-                    </a:p>
-                  </a:txBody>
-                  <a:tcPr/>
-                </a:tc>
-                <a:tc>
-                  <a:txBody>
-                    <a:bodyPr/>
-                    <a:lstStyle/>
-                    <a:p>
-                      <a:pPr algn="ctr"/>
-                      <a:r>
-                        <a:rPr lang="en-VN" sz="2000" dirty="0"/>
-                        <a:t>03MAB</a:t>
-                      </a:r>
-                    </a:p>
-                  </a:txBody>
-                  <a:tcPr/>
-                </a:tc>
-                <a:tc>
-                  <a:txBody>
-                    <a:bodyPr/>
-                    <a:lstStyle/>
-                    <a:p>
-                      <a:pPr algn="ctr"/>
-                      <a:r>
-                        <a:rPr lang="en-VN" sz="2000" dirty="0"/>
-                        <a:t>02FVA</a:t>
-                      </a:r>
-                    </a:p>
-                  </a:txBody>
-                  <a:tcPr/>
-                </a:tc>
-                <a:tc>
-                  <a:txBody>
-                    <a:bodyPr/>
-                    <a:lstStyle/>
-                    <a:p>
-                      <a:pPr algn="ctr"/>
-                      <a:r>
-                        <a:rPr lang="en-VN" sz="2000" dirty="0"/>
-                        <a:t>06FTB</a:t>
-                      </a:r>
-                    </a:p>
-                  </a:txBody>
-                  <a:tcPr/>
-                </a:tc>
-                <a:extLst>
-                  <a:ext uri="{0D108BD9-81ED-4DB2-BD59-A6C34878D82A}">
-                    <a16:rowId xmlns:a16="http://schemas.microsoft.com/office/drawing/2014/main" val="762379995"/>
-                  </a:ext>
-                </a:extLst>
-              </a:tr>
-              <a:tr h="970043">
-                <a:tc>
-                  <a:txBody>
-                    <a:bodyPr/>
-                    <a:lstStyle/>
-                    <a:p>
-                      <a:pPr algn="ctr"/>
-                      <a:r>
-                        <a:rPr lang="en-VN" sz="2000" b="1" dirty="0">
-                          <a:solidFill>
-                            <a:schemeClr val="bg2">
-                              <a:lumMod val="50000"/>
-                            </a:schemeClr>
-                          </a:solidFill>
-                        </a:rPr>
-                        <a:t>Meanv</a:t>
-                      </a:r>
-                    </a:p>
-                  </a:txBody>
-                  <a:tcPr/>
-                </a:tc>
-                <a:tc>
-                  <a:txBody>
-                    <a:bodyPr/>
-                    <a:lstStyle/>
-                    <a:p>
-                      <a:pPr marL="0" marR="0" lvl="0" indent="0" algn="ctr" defTabSz="914400" rtl="0" eaLnBrk="1" fontAlgn="auto" latinLnBrk="0" hangingPunct="1">
-                        <a:lnSpc>
-                          <a:spcPct val="100000"/>
-                        </a:lnSpc>
-                        <a:spcBef>
-                          <a:spcPts val="0"/>
-                        </a:spcBef>
-                        <a:spcAft>
-                          <a:spcPts val="0"/>
-                        </a:spcAft>
-                        <a:buClr>
-                          <a:srgbClr val="000000"/>
-                        </a:buClr>
-                        <a:buSzTx/>
-                        <a:buFont typeface="Arial"/>
-                        <a:buNone/>
-                        <a:tabLst/>
-                        <a:defRPr/>
-                      </a:pPr>
-                      <a:r>
-                        <a:rPr lang="en-VN" sz="2000" b="0" i="0" u="none" strike="noStrike" cap="none" dirty="0">
-                          <a:solidFill>
-                            <a:schemeClr val="dk1"/>
-                          </a:solidFill>
-                          <a:effectLst/>
-                          <a:latin typeface="+mn-lt"/>
-                          <a:ea typeface="+mn-ea"/>
-                          <a:cs typeface="+mn-cs"/>
-                          <a:sym typeface="Arial"/>
-                        </a:rPr>
-                        <a:t>0.3399</a:t>
-                      </a:r>
-                    </a:p>
-                    <a:p>
-                      <a:pPr algn="ctr"/>
-                      <a:endParaRPr lang="en-VN" sz="2000" dirty="0"/>
-                    </a:p>
-                    <a:p>
-                      <a:pPr algn="ctr"/>
-                      <a:endParaRPr lang="en-VN" sz="2000" dirty="0"/>
-                    </a:p>
-                  </a:txBody>
-                  <a:tcPr/>
-                </a:tc>
-                <a:tc>
-                  <a:txBody>
-                    <a:bodyPr/>
-                    <a:lstStyle/>
-                    <a:p>
-                      <a:pPr marL="0" marR="0" lvl="0" indent="0" algn="ctr" defTabSz="914400" rtl="0" eaLnBrk="1" fontAlgn="auto" latinLnBrk="0" hangingPunct="1">
-                        <a:lnSpc>
-                          <a:spcPct val="100000"/>
-                        </a:lnSpc>
-                        <a:spcBef>
-                          <a:spcPts val="0"/>
-                        </a:spcBef>
-                        <a:spcAft>
-                          <a:spcPts val="0"/>
-                        </a:spcAft>
-                        <a:buClr>
-                          <a:srgbClr val="000000"/>
-                        </a:buClr>
-                        <a:buSzTx/>
-                        <a:buFont typeface="Arial"/>
-                        <a:buNone/>
-                        <a:tabLst/>
-                        <a:defRPr/>
-                      </a:pPr>
-                      <a:r>
-                        <a:rPr lang="en-VN" sz="2000" b="0" i="0" u="none" strike="noStrike" cap="none" dirty="0">
-                          <a:solidFill>
-                            <a:schemeClr val="dk1"/>
-                          </a:solidFill>
-                          <a:effectLst/>
-                          <a:latin typeface="+mn-lt"/>
-                          <a:ea typeface="+mn-ea"/>
-                          <a:cs typeface="+mn-cs"/>
-                          <a:sym typeface="Arial"/>
-                        </a:rPr>
-                        <a:t>0.3048</a:t>
-                      </a:r>
-                    </a:p>
-                  </a:txBody>
-                  <a:tcPr/>
-                </a:tc>
-                <a:tc>
-                  <a:txBody>
-                    <a:bodyPr/>
-                    <a:lstStyle/>
-                    <a:p>
-                      <a:pPr marL="0" marR="0" lvl="0" indent="0" algn="ctr" defTabSz="914400" rtl="0" eaLnBrk="1" fontAlgn="auto" latinLnBrk="0" hangingPunct="1">
-                        <a:lnSpc>
-                          <a:spcPct val="100000"/>
-                        </a:lnSpc>
-                        <a:spcBef>
-                          <a:spcPts val="0"/>
-                        </a:spcBef>
-                        <a:spcAft>
-                          <a:spcPts val="0"/>
-                        </a:spcAft>
-                        <a:buClr>
-                          <a:srgbClr val="000000"/>
-                        </a:buClr>
-                        <a:buSzTx/>
-                        <a:buFont typeface="Arial"/>
-                        <a:buNone/>
-                        <a:tabLst/>
-                        <a:defRPr/>
-                      </a:pPr>
-                      <a:r>
-                        <a:rPr lang="en-VN" sz="2000" b="0" i="0" u="none" strike="noStrike" cap="none" dirty="0">
-                          <a:solidFill>
-                            <a:schemeClr val="dk1"/>
-                          </a:solidFill>
-                          <a:effectLst/>
-                          <a:latin typeface="+mn-lt"/>
-                          <a:ea typeface="+mn-ea"/>
-                          <a:cs typeface="+mn-cs"/>
-                          <a:sym typeface="Arial"/>
-                        </a:rPr>
-                        <a:t>0.4116</a:t>
-                      </a:r>
-                      <a:endParaRPr lang="en-VN" sz="2000" dirty="0"/>
-                    </a:p>
-                  </a:txBody>
-                  <a:tcPr/>
-                </a:tc>
-                <a:tc>
-                  <a:txBody>
-                    <a:bodyPr/>
-                    <a:lstStyle/>
-                    <a:p>
-                      <a:pPr marL="0" marR="0" lvl="0" indent="0" algn="ctr" defTabSz="914400" rtl="0" eaLnBrk="1" fontAlgn="auto" latinLnBrk="0" hangingPunct="1">
-                        <a:lnSpc>
-                          <a:spcPct val="100000"/>
-                        </a:lnSpc>
-                        <a:spcBef>
-                          <a:spcPts val="0"/>
-                        </a:spcBef>
-                        <a:spcAft>
-                          <a:spcPts val="0"/>
-                        </a:spcAft>
-                        <a:buClr>
-                          <a:srgbClr val="000000"/>
-                        </a:buClr>
-                        <a:buSzTx/>
-                        <a:buFont typeface="Arial"/>
-                        <a:buNone/>
-                        <a:tabLst/>
-                        <a:defRPr/>
-                      </a:pPr>
-                      <a:r>
-                        <a:rPr lang="en-VN" sz="2000" b="0" i="0" u="none" strike="noStrike" cap="none" dirty="0">
-                          <a:solidFill>
-                            <a:schemeClr val="dk1"/>
-                          </a:solidFill>
-                          <a:effectLst/>
-                          <a:latin typeface="+mn-lt"/>
-                          <a:ea typeface="+mn-ea"/>
-                          <a:cs typeface="+mn-cs"/>
-                          <a:sym typeface="Arial"/>
-                        </a:rPr>
-                        <a:t>0.3179</a:t>
-                      </a:r>
-                    </a:p>
-                    <a:p>
-                      <a:pPr marL="0" marR="0" lvl="0" indent="0" algn="ctr" defTabSz="914400" rtl="0" eaLnBrk="1" fontAlgn="auto" latinLnBrk="0" hangingPunct="1">
-                        <a:lnSpc>
-                          <a:spcPct val="100000"/>
-                        </a:lnSpc>
-                        <a:spcBef>
-                          <a:spcPts val="0"/>
-                        </a:spcBef>
-                        <a:spcAft>
-                          <a:spcPts val="0"/>
-                        </a:spcAft>
-                        <a:buClr>
-                          <a:srgbClr val="000000"/>
-                        </a:buClr>
-                        <a:buSzTx/>
-                        <a:buFont typeface="Arial"/>
-                        <a:buNone/>
-                        <a:tabLst/>
-                        <a:defRPr/>
-                      </a:pPr>
-                      <a:endParaRPr lang="en-VN" sz="2000" b="0" i="0" u="none" strike="noStrike" cap="none" dirty="0">
-                        <a:solidFill>
-                          <a:schemeClr val="dk1"/>
-                        </a:solidFill>
-                        <a:effectLst/>
-                        <a:latin typeface="+mn-lt"/>
-                        <a:ea typeface="+mn-ea"/>
-                        <a:cs typeface="+mn-cs"/>
-                        <a:sym typeface="Arial"/>
-                      </a:endParaRPr>
-                    </a:p>
-                  </a:txBody>
-                  <a:tcPr/>
-                </a:tc>
-                <a:extLst>
-                  <a:ext uri="{0D108BD9-81ED-4DB2-BD59-A6C34878D82A}">
-                    <a16:rowId xmlns:a16="http://schemas.microsoft.com/office/drawing/2014/main" val="1113746075"/>
-                  </a:ext>
-                </a:extLst>
-              </a:tr>
-              <a:tr h="714253">
-                <a:tc>
-                  <a:txBody>
-                    <a:bodyPr/>
-                    <a:lstStyle/>
-                    <a:p>
-                      <a:pPr algn="ctr"/>
-                      <a:r>
-                        <a:rPr lang="en-VN" sz="2000" b="1" dirty="0">
-                          <a:solidFill>
-                            <a:schemeClr val="bg2">
-                              <a:lumMod val="50000"/>
-                            </a:schemeClr>
-                          </a:solidFill>
-                        </a:rPr>
-                        <a:t>Stdv</a:t>
-                      </a:r>
-                    </a:p>
-                  </a:txBody>
-                  <a:tcPr/>
-                </a:tc>
-                <a:tc>
-                  <a:txBody>
-                    <a:bodyPr/>
-                    <a:lstStyle/>
-                    <a:p>
-                      <a:pPr marL="0" marR="0" lvl="0" indent="0" algn="ctr" defTabSz="914400" rtl="0" eaLnBrk="1" fontAlgn="auto" latinLnBrk="0" hangingPunct="1">
-                        <a:lnSpc>
-                          <a:spcPct val="100000"/>
-                        </a:lnSpc>
-                        <a:spcBef>
-                          <a:spcPts val="0"/>
-                        </a:spcBef>
-                        <a:spcAft>
-                          <a:spcPts val="0"/>
-                        </a:spcAft>
-                        <a:buClr>
-                          <a:srgbClr val="000000"/>
-                        </a:buClr>
-                        <a:buSzTx/>
-                        <a:buFont typeface="Arial"/>
-                        <a:buNone/>
-                        <a:tabLst/>
-                        <a:defRPr/>
-                      </a:pPr>
-                      <a:r>
-                        <a:rPr lang="en-VN" sz="2000" b="0" i="0" u="none" strike="noStrike" cap="none" dirty="0">
-                          <a:solidFill>
-                            <a:schemeClr val="dk1"/>
-                          </a:solidFill>
-                          <a:effectLst/>
-                          <a:latin typeface="+mn-lt"/>
-                          <a:ea typeface="+mn-ea"/>
-                          <a:cs typeface="+mn-cs"/>
-                          <a:sym typeface="Arial"/>
-                        </a:rPr>
-                        <a:t>0.3784</a:t>
-                      </a:r>
-                    </a:p>
-                  </a:txBody>
-                  <a:tcPr/>
-                </a:tc>
-                <a:tc>
-                  <a:txBody>
-                    <a:bodyPr/>
-                    <a:lstStyle/>
-                    <a:p>
-                      <a:pPr marL="0" marR="0" lvl="0" indent="0" algn="ctr" defTabSz="914400" rtl="0" eaLnBrk="1" fontAlgn="auto" latinLnBrk="0" hangingPunct="1">
-                        <a:lnSpc>
-                          <a:spcPct val="100000"/>
-                        </a:lnSpc>
-                        <a:spcBef>
-                          <a:spcPts val="0"/>
-                        </a:spcBef>
-                        <a:spcAft>
-                          <a:spcPts val="0"/>
-                        </a:spcAft>
-                        <a:buClr>
-                          <a:srgbClr val="000000"/>
-                        </a:buClr>
-                        <a:buSzTx/>
-                        <a:buFont typeface="Arial"/>
-                        <a:buNone/>
-                        <a:tabLst/>
-                        <a:defRPr/>
-                      </a:pPr>
-                      <a:r>
-                        <a:rPr lang="en-VN" sz="2000" b="0" i="0" u="none" strike="noStrike" cap="none" dirty="0">
-                          <a:solidFill>
-                            <a:schemeClr val="dk1"/>
-                          </a:solidFill>
-                          <a:effectLst/>
-                          <a:latin typeface="+mn-lt"/>
-                          <a:ea typeface="+mn-ea"/>
-                          <a:cs typeface="+mn-cs"/>
-                          <a:sym typeface="Arial"/>
-                        </a:rPr>
-                        <a:t>0.2317</a:t>
-                      </a:r>
-                    </a:p>
-                  </a:txBody>
-                  <a:tcPr/>
-                </a:tc>
-                <a:tc>
-                  <a:txBody>
-                    <a:bodyPr/>
-                    <a:lstStyle/>
-                    <a:p>
-                      <a:pPr marL="0" marR="0" lvl="0" indent="0" algn="ctr" defTabSz="914400" rtl="0" eaLnBrk="1" fontAlgn="auto" latinLnBrk="0" hangingPunct="1">
-                        <a:lnSpc>
-                          <a:spcPct val="100000"/>
-                        </a:lnSpc>
-                        <a:spcBef>
-                          <a:spcPts val="0"/>
-                        </a:spcBef>
-                        <a:spcAft>
-                          <a:spcPts val="0"/>
-                        </a:spcAft>
-                        <a:buClr>
-                          <a:srgbClr val="000000"/>
-                        </a:buClr>
-                        <a:buSzTx/>
-                        <a:buFont typeface="Arial"/>
-                        <a:buNone/>
-                        <a:tabLst/>
-                        <a:defRPr/>
-                      </a:pPr>
-                      <a:r>
-                        <a:rPr lang="en-VN" sz="2000" b="0" i="0" u="none" strike="noStrike" cap="none" dirty="0">
-                          <a:solidFill>
-                            <a:schemeClr val="dk1"/>
-                          </a:solidFill>
-                          <a:effectLst/>
-                          <a:latin typeface="+mn-lt"/>
-                          <a:ea typeface="+mn-ea"/>
-                          <a:cs typeface="+mn-cs"/>
-                          <a:sym typeface="Arial"/>
-                        </a:rPr>
-                        <a:t>0.3696</a:t>
-                      </a:r>
-                    </a:p>
-                    <a:p>
-                      <a:pPr algn="ctr"/>
-                      <a:endParaRPr lang="en-VN" sz="2000" dirty="0"/>
-                    </a:p>
-                  </a:txBody>
-                  <a:tcPr/>
-                </a:tc>
-                <a:tc>
-                  <a:txBody>
-                    <a:bodyPr/>
-                    <a:lstStyle/>
-                    <a:p>
-                      <a:pPr marL="0" marR="0" lvl="0" indent="0" algn="ctr" defTabSz="914400" rtl="0" eaLnBrk="1" fontAlgn="auto" latinLnBrk="0" hangingPunct="1">
-                        <a:lnSpc>
-                          <a:spcPct val="100000"/>
-                        </a:lnSpc>
-                        <a:spcBef>
-                          <a:spcPts val="0"/>
-                        </a:spcBef>
-                        <a:spcAft>
-                          <a:spcPts val="0"/>
-                        </a:spcAft>
-                        <a:buClr>
-                          <a:srgbClr val="000000"/>
-                        </a:buClr>
-                        <a:buSzTx/>
-                        <a:buFont typeface="Arial"/>
-                        <a:buNone/>
-                        <a:tabLst/>
-                        <a:defRPr/>
-                      </a:pPr>
-                      <a:r>
-                        <a:rPr lang="en-VN" sz="2000" b="0" i="0" u="none" strike="noStrike" cap="none" dirty="0">
-                          <a:solidFill>
-                            <a:schemeClr val="dk1"/>
-                          </a:solidFill>
-                          <a:effectLst/>
-                          <a:latin typeface="+mn-lt"/>
-                          <a:ea typeface="+mn-ea"/>
-                          <a:cs typeface="+mn-cs"/>
-                          <a:sym typeface="Arial"/>
-                        </a:rPr>
-                        <a:t>0.3537</a:t>
-                      </a:r>
-                    </a:p>
-                    <a:p>
-                      <a:pPr algn="ctr"/>
-                      <a:endParaRPr lang="en-VN" sz="2000" dirty="0"/>
-                    </a:p>
-                  </a:txBody>
-                  <a:tcPr/>
-                </a:tc>
-                <a:extLst>
-                  <a:ext uri="{0D108BD9-81ED-4DB2-BD59-A6C34878D82A}">
-                    <a16:rowId xmlns:a16="http://schemas.microsoft.com/office/drawing/2014/main" val="3874263939"/>
-                  </a:ext>
-                </a:extLst>
-              </a:tr>
-              <a:tr h="714253">
-                <a:tc>
-                  <a:txBody>
-                    <a:bodyPr/>
-                    <a:lstStyle/>
-                    <a:p>
-                      <a:pPr algn="ctr"/>
-                      <a:r>
-                        <a:rPr lang="en-VN" sz="2000" b="1" dirty="0">
-                          <a:solidFill>
-                            <a:schemeClr val="bg2">
-                              <a:lumMod val="50000"/>
-                            </a:schemeClr>
-                          </a:solidFill>
-                        </a:rPr>
-                        <a:t>Meanuv</a:t>
-                      </a:r>
-                    </a:p>
-                  </a:txBody>
-                  <a:tcPr/>
-                </a:tc>
-                <a:tc>
-                  <a:txBody>
-                    <a:bodyPr/>
-                    <a:lstStyle/>
-                    <a:p>
-                      <a:pPr marL="0" marR="0" lvl="0" indent="0" algn="ctr" defTabSz="914400" rtl="0" eaLnBrk="1" fontAlgn="auto" latinLnBrk="0" hangingPunct="1">
-                        <a:lnSpc>
-                          <a:spcPct val="100000"/>
-                        </a:lnSpc>
-                        <a:spcBef>
-                          <a:spcPts val="0"/>
-                        </a:spcBef>
-                        <a:spcAft>
-                          <a:spcPts val="0"/>
-                        </a:spcAft>
-                        <a:buClr>
-                          <a:srgbClr val="000000"/>
-                        </a:buClr>
-                        <a:buSzTx/>
-                        <a:buFont typeface="Arial"/>
-                        <a:buNone/>
-                        <a:tabLst/>
-                        <a:defRPr/>
-                      </a:pPr>
-                      <a:r>
-                        <a:rPr lang="en-VN" sz="2000" b="0" i="0" u="none" strike="noStrike" cap="none" dirty="0">
-                          <a:solidFill>
-                            <a:schemeClr val="dk1"/>
-                          </a:solidFill>
-                          <a:effectLst/>
-                          <a:latin typeface="+mn-lt"/>
-                          <a:ea typeface="+mn-ea"/>
-                          <a:cs typeface="+mn-cs"/>
-                          <a:sym typeface="Arial"/>
-                        </a:rPr>
-                        <a:t>0.1762</a:t>
-                      </a:r>
-                    </a:p>
-                    <a:p>
-                      <a:pPr algn="ctr"/>
-                      <a:endParaRPr lang="en-VN" sz="2000" dirty="0"/>
-                    </a:p>
-                  </a:txBody>
-                  <a:tcPr/>
-                </a:tc>
-                <a:tc>
-                  <a:txBody>
-                    <a:bodyPr/>
-                    <a:lstStyle/>
-                    <a:p>
-                      <a:pPr marL="0" marR="0" lvl="0" indent="0" algn="ctr" defTabSz="914400" rtl="0" eaLnBrk="1" fontAlgn="auto" latinLnBrk="0" hangingPunct="1">
-                        <a:lnSpc>
-                          <a:spcPct val="100000"/>
-                        </a:lnSpc>
-                        <a:spcBef>
-                          <a:spcPts val="0"/>
-                        </a:spcBef>
-                        <a:spcAft>
-                          <a:spcPts val="0"/>
-                        </a:spcAft>
-                        <a:buClr>
-                          <a:srgbClr val="000000"/>
-                        </a:buClr>
-                        <a:buSzTx/>
-                        <a:buFont typeface="Arial"/>
-                        <a:buNone/>
-                        <a:tabLst/>
-                        <a:defRPr/>
-                      </a:pPr>
-                      <a:r>
-                        <a:rPr lang="en-VN" sz="2000" b="0" i="0" u="none" strike="noStrike" cap="none" dirty="0">
-                          <a:solidFill>
-                            <a:schemeClr val="dk1"/>
-                          </a:solidFill>
-                          <a:effectLst/>
-                          <a:latin typeface="+mn-lt"/>
-                          <a:ea typeface="+mn-ea"/>
-                          <a:cs typeface="+mn-cs"/>
-                          <a:sym typeface="Arial"/>
-                        </a:rPr>
-                        <a:t>0.2303</a:t>
-                      </a:r>
-                    </a:p>
-                  </a:txBody>
-                  <a:tcPr/>
-                </a:tc>
-                <a:tc>
-                  <a:txBody>
-                    <a:bodyPr/>
-                    <a:lstStyle/>
-                    <a:p>
-                      <a:pPr marL="0" marR="0" lvl="0" indent="0" algn="ctr" defTabSz="914400" rtl="0" eaLnBrk="1" fontAlgn="auto" latinLnBrk="0" hangingPunct="1">
-                        <a:lnSpc>
-                          <a:spcPct val="100000"/>
-                        </a:lnSpc>
-                        <a:spcBef>
-                          <a:spcPts val="0"/>
-                        </a:spcBef>
-                        <a:spcAft>
-                          <a:spcPts val="0"/>
-                        </a:spcAft>
-                        <a:buClr>
-                          <a:srgbClr val="000000"/>
-                        </a:buClr>
-                        <a:buSzTx/>
-                        <a:buFont typeface="Arial"/>
-                        <a:buNone/>
-                        <a:tabLst/>
-                        <a:defRPr/>
-                      </a:pPr>
-                      <a:r>
-                        <a:rPr lang="en-VN" sz="2000" b="0" i="0" u="none" strike="noStrike" cap="none" dirty="0">
-                          <a:solidFill>
-                            <a:schemeClr val="dk1"/>
-                          </a:solidFill>
-                          <a:effectLst/>
-                          <a:latin typeface="+mn-lt"/>
-                          <a:ea typeface="+mn-ea"/>
-                          <a:cs typeface="+mn-cs"/>
-                          <a:sym typeface="Arial"/>
-                        </a:rPr>
-                        <a:t>0.3705</a:t>
-                      </a:r>
-                    </a:p>
-                    <a:p>
-                      <a:pPr algn="ctr"/>
-                      <a:endParaRPr lang="en-VN" sz="2000" dirty="0"/>
-                    </a:p>
-                  </a:txBody>
-                  <a:tcPr/>
-                </a:tc>
-                <a:tc>
-                  <a:txBody>
-                    <a:bodyPr/>
-                    <a:lstStyle/>
-                    <a:p>
-                      <a:pPr marL="0" marR="0" lvl="0" indent="0" algn="ctr" defTabSz="914400" rtl="0" eaLnBrk="1" fontAlgn="auto" latinLnBrk="0" hangingPunct="1">
-                        <a:lnSpc>
-                          <a:spcPct val="100000"/>
-                        </a:lnSpc>
-                        <a:spcBef>
-                          <a:spcPts val="0"/>
-                        </a:spcBef>
-                        <a:spcAft>
-                          <a:spcPts val="0"/>
-                        </a:spcAft>
-                        <a:buClr>
-                          <a:srgbClr val="000000"/>
-                        </a:buClr>
-                        <a:buSzTx/>
-                        <a:buFont typeface="Arial"/>
-                        <a:buNone/>
-                        <a:tabLst/>
-                        <a:defRPr/>
-                      </a:pPr>
-                      <a:r>
-                        <a:rPr lang="en-VN" sz="2000" b="0" i="0" u="none" strike="noStrike" cap="none" dirty="0">
-                          <a:solidFill>
-                            <a:schemeClr val="dk1"/>
-                          </a:solidFill>
-                          <a:effectLst/>
-                          <a:latin typeface="+mn-lt"/>
-                          <a:ea typeface="+mn-ea"/>
-                          <a:cs typeface="+mn-cs"/>
-                          <a:sym typeface="Arial"/>
-                        </a:rPr>
-                        <a:t>0.2591</a:t>
-                      </a:r>
-                    </a:p>
-                    <a:p>
-                      <a:pPr algn="ctr"/>
-                      <a:endParaRPr lang="en-VN" sz="2000" dirty="0"/>
-                    </a:p>
-                  </a:txBody>
-                  <a:tcPr/>
-                </a:tc>
-                <a:extLst>
-                  <a:ext uri="{0D108BD9-81ED-4DB2-BD59-A6C34878D82A}">
-                    <a16:rowId xmlns:a16="http://schemas.microsoft.com/office/drawing/2014/main" val="3732852221"/>
-                  </a:ext>
-                </a:extLst>
-              </a:tr>
-              <a:tr h="714253">
-                <a:tc>
-                  <a:txBody>
-                    <a:bodyPr/>
-                    <a:lstStyle/>
-                    <a:p>
-                      <a:pPr algn="ctr"/>
-                      <a:r>
-                        <a:rPr lang="en-VN" sz="2000" b="1" dirty="0">
-                          <a:solidFill>
-                            <a:schemeClr val="bg2">
-                              <a:lumMod val="50000"/>
-                            </a:schemeClr>
-                          </a:solidFill>
-                        </a:rPr>
-                        <a:t>Stduv</a:t>
-                      </a:r>
-                    </a:p>
-                  </a:txBody>
-                  <a:tcPr/>
-                </a:tc>
-                <a:tc>
-                  <a:txBody>
-                    <a:bodyPr/>
-                    <a:lstStyle/>
-                    <a:p>
-                      <a:pPr marL="0" marR="0" lvl="0" indent="0" algn="ctr" defTabSz="914400" rtl="0" eaLnBrk="1" fontAlgn="auto" latinLnBrk="0" hangingPunct="1">
-                        <a:lnSpc>
-                          <a:spcPct val="100000"/>
-                        </a:lnSpc>
-                        <a:spcBef>
-                          <a:spcPts val="0"/>
-                        </a:spcBef>
-                        <a:spcAft>
-                          <a:spcPts val="0"/>
-                        </a:spcAft>
-                        <a:buClr>
-                          <a:srgbClr val="000000"/>
-                        </a:buClr>
-                        <a:buSzTx/>
-                        <a:buFont typeface="Arial"/>
-                        <a:buNone/>
-                        <a:tabLst/>
-                        <a:defRPr/>
-                      </a:pPr>
-                      <a:r>
-                        <a:rPr lang="en-VN" sz="2000" b="0" i="0" u="none" strike="noStrike" cap="none" dirty="0">
-                          <a:solidFill>
-                            <a:schemeClr val="dk1"/>
-                          </a:solidFill>
-                          <a:effectLst/>
-                          <a:latin typeface="+mn-lt"/>
-                          <a:ea typeface="+mn-ea"/>
-                          <a:cs typeface="+mn-cs"/>
-                          <a:sym typeface="Arial"/>
-                        </a:rPr>
-                        <a:t>0.2</a:t>
-                      </a:r>
-                    </a:p>
-                  </a:txBody>
-                  <a:tcPr/>
-                </a:tc>
-                <a:tc>
-                  <a:txBody>
-                    <a:bodyPr/>
-                    <a:lstStyle/>
-                    <a:p>
-                      <a:pPr marL="0" marR="0" lvl="0" indent="0" algn="ctr" defTabSz="914400" rtl="0" eaLnBrk="1" fontAlgn="auto" latinLnBrk="0" hangingPunct="1">
-                        <a:lnSpc>
-                          <a:spcPct val="100000"/>
-                        </a:lnSpc>
-                        <a:spcBef>
-                          <a:spcPts val="0"/>
-                        </a:spcBef>
-                        <a:spcAft>
-                          <a:spcPts val="0"/>
-                        </a:spcAft>
-                        <a:buClr>
-                          <a:srgbClr val="000000"/>
-                        </a:buClr>
-                        <a:buSzTx/>
-                        <a:buFont typeface="Arial"/>
-                        <a:buNone/>
-                        <a:tabLst/>
-                        <a:defRPr/>
-                      </a:pPr>
-                      <a:r>
-                        <a:rPr lang="en-VN" sz="2000" b="0" i="0" u="none" strike="noStrike" cap="none" dirty="0">
-                          <a:solidFill>
-                            <a:schemeClr val="dk1"/>
-                          </a:solidFill>
-                          <a:effectLst/>
-                          <a:latin typeface="+mn-lt"/>
-                          <a:ea typeface="+mn-ea"/>
-                          <a:cs typeface="+mn-cs"/>
-                          <a:sym typeface="Arial"/>
-                        </a:rPr>
-                        <a:t>0.2034</a:t>
-                      </a:r>
-                    </a:p>
-                  </a:txBody>
-                  <a:tcPr/>
-                </a:tc>
-                <a:tc>
-                  <a:txBody>
-                    <a:bodyPr/>
-                    <a:lstStyle/>
-                    <a:p>
-                      <a:pPr marL="0" marR="0" lvl="0" indent="0" algn="ctr" defTabSz="914400" rtl="0" eaLnBrk="1" fontAlgn="auto" latinLnBrk="0" hangingPunct="1">
-                        <a:lnSpc>
-                          <a:spcPct val="100000"/>
-                        </a:lnSpc>
-                        <a:spcBef>
-                          <a:spcPts val="0"/>
-                        </a:spcBef>
-                        <a:spcAft>
-                          <a:spcPts val="0"/>
-                        </a:spcAft>
-                        <a:buClr>
-                          <a:srgbClr val="000000"/>
-                        </a:buClr>
-                        <a:buSzTx/>
-                        <a:buFont typeface="Arial"/>
-                        <a:buNone/>
-                        <a:tabLst/>
-                        <a:defRPr/>
-                      </a:pPr>
-                      <a:r>
-                        <a:rPr lang="en-VN" sz="2000" b="0" i="0" u="none" strike="noStrike" cap="none" dirty="0">
-                          <a:solidFill>
-                            <a:schemeClr val="dk1"/>
-                          </a:solidFill>
-                          <a:effectLst/>
-                          <a:latin typeface="+mn-lt"/>
-                          <a:ea typeface="+mn-ea"/>
-                          <a:cs typeface="+mn-cs"/>
-                          <a:sym typeface="Arial"/>
-                        </a:rPr>
-                        <a:t>0.2100</a:t>
-                      </a:r>
-                    </a:p>
-                    <a:p>
-                      <a:pPr algn="ctr"/>
-                      <a:endParaRPr lang="en-VN" sz="2000" dirty="0"/>
-                    </a:p>
-                  </a:txBody>
-                  <a:tcPr/>
-                </a:tc>
-                <a:tc>
-                  <a:txBody>
-                    <a:bodyPr/>
-                    <a:lstStyle/>
-                    <a:p>
-                      <a:pPr marL="0" marR="0" lvl="0" indent="0" algn="ctr" defTabSz="914400" rtl="0" eaLnBrk="1" fontAlgn="auto" latinLnBrk="0" hangingPunct="1">
-                        <a:lnSpc>
-                          <a:spcPct val="100000"/>
-                        </a:lnSpc>
-                        <a:spcBef>
-                          <a:spcPts val="0"/>
-                        </a:spcBef>
-                        <a:spcAft>
-                          <a:spcPts val="0"/>
-                        </a:spcAft>
-                        <a:buClr>
-                          <a:srgbClr val="000000"/>
-                        </a:buClr>
-                        <a:buSzTx/>
-                        <a:buFont typeface="Arial"/>
-                        <a:buNone/>
-                        <a:tabLst/>
-                        <a:defRPr/>
-                      </a:pPr>
-                      <a:r>
-                        <a:rPr lang="en-VN" sz="2000" b="0" i="0" u="none" strike="noStrike" cap="none" dirty="0">
-                          <a:solidFill>
-                            <a:schemeClr val="dk1"/>
-                          </a:solidFill>
-                          <a:effectLst/>
-                          <a:latin typeface="+mn-lt"/>
-                          <a:ea typeface="+mn-ea"/>
-                          <a:cs typeface="+mn-cs"/>
-                          <a:sym typeface="Arial"/>
-                        </a:rPr>
-                        <a:t>0.1824</a:t>
-                      </a:r>
-                    </a:p>
-                  </a:txBody>
-                  <a:tcPr/>
-                </a:tc>
-                <a:extLst>
-                  <a:ext uri="{0D108BD9-81ED-4DB2-BD59-A6C34878D82A}">
-                    <a16:rowId xmlns:a16="http://schemas.microsoft.com/office/drawing/2014/main" val="1354287867"/>
-                  </a:ext>
-                </a:extLst>
-              </a:tr>
-            </a:tbl>
-          </a:graphicData>
-        </a:graphic>
-      </p:graphicFrame>
-      <p:sp>
-        <p:nvSpPr>
-          <p:cNvPr id="5" name="TextBox 4">
-            <a:extLst>
-              <a:ext uri="{FF2B5EF4-FFF2-40B4-BE49-F238E27FC236}">
-                <a16:creationId xmlns:a16="http://schemas.microsoft.com/office/drawing/2014/main" id="{7B513E3B-664B-934C-A698-0747B5005CF5}"/>
-              </a:ext>
-            </a:extLst>
-          </p:cNvPr>
-          <p:cNvSpPr txBox="1"/>
-          <p:nvPr/>
-        </p:nvSpPr>
-        <p:spPr>
-          <a:xfrm>
-            <a:off x="451018" y="5776224"/>
-            <a:ext cx="8309610" cy="477054"/>
-          </a:xfrm>
-          <a:prstGeom prst="rect">
-            <a:avLst/>
-          </a:prstGeom>
-          <a:noFill/>
-        </p:spPr>
-        <p:txBody>
-          <a:bodyPr wrap="square" rtlCol="0">
-            <a:spAutoFit/>
-          </a:bodyPr>
-          <a:lstStyle/>
-          <a:p>
-            <a:r>
-              <a:rPr lang="en-VN" sz="2500" dirty="0">
-                <a:solidFill>
-                  <a:schemeClr val="bg2">
-                    <a:lumMod val="50000"/>
-                  </a:schemeClr>
-                </a:solidFill>
-                <a:sym typeface="Wingdings" pitchFamily="2" charset="2"/>
-              </a:rPr>
-              <a:t> Threshold: (0.207+0.215+0.238+0.211)/4 ~= </a:t>
-            </a:r>
-            <a:r>
-              <a:rPr lang="en-VN" sz="2500" b="1" dirty="0">
-                <a:solidFill>
-                  <a:schemeClr val="bg2">
-                    <a:lumMod val="50000"/>
-                  </a:schemeClr>
-                </a:solidFill>
-              </a:rPr>
-              <a:t>0.2175</a:t>
-            </a:r>
-          </a:p>
-        </p:txBody>
-      </p:sp>
-    </p:spTree>
-    <p:extLst>
-      <p:ext uri="{BB962C8B-B14F-4D97-AF65-F5344CB8AC3E}">
-        <p14:creationId xmlns:p14="http://schemas.microsoft.com/office/powerpoint/2010/main" val="3088539536"/>
-      </p:ext>
-    </p:extLst>
-  </p:cSld>
-  <p:clrMapOvr>
-    <a:masterClrMapping/>
-  </p:clrMapOvr>
-</p:sld>
-</file>
-
-<file path=ppt/slides/slide9.xml><?xml version="1.0" encoding="utf-8"?>
-<p:sld xmlns:a="http://schemas.openxmlformats.org/drawingml/2006/main" xmlns:r="http://schemas.openxmlformats.org/officeDocument/2006/relationships" xmlns:p="http://schemas.openxmlformats.org/presentationml/2006/main">
-  <p:cSld>
-    <p:spTree>
-      <p:nvGrpSpPr>
-        <p:cNvPr id="1" name="Shape 137"/>
-        <p:cNvGrpSpPr/>
-        <p:nvPr/>
-      </p:nvGrpSpPr>
-      <p:grpSpPr>
-        <a:xfrm>
-          <a:off x="0" y="0"/>
-          <a:ext cx="0" cy="0"/>
-          <a:chOff x="0" y="0"/>
-          <a:chExt cx="0" cy="0"/>
-        </a:xfrm>
-      </p:grpSpPr>
-      <p:sp>
-        <p:nvSpPr>
-          <p:cNvPr id="138" name="Google Shape;138;p22"/>
-          <p:cNvSpPr txBox="1">
-            <a:spLocks noGrp="1"/>
-          </p:cNvSpPr>
-          <p:nvPr>
-            <p:ph type="ctrTitle"/>
-          </p:nvPr>
-        </p:nvSpPr>
-        <p:spPr>
-          <a:xfrm>
-            <a:off x="337920" y="1908810"/>
-            <a:ext cx="8845200" cy="2878790"/>
-          </a:xfrm>
-          <a:prstGeom prst="rect">
-            <a:avLst/>
-          </a:prstGeom>
-          <a:noFill/>
-          <a:ln>
-            <a:noFill/>
-          </a:ln>
-        </p:spPr>
-        <p:txBody>
-          <a:bodyPr spcFirstLastPara="1" wrap="square" lIns="0" tIns="45700" rIns="91425" bIns="45700" anchor="b" anchorCtr="0">
-            <a:noAutofit/>
-          </a:bodyPr>
-          <a:lstStyle/>
-          <a:p>
-            <a:pPr marL="0" lvl="0" indent="0" algn="l" rtl="0">
-              <a:lnSpc>
-                <a:spcPct val="100000"/>
-              </a:lnSpc>
-              <a:spcBef>
-                <a:spcPts val="0"/>
-              </a:spcBef>
-              <a:spcAft>
-                <a:spcPts val="0"/>
-              </a:spcAft>
-              <a:buClr>
-                <a:schemeClr val="dk2"/>
-              </a:buClr>
-              <a:buSzPts val="5400"/>
-              <a:buFont typeface="Arial"/>
-              <a:buNone/>
-            </a:pPr>
-            <a:r>
-              <a:rPr lang="en-US" sz="5200" dirty="0"/>
-              <a:t>3.KẾT QUẢ  </a:t>
-            </a:r>
-            <a:br>
-              <a:rPr lang="en-US" sz="5200" dirty="0"/>
-            </a:br>
-            <a:r>
-              <a:rPr lang="en-US" sz="5200" dirty="0"/>
-              <a:t>GIẢI THÍCH KẾT QUẢ</a:t>
-            </a:r>
-            <a:endParaRPr sz="5200" dirty="0"/>
-          </a:p>
-        </p:txBody>
-      </p:sp>
-      <p:pic>
-        <p:nvPicPr>
-          <p:cNvPr id="139" name="Google Shape;139;p22"/>
-          <p:cNvPicPr preferRelativeResize="0"/>
-          <p:nvPr/>
-        </p:nvPicPr>
-        <p:blipFill>
-          <a:blip r:embed="rId3">
-            <a:alphaModFix/>
-          </a:blip>
-          <a:stretch>
-            <a:fillRect/>
-          </a:stretch>
-        </p:blipFill>
-        <p:spPr>
-          <a:xfrm>
-            <a:off x="474700" y="4787600"/>
-            <a:ext cx="5147775" cy="1103475"/>
-          </a:xfrm>
-          <a:prstGeom prst="rect">
-            <a:avLst/>
-          </a:prstGeom>
-          <a:noFill/>
-          <a:ln>
-            <a:noFill/>
-          </a:ln>
-        </p:spPr>
-      </p:pic>
-    </p:spTree>
-  </p:cSld>
-  <p:clrMapOvr>
-    <a:masterClrMapping/>
-  </p:clrMapOvr>
-  <mc:AlternateContent xmlns:mc="http://schemas.openxmlformats.org/markup-compatibility/2006" xmlns:p14="http://schemas.microsoft.com/office/powerpoint/2010/main">
-    <mc:Choice Requires="p14">
-      <p:transition spd="med" p14:dur="700">
-        <p:fade/>
-      </p:transition>
-    </mc:Choice>
-    <mc:Fallback xmlns="" xmlns:mv="urn:schemas-microsoft-com:mac:vml" xmlns:c="http://schemas.openxmlformats.org/drawingml/2006/chart" xmlns:dgm="http://schemas.openxmlformats.org/drawingml/2006/diagram" xmlns:o="urn:schemas-microsoft-com:office:office" xmlns:v="urn:schemas-microsoft-com:vml" xmlns:pvml="urn:schemas-microsoft-com:office:powerpoint" xmlns:com="http://schemas.openxmlformats.org/drawingml/2006/compatibility" xmlns:p15="http://schemas.microsoft.com/office/powerpoint/2012/main" xmlns:ahyp="http://schemas.microsoft.com/office/drawing/2018/hyperlinkcolor">
-      <p:transition spd="slow">
-        <p:fade/>
-      </p:transition>
-    </mc:Fallback>
-  </mc:AlternateContent>
-</p:sld>
-</file>
-
 <file path=ppt/theme/theme1.xml><?xml version="1.0" encoding="utf-8"?>
 <a:theme xmlns:a="http://schemas.openxmlformats.org/drawingml/2006/main" name="Office Theme">
   <a:themeElements>

--- a/endcourse/Final.pptx
+++ b/endcourse/Final.pptx
@@ -274,7 +274,7 @@
       </p15:sldGuideLst>
     </p:ext>
     <p:ext uri="http://customooxmlschemas.google.com/">
-      <go:slidesCustomData xmlns:go="http://customooxmlschemas.google.com/" xmlns:ahyp="http://schemas.microsoft.com/office/drawing/2018/hyperlinkcolor" xmlns:p15="http://schemas.microsoft.com/office/powerpoint/2012/main" xmlns:p14="http://schemas.microsoft.com/office/powerpoint/2010/main" xmlns:com="http://schemas.openxmlformats.org/drawingml/2006/compatibility" xmlns:pvml="urn:schemas-microsoft-com:office:powerpoint" xmlns:v="urn:schemas-microsoft-com:vml" xmlns:o="urn:schemas-microsoft-com:office:office" xmlns:dgm="http://schemas.openxmlformats.org/drawingml/2006/diagram" xmlns:c="http://schemas.openxmlformats.org/drawingml/2006/chart" xmlns:mv="urn:schemas-microsoft-com:mac:vml" xmlns:mc="http://schemas.openxmlformats.org/markup-compatibility/2006" xmlns="" r:id="rId22" roundtripDataSignature="AMtx7mhoq0TkclQKjBSroxzJOyhUTDGeHw=="/>
+      <go:slidesCustomData xmlns="" xmlns:mc="http://schemas.openxmlformats.org/markup-compatibility/2006" xmlns:mv="urn:schemas-microsoft-com:mac:vml" xmlns:c="http://schemas.openxmlformats.org/drawingml/2006/chart" xmlns:dgm="http://schemas.openxmlformats.org/drawingml/2006/diagram" xmlns:o="urn:schemas-microsoft-com:office:office" xmlns:v="urn:schemas-microsoft-com:vml" xmlns:pvml="urn:schemas-microsoft-com:office:powerpoint" xmlns:com="http://schemas.openxmlformats.org/drawingml/2006/compatibility" xmlns:p14="http://schemas.microsoft.com/office/powerpoint/2010/main" xmlns:p15="http://schemas.microsoft.com/office/powerpoint/2012/main" xmlns:ahyp="http://schemas.microsoft.com/office/drawing/2018/hyperlinkcolor" xmlns:go="http://customooxmlschemas.google.com/" r:id="rId22" roundtripDataSignature="AMtx7mhoq0TkclQKjBSroxzJOyhUTDGeHw=="/>
     </p:ext>
   </p:extLst>
 </p:presentation>
@@ -15810,7 +15810,7 @@
           <p:cNvPr id="3" name="Picture 2">
             <a:extLst>
               <a:ext uri="{FF2B5EF4-FFF2-40B4-BE49-F238E27FC236}">
-                <a16:creationId xmlns:a16="http://schemas.microsoft.com/office/drawing/2014/main" id="{306894E9-F286-5945-8088-EEA5A4372A4A}"/>
+                <a16:creationId xmlns:a16="http://schemas.microsoft.com/office/drawing/2014/main" id="{915D94F8-A1CA-484F-BF1C-01846BB54D21}"/>
               </a:ext>
             </a:extLst>
           </p:cNvPr>
@@ -15827,8 +15827,8 @@
         </p:blipFill>
         <p:spPr>
           <a:xfrm>
-            <a:off x="183712" y="1524000"/>
-            <a:ext cx="10978274" cy="4755157"/>
+            <a:off x="817426" y="1534253"/>
+            <a:ext cx="8309610" cy="4744904"/>
           </a:xfrm>
           <a:prstGeom prst="rect">
             <a:avLst/>
@@ -15965,7 +15965,7 @@
         <p:fade/>
       </p:transition>
     </mc:Choice>
-    <mc:Fallback xmlns:ahyp="http://schemas.microsoft.com/office/drawing/2018/hyperlinkcolor" xmlns:p15="http://schemas.microsoft.com/office/powerpoint/2012/main" xmlns:com="http://schemas.openxmlformats.org/drawingml/2006/compatibility" xmlns:pvml="urn:schemas-microsoft-com:office:powerpoint" xmlns:v="urn:schemas-microsoft-com:vml" xmlns:o="urn:schemas-microsoft-com:office:office" xmlns:dgm="http://schemas.openxmlformats.org/drawingml/2006/diagram" xmlns:c="http://schemas.openxmlformats.org/drawingml/2006/chart" xmlns:mv="urn:schemas-microsoft-com:mac:vml" xmlns="">
+    <mc:Fallback xmlns="" xmlns:mv="urn:schemas-microsoft-com:mac:vml" xmlns:c="http://schemas.openxmlformats.org/drawingml/2006/chart" xmlns:dgm="http://schemas.openxmlformats.org/drawingml/2006/diagram" xmlns:o="urn:schemas-microsoft-com:office:office" xmlns:v="urn:schemas-microsoft-com:vml" xmlns:pvml="urn:schemas-microsoft-com:office:powerpoint" xmlns:com="http://schemas.openxmlformats.org/drawingml/2006/compatibility" xmlns:p15="http://schemas.microsoft.com/office/powerpoint/2012/main" xmlns:ahyp="http://schemas.microsoft.com/office/drawing/2018/hyperlinkcolor">
       <p:transition spd="slow">
         <p:fade/>
       </p:transition>
@@ -16126,7 +16126,7 @@
             </a:pPr>
             <a:r>
               <a:rPr lang="en-VN" dirty="0"/>
-              <a:t>Phân đoạn speech và silence sai số nhỏ.</a:t>
+              <a:t>Phân đoạn speech và silence sai số nhỏ : ~0.05s</a:t>
             </a:r>
           </a:p>
           <a:p>
@@ -16146,7 +16146,7 @@
             </a:pPr>
             <a:r>
               <a:rPr lang="en-VN" dirty="0"/>
-              <a:t>Kết quả cuối cùng F0mean : lệch 47Hz</a:t>
+              <a:t>Kết quả cuối cùng F0mean : lệch 39Hz</a:t>
             </a:r>
           </a:p>
           <a:p>
@@ -16156,7 +16156,7 @@
             </a:pPr>
             <a:r>
               <a:rPr lang="en-VN" dirty="0"/>
-              <a:t>F0 std lệch 1.7</a:t>
+              <a:t>F0 std lệch 10hz</a:t>
             </a:r>
           </a:p>
           <a:p>
@@ -16176,10 +16176,10 @@
       </p:sp>
       <p:pic>
         <p:nvPicPr>
-          <p:cNvPr id="4" name="Picture 3">
+          <p:cNvPr id="6" name="Picture 5">
             <a:extLst>
               <a:ext uri="{FF2B5EF4-FFF2-40B4-BE49-F238E27FC236}">
-                <a16:creationId xmlns:a16="http://schemas.microsoft.com/office/drawing/2014/main" id="{292171BF-97CB-7A4C-AEB1-1FB7C0EE7E4C}"/>
+                <a16:creationId xmlns:a16="http://schemas.microsoft.com/office/drawing/2014/main" id="{6C673EC7-6E54-524F-AB38-235988ED9120}"/>
               </a:ext>
             </a:extLst>
           </p:cNvPr>
@@ -16196,8 +16196,8 @@
         </p:blipFill>
         <p:spPr>
           <a:xfrm>
-            <a:off x="6108125" y="1770806"/>
-            <a:ext cx="5953295" cy="1263717"/>
+            <a:off x="6096000" y="2937594"/>
+            <a:ext cx="6083876" cy="1424199"/>
           </a:xfrm>
           <a:prstGeom prst="rect">
             <a:avLst/>
@@ -16206,10 +16206,10 @@
       </p:pic>
       <p:pic>
         <p:nvPicPr>
-          <p:cNvPr id="5" name="Picture 4">
+          <p:cNvPr id="7" name="Picture 6">
             <a:extLst>
               <a:ext uri="{FF2B5EF4-FFF2-40B4-BE49-F238E27FC236}">
-                <a16:creationId xmlns:a16="http://schemas.microsoft.com/office/drawing/2014/main" id="{A5C939DB-5746-184E-BA30-4429122181B7}"/>
+                <a16:creationId xmlns:a16="http://schemas.microsoft.com/office/drawing/2014/main" id="{CA1E6CC8-C6D1-0A45-95C9-B0243DC6F245}"/>
               </a:ext>
             </a:extLst>
           </p:cNvPr>
@@ -16226,8 +16226,8 @@
         </p:blipFill>
         <p:spPr>
           <a:xfrm>
-            <a:off x="31519" y="1330956"/>
-            <a:ext cx="6052357" cy="5527043"/>
+            <a:off x="5882407" y="1748630"/>
+            <a:ext cx="6309593" cy="1361375"/>
           </a:xfrm>
           <a:prstGeom prst="rect">
             <a:avLst/>
@@ -16236,10 +16236,10 @@
       </p:pic>
       <p:pic>
         <p:nvPicPr>
-          <p:cNvPr id="6" name="Picture 5">
+          <p:cNvPr id="4" name="Picture 3">
             <a:extLst>
               <a:ext uri="{FF2B5EF4-FFF2-40B4-BE49-F238E27FC236}">
-                <a16:creationId xmlns:a16="http://schemas.microsoft.com/office/drawing/2014/main" id="{6C673EC7-6E54-524F-AB38-235988ED9120}"/>
+                <a16:creationId xmlns:a16="http://schemas.microsoft.com/office/drawing/2014/main" id="{501EE2FF-8BFF-8F42-99C1-FB4D435E9015}"/>
               </a:ext>
             </a:extLst>
           </p:cNvPr>
@@ -16256,8 +16256,8 @@
         </p:blipFill>
         <p:spPr>
           <a:xfrm>
-            <a:off x="6096000" y="2937594"/>
-            <a:ext cx="5953295" cy="1424199"/>
+            <a:off x="12124" y="1397000"/>
+            <a:ext cx="6221959" cy="5461000"/>
           </a:xfrm>
           <a:prstGeom prst="rect">
             <a:avLst/>
@@ -16275,7 +16275,7 @@
         <p:fade/>
       </p:transition>
     </mc:Choice>
-    <mc:Fallback xmlns:ahyp="http://schemas.microsoft.com/office/drawing/2018/hyperlinkcolor" xmlns:p15="http://schemas.microsoft.com/office/powerpoint/2012/main" xmlns:com="http://schemas.openxmlformats.org/drawingml/2006/compatibility" xmlns:pvml="urn:schemas-microsoft-com:office:powerpoint" xmlns:v="urn:schemas-microsoft-com:vml" xmlns:o="urn:schemas-microsoft-com:office:office" xmlns:dgm="http://schemas.openxmlformats.org/drawingml/2006/diagram" xmlns:c="http://schemas.openxmlformats.org/drawingml/2006/chart" xmlns:mv="urn:schemas-microsoft-com:mac:vml" xmlns="">
+    <mc:Fallback xmlns="" xmlns:mv="urn:schemas-microsoft-com:mac:vml" xmlns:c="http://schemas.openxmlformats.org/drawingml/2006/chart" xmlns:dgm="http://schemas.openxmlformats.org/drawingml/2006/diagram" xmlns:o="urn:schemas-microsoft-com:office:office" xmlns:v="urn:schemas-microsoft-com:vml" xmlns:pvml="urn:schemas-microsoft-com:office:powerpoint" xmlns:com="http://schemas.openxmlformats.org/drawingml/2006/compatibility" xmlns:p15="http://schemas.microsoft.com/office/powerpoint/2012/main" xmlns:ahyp="http://schemas.microsoft.com/office/drawing/2018/hyperlinkcolor">
       <p:transition spd="slow">
         <p:fade/>
       </p:transition>
@@ -16355,36 +16355,6 @@
           </a:p>
         </p:txBody>
       </p:sp>
-      <p:pic>
-        <p:nvPicPr>
-          <p:cNvPr id="4" name="Picture 3">
-            <a:extLst>
-              <a:ext uri="{FF2B5EF4-FFF2-40B4-BE49-F238E27FC236}">
-                <a16:creationId xmlns:a16="http://schemas.microsoft.com/office/drawing/2014/main" id="{AEB2D595-9D3F-7749-964E-328E5810C76E}"/>
-              </a:ext>
-            </a:extLst>
-          </p:cNvPr>
-          <p:cNvPicPr>
-            <a:picLocks noChangeAspect="1"/>
-          </p:cNvPicPr>
-          <p:nvPr/>
-        </p:nvPicPr>
-        <p:blipFill>
-          <a:blip r:embed="rId3"/>
-          <a:stretch>
-            <a:fillRect/>
-          </a:stretch>
-        </p:blipFill>
-        <p:spPr>
-          <a:xfrm>
-            <a:off x="6138978" y="1591620"/>
-            <a:ext cx="6064228" cy="1247812"/>
-          </a:xfrm>
-          <a:prstGeom prst="rect">
-            <a:avLst/>
-          </a:prstGeom>
-        </p:spPr>
-      </p:pic>
       <p:sp>
         <p:nvSpPr>
           <p:cNvPr id="11" name="TextBox 10">
@@ -16428,36 +16398,6 @@
       </p:sp>
       <p:pic>
         <p:nvPicPr>
-          <p:cNvPr id="3" name="Picture 2">
-            <a:extLst>
-              <a:ext uri="{FF2B5EF4-FFF2-40B4-BE49-F238E27FC236}">
-                <a16:creationId xmlns:a16="http://schemas.microsoft.com/office/drawing/2014/main" id="{3DBD8B83-0F9A-574F-B6DA-CF342C420AD0}"/>
-              </a:ext>
-            </a:extLst>
-          </p:cNvPr>
-          <p:cNvPicPr>
-            <a:picLocks noChangeAspect="1"/>
-          </p:cNvPicPr>
-          <p:nvPr/>
-        </p:nvPicPr>
-        <p:blipFill>
-          <a:blip r:embed="rId4"/>
-          <a:stretch>
-            <a:fillRect/>
-          </a:stretch>
-        </p:blipFill>
-        <p:spPr>
-          <a:xfrm>
-            <a:off x="51376" y="1280883"/>
-            <a:ext cx="6087601" cy="5406317"/>
-          </a:xfrm>
-          <a:prstGeom prst="rect">
-            <a:avLst/>
-          </a:prstGeom>
-        </p:spPr>
-      </p:pic>
-      <p:pic>
-        <p:nvPicPr>
           <p:cNvPr id="5" name="Picture 4">
             <a:extLst>
               <a:ext uri="{FF2B5EF4-FFF2-40B4-BE49-F238E27FC236}">
@@ -16471,7 +16411,7 @@
           <p:nvPr/>
         </p:nvPicPr>
         <p:blipFill>
-          <a:blip r:embed="rId5"/>
+          <a:blip r:embed="rId3"/>
           <a:stretch>
             <a:fillRect/>
           </a:stretch>
@@ -16501,7 +16441,7 @@
         <p:spPr>
           <a:xfrm>
             <a:off x="6138976" y="4466161"/>
-            <a:ext cx="4498375" cy="2246769"/>
+            <a:ext cx="4498375" cy="2031325"/>
           </a:xfrm>
           <a:prstGeom prst="rect">
             <a:avLst/>
@@ -16526,7 +16466,15 @@
             </a:pPr>
             <a:r>
               <a:rPr lang="en-VN" dirty="0"/>
-              <a:t>Việc phân cách giữa speech và silence là chính xác cao.</a:t>
+              <a:t>Việc phân cách giữa speech và silence là chính xác cao. </a:t>
+            </a:r>
+            <a:r>
+              <a:rPr lang="en-US" dirty="0" err="1"/>
+              <a:t>Đ</a:t>
+            </a:r>
+            <a:r>
+              <a:rPr lang="en-VN" dirty="0"/>
+              <a:t>ộ lệch: ~ 0.026s</a:t>
             </a:r>
           </a:p>
           <a:p>
@@ -16536,7 +16484,7 @@
             </a:pPr>
             <a:r>
               <a:rPr lang="en-VN" dirty="0"/>
-              <a:t>Đường F0 có nhiều pitch ảo xuất hiện. Chưa có độ chính xác.</a:t>
+              <a:t>Đường F0 có độ chính xác.</a:t>
             </a:r>
           </a:p>
           <a:p>
@@ -16546,7 +16494,7 @@
             </a:pPr>
             <a:r>
               <a:rPr lang="en-VN" dirty="0"/>
-              <a:t>Kết quả cuối cùng F0mean : lệch 28Hz</a:t>
+              <a:t>Kết quả cuối cùng F0mean : lệch 3Hz</a:t>
             </a:r>
           </a:p>
           <a:p>
@@ -16556,7 +16504,7 @@
             </a:pPr>
             <a:r>
               <a:rPr lang="en-VN" dirty="0"/>
-              <a:t>F0 std lệch 13Hz</a:t>
+              <a:t>F0 std lệch  ~3Hz</a:t>
             </a:r>
           </a:p>
           <a:p>
@@ -16574,6 +16522,66 @@
           </a:p>
         </p:txBody>
       </p:sp>
+      <p:pic>
+        <p:nvPicPr>
+          <p:cNvPr id="6" name="Picture 5">
+            <a:extLst>
+              <a:ext uri="{FF2B5EF4-FFF2-40B4-BE49-F238E27FC236}">
+                <a16:creationId xmlns:a16="http://schemas.microsoft.com/office/drawing/2014/main" id="{B0CFBCD6-D9C6-304E-88C3-DAE54EFE1511}"/>
+              </a:ext>
+            </a:extLst>
+          </p:cNvPr>
+          <p:cNvPicPr>
+            <a:picLocks noChangeAspect="1"/>
+          </p:cNvPicPr>
+          <p:nvPr/>
+        </p:nvPicPr>
+        <p:blipFill>
+          <a:blip r:embed="rId4"/>
+          <a:stretch>
+            <a:fillRect/>
+          </a:stretch>
+        </p:blipFill>
+        <p:spPr>
+          <a:xfrm>
+            <a:off x="6199853" y="1568224"/>
+            <a:ext cx="5992147" cy="1271208"/>
+          </a:xfrm>
+          <a:prstGeom prst="rect">
+            <a:avLst/>
+          </a:prstGeom>
+        </p:spPr>
+      </p:pic>
+      <p:pic>
+        <p:nvPicPr>
+          <p:cNvPr id="3" name="Picture 2">
+            <a:extLst>
+              <a:ext uri="{FF2B5EF4-FFF2-40B4-BE49-F238E27FC236}">
+                <a16:creationId xmlns:a16="http://schemas.microsoft.com/office/drawing/2014/main" id="{DCE6A475-FD6E-2143-9D9B-F92354729441}"/>
+              </a:ext>
+            </a:extLst>
+          </p:cNvPr>
+          <p:cNvPicPr>
+            <a:picLocks noChangeAspect="1"/>
+          </p:cNvPicPr>
+          <p:nvPr/>
+        </p:nvPicPr>
+        <p:blipFill>
+          <a:blip r:embed="rId5"/>
+          <a:stretch>
+            <a:fillRect/>
+          </a:stretch>
+        </p:blipFill>
+        <p:spPr>
+          <a:xfrm>
+            <a:off x="-9514" y="1373082"/>
+            <a:ext cx="6189282" cy="5428034"/>
+          </a:xfrm>
+          <a:prstGeom prst="rect">
+            <a:avLst/>
+          </a:prstGeom>
+        </p:spPr>
+      </p:pic>
     </p:spTree>
     <p:extLst>
       <p:ext uri="{BB962C8B-B14F-4D97-AF65-F5344CB8AC3E}">
@@ -16590,7 +16598,7 @@
         <p:fade/>
       </p:transition>
     </mc:Choice>
-    <mc:Fallback xmlns:ahyp="http://schemas.microsoft.com/office/drawing/2018/hyperlinkcolor" xmlns:p15="http://schemas.microsoft.com/office/powerpoint/2012/main" xmlns:com="http://schemas.openxmlformats.org/drawingml/2006/compatibility" xmlns:pvml="urn:schemas-microsoft-com:office:powerpoint" xmlns:v="urn:schemas-microsoft-com:vml" xmlns:o="urn:schemas-microsoft-com:office:office" xmlns:dgm="http://schemas.openxmlformats.org/drawingml/2006/diagram" xmlns:c="http://schemas.openxmlformats.org/drawingml/2006/chart" xmlns:mv="urn:schemas-microsoft-com:mac:vml" xmlns="">
+    <mc:Fallback xmlns="" xmlns:mv="urn:schemas-microsoft-com:mac:vml" xmlns:c="http://schemas.openxmlformats.org/drawingml/2006/chart" xmlns:dgm="http://schemas.openxmlformats.org/drawingml/2006/diagram" xmlns:o="urn:schemas-microsoft-com:office:office" xmlns:v="urn:schemas-microsoft-com:vml" xmlns:pvml="urn:schemas-microsoft-com:office:powerpoint" xmlns:com="http://schemas.openxmlformats.org/drawingml/2006/compatibility" xmlns:p15="http://schemas.microsoft.com/office/powerpoint/2012/main" xmlns:ahyp="http://schemas.microsoft.com/office/drawing/2018/hyperlinkcolor">
       <p:transition spd="slow">
         <p:fade/>
       </p:transition>
@@ -16670,36 +16678,6 @@
           </a:p>
         </p:txBody>
       </p:sp>
-      <p:pic>
-        <p:nvPicPr>
-          <p:cNvPr id="4" name="Picture 3">
-            <a:extLst>
-              <a:ext uri="{FF2B5EF4-FFF2-40B4-BE49-F238E27FC236}">
-                <a16:creationId xmlns:a16="http://schemas.microsoft.com/office/drawing/2014/main" id="{648821D3-FB6C-2442-B87C-BD017DFE924E}"/>
-              </a:ext>
-            </a:extLst>
-          </p:cNvPr>
-          <p:cNvPicPr>
-            <a:picLocks noChangeAspect="1"/>
-          </p:cNvPicPr>
-          <p:nvPr/>
-        </p:nvPicPr>
-        <p:blipFill>
-          <a:blip r:embed="rId3"/>
-          <a:stretch>
-            <a:fillRect/>
-          </a:stretch>
-        </p:blipFill>
-        <p:spPr>
-          <a:xfrm>
-            <a:off x="6096000" y="1694764"/>
-            <a:ext cx="6096000" cy="1341120"/>
-          </a:xfrm>
-          <a:prstGeom prst="rect">
-            <a:avLst/>
-          </a:prstGeom>
-        </p:spPr>
-      </p:pic>
       <p:sp>
         <p:nvSpPr>
           <p:cNvPr id="11" name="TextBox 10">
@@ -16743,36 +16721,6 @@
       </p:sp>
       <p:pic>
         <p:nvPicPr>
-          <p:cNvPr id="3" name="Picture 2">
-            <a:extLst>
-              <a:ext uri="{FF2B5EF4-FFF2-40B4-BE49-F238E27FC236}">
-                <a16:creationId xmlns:a16="http://schemas.microsoft.com/office/drawing/2014/main" id="{437744CA-CD2F-994B-9A79-F9DC40D6DA52}"/>
-              </a:ext>
-            </a:extLst>
-          </p:cNvPr>
-          <p:cNvPicPr>
-            <a:picLocks noChangeAspect="1"/>
-          </p:cNvPicPr>
-          <p:nvPr/>
-        </p:nvPicPr>
-        <p:blipFill>
-          <a:blip r:embed="rId4"/>
-          <a:stretch>
-            <a:fillRect/>
-          </a:stretch>
-        </p:blipFill>
-        <p:spPr>
-          <a:xfrm>
-            <a:off x="0" y="1314450"/>
-            <a:ext cx="6114237" cy="5422681"/>
-          </a:xfrm>
-          <a:prstGeom prst="rect">
-            <a:avLst/>
-          </a:prstGeom>
-        </p:spPr>
-      </p:pic>
-      <p:pic>
-        <p:nvPicPr>
           <p:cNvPr id="5" name="Picture 4">
             <a:extLst>
               <a:ext uri="{FF2B5EF4-FFF2-40B4-BE49-F238E27FC236}">
@@ -16786,7 +16734,7 @@
           <p:nvPr/>
         </p:nvPicPr>
         <p:blipFill>
-          <a:blip r:embed="rId5"/>
+          <a:blip r:embed="rId3"/>
           <a:stretch>
             <a:fillRect/>
           </a:stretch>
@@ -16841,7 +16789,7 @@
             </a:pPr>
             <a:r>
               <a:rPr lang="en-VN" dirty="0"/>
-              <a:t>Việc phân cách giữa speech và silence là chính xác cao.</a:t>
+              <a:t>Việc phân cách giữa speech và silence là chính xác cao.~= 0.015s</a:t>
             </a:r>
           </a:p>
           <a:p>
@@ -16861,7 +16809,7 @@
             </a:pPr>
             <a:r>
               <a:rPr lang="en-VN" dirty="0"/>
-              <a:t>Kết quả cuối cùng F0mean : lệch 9Hz</a:t>
+              <a:t>Kết quả cuối cùng F0mean : lệch 2Hz</a:t>
             </a:r>
           </a:p>
           <a:p>
@@ -16871,7 +16819,7 @@
             </a:pPr>
             <a:r>
               <a:rPr lang="en-VN" dirty="0"/>
-              <a:t>F0 std lệch ~4Hz</a:t>
+              <a:t>F0 std lệch ~2Hz</a:t>
             </a:r>
           </a:p>
           <a:p>
@@ -16889,6 +16837,66 @@
           </a:p>
         </p:txBody>
       </p:sp>
+      <p:pic>
+        <p:nvPicPr>
+          <p:cNvPr id="6" name="Picture 5">
+            <a:extLst>
+              <a:ext uri="{FF2B5EF4-FFF2-40B4-BE49-F238E27FC236}">
+                <a16:creationId xmlns:a16="http://schemas.microsoft.com/office/drawing/2014/main" id="{D6E01D75-5C57-A040-8CA1-281B51CE8F7B}"/>
+              </a:ext>
+            </a:extLst>
+          </p:cNvPr>
+          <p:cNvPicPr>
+            <a:picLocks noChangeAspect="1"/>
+          </p:cNvPicPr>
+          <p:nvPr/>
+        </p:nvPicPr>
+        <p:blipFill>
+          <a:blip r:embed="rId4"/>
+          <a:stretch>
+            <a:fillRect/>
+          </a:stretch>
+        </p:blipFill>
+        <p:spPr>
+          <a:xfrm>
+            <a:off x="6114236" y="1795077"/>
+            <a:ext cx="6077764" cy="1198351"/>
+          </a:xfrm>
+          <a:prstGeom prst="rect">
+            <a:avLst/>
+          </a:prstGeom>
+        </p:spPr>
+      </p:pic>
+      <p:pic>
+        <p:nvPicPr>
+          <p:cNvPr id="3" name="Picture 2">
+            <a:extLst>
+              <a:ext uri="{FF2B5EF4-FFF2-40B4-BE49-F238E27FC236}">
+                <a16:creationId xmlns:a16="http://schemas.microsoft.com/office/drawing/2014/main" id="{11DEC977-DC75-D644-BFFB-3965405F121C}"/>
+              </a:ext>
+            </a:extLst>
+          </p:cNvPr>
+          <p:cNvPicPr>
+            <a:picLocks noChangeAspect="1"/>
+          </p:cNvPicPr>
+          <p:nvPr/>
+        </p:nvPicPr>
+        <p:blipFill>
+          <a:blip r:embed="rId5"/>
+          <a:stretch>
+            <a:fillRect/>
+          </a:stretch>
+        </p:blipFill>
+        <p:spPr>
+          <a:xfrm>
+            <a:off x="-71443" y="1314450"/>
+            <a:ext cx="6210419" cy="5543550"/>
+          </a:xfrm>
+          <a:prstGeom prst="rect">
+            <a:avLst/>
+          </a:prstGeom>
+        </p:spPr>
+      </p:pic>
     </p:spTree>
     <p:extLst>
       <p:ext uri="{BB962C8B-B14F-4D97-AF65-F5344CB8AC3E}">
@@ -16905,7 +16913,7 @@
         <p:fade/>
       </p:transition>
     </mc:Choice>
-    <mc:Fallback xmlns:ahyp="http://schemas.microsoft.com/office/drawing/2018/hyperlinkcolor" xmlns:p15="http://schemas.microsoft.com/office/powerpoint/2012/main" xmlns:com="http://schemas.openxmlformats.org/drawingml/2006/compatibility" xmlns:pvml="urn:schemas-microsoft-com:office:powerpoint" xmlns:v="urn:schemas-microsoft-com:vml" xmlns:o="urn:schemas-microsoft-com:office:office" xmlns:dgm="http://schemas.openxmlformats.org/drawingml/2006/diagram" xmlns:c="http://schemas.openxmlformats.org/drawingml/2006/chart" xmlns:mv="urn:schemas-microsoft-com:mac:vml" xmlns="">
+    <mc:Fallback xmlns="" xmlns:mv="urn:schemas-microsoft-com:mac:vml" xmlns:c="http://schemas.openxmlformats.org/drawingml/2006/chart" xmlns:dgm="http://schemas.openxmlformats.org/drawingml/2006/diagram" xmlns:o="urn:schemas-microsoft-com:office:office" xmlns:v="urn:schemas-microsoft-com:vml" xmlns:pvml="urn:schemas-microsoft-com:office:powerpoint" xmlns:com="http://schemas.openxmlformats.org/drawingml/2006/compatibility" xmlns:p15="http://schemas.microsoft.com/office/powerpoint/2012/main" xmlns:ahyp="http://schemas.microsoft.com/office/drawing/2018/hyperlinkcolor">
       <p:transition spd="slow">
         <p:fade/>
       </p:transition>
@@ -16985,36 +16993,6 @@
           </a:p>
         </p:txBody>
       </p:sp>
-      <p:pic>
-        <p:nvPicPr>
-          <p:cNvPr id="4" name="Picture 3">
-            <a:extLst>
-              <a:ext uri="{FF2B5EF4-FFF2-40B4-BE49-F238E27FC236}">
-                <a16:creationId xmlns:a16="http://schemas.microsoft.com/office/drawing/2014/main" id="{5CF9947D-4025-5A4B-BB6C-C080F09D7628}"/>
-              </a:ext>
-            </a:extLst>
-          </p:cNvPr>
-          <p:cNvPicPr>
-            <a:picLocks noChangeAspect="1"/>
-          </p:cNvPicPr>
-          <p:nvPr/>
-        </p:nvPicPr>
-        <p:blipFill>
-          <a:blip r:embed="rId3"/>
-          <a:stretch>
-            <a:fillRect/>
-          </a:stretch>
-        </p:blipFill>
-        <p:spPr>
-          <a:xfrm>
-            <a:off x="6164148" y="1765245"/>
-            <a:ext cx="6027852" cy="1169551"/>
-          </a:xfrm>
-          <a:prstGeom prst="rect">
-            <a:avLst/>
-          </a:prstGeom>
-        </p:spPr>
-      </p:pic>
       <p:sp>
         <p:nvSpPr>
           <p:cNvPr id="11" name="TextBox 10">
@@ -17058,36 +17036,6 @@
       </p:sp>
       <p:pic>
         <p:nvPicPr>
-          <p:cNvPr id="3" name="Picture 2">
-            <a:extLst>
-              <a:ext uri="{FF2B5EF4-FFF2-40B4-BE49-F238E27FC236}">
-                <a16:creationId xmlns:a16="http://schemas.microsoft.com/office/drawing/2014/main" id="{00CF72FD-0501-1F45-A65A-64F697426637}"/>
-              </a:ext>
-            </a:extLst>
-          </p:cNvPr>
-          <p:cNvPicPr>
-            <a:picLocks noChangeAspect="1"/>
-          </p:cNvPicPr>
-          <p:nvPr/>
-        </p:nvPicPr>
-        <p:blipFill>
-          <a:blip r:embed="rId4"/>
-          <a:stretch>
-            <a:fillRect/>
-          </a:stretch>
-        </p:blipFill>
-        <p:spPr>
-          <a:xfrm>
-            <a:off x="-36653" y="1314450"/>
-            <a:ext cx="6297403" cy="5573824"/>
-          </a:xfrm>
-          <a:prstGeom prst="rect">
-            <a:avLst/>
-          </a:prstGeom>
-        </p:spPr>
-      </p:pic>
-      <p:pic>
-        <p:nvPicPr>
           <p:cNvPr id="5" name="Picture 4">
             <a:extLst>
               <a:ext uri="{FF2B5EF4-FFF2-40B4-BE49-F238E27FC236}">
@@ -17101,7 +17049,7 @@
           <p:nvPr/>
         </p:nvPicPr>
         <p:blipFill>
-          <a:blip r:embed="rId5"/>
+          <a:blip r:embed="rId3"/>
           <a:stretch>
             <a:fillRect/>
           </a:stretch>
@@ -17156,7 +17104,7 @@
             </a:pPr>
             <a:r>
               <a:rPr lang="en-VN" dirty="0"/>
-              <a:t>Việc phân cách giữa speech và silence vẫn còn bị bỏ xót ở phần cuối mỗi nguyên âm.</a:t>
+              <a:t>Việc phân cách giữa speech và silence vẫn còn bị bỏ xót ở phần cuối mỗi nguyên âm. ~ 0.1s</a:t>
             </a:r>
           </a:p>
           <a:p>
@@ -17166,7 +17114,7 @@
             </a:pPr>
             <a:r>
               <a:rPr lang="en-VN" dirty="0"/>
-              <a:t>Đường F0 chỉ tương đối chính xác</a:t>
+              <a:t>Đường F0 chính xác cao</a:t>
             </a:r>
           </a:p>
           <a:p>
@@ -17176,7 +17124,7 @@
             </a:pPr>
             <a:r>
               <a:rPr lang="en-VN" dirty="0"/>
-              <a:t>Kết quả cuối cùng F0mean : lệch 14Hz</a:t>
+              <a:t>Kết quả cuối cùng F0mean : lệch 1Hz</a:t>
             </a:r>
           </a:p>
           <a:p>
@@ -17186,7 +17134,7 @@
             </a:pPr>
             <a:r>
               <a:rPr lang="en-VN" dirty="0"/>
-              <a:t>F0 std lệch ~1.5Hz</a:t>
+              <a:t>F0 std lệch ~3Hz</a:t>
             </a:r>
           </a:p>
           <a:p>
@@ -17204,6 +17152,65 @@
           </a:p>
         </p:txBody>
       </p:sp>
+      <p:pic>
+        <p:nvPicPr>
+          <p:cNvPr id="6" name="Picture 5">
+            <a:extLst>
+              <a:ext uri="{FF2B5EF4-FFF2-40B4-BE49-F238E27FC236}">
+                <a16:creationId xmlns:a16="http://schemas.microsoft.com/office/drawing/2014/main" id="{68B15CAE-1CD6-8B4D-949B-A7D66FA1831E}"/>
+              </a:ext>
+            </a:extLst>
+          </p:cNvPr>
+          <p:cNvPicPr>
+            <a:picLocks noChangeAspect="1"/>
+          </p:cNvPicPr>
+          <p:nvPr/>
+        </p:nvPicPr>
+        <p:blipFill rotWithShape="1">
+          <a:blip r:embed="rId4"/>
+          <a:srcRect l="7174" t="1434" r="6065" b="4192"/>
+          <a:stretch/>
+        </p:blipFill>
+        <p:spPr>
+          <a:xfrm>
+            <a:off x="6164147" y="1672363"/>
+            <a:ext cx="6027853" cy="1229690"/>
+          </a:xfrm>
+          <a:prstGeom prst="rect">
+            <a:avLst/>
+          </a:prstGeom>
+        </p:spPr>
+      </p:pic>
+      <p:pic>
+        <p:nvPicPr>
+          <p:cNvPr id="3" name="Picture 2">
+            <a:extLst>
+              <a:ext uri="{FF2B5EF4-FFF2-40B4-BE49-F238E27FC236}">
+                <a16:creationId xmlns:a16="http://schemas.microsoft.com/office/drawing/2014/main" id="{1201137E-547E-4F48-BD6E-02B761024BA8}"/>
+              </a:ext>
+            </a:extLst>
+          </p:cNvPr>
+          <p:cNvPicPr>
+            <a:picLocks noChangeAspect="1"/>
+          </p:cNvPicPr>
+          <p:nvPr/>
+        </p:nvPicPr>
+        <p:blipFill>
+          <a:blip r:embed="rId5"/>
+          <a:stretch>
+            <a:fillRect/>
+          </a:stretch>
+        </p:blipFill>
+        <p:spPr>
+          <a:xfrm>
+            <a:off x="62899" y="1279690"/>
+            <a:ext cx="6365433" cy="5578309"/>
+          </a:xfrm>
+          <a:prstGeom prst="rect">
+            <a:avLst/>
+          </a:prstGeom>
+        </p:spPr>
+      </p:pic>
     </p:spTree>
     <p:extLst>
       <p:ext uri="{BB962C8B-B14F-4D97-AF65-F5344CB8AC3E}">
@@ -17220,7 +17227,7 @@
         <p:fade/>
       </p:transition>
     </mc:Choice>
-    <mc:Fallback xmlns:ahyp="http://schemas.microsoft.com/office/drawing/2018/hyperlinkcolor" xmlns:p15="http://schemas.microsoft.com/office/powerpoint/2012/main" xmlns:com="http://schemas.openxmlformats.org/drawingml/2006/compatibility" xmlns:pvml="urn:schemas-microsoft-com:office:powerpoint" xmlns:v="urn:schemas-microsoft-com:vml" xmlns:o="urn:schemas-microsoft-com:office:office" xmlns:dgm="http://schemas.openxmlformats.org/drawingml/2006/diagram" xmlns:c="http://schemas.openxmlformats.org/drawingml/2006/chart" xmlns:mv="urn:schemas-microsoft-com:mac:vml" xmlns="">
+    <mc:Fallback xmlns="" xmlns:mv="urn:schemas-microsoft-com:mac:vml" xmlns:c="http://schemas.openxmlformats.org/drawingml/2006/chart" xmlns:dgm="http://schemas.openxmlformats.org/drawingml/2006/diagram" xmlns:o="urn:schemas-microsoft-com:office:office" xmlns:v="urn:schemas-microsoft-com:vml" xmlns:pvml="urn:schemas-microsoft-com:office:powerpoint" xmlns:com="http://schemas.openxmlformats.org/drawingml/2006/compatibility" xmlns:p15="http://schemas.microsoft.com/office/powerpoint/2012/main" xmlns:ahyp="http://schemas.microsoft.com/office/drawing/2018/hyperlinkcolor">
       <p:transition spd="slow">
         <p:fade/>
       </p:transition>
@@ -17480,7 +17487,7 @@
         <p:fade/>
       </p:transition>
     </mc:Choice>
-    <mc:Fallback xmlns:ahyp="http://schemas.microsoft.com/office/drawing/2018/hyperlinkcolor" xmlns:p15="http://schemas.microsoft.com/office/powerpoint/2012/main" xmlns:com="http://schemas.openxmlformats.org/drawingml/2006/compatibility" xmlns:pvml="urn:schemas-microsoft-com:office:powerpoint" xmlns:v="urn:schemas-microsoft-com:vml" xmlns:o="urn:schemas-microsoft-com:office:office" xmlns:dgm="http://schemas.openxmlformats.org/drawingml/2006/diagram" xmlns:c="http://schemas.openxmlformats.org/drawingml/2006/chart" xmlns:mv="urn:schemas-microsoft-com:mac:vml" xmlns="">
+    <mc:Fallback xmlns="" xmlns:mv="urn:schemas-microsoft-com:mac:vml" xmlns:c="http://schemas.openxmlformats.org/drawingml/2006/chart" xmlns:dgm="http://schemas.openxmlformats.org/drawingml/2006/diagram" xmlns:o="urn:schemas-microsoft-com:office:office" xmlns:v="urn:schemas-microsoft-com:vml" xmlns:pvml="urn:schemas-microsoft-com:office:powerpoint" xmlns:com="http://schemas.openxmlformats.org/drawingml/2006/compatibility" xmlns:p15="http://schemas.microsoft.com/office/powerpoint/2012/main" xmlns:ahyp="http://schemas.microsoft.com/office/drawing/2018/hyperlinkcolor">
       <p:transition spd="slow">
         <p:fade/>
       </p:transition>
@@ -17632,7 +17639,7 @@
         <p:fade/>
       </p:transition>
     </mc:Choice>
-    <mc:Fallback xmlns:ahyp="http://schemas.microsoft.com/office/drawing/2018/hyperlinkcolor" xmlns:p15="http://schemas.microsoft.com/office/powerpoint/2012/main" xmlns:com="http://schemas.openxmlformats.org/drawingml/2006/compatibility" xmlns:pvml="urn:schemas-microsoft-com:office:powerpoint" xmlns:v="urn:schemas-microsoft-com:vml" xmlns:o="urn:schemas-microsoft-com:office:office" xmlns:dgm="http://schemas.openxmlformats.org/drawingml/2006/diagram" xmlns:c="http://schemas.openxmlformats.org/drawingml/2006/chart" xmlns:mv="urn:schemas-microsoft-com:mac:vml" xmlns="">
+    <mc:Fallback xmlns="" xmlns:mv="urn:schemas-microsoft-com:mac:vml" xmlns:c="http://schemas.openxmlformats.org/drawingml/2006/chart" xmlns:dgm="http://schemas.openxmlformats.org/drawingml/2006/diagram" xmlns:o="urn:schemas-microsoft-com:office:office" xmlns:v="urn:schemas-microsoft-com:vml" xmlns:pvml="urn:schemas-microsoft-com:office:powerpoint" xmlns:com="http://schemas.openxmlformats.org/drawingml/2006/compatibility" xmlns:p15="http://schemas.microsoft.com/office/powerpoint/2012/main" xmlns:ahyp="http://schemas.microsoft.com/office/drawing/2018/hyperlinkcolor">
       <p:transition spd="slow">
         <p:fade/>
       </p:transition>
@@ -17915,7 +17922,7 @@
         <p:fade/>
       </p:transition>
     </mc:Choice>
-    <mc:Fallback xmlns:ahyp="http://schemas.microsoft.com/office/drawing/2018/hyperlinkcolor" xmlns:p15="http://schemas.microsoft.com/office/powerpoint/2012/main" xmlns:com="http://schemas.openxmlformats.org/drawingml/2006/compatibility" xmlns:pvml="urn:schemas-microsoft-com:office:powerpoint" xmlns:v="urn:schemas-microsoft-com:vml" xmlns:o="urn:schemas-microsoft-com:office:office" xmlns:dgm="http://schemas.openxmlformats.org/drawingml/2006/diagram" xmlns:c="http://schemas.openxmlformats.org/drawingml/2006/chart" xmlns:mv="urn:schemas-microsoft-com:mac:vml" xmlns="">
+    <mc:Fallback xmlns="" xmlns:mv="urn:schemas-microsoft-com:mac:vml" xmlns:c="http://schemas.openxmlformats.org/drawingml/2006/chart" xmlns:dgm="http://schemas.openxmlformats.org/drawingml/2006/diagram" xmlns:o="urn:schemas-microsoft-com:office:office" xmlns:v="urn:schemas-microsoft-com:vml" xmlns:pvml="urn:schemas-microsoft-com:office:powerpoint" xmlns:com="http://schemas.openxmlformats.org/drawingml/2006/compatibility" xmlns:p15="http://schemas.microsoft.com/office/powerpoint/2012/main" xmlns:ahyp="http://schemas.microsoft.com/office/drawing/2018/hyperlinkcolor">
       <p:transition spd="slow">
         <p:fade/>
       </p:transition>
@@ -18182,7 +18189,7 @@
         <p:fade/>
       </p:transition>
     </mc:Choice>
-    <mc:Fallback xmlns:ahyp="http://schemas.microsoft.com/office/drawing/2018/hyperlinkcolor" xmlns:p15="http://schemas.microsoft.com/office/powerpoint/2012/main" xmlns:com="http://schemas.openxmlformats.org/drawingml/2006/compatibility" xmlns:pvml="urn:schemas-microsoft-com:office:powerpoint" xmlns:v="urn:schemas-microsoft-com:vml" xmlns:o="urn:schemas-microsoft-com:office:office" xmlns:dgm="http://schemas.openxmlformats.org/drawingml/2006/diagram" xmlns:c="http://schemas.openxmlformats.org/drawingml/2006/chart" xmlns:mv="urn:schemas-microsoft-com:mac:vml" xmlns="">
+    <mc:Fallback xmlns="" xmlns:mv="urn:schemas-microsoft-com:mac:vml" xmlns:c="http://schemas.openxmlformats.org/drawingml/2006/chart" xmlns:dgm="http://schemas.openxmlformats.org/drawingml/2006/diagram" xmlns:o="urn:schemas-microsoft-com:office:office" xmlns:v="urn:schemas-microsoft-com:vml" xmlns:pvml="urn:schemas-microsoft-com:office:powerpoint" xmlns:com="http://schemas.openxmlformats.org/drawingml/2006/compatibility" xmlns:p15="http://schemas.microsoft.com/office/powerpoint/2012/main" xmlns:ahyp="http://schemas.microsoft.com/office/drawing/2018/hyperlinkcolor">
       <p:transition spd="slow">
         <p:fade/>
       </p:transition>
@@ -18450,7 +18457,7 @@
         <p:fade/>
       </p:transition>
     </mc:Choice>
-    <mc:Fallback xmlns:ahyp="http://schemas.microsoft.com/office/drawing/2018/hyperlinkcolor" xmlns:p15="http://schemas.microsoft.com/office/powerpoint/2012/main" xmlns:com="http://schemas.openxmlformats.org/drawingml/2006/compatibility" xmlns:pvml="urn:schemas-microsoft-com:office:powerpoint" xmlns:v="urn:schemas-microsoft-com:vml" xmlns:o="urn:schemas-microsoft-com:office:office" xmlns:dgm="http://schemas.openxmlformats.org/drawingml/2006/diagram" xmlns:c="http://schemas.openxmlformats.org/drawingml/2006/chart" xmlns:mv="urn:schemas-microsoft-com:mac:vml" xmlns="">
+    <mc:Fallback xmlns="" xmlns:mv="urn:schemas-microsoft-com:mac:vml" xmlns:c="http://schemas.openxmlformats.org/drawingml/2006/chart" xmlns:dgm="http://schemas.openxmlformats.org/drawingml/2006/diagram" xmlns:o="urn:schemas-microsoft-com:office:office" xmlns:v="urn:schemas-microsoft-com:vml" xmlns:pvml="urn:schemas-microsoft-com:office:powerpoint" xmlns:com="http://schemas.openxmlformats.org/drawingml/2006/compatibility" xmlns:p15="http://schemas.microsoft.com/office/powerpoint/2012/main" xmlns:ahyp="http://schemas.microsoft.com/office/drawing/2018/hyperlinkcolor">
       <p:transition spd="slow">
         <p:fade/>
       </p:transition>
@@ -18678,7 +18685,7 @@
         <p:fade/>
       </p:transition>
     </mc:Choice>
-    <mc:Fallback xmlns:ahyp="http://schemas.microsoft.com/office/drawing/2018/hyperlinkcolor" xmlns:p15="http://schemas.microsoft.com/office/powerpoint/2012/main" xmlns:com="http://schemas.openxmlformats.org/drawingml/2006/compatibility" xmlns:pvml="urn:schemas-microsoft-com:office:powerpoint" xmlns:v="urn:schemas-microsoft-com:vml" xmlns:o="urn:schemas-microsoft-com:office:office" xmlns:dgm="http://schemas.openxmlformats.org/drawingml/2006/diagram" xmlns:c="http://schemas.openxmlformats.org/drawingml/2006/chart" xmlns:mv="urn:schemas-microsoft-com:mac:vml" xmlns="">
+    <mc:Fallback xmlns="" xmlns:mv="urn:schemas-microsoft-com:mac:vml" xmlns:c="http://schemas.openxmlformats.org/drawingml/2006/chart" xmlns:dgm="http://schemas.openxmlformats.org/drawingml/2006/diagram" xmlns:o="urn:schemas-microsoft-com:office:office" xmlns:v="urn:schemas-microsoft-com:vml" xmlns:pvml="urn:schemas-microsoft-com:office:powerpoint" xmlns:com="http://schemas.openxmlformats.org/drawingml/2006/compatibility" xmlns:p15="http://schemas.microsoft.com/office/powerpoint/2012/main" xmlns:ahyp="http://schemas.microsoft.com/office/drawing/2018/hyperlinkcolor">
       <p:transition spd="slow">
         <p:fade/>
       </p:transition>
@@ -18828,7 +18835,7 @@
         <p:fade/>
       </p:transition>
     </mc:Choice>
-    <mc:Fallback xmlns:ahyp="http://schemas.microsoft.com/office/drawing/2018/hyperlinkcolor" xmlns:p15="http://schemas.microsoft.com/office/powerpoint/2012/main" xmlns:com="http://schemas.openxmlformats.org/drawingml/2006/compatibility" xmlns:pvml="urn:schemas-microsoft-com:office:powerpoint" xmlns:v="urn:schemas-microsoft-com:vml" xmlns:o="urn:schemas-microsoft-com:office:office" xmlns:dgm="http://schemas.openxmlformats.org/drawingml/2006/diagram" xmlns:c="http://schemas.openxmlformats.org/drawingml/2006/chart" xmlns:mv="urn:schemas-microsoft-com:mac:vml" xmlns="">
+    <mc:Fallback xmlns="" xmlns:mv="urn:schemas-microsoft-com:mac:vml" xmlns:c="http://schemas.openxmlformats.org/drawingml/2006/chart" xmlns:dgm="http://schemas.openxmlformats.org/drawingml/2006/diagram" xmlns:o="urn:schemas-microsoft-com:office:office" xmlns:v="urn:schemas-microsoft-com:vml" xmlns:pvml="urn:schemas-microsoft-com:office:powerpoint" xmlns:com="http://schemas.openxmlformats.org/drawingml/2006/compatibility" xmlns:p15="http://schemas.microsoft.com/office/powerpoint/2012/main" xmlns:ahyp="http://schemas.microsoft.com/office/drawing/2018/hyperlinkcolor">
       <p:transition spd="slow">
         <p:fade/>
       </p:transition>
@@ -19012,7 +19019,7 @@
           <p:nvPr>
             <p:extLst>
               <p:ext uri="{D42A27DB-BD31-4B8C-83A1-F6EECF244321}">
-                <p14:modId xmlns:p14="http://schemas.microsoft.com/office/powerpoint/2010/main" val="2389985180"/>
+                <p14:modId xmlns:p14="http://schemas.microsoft.com/office/powerpoint/2010/main" val="2687197299"/>
               </p:ext>
             </p:extLst>
           </p:nvPr>
@@ -19084,7 +19091,7 @@
                       <a:pPr algn="ctr"/>
                       <a:r>
                         <a:rPr lang="en-VN" sz="2000" dirty="0"/>
-                        <a:t>Phone_M1</a:t>
+                        <a:t>01MDA</a:t>
                       </a:r>
                     </a:p>
                   </a:txBody>
@@ -19098,7 +19105,7 @@
                       <a:pPr algn="ctr"/>
                       <a:r>
                         <a:rPr lang="en-VN" sz="2000" dirty="0"/>
-                        <a:t>Phone_F1</a:t>
+                        <a:t>02MAB</a:t>
                       </a:r>
                     </a:p>
                   </a:txBody>
@@ -19112,7 +19119,7 @@
                       <a:pPr algn="ctr"/>
                       <a:r>
                         <a:rPr lang="en-VN" sz="2000" dirty="0"/>
-                        <a:t>Studio_M1</a:t>
+                        <a:t>02FVA</a:t>
                       </a:r>
                     </a:p>
                   </a:txBody>
@@ -19126,7 +19133,7 @@
                       <a:pPr algn="ctr"/>
                       <a:r>
                         <a:rPr lang="en-VN" sz="2000" dirty="0"/>
-                        <a:t>Studio_F1</a:t>
+                        <a:t>06FTB</a:t>
                       </a:r>
                     </a:p>
                   </a:txBody>
@@ -19998,7 +20005,13 @@
           <p:cNvGraphicFramePr>
             <a:graphicFrameLocks noGrp="1"/>
           </p:cNvGraphicFramePr>
-          <p:nvPr/>
+          <p:nvPr>
+            <p:extLst>
+              <p:ext uri="{D42A27DB-BD31-4B8C-83A1-F6EECF244321}">
+                <p14:modId xmlns:p14="http://schemas.microsoft.com/office/powerpoint/2010/main" val="3548464118"/>
+              </p:ext>
+            </p:extLst>
+          </p:nvPr>
         </p:nvGraphicFramePr>
         <p:xfrm>
           <a:off x="451018" y="1672708"/>
@@ -20177,7 +20190,7 @@
                           <a:cs typeface="+mn-cs"/>
                           <a:sym typeface="Arial"/>
                         </a:rPr>
-                        <a:t>0.3399</a:t>
+                        <a:t>0.210</a:t>
                       </a:r>
                     </a:p>
                     <a:p>
@@ -20226,7 +20239,7 @@
                           <a:cs typeface="+mn-cs"/>
                           <a:sym typeface="Arial"/>
                         </a:rPr>
-                        <a:t>0.3048</a:t>
+                        <a:t>0.2733</a:t>
                       </a:r>
                     </a:p>
                   </a:txBody>
@@ -20267,7 +20280,7 @@
                           <a:cs typeface="+mn-cs"/>
                           <a:sym typeface="Arial"/>
                         </a:rPr>
-                        <a:t>0.4116</a:t>
+                        <a:t>0.1526</a:t>
                       </a:r>
                       <a:endParaRPr lang="en-VN" sz="2000" dirty="0"/>
                     </a:p>
@@ -20309,7 +20322,7 @@
                           <a:cs typeface="+mn-cs"/>
                           <a:sym typeface="Arial"/>
                         </a:rPr>
-                        <a:t>0.3179</a:t>
+                        <a:t>0.2179</a:t>
                       </a:r>
                     </a:p>
                     <a:p>
@@ -20408,7 +20421,7 @@
                           <a:cs typeface="+mn-cs"/>
                           <a:sym typeface="Arial"/>
                         </a:rPr>
-                        <a:t>0.3784</a:t>
+                        <a:t>0.1399</a:t>
                       </a:r>
                     </a:p>
                   </a:txBody>
@@ -20449,7 +20462,7 @@
                           <a:cs typeface="+mn-cs"/>
                           <a:sym typeface="Arial"/>
                         </a:rPr>
-                        <a:t>0.2317</a:t>
+                        <a:t>0.1096</a:t>
                       </a:r>
                     </a:p>
                   </a:txBody>
@@ -20490,7 +20503,7 @@
                           <a:cs typeface="+mn-cs"/>
                           <a:sym typeface="Arial"/>
                         </a:rPr>
-                        <a:t>0.3696</a:t>
+                        <a:t>0.1730</a:t>
                       </a:r>
                     </a:p>
                     <a:p>
@@ -20535,7 +20548,7 @@
                           <a:cs typeface="+mn-cs"/>
                           <a:sym typeface="Arial"/>
                         </a:rPr>
-                        <a:t>0.3537</a:t>
+                        <a:t>0.1709</a:t>
                       </a:r>
                     </a:p>
                     <a:p>
@@ -20607,7 +20620,7 @@
                           <a:cs typeface="+mn-cs"/>
                           <a:sym typeface="Arial"/>
                         </a:rPr>
-                        <a:t>0.1762</a:t>
+                        <a:t>0.2464</a:t>
                       </a:r>
                     </a:p>
                     <a:p>
@@ -20652,7 +20665,7 @@
                           <a:cs typeface="+mn-cs"/>
                           <a:sym typeface="Arial"/>
                         </a:rPr>
-                        <a:t>0.2303</a:t>
+                        <a:t>0.1889</a:t>
                       </a:r>
                     </a:p>
                   </a:txBody>
@@ -20693,12 +20706,8 @@
                           <a:cs typeface="+mn-cs"/>
                           <a:sym typeface="Arial"/>
                         </a:rPr>
-                        <a:t>0.3705</a:t>
+                        <a:t>0.2275</a:t>
                       </a:r>
-                    </a:p>
-                    <a:p>
-                      <a:pPr algn="ctr"/>
-                      <a:endParaRPr lang="en-VN" sz="2000" dirty="0"/>
                     </a:p>
                   </a:txBody>
                   <a:tcPr/>
@@ -20738,7 +20747,7 @@
                           <a:cs typeface="+mn-cs"/>
                           <a:sym typeface="Arial"/>
                         </a:rPr>
-                        <a:t>0.2591</a:t>
+                        <a:t>0.2730</a:t>
                       </a:r>
                     </a:p>
                     <a:p>
@@ -20810,7 +20819,7 @@
                           <a:cs typeface="+mn-cs"/>
                           <a:sym typeface="Arial"/>
                         </a:rPr>
-                        <a:t>0.2</a:t>
+                        <a:t>0.1914</a:t>
                       </a:r>
                     </a:p>
                   </a:txBody>
@@ -20851,7 +20860,7 @@
                           <a:cs typeface="+mn-cs"/>
                           <a:sym typeface="Arial"/>
                         </a:rPr>
-                        <a:t>0.2034</a:t>
+                        <a:t>0.1951</a:t>
                       </a:r>
                     </a:p>
                   </a:txBody>
@@ -20892,7 +20901,7 @@
                           <a:cs typeface="+mn-cs"/>
                           <a:sym typeface="Arial"/>
                         </a:rPr>
-                        <a:t>0.2100</a:t>
+                        <a:t>0.1465</a:t>
                       </a:r>
                     </a:p>
                     <a:p>
@@ -20937,7 +20946,7 @@
                           <a:cs typeface="+mn-cs"/>
                           <a:sym typeface="Arial"/>
                         </a:rPr>
-                        <a:t>0.1824</a:t>
+                        <a:t>0.2679</a:t>
                       </a:r>
                     </a:p>
                   </a:txBody>
@@ -20990,18 +20999,36 @@
                 </a:solidFill>
                 <a:sym typeface="Wingdings" pitchFamily="2" charset="2"/>
               </a:rPr>
-              <a:t> Threshold: (0.207+0.215+0.238+0.211)/4 ~= </a:t>
+              <a:t> Threshold: (0.185+0.181+0.203+0.183)/4 </a:t>
             </a:r>
             <a:r>
-              <a:rPr lang="en-VN" sz="2500" b="1" dirty="0">
+              <a:rPr lang="en-VN" sz="2500">
                 <a:solidFill>
                   <a:schemeClr val="bg2">
                     <a:lumMod val="50000"/>
                   </a:schemeClr>
                 </a:solidFill>
+                <a:sym typeface="Wingdings" pitchFamily="2" charset="2"/>
               </a:rPr>
-              <a:t>0.2175</a:t>
+              <a:t>~= </a:t>
             </a:r>
+            <a:r>
+              <a:rPr lang="en-VN" sz="2500" b="1">
+                <a:solidFill>
+                  <a:schemeClr val="bg2">
+                    <a:lumMod val="50000"/>
+                  </a:schemeClr>
+                </a:solidFill>
+              </a:rPr>
+              <a:t>0.185</a:t>
+            </a:r>
+            <a:endParaRPr lang="en-VN" sz="2500" b="1" dirty="0">
+              <a:solidFill>
+                <a:schemeClr val="bg2">
+                  <a:lumMod val="50000"/>
+                </a:schemeClr>
+              </a:solidFill>
+            </a:endParaRPr>
           </a:p>
         </p:txBody>
       </p:sp>

--- a/endcourse/Final.pptx
+++ b/endcourse/Final.pptx
@@ -14,9 +14,9 @@
     <p:sldId id="280" r:id="rId5"/>
     <p:sldId id="278" r:id="rId6"/>
     <p:sldId id="277" r:id="rId7"/>
-    <p:sldId id="272" r:id="rId8"/>
-    <p:sldId id="281" r:id="rId9"/>
-    <p:sldId id="259" r:id="rId10"/>
+    <p:sldId id="281" r:id="rId8"/>
+    <p:sldId id="259" r:id="rId9"/>
+    <p:sldId id="272" r:id="rId10"/>
     <p:sldId id="282" r:id="rId11"/>
     <p:sldId id="262" r:id="rId12"/>
     <p:sldId id="263" r:id="rId13"/>
@@ -274,7 +274,7 @@
       </p15:sldGuideLst>
     </p:ext>
     <p:ext uri="http://customooxmlschemas.google.com/">
-      <go:slidesCustomData xmlns="" xmlns:mc="http://schemas.openxmlformats.org/markup-compatibility/2006" xmlns:mv="urn:schemas-microsoft-com:mac:vml" xmlns:c="http://schemas.openxmlformats.org/drawingml/2006/chart" xmlns:dgm="http://schemas.openxmlformats.org/drawingml/2006/diagram" xmlns:o="urn:schemas-microsoft-com:office:office" xmlns:v="urn:schemas-microsoft-com:vml" xmlns:pvml="urn:schemas-microsoft-com:office:powerpoint" xmlns:com="http://schemas.openxmlformats.org/drawingml/2006/compatibility" xmlns:p14="http://schemas.microsoft.com/office/powerpoint/2010/main" xmlns:p15="http://schemas.microsoft.com/office/powerpoint/2012/main" xmlns:ahyp="http://schemas.microsoft.com/office/drawing/2018/hyperlinkcolor" xmlns:go="http://customooxmlschemas.google.com/" r:id="rId22" roundtripDataSignature="AMtx7mhoq0TkclQKjBSroxzJOyhUTDGeHw=="/>
+      <go:slidesCustomData xmlns:go="http://customooxmlschemas.google.com/" xmlns:ahyp="http://schemas.microsoft.com/office/drawing/2018/hyperlinkcolor" xmlns:p15="http://schemas.microsoft.com/office/powerpoint/2012/main" xmlns:p14="http://schemas.microsoft.com/office/powerpoint/2010/main" xmlns:com="http://schemas.openxmlformats.org/drawingml/2006/compatibility" xmlns:pvml="urn:schemas-microsoft-com:office:powerpoint" xmlns:v="urn:schemas-microsoft-com:vml" xmlns:o="urn:schemas-microsoft-com:office:office" xmlns:dgm="http://schemas.openxmlformats.org/drawingml/2006/diagram" xmlns:c="http://schemas.openxmlformats.org/drawingml/2006/chart" xmlns:mv="urn:schemas-microsoft-com:mac:vml" xmlns:mc="http://schemas.openxmlformats.org/markup-compatibility/2006" xmlns="" r:id="rId22" roundtripDataSignature="AMtx7mhoq0TkclQKjBSroxzJOyhUTDGeHw=="/>
     </p:ext>
   </p:extLst>
 </p:presentation>
@@ -4100,7 +4100,7 @@
     </p:spTree>
     <p:extLst>
       <p:ext uri="{BB962C8B-B14F-4D97-AF65-F5344CB8AC3E}">
-        <p14:creationId xmlns:p14="http://schemas.microsoft.com/office/powerpoint/2010/main" val="2807820720"/>
+        <p14:creationId xmlns:p14="http://schemas.microsoft.com/office/powerpoint/2010/main" val="2140800319"/>
       </p:ext>
     </p:extLst>
   </p:cSld>
@@ -4111,6 +4111,128 @@
 </file>
 
 <file path=ppt/notesSlides/notesSlide8.xml><?xml version="1.0" encoding="utf-8"?>
+<p:notes xmlns:a="http://schemas.openxmlformats.org/drawingml/2006/main" xmlns:r="http://schemas.openxmlformats.org/officeDocument/2006/relationships" xmlns:p="http://schemas.openxmlformats.org/presentationml/2006/main" showMasterSp="0" showMasterPhAnim="0">
+  <p:cSld>
+    <p:spTree>
+      <p:nvGrpSpPr>
+        <p:cNvPr id="1" name="Shape 112"/>
+        <p:cNvGrpSpPr/>
+        <p:nvPr/>
+      </p:nvGrpSpPr>
+      <p:grpSpPr>
+        <a:xfrm>
+          <a:off x="0" y="0"/>
+          <a:ext cx="0" cy="0"/>
+          <a:chOff x="0" y="0"/>
+          <a:chExt cx="0" cy="0"/>
+        </a:xfrm>
+      </p:grpSpPr>
+      <p:sp>
+        <p:nvSpPr>
+          <p:cNvPr id="113" name="Google Shape;113;p4:notes"/>
+          <p:cNvSpPr txBox="1">
+            <a:spLocks noGrp="1"/>
+          </p:cNvSpPr>
+          <p:nvPr>
+            <p:ph type="body" idx="1"/>
+          </p:nvPr>
+        </p:nvSpPr>
+        <p:spPr>
+          <a:xfrm>
+            <a:off x="685800" y="4400550"/>
+            <a:ext cx="5486400" cy="3600450"/>
+          </a:xfrm>
+          <a:prstGeom prst="rect">
+            <a:avLst/>
+          </a:prstGeom>
+          <a:noFill/>
+          <a:ln>
+            <a:noFill/>
+          </a:ln>
+        </p:spPr>
+        <p:txBody>
+          <a:bodyPr spcFirstLastPara="1" wrap="square" lIns="91425" tIns="45700" rIns="91425" bIns="45700" anchor="t" anchorCtr="0">
+            <a:noAutofit/>
+          </a:bodyPr>
+          <a:lstStyle/>
+          <a:p>
+            <a:pPr marL="0" lvl="0" indent="0" algn="l" rtl="0">
+              <a:lnSpc>
+                <a:spcPct val="100000"/>
+              </a:lnSpc>
+              <a:spcBef>
+                <a:spcPts val="0"/>
+              </a:spcBef>
+              <a:spcAft>
+                <a:spcPts val="0"/>
+              </a:spcAft>
+              <a:buSzPts val="1400"/>
+              <a:buNone/>
+            </a:pPr>
+            <a:endParaRPr/>
+          </a:p>
+        </p:txBody>
+      </p:sp>
+      <p:sp>
+        <p:nvSpPr>
+          <p:cNvPr id="114" name="Google Shape;114;p4:notes"/>
+          <p:cNvSpPr>
+            <a:spLocks noGrp="1" noRot="1" noChangeAspect="1"/>
+          </p:cNvSpPr>
+          <p:nvPr>
+            <p:ph type="sldImg" idx="2"/>
+          </p:nvPr>
+        </p:nvSpPr>
+        <p:spPr>
+          <a:xfrm>
+            <a:off x="685800" y="1143000"/>
+            <a:ext cx="5486400" cy="3086100"/>
+          </a:xfrm>
+          <a:custGeom>
+            <a:avLst/>
+            <a:gdLst/>
+            <a:ahLst/>
+            <a:cxnLst/>
+            <a:rect l="l" t="t" r="r" b="b"/>
+            <a:pathLst>
+              <a:path w="120000" h="120000" extrusionOk="0">
+                <a:moveTo>
+                  <a:pt x="0" y="0"/>
+                </a:moveTo>
+                <a:lnTo>
+                  <a:pt x="120000" y="0"/>
+                </a:lnTo>
+                <a:lnTo>
+                  <a:pt x="120000" y="120000"/>
+                </a:lnTo>
+                <a:lnTo>
+                  <a:pt x="0" y="120000"/>
+                </a:lnTo>
+                <a:close/>
+              </a:path>
+            </a:pathLst>
+          </a:custGeom>
+          <a:noFill/>
+          <a:ln w="12700" cap="flat" cmpd="sng">
+            <a:solidFill>
+              <a:srgbClr val="000000"/>
+            </a:solidFill>
+            <a:prstDash val="solid"/>
+            <a:round/>
+            <a:headEnd type="none" w="sm" len="sm"/>
+            <a:tailEnd type="none" w="sm" len="sm"/>
+          </a:ln>
+        </p:spPr>
+      </p:sp>
+    </p:spTree>
+  </p:cSld>
+  <p:clrMapOvr>
+    <a:masterClrMapping/>
+  </p:clrMapOvr>
+</p:notes>
+</file>
+
+<file path=ppt/notesSlides/notesSlide9.xml><?xml version="1.0" encoding="utf-8"?>
 <p:notes xmlns:a="http://schemas.openxmlformats.org/drawingml/2006/main" xmlns:r="http://schemas.openxmlformats.org/officeDocument/2006/relationships" xmlns:p="http://schemas.openxmlformats.org/presentationml/2006/main" showMasterSp="0" showMasterPhAnim="0">
   <p:cSld>
     <p:spTree>
@@ -4227,131 +4349,9 @@
     </p:spTree>
     <p:extLst>
       <p:ext uri="{BB962C8B-B14F-4D97-AF65-F5344CB8AC3E}">
-        <p14:creationId xmlns:p14="http://schemas.microsoft.com/office/powerpoint/2010/main" val="2140800319"/>
+        <p14:creationId xmlns:p14="http://schemas.microsoft.com/office/powerpoint/2010/main" val="2807820720"/>
       </p:ext>
     </p:extLst>
-  </p:cSld>
-  <p:clrMapOvr>
-    <a:masterClrMapping/>
-  </p:clrMapOvr>
-</p:notes>
-</file>
-
-<file path=ppt/notesSlides/notesSlide9.xml><?xml version="1.0" encoding="utf-8"?>
-<p:notes xmlns:a="http://schemas.openxmlformats.org/drawingml/2006/main" xmlns:r="http://schemas.openxmlformats.org/officeDocument/2006/relationships" xmlns:p="http://schemas.openxmlformats.org/presentationml/2006/main" showMasterSp="0" showMasterPhAnim="0">
-  <p:cSld>
-    <p:spTree>
-      <p:nvGrpSpPr>
-        <p:cNvPr id="1" name="Shape 112"/>
-        <p:cNvGrpSpPr/>
-        <p:nvPr/>
-      </p:nvGrpSpPr>
-      <p:grpSpPr>
-        <a:xfrm>
-          <a:off x="0" y="0"/>
-          <a:ext cx="0" cy="0"/>
-          <a:chOff x="0" y="0"/>
-          <a:chExt cx="0" cy="0"/>
-        </a:xfrm>
-      </p:grpSpPr>
-      <p:sp>
-        <p:nvSpPr>
-          <p:cNvPr id="113" name="Google Shape;113;p4:notes"/>
-          <p:cNvSpPr txBox="1">
-            <a:spLocks noGrp="1"/>
-          </p:cNvSpPr>
-          <p:nvPr>
-            <p:ph type="body" idx="1"/>
-          </p:nvPr>
-        </p:nvSpPr>
-        <p:spPr>
-          <a:xfrm>
-            <a:off x="685800" y="4400550"/>
-            <a:ext cx="5486400" cy="3600450"/>
-          </a:xfrm>
-          <a:prstGeom prst="rect">
-            <a:avLst/>
-          </a:prstGeom>
-          <a:noFill/>
-          <a:ln>
-            <a:noFill/>
-          </a:ln>
-        </p:spPr>
-        <p:txBody>
-          <a:bodyPr spcFirstLastPara="1" wrap="square" lIns="91425" tIns="45700" rIns="91425" bIns="45700" anchor="t" anchorCtr="0">
-            <a:noAutofit/>
-          </a:bodyPr>
-          <a:lstStyle/>
-          <a:p>
-            <a:pPr marL="0" lvl="0" indent="0" algn="l" rtl="0">
-              <a:lnSpc>
-                <a:spcPct val="100000"/>
-              </a:lnSpc>
-              <a:spcBef>
-                <a:spcPts val="0"/>
-              </a:spcBef>
-              <a:spcAft>
-                <a:spcPts val="0"/>
-              </a:spcAft>
-              <a:buSzPts val="1400"/>
-              <a:buNone/>
-            </a:pPr>
-            <a:endParaRPr/>
-          </a:p>
-        </p:txBody>
-      </p:sp>
-      <p:sp>
-        <p:nvSpPr>
-          <p:cNvPr id="114" name="Google Shape;114;p4:notes"/>
-          <p:cNvSpPr>
-            <a:spLocks noGrp="1" noRot="1" noChangeAspect="1"/>
-          </p:cNvSpPr>
-          <p:nvPr>
-            <p:ph type="sldImg" idx="2"/>
-          </p:nvPr>
-        </p:nvSpPr>
-        <p:spPr>
-          <a:xfrm>
-            <a:off x="685800" y="1143000"/>
-            <a:ext cx="5486400" cy="3086100"/>
-          </a:xfrm>
-          <a:custGeom>
-            <a:avLst/>
-            <a:gdLst/>
-            <a:ahLst/>
-            <a:cxnLst/>
-            <a:rect l="l" t="t" r="r" b="b"/>
-            <a:pathLst>
-              <a:path w="120000" h="120000" extrusionOk="0">
-                <a:moveTo>
-                  <a:pt x="0" y="0"/>
-                </a:moveTo>
-                <a:lnTo>
-                  <a:pt x="120000" y="0"/>
-                </a:lnTo>
-                <a:lnTo>
-                  <a:pt x="120000" y="120000"/>
-                </a:lnTo>
-                <a:lnTo>
-                  <a:pt x="0" y="120000"/>
-                </a:lnTo>
-                <a:close/>
-              </a:path>
-            </a:pathLst>
-          </a:custGeom>
-          <a:noFill/>
-          <a:ln w="12700" cap="flat" cmpd="sng">
-            <a:solidFill>
-              <a:srgbClr val="000000"/>
-            </a:solidFill>
-            <a:prstDash val="solid"/>
-            <a:round/>
-            <a:headEnd type="none" w="sm" len="sm"/>
-            <a:tailEnd type="none" w="sm" len="sm"/>
-          </a:ln>
-        </p:spPr>
-      </p:sp>
-    </p:spTree>
   </p:cSld>
   <p:clrMapOvr>
     <a:masterClrMapping/>
@@ -15965,7 +15965,7 @@
         <p:fade/>
       </p:transition>
     </mc:Choice>
-    <mc:Fallback xmlns="" xmlns:mv="urn:schemas-microsoft-com:mac:vml" xmlns:c="http://schemas.openxmlformats.org/drawingml/2006/chart" xmlns:dgm="http://schemas.openxmlformats.org/drawingml/2006/diagram" xmlns:o="urn:schemas-microsoft-com:office:office" xmlns:v="urn:schemas-microsoft-com:vml" xmlns:pvml="urn:schemas-microsoft-com:office:powerpoint" xmlns:com="http://schemas.openxmlformats.org/drawingml/2006/compatibility" xmlns:p15="http://schemas.microsoft.com/office/powerpoint/2012/main" xmlns:ahyp="http://schemas.microsoft.com/office/drawing/2018/hyperlinkcolor">
+    <mc:Fallback xmlns:ahyp="http://schemas.microsoft.com/office/drawing/2018/hyperlinkcolor" xmlns:p15="http://schemas.microsoft.com/office/powerpoint/2012/main" xmlns:com="http://schemas.openxmlformats.org/drawingml/2006/compatibility" xmlns:pvml="urn:schemas-microsoft-com:office:powerpoint" xmlns:v="urn:schemas-microsoft-com:vml" xmlns:o="urn:schemas-microsoft-com:office:office" xmlns:dgm="http://schemas.openxmlformats.org/drawingml/2006/diagram" xmlns:c="http://schemas.openxmlformats.org/drawingml/2006/chart" xmlns:mv="urn:schemas-microsoft-com:mac:vml" xmlns="">
       <p:transition spd="slow">
         <p:fade/>
       </p:transition>
@@ -16275,7 +16275,7 @@
         <p:fade/>
       </p:transition>
     </mc:Choice>
-    <mc:Fallback xmlns="" xmlns:mv="urn:schemas-microsoft-com:mac:vml" xmlns:c="http://schemas.openxmlformats.org/drawingml/2006/chart" xmlns:dgm="http://schemas.openxmlformats.org/drawingml/2006/diagram" xmlns:o="urn:schemas-microsoft-com:office:office" xmlns:v="urn:schemas-microsoft-com:vml" xmlns:pvml="urn:schemas-microsoft-com:office:powerpoint" xmlns:com="http://schemas.openxmlformats.org/drawingml/2006/compatibility" xmlns:p15="http://schemas.microsoft.com/office/powerpoint/2012/main" xmlns:ahyp="http://schemas.microsoft.com/office/drawing/2018/hyperlinkcolor">
+    <mc:Fallback xmlns:ahyp="http://schemas.microsoft.com/office/drawing/2018/hyperlinkcolor" xmlns:p15="http://schemas.microsoft.com/office/powerpoint/2012/main" xmlns:com="http://schemas.openxmlformats.org/drawingml/2006/compatibility" xmlns:pvml="urn:schemas-microsoft-com:office:powerpoint" xmlns:v="urn:schemas-microsoft-com:vml" xmlns:o="urn:schemas-microsoft-com:office:office" xmlns:dgm="http://schemas.openxmlformats.org/drawingml/2006/diagram" xmlns:c="http://schemas.openxmlformats.org/drawingml/2006/chart" xmlns:mv="urn:schemas-microsoft-com:mac:vml" xmlns="">
       <p:transition spd="slow">
         <p:fade/>
       </p:transition>
@@ -16598,7 +16598,7 @@
         <p:fade/>
       </p:transition>
     </mc:Choice>
-    <mc:Fallback xmlns="" xmlns:mv="urn:schemas-microsoft-com:mac:vml" xmlns:c="http://schemas.openxmlformats.org/drawingml/2006/chart" xmlns:dgm="http://schemas.openxmlformats.org/drawingml/2006/diagram" xmlns:o="urn:schemas-microsoft-com:office:office" xmlns:v="urn:schemas-microsoft-com:vml" xmlns:pvml="urn:schemas-microsoft-com:office:powerpoint" xmlns:com="http://schemas.openxmlformats.org/drawingml/2006/compatibility" xmlns:p15="http://schemas.microsoft.com/office/powerpoint/2012/main" xmlns:ahyp="http://schemas.microsoft.com/office/drawing/2018/hyperlinkcolor">
+    <mc:Fallback xmlns:ahyp="http://schemas.microsoft.com/office/drawing/2018/hyperlinkcolor" xmlns:p15="http://schemas.microsoft.com/office/powerpoint/2012/main" xmlns:com="http://schemas.openxmlformats.org/drawingml/2006/compatibility" xmlns:pvml="urn:schemas-microsoft-com:office:powerpoint" xmlns:v="urn:schemas-microsoft-com:vml" xmlns:o="urn:schemas-microsoft-com:office:office" xmlns:dgm="http://schemas.openxmlformats.org/drawingml/2006/diagram" xmlns:c="http://schemas.openxmlformats.org/drawingml/2006/chart" xmlns:mv="urn:schemas-microsoft-com:mac:vml" xmlns="">
       <p:transition spd="slow">
         <p:fade/>
       </p:transition>
@@ -16913,7 +16913,7 @@
         <p:fade/>
       </p:transition>
     </mc:Choice>
-    <mc:Fallback xmlns="" xmlns:mv="urn:schemas-microsoft-com:mac:vml" xmlns:c="http://schemas.openxmlformats.org/drawingml/2006/chart" xmlns:dgm="http://schemas.openxmlformats.org/drawingml/2006/diagram" xmlns:o="urn:schemas-microsoft-com:office:office" xmlns:v="urn:schemas-microsoft-com:vml" xmlns:pvml="urn:schemas-microsoft-com:office:powerpoint" xmlns:com="http://schemas.openxmlformats.org/drawingml/2006/compatibility" xmlns:p15="http://schemas.microsoft.com/office/powerpoint/2012/main" xmlns:ahyp="http://schemas.microsoft.com/office/drawing/2018/hyperlinkcolor">
+    <mc:Fallback xmlns:ahyp="http://schemas.microsoft.com/office/drawing/2018/hyperlinkcolor" xmlns:p15="http://schemas.microsoft.com/office/powerpoint/2012/main" xmlns:com="http://schemas.openxmlformats.org/drawingml/2006/compatibility" xmlns:pvml="urn:schemas-microsoft-com:office:powerpoint" xmlns:v="urn:schemas-microsoft-com:vml" xmlns:o="urn:schemas-microsoft-com:office:office" xmlns:dgm="http://schemas.openxmlformats.org/drawingml/2006/diagram" xmlns:c="http://schemas.openxmlformats.org/drawingml/2006/chart" xmlns:mv="urn:schemas-microsoft-com:mac:vml" xmlns="">
       <p:transition spd="slow">
         <p:fade/>
       </p:transition>
@@ -17227,7 +17227,7 @@
         <p:fade/>
       </p:transition>
     </mc:Choice>
-    <mc:Fallback xmlns="" xmlns:mv="urn:schemas-microsoft-com:mac:vml" xmlns:c="http://schemas.openxmlformats.org/drawingml/2006/chart" xmlns:dgm="http://schemas.openxmlformats.org/drawingml/2006/diagram" xmlns:o="urn:schemas-microsoft-com:office:office" xmlns:v="urn:schemas-microsoft-com:vml" xmlns:pvml="urn:schemas-microsoft-com:office:powerpoint" xmlns:com="http://schemas.openxmlformats.org/drawingml/2006/compatibility" xmlns:p15="http://schemas.microsoft.com/office/powerpoint/2012/main" xmlns:ahyp="http://schemas.microsoft.com/office/drawing/2018/hyperlinkcolor">
+    <mc:Fallback xmlns:ahyp="http://schemas.microsoft.com/office/drawing/2018/hyperlinkcolor" xmlns:p15="http://schemas.microsoft.com/office/powerpoint/2012/main" xmlns:com="http://schemas.openxmlformats.org/drawingml/2006/compatibility" xmlns:pvml="urn:schemas-microsoft-com:office:powerpoint" xmlns:v="urn:schemas-microsoft-com:vml" xmlns:o="urn:schemas-microsoft-com:office:office" xmlns:dgm="http://schemas.openxmlformats.org/drawingml/2006/diagram" xmlns:c="http://schemas.openxmlformats.org/drawingml/2006/chart" xmlns:mv="urn:schemas-microsoft-com:mac:vml" xmlns="">
       <p:transition spd="slow">
         <p:fade/>
       </p:transition>
@@ -17447,7 +17447,7 @@
                   </a:schemeClr>
                 </a:solidFill>
               </a:rPr>
-              <a:t>	+ Thuật toán 2: &gt; Các file male cho kết quả sai số cao hơn các file female. Đường F0 cơ bản khá giống với kết quả WaveSuffer.</a:t>
+              <a:t>	+ Thuật toán 2: &gt; Các file male cho kết quả sai số cao hơn các file female. Đường F0 cơ bản khá giống với kết quả WaveSuffer. </a:t>
             </a:r>
           </a:p>
           <a:p>
@@ -17459,7 +17459,7 @@
                   </a:schemeClr>
                 </a:solidFill>
               </a:rPr>
-              <a:t> - So sánh với thuật toán ACF: Độ chính xác không bằng.</a:t>
+              <a:t>- So sánh với thuật toán ACF: ACF cho kết quả chính xác hơn, đường F0 giống với file lab hơn FFT.</a:t>
             </a:r>
           </a:p>
           <a:p>
@@ -17471,7 +17471,7 @@
                   </a:schemeClr>
                 </a:solidFill>
               </a:rPr>
-              <a:t> - Xử lý pitch ảo bằng hàm lọc trung vị cho ra kết quả chuẩn sát hơn</a:t>
+              <a:t>- Xử lý pitch ảo bằng hàm lọc trung vị cho ra kết quả chuẩn sát hơn</a:t>
             </a:r>
           </a:p>
         </p:txBody>
@@ -17487,7 +17487,7 @@
         <p:fade/>
       </p:transition>
     </mc:Choice>
-    <mc:Fallback xmlns="" xmlns:mv="urn:schemas-microsoft-com:mac:vml" xmlns:c="http://schemas.openxmlformats.org/drawingml/2006/chart" xmlns:dgm="http://schemas.openxmlformats.org/drawingml/2006/diagram" xmlns:o="urn:schemas-microsoft-com:office:office" xmlns:v="urn:schemas-microsoft-com:vml" xmlns:pvml="urn:schemas-microsoft-com:office:powerpoint" xmlns:com="http://schemas.openxmlformats.org/drawingml/2006/compatibility" xmlns:p15="http://schemas.microsoft.com/office/powerpoint/2012/main" xmlns:ahyp="http://schemas.microsoft.com/office/drawing/2018/hyperlinkcolor">
+    <mc:Fallback xmlns:ahyp="http://schemas.microsoft.com/office/drawing/2018/hyperlinkcolor" xmlns:p15="http://schemas.microsoft.com/office/powerpoint/2012/main" xmlns:com="http://schemas.openxmlformats.org/drawingml/2006/compatibility" xmlns:pvml="urn:schemas-microsoft-com:office:powerpoint" xmlns:v="urn:schemas-microsoft-com:vml" xmlns:o="urn:schemas-microsoft-com:office:office" xmlns:dgm="http://schemas.openxmlformats.org/drawingml/2006/diagram" xmlns:c="http://schemas.openxmlformats.org/drawingml/2006/chart" xmlns:mv="urn:schemas-microsoft-com:mac:vml" xmlns="">
       <p:transition spd="slow">
         <p:fade/>
       </p:transition>
@@ -17639,7 +17639,7 @@
         <p:fade/>
       </p:transition>
     </mc:Choice>
-    <mc:Fallback xmlns="" xmlns:mv="urn:schemas-microsoft-com:mac:vml" xmlns:c="http://schemas.openxmlformats.org/drawingml/2006/chart" xmlns:dgm="http://schemas.openxmlformats.org/drawingml/2006/diagram" xmlns:o="urn:schemas-microsoft-com:office:office" xmlns:v="urn:schemas-microsoft-com:vml" xmlns:pvml="urn:schemas-microsoft-com:office:powerpoint" xmlns:com="http://schemas.openxmlformats.org/drawingml/2006/compatibility" xmlns:p15="http://schemas.microsoft.com/office/powerpoint/2012/main" xmlns:ahyp="http://schemas.microsoft.com/office/drawing/2018/hyperlinkcolor">
+    <mc:Fallback xmlns:ahyp="http://schemas.microsoft.com/office/drawing/2018/hyperlinkcolor" xmlns:p15="http://schemas.microsoft.com/office/powerpoint/2012/main" xmlns:com="http://schemas.openxmlformats.org/drawingml/2006/compatibility" xmlns:pvml="urn:schemas-microsoft-com:office:powerpoint" xmlns:v="urn:schemas-microsoft-com:vml" xmlns:o="urn:schemas-microsoft-com:office:office" xmlns:dgm="http://schemas.openxmlformats.org/drawingml/2006/diagram" xmlns:c="http://schemas.openxmlformats.org/drawingml/2006/chart" xmlns:mv="urn:schemas-microsoft-com:mac:vml" xmlns="">
       <p:transition spd="slow">
         <p:fade/>
       </p:transition>
@@ -17922,7 +17922,7 @@
         <p:fade/>
       </p:transition>
     </mc:Choice>
-    <mc:Fallback xmlns="" xmlns:mv="urn:schemas-microsoft-com:mac:vml" xmlns:c="http://schemas.openxmlformats.org/drawingml/2006/chart" xmlns:dgm="http://schemas.openxmlformats.org/drawingml/2006/diagram" xmlns:o="urn:schemas-microsoft-com:office:office" xmlns:v="urn:schemas-microsoft-com:vml" xmlns:pvml="urn:schemas-microsoft-com:office:powerpoint" xmlns:com="http://schemas.openxmlformats.org/drawingml/2006/compatibility" xmlns:p15="http://schemas.microsoft.com/office/powerpoint/2012/main" xmlns:ahyp="http://schemas.microsoft.com/office/drawing/2018/hyperlinkcolor">
+    <mc:Fallback xmlns:ahyp="http://schemas.microsoft.com/office/drawing/2018/hyperlinkcolor" xmlns:p15="http://schemas.microsoft.com/office/powerpoint/2012/main" xmlns:com="http://schemas.openxmlformats.org/drawingml/2006/compatibility" xmlns:pvml="urn:schemas-microsoft-com:office:powerpoint" xmlns:v="urn:schemas-microsoft-com:vml" xmlns:o="urn:schemas-microsoft-com:office:office" xmlns:dgm="http://schemas.openxmlformats.org/drawingml/2006/diagram" xmlns:c="http://schemas.openxmlformats.org/drawingml/2006/chart" xmlns:mv="urn:schemas-microsoft-com:mac:vml" xmlns="">
       <p:transition spd="slow">
         <p:fade/>
       </p:transition>
@@ -18189,7 +18189,7 @@
         <p:fade/>
       </p:transition>
     </mc:Choice>
-    <mc:Fallback xmlns="" xmlns:mv="urn:schemas-microsoft-com:mac:vml" xmlns:c="http://schemas.openxmlformats.org/drawingml/2006/chart" xmlns:dgm="http://schemas.openxmlformats.org/drawingml/2006/diagram" xmlns:o="urn:schemas-microsoft-com:office:office" xmlns:v="urn:schemas-microsoft-com:vml" xmlns:pvml="urn:schemas-microsoft-com:office:powerpoint" xmlns:com="http://schemas.openxmlformats.org/drawingml/2006/compatibility" xmlns:p15="http://schemas.microsoft.com/office/powerpoint/2012/main" xmlns:ahyp="http://schemas.microsoft.com/office/drawing/2018/hyperlinkcolor">
+    <mc:Fallback xmlns:ahyp="http://schemas.microsoft.com/office/drawing/2018/hyperlinkcolor" xmlns:p15="http://schemas.microsoft.com/office/powerpoint/2012/main" xmlns:com="http://schemas.openxmlformats.org/drawingml/2006/compatibility" xmlns:pvml="urn:schemas-microsoft-com:office:powerpoint" xmlns:v="urn:schemas-microsoft-com:vml" xmlns:o="urn:schemas-microsoft-com:office:office" xmlns:dgm="http://schemas.openxmlformats.org/drawingml/2006/diagram" xmlns:c="http://schemas.openxmlformats.org/drawingml/2006/chart" xmlns:mv="urn:schemas-microsoft-com:mac:vml" xmlns="">
       <p:transition spd="slow">
         <p:fade/>
       </p:transition>
@@ -18457,7 +18457,7 @@
         <p:fade/>
       </p:transition>
     </mc:Choice>
-    <mc:Fallback xmlns="" xmlns:mv="urn:schemas-microsoft-com:mac:vml" xmlns:c="http://schemas.openxmlformats.org/drawingml/2006/chart" xmlns:dgm="http://schemas.openxmlformats.org/drawingml/2006/diagram" xmlns:o="urn:schemas-microsoft-com:office:office" xmlns:v="urn:schemas-microsoft-com:vml" xmlns:pvml="urn:schemas-microsoft-com:office:powerpoint" xmlns:com="http://schemas.openxmlformats.org/drawingml/2006/compatibility" xmlns:p15="http://schemas.microsoft.com/office/powerpoint/2012/main" xmlns:ahyp="http://schemas.microsoft.com/office/drawing/2018/hyperlinkcolor">
+    <mc:Fallback xmlns:ahyp="http://schemas.microsoft.com/office/drawing/2018/hyperlinkcolor" xmlns:p15="http://schemas.microsoft.com/office/powerpoint/2012/main" xmlns:com="http://schemas.openxmlformats.org/drawingml/2006/compatibility" xmlns:pvml="urn:schemas-microsoft-com:office:powerpoint" xmlns:v="urn:schemas-microsoft-com:vml" xmlns:o="urn:schemas-microsoft-com:office:office" xmlns:dgm="http://schemas.openxmlformats.org/drawingml/2006/diagram" xmlns:c="http://schemas.openxmlformats.org/drawingml/2006/chart" xmlns:mv="urn:schemas-microsoft-com:mac:vml" xmlns="">
       <p:transition spd="slow">
         <p:fade/>
       </p:transition>
@@ -18685,7 +18685,7 @@
         <p:fade/>
       </p:transition>
     </mc:Choice>
-    <mc:Fallback xmlns="" xmlns:mv="urn:schemas-microsoft-com:mac:vml" xmlns:c="http://schemas.openxmlformats.org/drawingml/2006/chart" xmlns:dgm="http://schemas.openxmlformats.org/drawingml/2006/diagram" xmlns:o="urn:schemas-microsoft-com:office:office" xmlns:v="urn:schemas-microsoft-com:vml" xmlns:pvml="urn:schemas-microsoft-com:office:powerpoint" xmlns:com="http://schemas.openxmlformats.org/drawingml/2006/compatibility" xmlns:p15="http://schemas.microsoft.com/office/powerpoint/2012/main" xmlns:ahyp="http://schemas.microsoft.com/office/drawing/2018/hyperlinkcolor">
+    <mc:Fallback xmlns:ahyp="http://schemas.microsoft.com/office/drawing/2018/hyperlinkcolor" xmlns:p15="http://schemas.microsoft.com/office/powerpoint/2012/main" xmlns:com="http://schemas.openxmlformats.org/drawingml/2006/compatibility" xmlns:pvml="urn:schemas-microsoft-com:office:powerpoint" xmlns:v="urn:schemas-microsoft-com:vml" xmlns:o="urn:schemas-microsoft-com:office:office" xmlns:dgm="http://schemas.openxmlformats.org/drawingml/2006/diagram" xmlns:c="http://schemas.openxmlformats.org/drawingml/2006/chart" xmlns:mv="urn:schemas-microsoft-com:mac:vml" xmlns="">
       <p:transition spd="slow">
         <p:fade/>
       </p:transition>
@@ -18835,7 +18835,7 @@
         <p:fade/>
       </p:transition>
     </mc:Choice>
-    <mc:Fallback xmlns="" xmlns:mv="urn:schemas-microsoft-com:mac:vml" xmlns:c="http://schemas.openxmlformats.org/drawingml/2006/chart" xmlns:dgm="http://schemas.openxmlformats.org/drawingml/2006/diagram" xmlns:o="urn:schemas-microsoft-com:office:office" xmlns:v="urn:schemas-microsoft-com:vml" xmlns:pvml="urn:schemas-microsoft-com:office:powerpoint" xmlns:com="http://schemas.openxmlformats.org/drawingml/2006/compatibility" xmlns:p15="http://schemas.microsoft.com/office/powerpoint/2012/main" xmlns:ahyp="http://schemas.microsoft.com/office/drawing/2018/hyperlinkcolor">
+    <mc:Fallback xmlns:ahyp="http://schemas.microsoft.com/office/drawing/2018/hyperlinkcolor" xmlns:p15="http://schemas.microsoft.com/office/powerpoint/2012/main" xmlns:com="http://schemas.openxmlformats.org/drawingml/2006/compatibility" xmlns:pvml="urn:schemas-microsoft-com:office:powerpoint" xmlns:v="urn:schemas-microsoft-com:vml" xmlns:o="urn:schemas-microsoft-com:office:office" xmlns:dgm="http://schemas.openxmlformats.org/drawingml/2006/diagram" xmlns:c="http://schemas.openxmlformats.org/drawingml/2006/chart" xmlns:mv="urn:schemas-microsoft-com:mac:vml" xmlns="">
       <p:transition spd="slow">
         <p:fade/>
       </p:transition>
@@ -18845,995 +18845,6 @@
 </file>
 
 <file path=ppt/slides/slide7.xml><?xml version="1.0" encoding="utf-8"?>
-<p:sld xmlns:a="http://schemas.openxmlformats.org/drawingml/2006/main" xmlns:r="http://schemas.openxmlformats.org/officeDocument/2006/relationships" xmlns:p="http://schemas.openxmlformats.org/presentationml/2006/main">
-  <p:cSld>
-    <p:spTree>
-      <p:nvGrpSpPr>
-        <p:cNvPr id="1" name="Shape 115"/>
-        <p:cNvGrpSpPr/>
-        <p:nvPr/>
-      </p:nvGrpSpPr>
-      <p:grpSpPr>
-        <a:xfrm>
-          <a:off x="0" y="0"/>
-          <a:ext cx="0" cy="0"/>
-          <a:chOff x="0" y="0"/>
-          <a:chExt cx="0" cy="0"/>
-        </a:xfrm>
-      </p:grpSpPr>
-      <p:sp>
-        <p:nvSpPr>
-          <p:cNvPr id="116" name="Google Shape;116;p4"/>
-          <p:cNvSpPr txBox="1">
-            <a:spLocks noGrp="1"/>
-          </p:cNvSpPr>
-          <p:nvPr>
-            <p:ph type="body" idx="1"/>
-          </p:nvPr>
-        </p:nvSpPr>
-        <p:spPr>
-          <a:xfrm>
-            <a:off x="451028" y="2045970"/>
-            <a:ext cx="6951600" cy="4190406"/>
-          </a:xfrm>
-          <a:prstGeom prst="rect">
-            <a:avLst/>
-          </a:prstGeom>
-          <a:noFill/>
-          <a:ln>
-            <a:noFill/>
-          </a:ln>
-        </p:spPr>
-        <p:txBody>
-          <a:bodyPr spcFirstLastPara="1" wrap="square" lIns="91425" tIns="45700" rIns="91425" bIns="45700" anchor="t" anchorCtr="0">
-            <a:noAutofit/>
-          </a:bodyPr>
-          <a:lstStyle/>
-          <a:p>
-            <a:pPr marL="0" lvl="0" indent="0" algn="l" rtl="0">
-              <a:lnSpc>
-                <a:spcPct val="130000"/>
-              </a:lnSpc>
-              <a:spcBef>
-                <a:spcPts val="600"/>
-              </a:spcBef>
-              <a:spcAft>
-                <a:spcPts val="0"/>
-              </a:spcAft>
-              <a:buNone/>
-            </a:pPr>
-            <a:endParaRPr dirty="0">
-              <a:solidFill>
-                <a:srgbClr val="000000"/>
-              </a:solidFill>
-            </a:endParaRPr>
-          </a:p>
-          <a:p>
-            <a:pPr marL="228600" lvl="0" indent="-91440" algn="l" rtl="0">
-              <a:lnSpc>
-                <a:spcPct val="130000"/>
-              </a:lnSpc>
-              <a:spcBef>
-                <a:spcPts val="600"/>
-              </a:spcBef>
-              <a:spcAft>
-                <a:spcPts val="0"/>
-              </a:spcAft>
-              <a:buSzPts val="2160"/>
-              <a:buNone/>
-            </a:pPr>
-            <a:endParaRPr dirty="0">
-              <a:solidFill>
-                <a:srgbClr val="000000"/>
-              </a:solidFill>
-            </a:endParaRPr>
-          </a:p>
-        </p:txBody>
-      </p:sp>
-      <p:sp>
-        <p:nvSpPr>
-          <p:cNvPr id="117" name="Google Shape;117;p4"/>
-          <p:cNvSpPr txBox="1">
-            <a:spLocks noGrp="1"/>
-          </p:cNvSpPr>
-          <p:nvPr>
-            <p:ph type="title"/>
-          </p:nvPr>
-        </p:nvSpPr>
-        <p:spPr>
-          <a:xfrm>
-            <a:off x="451018" y="1081776"/>
-            <a:ext cx="6951472" cy="590931"/>
-          </a:xfrm>
-          <a:prstGeom prst="rect">
-            <a:avLst/>
-          </a:prstGeom>
-          <a:noFill/>
-          <a:ln>
-            <a:noFill/>
-          </a:ln>
-        </p:spPr>
-        <p:txBody>
-          <a:bodyPr spcFirstLastPara="1" wrap="square" lIns="91425" tIns="45700" rIns="91425" bIns="45700" anchor="t" anchorCtr="0">
-            <a:noAutofit/>
-          </a:bodyPr>
-          <a:lstStyle/>
-          <a:p>
-            <a:pPr marL="0" lvl="0" indent="0" algn="l" rtl="0">
-              <a:lnSpc>
-                <a:spcPct val="100000"/>
-              </a:lnSpc>
-              <a:spcBef>
-                <a:spcPts val="0"/>
-              </a:spcBef>
-              <a:spcAft>
-                <a:spcPts val="0"/>
-              </a:spcAft>
-              <a:buClr>
-                <a:schemeClr val="dk2"/>
-              </a:buClr>
-              <a:buSzPts val="2800"/>
-              <a:buFont typeface="Arial"/>
-              <a:buNone/>
-            </a:pPr>
-            <a:r>
-              <a:rPr lang="en-US" sz="2800" dirty="0" err="1"/>
-              <a:t>Xác</a:t>
-            </a:r>
-            <a:r>
-              <a:rPr lang="en-US" sz="2800" dirty="0"/>
-              <a:t> </a:t>
-            </a:r>
-            <a:r>
-              <a:rPr lang="en-US" sz="2800" dirty="0" err="1"/>
-              <a:t>định</a:t>
-            </a:r>
-            <a:r>
-              <a:rPr lang="en-US" sz="2800" dirty="0"/>
-              <a:t> </a:t>
-            </a:r>
-            <a:r>
-              <a:rPr lang="en-US" sz="2800" dirty="0" err="1"/>
-              <a:t>ngưỡng</a:t>
-            </a:r>
-            <a:r>
-              <a:rPr lang="en-US" sz="2800" dirty="0"/>
-              <a:t> Autocorrect</a:t>
-            </a:r>
-            <a:endParaRPr sz="2800" dirty="0"/>
-          </a:p>
-        </p:txBody>
-      </p:sp>
-      <p:graphicFrame>
-        <p:nvGraphicFramePr>
-          <p:cNvPr id="2" name="Table 2">
-            <a:extLst>
-              <a:ext uri="{FF2B5EF4-FFF2-40B4-BE49-F238E27FC236}">
-                <a16:creationId xmlns:a16="http://schemas.microsoft.com/office/drawing/2014/main" id="{58BC1CBF-515E-5B42-A824-5DABE59FF0A2}"/>
-              </a:ext>
-            </a:extLst>
-          </p:cNvPr>
-          <p:cNvGraphicFramePr>
-            <a:graphicFrameLocks noGrp="1"/>
-          </p:cNvGraphicFramePr>
-          <p:nvPr>
-            <p:extLst>
-              <p:ext uri="{D42A27DB-BD31-4B8C-83A1-F6EECF244321}">
-                <p14:modId xmlns:p14="http://schemas.microsoft.com/office/powerpoint/2010/main" val="2687197299"/>
-              </p:ext>
-            </p:extLst>
-          </p:nvPr>
-        </p:nvGraphicFramePr>
-        <p:xfrm>
-          <a:off x="640080" y="1672707"/>
-          <a:ext cx="10229850" cy="4040821"/>
-        </p:xfrm>
-        <a:graphic>
-          <a:graphicData uri="http://schemas.openxmlformats.org/drawingml/2006/table">
-            <a:tbl>
-              <a:tblPr firstRow="1" bandRow="1">
-                <a:tableStyleId>{5C22544A-7EE6-4342-B048-85BDC9FD1C3A}</a:tableStyleId>
-              </a:tblPr>
-              <a:tblGrid>
-                <a:gridCol w="2045970">
-                  <a:extLst>
-                    <a:ext uri="{9D8B030D-6E8A-4147-A177-3AD203B41FA5}">
-                      <a16:colId xmlns:a16="http://schemas.microsoft.com/office/drawing/2014/main" val="1977437174"/>
-                    </a:ext>
-                  </a:extLst>
-                </a:gridCol>
-                <a:gridCol w="2045970">
-                  <a:extLst>
-                    <a:ext uri="{9D8B030D-6E8A-4147-A177-3AD203B41FA5}">
-                      <a16:colId xmlns:a16="http://schemas.microsoft.com/office/drawing/2014/main" val="1639461737"/>
-                    </a:ext>
-                  </a:extLst>
-                </a:gridCol>
-                <a:gridCol w="2045970">
-                  <a:extLst>
-                    <a:ext uri="{9D8B030D-6E8A-4147-A177-3AD203B41FA5}">
-                      <a16:colId xmlns:a16="http://schemas.microsoft.com/office/drawing/2014/main" val="4289298959"/>
-                    </a:ext>
-                  </a:extLst>
-                </a:gridCol>
-                <a:gridCol w="2045970">
-                  <a:extLst>
-                    <a:ext uri="{9D8B030D-6E8A-4147-A177-3AD203B41FA5}">
-                      <a16:colId xmlns:a16="http://schemas.microsoft.com/office/drawing/2014/main" val="4163473307"/>
-                    </a:ext>
-                  </a:extLst>
-                </a:gridCol>
-                <a:gridCol w="2045970">
-                  <a:extLst>
-                    <a:ext uri="{9D8B030D-6E8A-4147-A177-3AD203B41FA5}">
-                      <a16:colId xmlns:a16="http://schemas.microsoft.com/office/drawing/2014/main" val="49734491"/>
-                    </a:ext>
-                  </a:extLst>
-                </a:gridCol>
-              </a:tblGrid>
-              <a:tr h="777898">
-                <a:tc>
-                  <a:txBody>
-                    <a:bodyPr/>
-                    <a:lstStyle/>
-                    <a:p>
-                      <a:pPr algn="ctr"/>
-                      <a:endParaRPr lang="en-VN" sz="2000" dirty="0"/>
-                    </a:p>
-                  </a:txBody>
-                  <a:tcPr/>
-                </a:tc>
-                <a:tc>
-                  <a:txBody>
-                    <a:bodyPr/>
-                    <a:lstStyle/>
-                    <a:p>
-                      <a:pPr algn="ctr"/>
-                      <a:r>
-                        <a:rPr lang="en-VN" sz="2000" dirty="0"/>
-                        <a:t>01MDA</a:t>
-                      </a:r>
-                    </a:p>
-                  </a:txBody>
-                  <a:tcPr/>
-                </a:tc>
-                <a:tc>
-                  <a:txBody>
-                    <a:bodyPr/>
-                    <a:lstStyle/>
-                    <a:p>
-                      <a:pPr algn="ctr"/>
-                      <a:r>
-                        <a:rPr lang="en-VN" sz="2000" dirty="0"/>
-                        <a:t>02MAB</a:t>
-                      </a:r>
-                    </a:p>
-                  </a:txBody>
-                  <a:tcPr/>
-                </a:tc>
-                <a:tc>
-                  <a:txBody>
-                    <a:bodyPr/>
-                    <a:lstStyle/>
-                    <a:p>
-                      <a:pPr algn="ctr"/>
-                      <a:r>
-                        <a:rPr lang="en-VN" sz="2000" dirty="0"/>
-                        <a:t>02FVA</a:t>
-                      </a:r>
-                    </a:p>
-                  </a:txBody>
-                  <a:tcPr/>
-                </a:tc>
-                <a:tc>
-                  <a:txBody>
-                    <a:bodyPr/>
-                    <a:lstStyle/>
-                    <a:p>
-                      <a:pPr algn="ctr"/>
-                      <a:r>
-                        <a:rPr lang="en-VN" sz="2000" dirty="0"/>
-                        <a:t>06FTB</a:t>
-                      </a:r>
-                    </a:p>
-                  </a:txBody>
-                  <a:tcPr/>
-                </a:tc>
-                <a:extLst>
-                  <a:ext uri="{0D108BD9-81ED-4DB2-BD59-A6C34878D82A}">
-                    <a16:rowId xmlns:a16="http://schemas.microsoft.com/office/drawing/2014/main" val="762379995"/>
-                  </a:ext>
-                </a:extLst>
-              </a:tr>
-              <a:tr h="946443">
-                <a:tc>
-                  <a:txBody>
-                    <a:bodyPr/>
-                    <a:lstStyle/>
-                    <a:p>
-                      <a:pPr algn="ctr"/>
-                      <a:r>
-                        <a:rPr lang="en-US" sz="2000" b="1" dirty="0" err="1">
-                          <a:solidFill>
-                            <a:schemeClr val="bg2">
-                              <a:lumMod val="50000"/>
-                            </a:schemeClr>
-                          </a:solidFill>
-                        </a:rPr>
-                        <a:t>thresholdv</a:t>
-                      </a:r>
-                      <a:endParaRPr lang="en-VN" sz="2000" b="1" dirty="0">
-                        <a:solidFill>
-                          <a:schemeClr val="bg2">
-                            <a:lumMod val="50000"/>
-                          </a:schemeClr>
-                        </a:solidFill>
-                      </a:endParaRPr>
-                    </a:p>
-                  </a:txBody>
-                  <a:tcPr/>
-                </a:tc>
-                <a:tc>
-                  <a:txBody>
-                    <a:bodyPr/>
-                    <a:lstStyle/>
-                    <a:p>
-                      <a:pPr marL="0" marR="0" lvl="0" indent="0" algn="ctr" defTabSz="914400" rtl="0" eaLnBrk="1" fontAlgn="auto" latinLnBrk="0" hangingPunct="1">
-                        <a:lnSpc>
-                          <a:spcPct val="100000"/>
-                        </a:lnSpc>
-                        <a:spcBef>
-                          <a:spcPts val="0"/>
-                        </a:spcBef>
-                        <a:spcAft>
-                          <a:spcPts val="0"/>
-                        </a:spcAft>
-                        <a:buClr>
-                          <a:srgbClr val="000000"/>
-                        </a:buClr>
-                        <a:buSzTx/>
-                        <a:buFont typeface="Arial"/>
-                        <a:buNone/>
-                        <a:tabLst/>
-                        <a:defRPr/>
-                      </a:pPr>
-                      <a:r>
-                        <a:rPr lang="en-VN" sz="2000" b="0" i="0" u="none" strike="noStrike" cap="none" dirty="0">
-                          <a:solidFill>
-                            <a:schemeClr val="dk1"/>
-                          </a:solidFill>
-                          <a:effectLst/>
-                          <a:latin typeface="+mn-lt"/>
-                          <a:ea typeface="+mn-ea"/>
-                          <a:cs typeface="+mn-cs"/>
-                          <a:sym typeface="Arial"/>
-                        </a:rPr>
-                        <a:t>0.4865</a:t>
-                      </a:r>
-                    </a:p>
-                    <a:p>
-                      <a:pPr marL="0" marR="0" lvl="0" indent="0" algn="ctr" defTabSz="914400" rtl="0" eaLnBrk="1" fontAlgn="auto" latinLnBrk="0" hangingPunct="1">
-                        <a:lnSpc>
-                          <a:spcPct val="100000"/>
-                        </a:lnSpc>
-                        <a:spcBef>
-                          <a:spcPts val="0"/>
-                        </a:spcBef>
-                        <a:spcAft>
-                          <a:spcPts val="0"/>
-                        </a:spcAft>
-                        <a:buClr>
-                          <a:srgbClr val="000000"/>
-                        </a:buClr>
-                        <a:buSzTx/>
-                        <a:buFont typeface="Arial"/>
-                        <a:buNone/>
-                        <a:tabLst/>
-                        <a:defRPr/>
-                      </a:pPr>
-                      <a:endParaRPr lang="en-VN" sz="2000" b="0" i="0" u="none" strike="noStrike" cap="none" dirty="0">
-                        <a:solidFill>
-                          <a:schemeClr val="dk1"/>
-                        </a:solidFill>
-                        <a:effectLst/>
-                        <a:latin typeface="+mn-lt"/>
-                        <a:ea typeface="+mn-ea"/>
-                        <a:cs typeface="+mn-cs"/>
-                        <a:sym typeface="Arial"/>
-                      </a:endParaRPr>
-                    </a:p>
-                    <a:p>
-                      <a:pPr marL="0" marR="0" lvl="0" indent="0" algn="ctr" defTabSz="914400" rtl="0" eaLnBrk="1" fontAlgn="auto" latinLnBrk="0" hangingPunct="1">
-                        <a:lnSpc>
-                          <a:spcPct val="100000"/>
-                        </a:lnSpc>
-                        <a:spcBef>
-                          <a:spcPts val="0"/>
-                        </a:spcBef>
-                        <a:spcAft>
-                          <a:spcPts val="0"/>
-                        </a:spcAft>
-                        <a:buClr>
-                          <a:srgbClr val="000000"/>
-                        </a:buClr>
-                        <a:buSzTx/>
-                        <a:buFont typeface="Arial"/>
-                        <a:buNone/>
-                        <a:tabLst/>
-                        <a:defRPr/>
-                      </a:pPr>
-                      <a:endParaRPr lang="en-VN" sz="2000" b="0" i="0" u="none" strike="noStrike" cap="none" dirty="0">
-                        <a:solidFill>
-                          <a:schemeClr val="dk1"/>
-                        </a:solidFill>
-                        <a:effectLst/>
-                        <a:latin typeface="+mn-lt"/>
-                        <a:ea typeface="+mn-ea"/>
-                        <a:cs typeface="+mn-cs"/>
-                        <a:sym typeface="Arial"/>
-                      </a:endParaRPr>
-                    </a:p>
-                    <a:p>
-                      <a:pPr algn="ctr"/>
-                      <a:endParaRPr lang="en-VN" sz="2000" dirty="0"/>
-                    </a:p>
-                  </a:txBody>
-                  <a:tcPr/>
-                </a:tc>
-                <a:tc>
-                  <a:txBody>
-                    <a:bodyPr/>
-                    <a:lstStyle/>
-                    <a:p>
-                      <a:pPr algn="ctr"/>
-                      <a:r>
-                        <a:rPr lang="en-VN" sz="2000" b="0" i="0" u="none" strike="noStrike" cap="none" dirty="0">
-                          <a:solidFill>
-                            <a:schemeClr val="dk1"/>
-                          </a:solidFill>
-                          <a:effectLst/>
-                          <a:latin typeface="+mn-lt"/>
-                          <a:ea typeface="+mn-ea"/>
-                          <a:cs typeface="+mn-cs"/>
-                          <a:sym typeface="Arial"/>
-                        </a:rPr>
-                        <a:t>0.5375</a:t>
-                      </a:r>
-                    </a:p>
-                  </a:txBody>
-                  <a:tcPr/>
-                </a:tc>
-                <a:tc>
-                  <a:txBody>
-                    <a:bodyPr/>
-                    <a:lstStyle/>
-                    <a:p>
-                      <a:pPr algn="ctr"/>
-                      <a:r>
-                        <a:rPr lang="en-VN" sz="2000" b="0" i="0" u="none" strike="noStrike" cap="none" dirty="0">
-                          <a:solidFill>
-                            <a:schemeClr val="dk1"/>
-                          </a:solidFill>
-                          <a:effectLst/>
-                          <a:latin typeface="+mn-lt"/>
-                          <a:ea typeface="+mn-ea"/>
-                          <a:cs typeface="+mn-cs"/>
-                          <a:sym typeface="Arial"/>
-                        </a:rPr>
-                        <a:t>0.4015 </a:t>
-                      </a:r>
-                    </a:p>
-                    <a:p>
-                      <a:pPr algn="ctr"/>
-                      <a:endParaRPr lang="en-VN" sz="2000" dirty="0"/>
-                    </a:p>
-                  </a:txBody>
-                  <a:tcPr/>
-                </a:tc>
-                <a:tc>
-                  <a:txBody>
-                    <a:bodyPr/>
-                    <a:lstStyle/>
-                    <a:p>
-                      <a:pPr marL="0" marR="0" lvl="0" indent="0" algn="ctr" defTabSz="914400" rtl="0" eaLnBrk="1" fontAlgn="auto" latinLnBrk="0" hangingPunct="1">
-                        <a:lnSpc>
-                          <a:spcPct val="100000"/>
-                        </a:lnSpc>
-                        <a:spcBef>
-                          <a:spcPts val="0"/>
-                        </a:spcBef>
-                        <a:spcAft>
-                          <a:spcPts val="0"/>
-                        </a:spcAft>
-                        <a:buClr>
-                          <a:srgbClr val="000000"/>
-                        </a:buClr>
-                        <a:buSzTx/>
-                        <a:buFont typeface="Arial"/>
-                        <a:buNone/>
-                        <a:tabLst/>
-                        <a:defRPr/>
-                      </a:pPr>
-                      <a:r>
-                        <a:rPr lang="en-VN" sz="2000" b="0" i="0" u="none" strike="noStrike" cap="none" dirty="0">
-                          <a:solidFill>
-                            <a:schemeClr val="dk1"/>
-                          </a:solidFill>
-                          <a:effectLst/>
-                          <a:latin typeface="+mn-lt"/>
-                          <a:ea typeface="+mn-ea"/>
-                          <a:cs typeface="+mn-cs"/>
-                          <a:sym typeface="Arial"/>
-                        </a:rPr>
-                        <a:t>0.3347</a:t>
-                      </a:r>
-                    </a:p>
-                    <a:p>
-                      <a:pPr marL="0" marR="0" lvl="0" indent="0" algn="ctr" defTabSz="914400" rtl="0" eaLnBrk="1" fontAlgn="auto" latinLnBrk="0" hangingPunct="1">
-                        <a:lnSpc>
-                          <a:spcPct val="100000"/>
-                        </a:lnSpc>
-                        <a:spcBef>
-                          <a:spcPts val="0"/>
-                        </a:spcBef>
-                        <a:spcAft>
-                          <a:spcPts val="0"/>
-                        </a:spcAft>
-                        <a:buClr>
-                          <a:srgbClr val="000000"/>
-                        </a:buClr>
-                        <a:buSzTx/>
-                        <a:buFont typeface="Arial"/>
-                        <a:buNone/>
-                        <a:tabLst/>
-                        <a:defRPr/>
-                      </a:pPr>
-                      <a:endParaRPr lang="en-VN" sz="2000" b="0" i="0" u="none" strike="noStrike" cap="none" dirty="0">
-                        <a:solidFill>
-                          <a:schemeClr val="dk1"/>
-                        </a:solidFill>
-                        <a:effectLst/>
-                        <a:latin typeface="+mn-lt"/>
-                        <a:ea typeface="+mn-ea"/>
-                        <a:cs typeface="+mn-cs"/>
-                        <a:sym typeface="Arial"/>
-                      </a:endParaRPr>
-                    </a:p>
-                    <a:p>
-                      <a:pPr marL="0" marR="0" lvl="0" indent="0" algn="ctr" defTabSz="914400" rtl="0" eaLnBrk="1" fontAlgn="auto" latinLnBrk="0" hangingPunct="1">
-                        <a:lnSpc>
-                          <a:spcPct val="100000"/>
-                        </a:lnSpc>
-                        <a:spcBef>
-                          <a:spcPts val="0"/>
-                        </a:spcBef>
-                        <a:spcAft>
-                          <a:spcPts val="0"/>
-                        </a:spcAft>
-                        <a:buClr>
-                          <a:srgbClr val="000000"/>
-                        </a:buClr>
-                        <a:buSzTx/>
-                        <a:buFont typeface="Arial"/>
-                        <a:buNone/>
-                        <a:tabLst/>
-                        <a:defRPr/>
-                      </a:pPr>
-                      <a:endParaRPr lang="en-VN" sz="2000" b="0" i="0" u="none" strike="noStrike" cap="none" dirty="0">
-                        <a:solidFill>
-                          <a:schemeClr val="dk1"/>
-                        </a:solidFill>
-                        <a:effectLst/>
-                        <a:latin typeface="+mn-lt"/>
-                        <a:ea typeface="+mn-ea"/>
-                        <a:cs typeface="+mn-cs"/>
-                        <a:sym typeface="Arial"/>
-                      </a:endParaRPr>
-                    </a:p>
-                  </a:txBody>
-                  <a:tcPr/>
-                </a:tc>
-                <a:extLst>
-                  <a:ext uri="{0D108BD9-81ED-4DB2-BD59-A6C34878D82A}">
-                    <a16:rowId xmlns:a16="http://schemas.microsoft.com/office/drawing/2014/main" val="1113746075"/>
-                  </a:ext>
-                </a:extLst>
-              </a:tr>
-              <a:tr h="946443">
-                <a:tc>
-                  <a:txBody>
-                    <a:bodyPr/>
-                    <a:lstStyle/>
-                    <a:p>
-                      <a:pPr algn="ctr"/>
-                      <a:r>
-                        <a:rPr lang="en-US" sz="2000" b="1" dirty="0" err="1">
-                          <a:solidFill>
-                            <a:schemeClr val="bg2">
-                              <a:lumMod val="50000"/>
-                            </a:schemeClr>
-                          </a:solidFill>
-                        </a:rPr>
-                        <a:t>thresholduv</a:t>
-                      </a:r>
-                      <a:endParaRPr lang="en-VN" sz="2000" b="1" dirty="0">
-                        <a:solidFill>
-                          <a:schemeClr val="bg2">
-                            <a:lumMod val="50000"/>
-                          </a:schemeClr>
-                        </a:solidFill>
-                      </a:endParaRPr>
-                    </a:p>
-                  </a:txBody>
-                  <a:tcPr/>
-                </a:tc>
-                <a:tc>
-                  <a:txBody>
-                    <a:bodyPr/>
-                    <a:lstStyle/>
-                    <a:p>
-                      <a:pPr algn="ctr"/>
-                      <a:r>
-                        <a:rPr lang="en-VN" sz="2000" b="0" i="0" u="none" strike="noStrike" cap="none" dirty="0">
-                          <a:solidFill>
-                            <a:schemeClr val="dk1"/>
-                          </a:solidFill>
-                          <a:effectLst/>
-                          <a:latin typeface="+mn-lt"/>
-                          <a:ea typeface="+mn-ea"/>
-                          <a:cs typeface="+mn-cs"/>
-                          <a:sym typeface="Arial"/>
-                        </a:rPr>
-                        <a:t>0.241</a:t>
-                      </a:r>
-                    </a:p>
-                  </a:txBody>
-                  <a:tcPr/>
-                </a:tc>
-                <a:tc>
-                  <a:txBody>
-                    <a:bodyPr/>
-                    <a:lstStyle/>
-                    <a:p>
-                      <a:pPr algn="ctr"/>
-                      <a:r>
-                        <a:rPr lang="en-VN" sz="2000" b="0" i="0" u="none" strike="noStrike" cap="none" dirty="0">
-                          <a:solidFill>
-                            <a:schemeClr val="dk1"/>
-                          </a:solidFill>
-                          <a:effectLst/>
-                          <a:latin typeface="+mn-lt"/>
-                          <a:ea typeface="+mn-ea"/>
-                          <a:cs typeface="+mn-cs"/>
-                          <a:sym typeface="Arial"/>
-                        </a:rPr>
-                        <a:t>0.39</a:t>
-                      </a:r>
-                    </a:p>
-                    <a:p>
-                      <a:pPr algn="ctr"/>
-                      <a:endParaRPr lang="en-VN" sz="2000" dirty="0"/>
-                    </a:p>
-                  </a:txBody>
-                  <a:tcPr/>
-                </a:tc>
-                <a:tc>
-                  <a:txBody>
-                    <a:bodyPr/>
-                    <a:lstStyle/>
-                    <a:p>
-                      <a:pPr algn="ctr"/>
-                      <a:r>
-                        <a:rPr lang="en-VN" sz="2000" b="0" i="0" u="none" strike="noStrike" cap="none" dirty="0">
-                          <a:solidFill>
-                            <a:schemeClr val="dk1"/>
-                          </a:solidFill>
-                          <a:effectLst/>
-                          <a:latin typeface="+mn-lt"/>
-                          <a:ea typeface="+mn-ea"/>
-                          <a:cs typeface="+mn-cs"/>
-                          <a:sym typeface="Arial"/>
-                        </a:rPr>
-                        <a:t>0.4459</a:t>
-                      </a:r>
-                    </a:p>
-                    <a:p>
-                      <a:pPr algn="ctr"/>
-                      <a:endParaRPr lang="en-VN" sz="2000" dirty="0"/>
-                    </a:p>
-                  </a:txBody>
-                  <a:tcPr/>
-                </a:tc>
-                <a:tc>
-                  <a:txBody>
-                    <a:bodyPr/>
-                    <a:lstStyle/>
-                    <a:p>
-                      <a:pPr marL="0" marR="0" lvl="0" indent="0" algn="ctr" defTabSz="914400" rtl="0" eaLnBrk="1" fontAlgn="auto" latinLnBrk="0" hangingPunct="1">
-                        <a:lnSpc>
-                          <a:spcPct val="100000"/>
-                        </a:lnSpc>
-                        <a:spcBef>
-                          <a:spcPts val="0"/>
-                        </a:spcBef>
-                        <a:spcAft>
-                          <a:spcPts val="0"/>
-                        </a:spcAft>
-                        <a:buClr>
-                          <a:srgbClr val="000000"/>
-                        </a:buClr>
-                        <a:buSzTx/>
-                        <a:buFont typeface="Arial"/>
-                        <a:buNone/>
-                        <a:tabLst/>
-                        <a:defRPr/>
-                      </a:pPr>
-                      <a:r>
-                        <a:rPr lang="en-VN" sz="2000" b="0" i="0" u="none" strike="noStrike" cap="none" dirty="0">
-                          <a:solidFill>
-                            <a:schemeClr val="dk1"/>
-                          </a:solidFill>
-                          <a:effectLst/>
-                          <a:latin typeface="+mn-lt"/>
-                          <a:ea typeface="+mn-ea"/>
-                          <a:cs typeface="+mn-cs"/>
-                          <a:sym typeface="Arial"/>
-                        </a:rPr>
-                        <a:t>0.5671</a:t>
-                      </a:r>
-                    </a:p>
-                    <a:p>
-                      <a:pPr marL="0" marR="0" lvl="0" indent="0" algn="ctr" defTabSz="914400" rtl="0" eaLnBrk="1" fontAlgn="auto" latinLnBrk="0" hangingPunct="1">
-                        <a:lnSpc>
-                          <a:spcPct val="100000"/>
-                        </a:lnSpc>
-                        <a:spcBef>
-                          <a:spcPts val="0"/>
-                        </a:spcBef>
-                        <a:spcAft>
-                          <a:spcPts val="0"/>
-                        </a:spcAft>
-                        <a:buClr>
-                          <a:srgbClr val="000000"/>
-                        </a:buClr>
-                        <a:buSzTx/>
-                        <a:buFont typeface="Arial"/>
-                        <a:buNone/>
-                        <a:tabLst/>
-                        <a:defRPr/>
-                      </a:pPr>
-                      <a:endParaRPr lang="en-VN" sz="2000" b="0" i="0" u="none" strike="noStrike" cap="none" dirty="0">
-                        <a:solidFill>
-                          <a:schemeClr val="dk1"/>
-                        </a:solidFill>
-                        <a:effectLst/>
-                        <a:latin typeface="+mn-lt"/>
-                        <a:ea typeface="+mn-ea"/>
-                        <a:cs typeface="+mn-cs"/>
-                        <a:sym typeface="Arial"/>
-                      </a:endParaRPr>
-                    </a:p>
-                    <a:p>
-                      <a:pPr algn="ctr"/>
-                      <a:endParaRPr lang="en-VN" sz="2000" dirty="0"/>
-                    </a:p>
-                  </a:txBody>
-                  <a:tcPr/>
-                </a:tc>
-                <a:extLst>
-                  <a:ext uri="{0D108BD9-81ED-4DB2-BD59-A6C34878D82A}">
-                    <a16:rowId xmlns:a16="http://schemas.microsoft.com/office/drawing/2014/main" val="3874263939"/>
-                  </a:ext>
-                </a:extLst>
-              </a:tr>
-              <a:tr h="946443">
-                <a:tc>
-                  <a:txBody>
-                    <a:bodyPr/>
-                    <a:lstStyle/>
-                    <a:p>
-                      <a:pPr algn="ctr"/>
-                      <a:r>
-                        <a:rPr lang="en-US" sz="2000" b="1" dirty="0">
-                          <a:solidFill>
-                            <a:schemeClr val="bg2">
-                              <a:lumMod val="50000"/>
-                            </a:schemeClr>
-                          </a:solidFill>
-                        </a:rPr>
-                        <a:t>threshold</a:t>
-                      </a:r>
-                      <a:endParaRPr lang="en-VN" sz="2000" b="1" dirty="0">
-                        <a:solidFill>
-                          <a:schemeClr val="bg2">
-                            <a:lumMod val="50000"/>
-                          </a:schemeClr>
-                        </a:solidFill>
-                      </a:endParaRPr>
-                    </a:p>
-                  </a:txBody>
-                  <a:tcPr/>
-                </a:tc>
-                <a:tc>
-                  <a:txBody>
-                    <a:bodyPr/>
-                    <a:lstStyle/>
-                    <a:p>
-                      <a:pPr algn="ctr"/>
-                      <a:r>
-                        <a:rPr lang="en-VN" sz="2000" b="0" i="0" u="none" strike="noStrike" cap="none" dirty="0">
-                          <a:solidFill>
-                            <a:schemeClr val="dk1"/>
-                          </a:solidFill>
-                          <a:effectLst/>
-                          <a:latin typeface="+mn-lt"/>
-                          <a:ea typeface="+mn-ea"/>
-                          <a:cs typeface="+mn-cs"/>
-                          <a:sym typeface="Arial"/>
-                        </a:rPr>
-                        <a:t>0.35</a:t>
-                      </a:r>
-                    </a:p>
-                    <a:p>
-                      <a:pPr algn="ctr"/>
-                      <a:endParaRPr lang="en-VN" sz="2000" dirty="0"/>
-                    </a:p>
-                  </a:txBody>
-                  <a:tcPr/>
-                </a:tc>
-                <a:tc>
-                  <a:txBody>
-                    <a:bodyPr/>
-                    <a:lstStyle/>
-                    <a:p>
-                      <a:pPr algn="ctr"/>
-                      <a:r>
-                        <a:rPr lang="en-VN" sz="2000" b="0" i="0" u="none" strike="noStrike" cap="none" dirty="0">
-                          <a:solidFill>
-                            <a:schemeClr val="dk1"/>
-                          </a:solidFill>
-                          <a:effectLst/>
-                          <a:latin typeface="+mn-lt"/>
-                          <a:ea typeface="+mn-ea"/>
-                          <a:cs typeface="+mn-cs"/>
-                          <a:sym typeface="Arial"/>
-                        </a:rPr>
-                        <a:t>0.4</a:t>
-                      </a:r>
-                    </a:p>
-                  </a:txBody>
-                  <a:tcPr/>
-                </a:tc>
-                <a:tc>
-                  <a:txBody>
-                    <a:bodyPr/>
-                    <a:lstStyle/>
-                    <a:p>
-                      <a:pPr algn="ctr"/>
-                      <a:r>
-                        <a:rPr lang="en-VN" sz="2000" b="0" i="0" u="none" strike="noStrike" cap="none" dirty="0">
-                          <a:solidFill>
-                            <a:schemeClr val="dk1"/>
-                          </a:solidFill>
-                          <a:effectLst/>
-                          <a:latin typeface="+mn-lt"/>
-                          <a:ea typeface="+mn-ea"/>
-                          <a:cs typeface="+mn-cs"/>
-                          <a:sym typeface="Arial"/>
-                        </a:rPr>
-                        <a:t>0.4237 </a:t>
-                      </a:r>
-                    </a:p>
-                    <a:p>
-                      <a:pPr algn="ctr"/>
-                      <a:endParaRPr lang="en-VN" sz="2000" dirty="0"/>
-                    </a:p>
-                  </a:txBody>
-                  <a:tcPr/>
-                </a:tc>
-                <a:tc>
-                  <a:txBody>
-                    <a:bodyPr/>
-                    <a:lstStyle/>
-                    <a:p>
-                      <a:pPr algn="ctr"/>
-                      <a:r>
-                        <a:rPr lang="en-VN" sz="2000" b="0" i="0" u="none" strike="noStrike" cap="none" dirty="0">
-                          <a:solidFill>
-                            <a:schemeClr val="dk1"/>
-                          </a:solidFill>
-                          <a:effectLst/>
-                          <a:latin typeface="+mn-lt"/>
-                          <a:ea typeface="+mn-ea"/>
-                          <a:cs typeface="+mn-cs"/>
-                          <a:sym typeface="Arial"/>
-                        </a:rPr>
-                        <a:t>0.4009</a:t>
-                      </a:r>
-                    </a:p>
-                    <a:p>
-                      <a:pPr algn="ctr"/>
-                      <a:endParaRPr lang="en-VN" sz="2000" dirty="0"/>
-                    </a:p>
-                  </a:txBody>
-                  <a:tcPr/>
-                </a:tc>
-                <a:extLst>
-                  <a:ext uri="{0D108BD9-81ED-4DB2-BD59-A6C34878D82A}">
-                    <a16:rowId xmlns:a16="http://schemas.microsoft.com/office/drawing/2014/main" val="3732852221"/>
-                  </a:ext>
-                </a:extLst>
-              </a:tr>
-            </a:tbl>
-          </a:graphicData>
-        </a:graphic>
-      </p:graphicFrame>
-      <p:sp>
-        <p:nvSpPr>
-          <p:cNvPr id="3" name="TextBox 2">
-            <a:extLst>
-              <a:ext uri="{FF2B5EF4-FFF2-40B4-BE49-F238E27FC236}">
-                <a16:creationId xmlns:a16="http://schemas.microsoft.com/office/drawing/2014/main" id="{60E14EEE-28A9-B64D-95B0-010D0C9C9FEB}"/>
-              </a:ext>
-            </a:extLst>
-          </p:cNvPr>
-          <p:cNvSpPr txBox="1"/>
-          <p:nvPr/>
-        </p:nvSpPr>
-        <p:spPr>
-          <a:xfrm>
-            <a:off x="826669" y="6048097"/>
-            <a:ext cx="8309610" cy="477054"/>
-          </a:xfrm>
-          <a:prstGeom prst="rect">
-            <a:avLst/>
-          </a:prstGeom>
-          <a:noFill/>
-        </p:spPr>
-        <p:txBody>
-          <a:bodyPr wrap="square" rtlCol="0">
-            <a:spAutoFit/>
-          </a:bodyPr>
-          <a:lstStyle/>
-          <a:p>
-            <a:r>
-              <a:rPr lang="en-VN" sz="2500" dirty="0">
-                <a:solidFill>
-                  <a:schemeClr val="bg2">
-                    <a:lumMod val="50000"/>
-                  </a:schemeClr>
-                </a:solidFill>
-                <a:sym typeface="Wingdings" pitchFamily="2" charset="2"/>
-              </a:rPr>
-              <a:t> Threshold: (0.35+0.4+0.4237+0.4009)/4 ~= </a:t>
-            </a:r>
-            <a:r>
-              <a:rPr lang="en-VN" sz="2500" b="1" dirty="0">
-                <a:solidFill>
-                  <a:schemeClr val="bg2">
-                    <a:lumMod val="50000"/>
-                  </a:schemeClr>
-                </a:solidFill>
-              </a:rPr>
-              <a:t>0.37</a:t>
-            </a:r>
-          </a:p>
-        </p:txBody>
-      </p:sp>
-    </p:spTree>
-    <p:extLst>
-      <p:ext uri="{BB962C8B-B14F-4D97-AF65-F5344CB8AC3E}">
-        <p14:creationId xmlns:p14="http://schemas.microsoft.com/office/powerpoint/2010/main" val="4219292196"/>
-      </p:ext>
-    </p:extLst>
-  </p:cSld>
-  <p:clrMapOvr>
-    <a:masterClrMapping/>
-  </p:clrMapOvr>
-</p:sld>
-</file>
-
-<file path=ppt/slides/slide8.xml><?xml version="1.0" encoding="utf-8"?>
 <p:sld xmlns:a="http://schemas.openxmlformats.org/drawingml/2006/main" xmlns:r="http://schemas.openxmlformats.org/officeDocument/2006/relationships" xmlns:p="http://schemas.openxmlformats.org/presentationml/2006/main">
   <p:cSld>
     <p:spTree>
@@ -21045,7 +20056,7 @@
 </p:sld>
 </file>
 
-<file path=ppt/slides/slide9.xml><?xml version="1.0" encoding="utf-8"?>
+<file path=ppt/slides/slide8.xml><?xml version="1.0" encoding="utf-8"?>
 <p:sld xmlns:a="http://schemas.openxmlformats.org/drawingml/2006/main" xmlns:r="http://schemas.openxmlformats.org/officeDocument/2006/relationships" xmlns:p="http://schemas.openxmlformats.org/presentationml/2006/main">
   <p:cSld>
     <p:spTree>
@@ -22238,6 +21249,995 @@
 </p:sld>
 </file>
 
+<file path=ppt/slides/slide9.xml><?xml version="1.0" encoding="utf-8"?>
+<p:sld xmlns:a="http://schemas.openxmlformats.org/drawingml/2006/main" xmlns:r="http://schemas.openxmlformats.org/officeDocument/2006/relationships" xmlns:p="http://schemas.openxmlformats.org/presentationml/2006/main">
+  <p:cSld>
+    <p:spTree>
+      <p:nvGrpSpPr>
+        <p:cNvPr id="1" name="Shape 115"/>
+        <p:cNvGrpSpPr/>
+        <p:nvPr/>
+      </p:nvGrpSpPr>
+      <p:grpSpPr>
+        <a:xfrm>
+          <a:off x="0" y="0"/>
+          <a:ext cx="0" cy="0"/>
+          <a:chOff x="0" y="0"/>
+          <a:chExt cx="0" cy="0"/>
+        </a:xfrm>
+      </p:grpSpPr>
+      <p:sp>
+        <p:nvSpPr>
+          <p:cNvPr id="116" name="Google Shape;116;p4"/>
+          <p:cNvSpPr txBox="1">
+            <a:spLocks noGrp="1"/>
+          </p:cNvSpPr>
+          <p:nvPr>
+            <p:ph type="body" idx="1"/>
+          </p:nvPr>
+        </p:nvSpPr>
+        <p:spPr>
+          <a:xfrm>
+            <a:off x="451028" y="2045970"/>
+            <a:ext cx="6951600" cy="4190406"/>
+          </a:xfrm>
+          <a:prstGeom prst="rect">
+            <a:avLst/>
+          </a:prstGeom>
+          <a:noFill/>
+          <a:ln>
+            <a:noFill/>
+          </a:ln>
+        </p:spPr>
+        <p:txBody>
+          <a:bodyPr spcFirstLastPara="1" wrap="square" lIns="91425" tIns="45700" rIns="91425" bIns="45700" anchor="t" anchorCtr="0">
+            <a:noAutofit/>
+          </a:bodyPr>
+          <a:lstStyle/>
+          <a:p>
+            <a:pPr marL="0" lvl="0" indent="0" algn="l" rtl="0">
+              <a:lnSpc>
+                <a:spcPct val="130000"/>
+              </a:lnSpc>
+              <a:spcBef>
+                <a:spcPts val="600"/>
+              </a:spcBef>
+              <a:spcAft>
+                <a:spcPts val="0"/>
+              </a:spcAft>
+              <a:buNone/>
+            </a:pPr>
+            <a:endParaRPr dirty="0">
+              <a:solidFill>
+                <a:srgbClr val="000000"/>
+              </a:solidFill>
+            </a:endParaRPr>
+          </a:p>
+          <a:p>
+            <a:pPr marL="228600" lvl="0" indent="-91440" algn="l" rtl="0">
+              <a:lnSpc>
+                <a:spcPct val="130000"/>
+              </a:lnSpc>
+              <a:spcBef>
+                <a:spcPts val="600"/>
+              </a:spcBef>
+              <a:spcAft>
+                <a:spcPts val="0"/>
+              </a:spcAft>
+              <a:buSzPts val="2160"/>
+              <a:buNone/>
+            </a:pPr>
+            <a:endParaRPr dirty="0">
+              <a:solidFill>
+                <a:srgbClr val="000000"/>
+              </a:solidFill>
+            </a:endParaRPr>
+          </a:p>
+        </p:txBody>
+      </p:sp>
+      <p:sp>
+        <p:nvSpPr>
+          <p:cNvPr id="117" name="Google Shape;117;p4"/>
+          <p:cNvSpPr txBox="1">
+            <a:spLocks noGrp="1"/>
+          </p:cNvSpPr>
+          <p:nvPr>
+            <p:ph type="title"/>
+          </p:nvPr>
+        </p:nvSpPr>
+        <p:spPr>
+          <a:xfrm>
+            <a:off x="451018" y="1081776"/>
+            <a:ext cx="6951472" cy="590931"/>
+          </a:xfrm>
+          <a:prstGeom prst="rect">
+            <a:avLst/>
+          </a:prstGeom>
+          <a:noFill/>
+          <a:ln>
+            <a:noFill/>
+          </a:ln>
+        </p:spPr>
+        <p:txBody>
+          <a:bodyPr spcFirstLastPara="1" wrap="square" lIns="91425" tIns="45700" rIns="91425" bIns="45700" anchor="t" anchorCtr="0">
+            <a:noAutofit/>
+          </a:bodyPr>
+          <a:lstStyle/>
+          <a:p>
+            <a:pPr marL="0" lvl="0" indent="0" algn="l" rtl="0">
+              <a:lnSpc>
+                <a:spcPct val="100000"/>
+              </a:lnSpc>
+              <a:spcBef>
+                <a:spcPts val="0"/>
+              </a:spcBef>
+              <a:spcAft>
+                <a:spcPts val="0"/>
+              </a:spcAft>
+              <a:buClr>
+                <a:schemeClr val="dk2"/>
+              </a:buClr>
+              <a:buSzPts val="2800"/>
+              <a:buFont typeface="Arial"/>
+              <a:buNone/>
+            </a:pPr>
+            <a:r>
+              <a:rPr lang="en-US" sz="2800" dirty="0" err="1"/>
+              <a:t>Xác</a:t>
+            </a:r>
+            <a:r>
+              <a:rPr lang="en-US" sz="2800" dirty="0"/>
+              <a:t> </a:t>
+            </a:r>
+            <a:r>
+              <a:rPr lang="en-US" sz="2800" dirty="0" err="1"/>
+              <a:t>định</a:t>
+            </a:r>
+            <a:r>
+              <a:rPr lang="en-US" sz="2800" dirty="0"/>
+              <a:t> </a:t>
+            </a:r>
+            <a:r>
+              <a:rPr lang="en-US" sz="2800" dirty="0" err="1"/>
+              <a:t>ngưỡng</a:t>
+            </a:r>
+            <a:r>
+              <a:rPr lang="en-US" sz="2800" dirty="0"/>
+              <a:t> Autocorrect</a:t>
+            </a:r>
+            <a:endParaRPr sz="2800" dirty="0"/>
+          </a:p>
+        </p:txBody>
+      </p:sp>
+      <p:graphicFrame>
+        <p:nvGraphicFramePr>
+          <p:cNvPr id="2" name="Table 2">
+            <a:extLst>
+              <a:ext uri="{FF2B5EF4-FFF2-40B4-BE49-F238E27FC236}">
+                <a16:creationId xmlns:a16="http://schemas.microsoft.com/office/drawing/2014/main" id="{58BC1CBF-515E-5B42-A824-5DABE59FF0A2}"/>
+              </a:ext>
+            </a:extLst>
+          </p:cNvPr>
+          <p:cNvGraphicFramePr>
+            <a:graphicFrameLocks noGrp="1"/>
+          </p:cNvGraphicFramePr>
+          <p:nvPr>
+            <p:extLst>
+              <p:ext uri="{D42A27DB-BD31-4B8C-83A1-F6EECF244321}">
+                <p14:modId xmlns:p14="http://schemas.microsoft.com/office/powerpoint/2010/main" val="2687197299"/>
+              </p:ext>
+            </p:extLst>
+          </p:nvPr>
+        </p:nvGraphicFramePr>
+        <p:xfrm>
+          <a:off x="640080" y="1672707"/>
+          <a:ext cx="10229850" cy="4040821"/>
+        </p:xfrm>
+        <a:graphic>
+          <a:graphicData uri="http://schemas.openxmlformats.org/drawingml/2006/table">
+            <a:tbl>
+              <a:tblPr firstRow="1" bandRow="1">
+                <a:tableStyleId>{5C22544A-7EE6-4342-B048-85BDC9FD1C3A}</a:tableStyleId>
+              </a:tblPr>
+              <a:tblGrid>
+                <a:gridCol w="2045970">
+                  <a:extLst>
+                    <a:ext uri="{9D8B030D-6E8A-4147-A177-3AD203B41FA5}">
+                      <a16:colId xmlns:a16="http://schemas.microsoft.com/office/drawing/2014/main" val="1977437174"/>
+                    </a:ext>
+                  </a:extLst>
+                </a:gridCol>
+                <a:gridCol w="2045970">
+                  <a:extLst>
+                    <a:ext uri="{9D8B030D-6E8A-4147-A177-3AD203B41FA5}">
+                      <a16:colId xmlns:a16="http://schemas.microsoft.com/office/drawing/2014/main" val="1639461737"/>
+                    </a:ext>
+                  </a:extLst>
+                </a:gridCol>
+                <a:gridCol w="2045970">
+                  <a:extLst>
+                    <a:ext uri="{9D8B030D-6E8A-4147-A177-3AD203B41FA5}">
+                      <a16:colId xmlns:a16="http://schemas.microsoft.com/office/drawing/2014/main" val="4289298959"/>
+                    </a:ext>
+                  </a:extLst>
+                </a:gridCol>
+                <a:gridCol w="2045970">
+                  <a:extLst>
+                    <a:ext uri="{9D8B030D-6E8A-4147-A177-3AD203B41FA5}">
+                      <a16:colId xmlns:a16="http://schemas.microsoft.com/office/drawing/2014/main" val="4163473307"/>
+                    </a:ext>
+                  </a:extLst>
+                </a:gridCol>
+                <a:gridCol w="2045970">
+                  <a:extLst>
+                    <a:ext uri="{9D8B030D-6E8A-4147-A177-3AD203B41FA5}">
+                      <a16:colId xmlns:a16="http://schemas.microsoft.com/office/drawing/2014/main" val="49734491"/>
+                    </a:ext>
+                  </a:extLst>
+                </a:gridCol>
+              </a:tblGrid>
+              <a:tr h="777898">
+                <a:tc>
+                  <a:txBody>
+                    <a:bodyPr/>
+                    <a:lstStyle/>
+                    <a:p>
+                      <a:pPr algn="ctr"/>
+                      <a:endParaRPr lang="en-VN" sz="2000" dirty="0"/>
+                    </a:p>
+                  </a:txBody>
+                  <a:tcPr/>
+                </a:tc>
+                <a:tc>
+                  <a:txBody>
+                    <a:bodyPr/>
+                    <a:lstStyle/>
+                    <a:p>
+                      <a:pPr algn="ctr"/>
+                      <a:r>
+                        <a:rPr lang="en-VN" sz="2000" dirty="0"/>
+                        <a:t>01MDA</a:t>
+                      </a:r>
+                    </a:p>
+                  </a:txBody>
+                  <a:tcPr/>
+                </a:tc>
+                <a:tc>
+                  <a:txBody>
+                    <a:bodyPr/>
+                    <a:lstStyle/>
+                    <a:p>
+                      <a:pPr algn="ctr"/>
+                      <a:r>
+                        <a:rPr lang="en-VN" sz="2000" dirty="0"/>
+                        <a:t>02MAB</a:t>
+                      </a:r>
+                    </a:p>
+                  </a:txBody>
+                  <a:tcPr/>
+                </a:tc>
+                <a:tc>
+                  <a:txBody>
+                    <a:bodyPr/>
+                    <a:lstStyle/>
+                    <a:p>
+                      <a:pPr algn="ctr"/>
+                      <a:r>
+                        <a:rPr lang="en-VN" sz="2000" dirty="0"/>
+                        <a:t>02FVA</a:t>
+                      </a:r>
+                    </a:p>
+                  </a:txBody>
+                  <a:tcPr/>
+                </a:tc>
+                <a:tc>
+                  <a:txBody>
+                    <a:bodyPr/>
+                    <a:lstStyle/>
+                    <a:p>
+                      <a:pPr algn="ctr"/>
+                      <a:r>
+                        <a:rPr lang="en-VN" sz="2000" dirty="0"/>
+                        <a:t>06FTB</a:t>
+                      </a:r>
+                    </a:p>
+                  </a:txBody>
+                  <a:tcPr/>
+                </a:tc>
+                <a:extLst>
+                  <a:ext uri="{0D108BD9-81ED-4DB2-BD59-A6C34878D82A}">
+                    <a16:rowId xmlns:a16="http://schemas.microsoft.com/office/drawing/2014/main" val="762379995"/>
+                  </a:ext>
+                </a:extLst>
+              </a:tr>
+              <a:tr h="946443">
+                <a:tc>
+                  <a:txBody>
+                    <a:bodyPr/>
+                    <a:lstStyle/>
+                    <a:p>
+                      <a:pPr algn="ctr"/>
+                      <a:r>
+                        <a:rPr lang="en-US" sz="2000" b="1" dirty="0" err="1">
+                          <a:solidFill>
+                            <a:schemeClr val="bg2">
+                              <a:lumMod val="50000"/>
+                            </a:schemeClr>
+                          </a:solidFill>
+                        </a:rPr>
+                        <a:t>thresholdv</a:t>
+                      </a:r>
+                      <a:endParaRPr lang="en-VN" sz="2000" b="1" dirty="0">
+                        <a:solidFill>
+                          <a:schemeClr val="bg2">
+                            <a:lumMod val="50000"/>
+                          </a:schemeClr>
+                        </a:solidFill>
+                      </a:endParaRPr>
+                    </a:p>
+                  </a:txBody>
+                  <a:tcPr/>
+                </a:tc>
+                <a:tc>
+                  <a:txBody>
+                    <a:bodyPr/>
+                    <a:lstStyle/>
+                    <a:p>
+                      <a:pPr marL="0" marR="0" lvl="0" indent="0" algn="ctr" defTabSz="914400" rtl="0" eaLnBrk="1" fontAlgn="auto" latinLnBrk="0" hangingPunct="1">
+                        <a:lnSpc>
+                          <a:spcPct val="100000"/>
+                        </a:lnSpc>
+                        <a:spcBef>
+                          <a:spcPts val="0"/>
+                        </a:spcBef>
+                        <a:spcAft>
+                          <a:spcPts val="0"/>
+                        </a:spcAft>
+                        <a:buClr>
+                          <a:srgbClr val="000000"/>
+                        </a:buClr>
+                        <a:buSzTx/>
+                        <a:buFont typeface="Arial"/>
+                        <a:buNone/>
+                        <a:tabLst/>
+                        <a:defRPr/>
+                      </a:pPr>
+                      <a:r>
+                        <a:rPr lang="en-VN" sz="2000" b="0" i="0" u="none" strike="noStrike" cap="none" dirty="0">
+                          <a:solidFill>
+                            <a:schemeClr val="dk1"/>
+                          </a:solidFill>
+                          <a:effectLst/>
+                          <a:latin typeface="+mn-lt"/>
+                          <a:ea typeface="+mn-ea"/>
+                          <a:cs typeface="+mn-cs"/>
+                          <a:sym typeface="Arial"/>
+                        </a:rPr>
+                        <a:t>0.4865</a:t>
+                      </a:r>
+                    </a:p>
+                    <a:p>
+                      <a:pPr marL="0" marR="0" lvl="0" indent="0" algn="ctr" defTabSz="914400" rtl="0" eaLnBrk="1" fontAlgn="auto" latinLnBrk="0" hangingPunct="1">
+                        <a:lnSpc>
+                          <a:spcPct val="100000"/>
+                        </a:lnSpc>
+                        <a:spcBef>
+                          <a:spcPts val="0"/>
+                        </a:spcBef>
+                        <a:spcAft>
+                          <a:spcPts val="0"/>
+                        </a:spcAft>
+                        <a:buClr>
+                          <a:srgbClr val="000000"/>
+                        </a:buClr>
+                        <a:buSzTx/>
+                        <a:buFont typeface="Arial"/>
+                        <a:buNone/>
+                        <a:tabLst/>
+                        <a:defRPr/>
+                      </a:pPr>
+                      <a:endParaRPr lang="en-VN" sz="2000" b="0" i="0" u="none" strike="noStrike" cap="none" dirty="0">
+                        <a:solidFill>
+                          <a:schemeClr val="dk1"/>
+                        </a:solidFill>
+                        <a:effectLst/>
+                        <a:latin typeface="+mn-lt"/>
+                        <a:ea typeface="+mn-ea"/>
+                        <a:cs typeface="+mn-cs"/>
+                        <a:sym typeface="Arial"/>
+                      </a:endParaRPr>
+                    </a:p>
+                    <a:p>
+                      <a:pPr marL="0" marR="0" lvl="0" indent="0" algn="ctr" defTabSz="914400" rtl="0" eaLnBrk="1" fontAlgn="auto" latinLnBrk="0" hangingPunct="1">
+                        <a:lnSpc>
+                          <a:spcPct val="100000"/>
+                        </a:lnSpc>
+                        <a:spcBef>
+                          <a:spcPts val="0"/>
+                        </a:spcBef>
+                        <a:spcAft>
+                          <a:spcPts val="0"/>
+                        </a:spcAft>
+                        <a:buClr>
+                          <a:srgbClr val="000000"/>
+                        </a:buClr>
+                        <a:buSzTx/>
+                        <a:buFont typeface="Arial"/>
+                        <a:buNone/>
+                        <a:tabLst/>
+                        <a:defRPr/>
+                      </a:pPr>
+                      <a:endParaRPr lang="en-VN" sz="2000" b="0" i="0" u="none" strike="noStrike" cap="none" dirty="0">
+                        <a:solidFill>
+                          <a:schemeClr val="dk1"/>
+                        </a:solidFill>
+                        <a:effectLst/>
+                        <a:latin typeface="+mn-lt"/>
+                        <a:ea typeface="+mn-ea"/>
+                        <a:cs typeface="+mn-cs"/>
+                        <a:sym typeface="Arial"/>
+                      </a:endParaRPr>
+                    </a:p>
+                    <a:p>
+                      <a:pPr algn="ctr"/>
+                      <a:endParaRPr lang="en-VN" sz="2000" dirty="0"/>
+                    </a:p>
+                  </a:txBody>
+                  <a:tcPr/>
+                </a:tc>
+                <a:tc>
+                  <a:txBody>
+                    <a:bodyPr/>
+                    <a:lstStyle/>
+                    <a:p>
+                      <a:pPr algn="ctr"/>
+                      <a:r>
+                        <a:rPr lang="en-VN" sz="2000" b="0" i="0" u="none" strike="noStrike" cap="none" dirty="0">
+                          <a:solidFill>
+                            <a:schemeClr val="dk1"/>
+                          </a:solidFill>
+                          <a:effectLst/>
+                          <a:latin typeface="+mn-lt"/>
+                          <a:ea typeface="+mn-ea"/>
+                          <a:cs typeface="+mn-cs"/>
+                          <a:sym typeface="Arial"/>
+                        </a:rPr>
+                        <a:t>0.5375</a:t>
+                      </a:r>
+                    </a:p>
+                  </a:txBody>
+                  <a:tcPr/>
+                </a:tc>
+                <a:tc>
+                  <a:txBody>
+                    <a:bodyPr/>
+                    <a:lstStyle/>
+                    <a:p>
+                      <a:pPr algn="ctr"/>
+                      <a:r>
+                        <a:rPr lang="en-VN" sz="2000" b="0" i="0" u="none" strike="noStrike" cap="none" dirty="0">
+                          <a:solidFill>
+                            <a:schemeClr val="dk1"/>
+                          </a:solidFill>
+                          <a:effectLst/>
+                          <a:latin typeface="+mn-lt"/>
+                          <a:ea typeface="+mn-ea"/>
+                          <a:cs typeface="+mn-cs"/>
+                          <a:sym typeface="Arial"/>
+                        </a:rPr>
+                        <a:t>0.4015 </a:t>
+                      </a:r>
+                    </a:p>
+                    <a:p>
+                      <a:pPr algn="ctr"/>
+                      <a:endParaRPr lang="en-VN" sz="2000" dirty="0"/>
+                    </a:p>
+                  </a:txBody>
+                  <a:tcPr/>
+                </a:tc>
+                <a:tc>
+                  <a:txBody>
+                    <a:bodyPr/>
+                    <a:lstStyle/>
+                    <a:p>
+                      <a:pPr marL="0" marR="0" lvl="0" indent="0" algn="ctr" defTabSz="914400" rtl="0" eaLnBrk="1" fontAlgn="auto" latinLnBrk="0" hangingPunct="1">
+                        <a:lnSpc>
+                          <a:spcPct val="100000"/>
+                        </a:lnSpc>
+                        <a:spcBef>
+                          <a:spcPts val="0"/>
+                        </a:spcBef>
+                        <a:spcAft>
+                          <a:spcPts val="0"/>
+                        </a:spcAft>
+                        <a:buClr>
+                          <a:srgbClr val="000000"/>
+                        </a:buClr>
+                        <a:buSzTx/>
+                        <a:buFont typeface="Arial"/>
+                        <a:buNone/>
+                        <a:tabLst/>
+                        <a:defRPr/>
+                      </a:pPr>
+                      <a:r>
+                        <a:rPr lang="en-VN" sz="2000" b="0" i="0" u="none" strike="noStrike" cap="none" dirty="0">
+                          <a:solidFill>
+                            <a:schemeClr val="dk1"/>
+                          </a:solidFill>
+                          <a:effectLst/>
+                          <a:latin typeface="+mn-lt"/>
+                          <a:ea typeface="+mn-ea"/>
+                          <a:cs typeface="+mn-cs"/>
+                          <a:sym typeface="Arial"/>
+                        </a:rPr>
+                        <a:t>0.3347</a:t>
+                      </a:r>
+                    </a:p>
+                    <a:p>
+                      <a:pPr marL="0" marR="0" lvl="0" indent="0" algn="ctr" defTabSz="914400" rtl="0" eaLnBrk="1" fontAlgn="auto" latinLnBrk="0" hangingPunct="1">
+                        <a:lnSpc>
+                          <a:spcPct val="100000"/>
+                        </a:lnSpc>
+                        <a:spcBef>
+                          <a:spcPts val="0"/>
+                        </a:spcBef>
+                        <a:spcAft>
+                          <a:spcPts val="0"/>
+                        </a:spcAft>
+                        <a:buClr>
+                          <a:srgbClr val="000000"/>
+                        </a:buClr>
+                        <a:buSzTx/>
+                        <a:buFont typeface="Arial"/>
+                        <a:buNone/>
+                        <a:tabLst/>
+                        <a:defRPr/>
+                      </a:pPr>
+                      <a:endParaRPr lang="en-VN" sz="2000" b="0" i="0" u="none" strike="noStrike" cap="none" dirty="0">
+                        <a:solidFill>
+                          <a:schemeClr val="dk1"/>
+                        </a:solidFill>
+                        <a:effectLst/>
+                        <a:latin typeface="+mn-lt"/>
+                        <a:ea typeface="+mn-ea"/>
+                        <a:cs typeface="+mn-cs"/>
+                        <a:sym typeface="Arial"/>
+                      </a:endParaRPr>
+                    </a:p>
+                    <a:p>
+                      <a:pPr marL="0" marR="0" lvl="0" indent="0" algn="ctr" defTabSz="914400" rtl="0" eaLnBrk="1" fontAlgn="auto" latinLnBrk="0" hangingPunct="1">
+                        <a:lnSpc>
+                          <a:spcPct val="100000"/>
+                        </a:lnSpc>
+                        <a:spcBef>
+                          <a:spcPts val="0"/>
+                        </a:spcBef>
+                        <a:spcAft>
+                          <a:spcPts val="0"/>
+                        </a:spcAft>
+                        <a:buClr>
+                          <a:srgbClr val="000000"/>
+                        </a:buClr>
+                        <a:buSzTx/>
+                        <a:buFont typeface="Arial"/>
+                        <a:buNone/>
+                        <a:tabLst/>
+                        <a:defRPr/>
+                      </a:pPr>
+                      <a:endParaRPr lang="en-VN" sz="2000" b="0" i="0" u="none" strike="noStrike" cap="none" dirty="0">
+                        <a:solidFill>
+                          <a:schemeClr val="dk1"/>
+                        </a:solidFill>
+                        <a:effectLst/>
+                        <a:latin typeface="+mn-lt"/>
+                        <a:ea typeface="+mn-ea"/>
+                        <a:cs typeface="+mn-cs"/>
+                        <a:sym typeface="Arial"/>
+                      </a:endParaRPr>
+                    </a:p>
+                  </a:txBody>
+                  <a:tcPr/>
+                </a:tc>
+                <a:extLst>
+                  <a:ext uri="{0D108BD9-81ED-4DB2-BD59-A6C34878D82A}">
+                    <a16:rowId xmlns:a16="http://schemas.microsoft.com/office/drawing/2014/main" val="1113746075"/>
+                  </a:ext>
+                </a:extLst>
+              </a:tr>
+              <a:tr h="946443">
+                <a:tc>
+                  <a:txBody>
+                    <a:bodyPr/>
+                    <a:lstStyle/>
+                    <a:p>
+                      <a:pPr algn="ctr"/>
+                      <a:r>
+                        <a:rPr lang="en-US" sz="2000" b="1" dirty="0" err="1">
+                          <a:solidFill>
+                            <a:schemeClr val="bg2">
+                              <a:lumMod val="50000"/>
+                            </a:schemeClr>
+                          </a:solidFill>
+                        </a:rPr>
+                        <a:t>thresholduv</a:t>
+                      </a:r>
+                      <a:endParaRPr lang="en-VN" sz="2000" b="1" dirty="0">
+                        <a:solidFill>
+                          <a:schemeClr val="bg2">
+                            <a:lumMod val="50000"/>
+                          </a:schemeClr>
+                        </a:solidFill>
+                      </a:endParaRPr>
+                    </a:p>
+                  </a:txBody>
+                  <a:tcPr/>
+                </a:tc>
+                <a:tc>
+                  <a:txBody>
+                    <a:bodyPr/>
+                    <a:lstStyle/>
+                    <a:p>
+                      <a:pPr algn="ctr"/>
+                      <a:r>
+                        <a:rPr lang="en-VN" sz="2000" b="0" i="0" u="none" strike="noStrike" cap="none" dirty="0">
+                          <a:solidFill>
+                            <a:schemeClr val="dk1"/>
+                          </a:solidFill>
+                          <a:effectLst/>
+                          <a:latin typeface="+mn-lt"/>
+                          <a:ea typeface="+mn-ea"/>
+                          <a:cs typeface="+mn-cs"/>
+                          <a:sym typeface="Arial"/>
+                        </a:rPr>
+                        <a:t>0.241</a:t>
+                      </a:r>
+                    </a:p>
+                  </a:txBody>
+                  <a:tcPr/>
+                </a:tc>
+                <a:tc>
+                  <a:txBody>
+                    <a:bodyPr/>
+                    <a:lstStyle/>
+                    <a:p>
+                      <a:pPr algn="ctr"/>
+                      <a:r>
+                        <a:rPr lang="en-VN" sz="2000" b="0" i="0" u="none" strike="noStrike" cap="none" dirty="0">
+                          <a:solidFill>
+                            <a:schemeClr val="dk1"/>
+                          </a:solidFill>
+                          <a:effectLst/>
+                          <a:latin typeface="+mn-lt"/>
+                          <a:ea typeface="+mn-ea"/>
+                          <a:cs typeface="+mn-cs"/>
+                          <a:sym typeface="Arial"/>
+                        </a:rPr>
+                        <a:t>0.39</a:t>
+                      </a:r>
+                    </a:p>
+                    <a:p>
+                      <a:pPr algn="ctr"/>
+                      <a:endParaRPr lang="en-VN" sz="2000" dirty="0"/>
+                    </a:p>
+                  </a:txBody>
+                  <a:tcPr/>
+                </a:tc>
+                <a:tc>
+                  <a:txBody>
+                    <a:bodyPr/>
+                    <a:lstStyle/>
+                    <a:p>
+                      <a:pPr algn="ctr"/>
+                      <a:r>
+                        <a:rPr lang="en-VN" sz="2000" b="0" i="0" u="none" strike="noStrike" cap="none" dirty="0">
+                          <a:solidFill>
+                            <a:schemeClr val="dk1"/>
+                          </a:solidFill>
+                          <a:effectLst/>
+                          <a:latin typeface="+mn-lt"/>
+                          <a:ea typeface="+mn-ea"/>
+                          <a:cs typeface="+mn-cs"/>
+                          <a:sym typeface="Arial"/>
+                        </a:rPr>
+                        <a:t>0.4459</a:t>
+                      </a:r>
+                    </a:p>
+                    <a:p>
+                      <a:pPr algn="ctr"/>
+                      <a:endParaRPr lang="en-VN" sz="2000" dirty="0"/>
+                    </a:p>
+                  </a:txBody>
+                  <a:tcPr/>
+                </a:tc>
+                <a:tc>
+                  <a:txBody>
+                    <a:bodyPr/>
+                    <a:lstStyle/>
+                    <a:p>
+                      <a:pPr marL="0" marR="0" lvl="0" indent="0" algn="ctr" defTabSz="914400" rtl="0" eaLnBrk="1" fontAlgn="auto" latinLnBrk="0" hangingPunct="1">
+                        <a:lnSpc>
+                          <a:spcPct val="100000"/>
+                        </a:lnSpc>
+                        <a:spcBef>
+                          <a:spcPts val="0"/>
+                        </a:spcBef>
+                        <a:spcAft>
+                          <a:spcPts val="0"/>
+                        </a:spcAft>
+                        <a:buClr>
+                          <a:srgbClr val="000000"/>
+                        </a:buClr>
+                        <a:buSzTx/>
+                        <a:buFont typeface="Arial"/>
+                        <a:buNone/>
+                        <a:tabLst/>
+                        <a:defRPr/>
+                      </a:pPr>
+                      <a:r>
+                        <a:rPr lang="en-VN" sz="2000" b="0" i="0" u="none" strike="noStrike" cap="none" dirty="0">
+                          <a:solidFill>
+                            <a:schemeClr val="dk1"/>
+                          </a:solidFill>
+                          <a:effectLst/>
+                          <a:latin typeface="+mn-lt"/>
+                          <a:ea typeface="+mn-ea"/>
+                          <a:cs typeface="+mn-cs"/>
+                          <a:sym typeface="Arial"/>
+                        </a:rPr>
+                        <a:t>0.5671</a:t>
+                      </a:r>
+                    </a:p>
+                    <a:p>
+                      <a:pPr marL="0" marR="0" lvl="0" indent="0" algn="ctr" defTabSz="914400" rtl="0" eaLnBrk="1" fontAlgn="auto" latinLnBrk="0" hangingPunct="1">
+                        <a:lnSpc>
+                          <a:spcPct val="100000"/>
+                        </a:lnSpc>
+                        <a:spcBef>
+                          <a:spcPts val="0"/>
+                        </a:spcBef>
+                        <a:spcAft>
+                          <a:spcPts val="0"/>
+                        </a:spcAft>
+                        <a:buClr>
+                          <a:srgbClr val="000000"/>
+                        </a:buClr>
+                        <a:buSzTx/>
+                        <a:buFont typeface="Arial"/>
+                        <a:buNone/>
+                        <a:tabLst/>
+                        <a:defRPr/>
+                      </a:pPr>
+                      <a:endParaRPr lang="en-VN" sz="2000" b="0" i="0" u="none" strike="noStrike" cap="none" dirty="0">
+                        <a:solidFill>
+                          <a:schemeClr val="dk1"/>
+                        </a:solidFill>
+                        <a:effectLst/>
+                        <a:latin typeface="+mn-lt"/>
+                        <a:ea typeface="+mn-ea"/>
+                        <a:cs typeface="+mn-cs"/>
+                        <a:sym typeface="Arial"/>
+                      </a:endParaRPr>
+                    </a:p>
+                    <a:p>
+                      <a:pPr algn="ctr"/>
+                      <a:endParaRPr lang="en-VN" sz="2000" dirty="0"/>
+                    </a:p>
+                  </a:txBody>
+                  <a:tcPr/>
+                </a:tc>
+                <a:extLst>
+                  <a:ext uri="{0D108BD9-81ED-4DB2-BD59-A6C34878D82A}">
+                    <a16:rowId xmlns:a16="http://schemas.microsoft.com/office/drawing/2014/main" val="3874263939"/>
+                  </a:ext>
+                </a:extLst>
+              </a:tr>
+              <a:tr h="946443">
+                <a:tc>
+                  <a:txBody>
+                    <a:bodyPr/>
+                    <a:lstStyle/>
+                    <a:p>
+                      <a:pPr algn="ctr"/>
+                      <a:r>
+                        <a:rPr lang="en-US" sz="2000" b="1" dirty="0">
+                          <a:solidFill>
+                            <a:schemeClr val="bg2">
+                              <a:lumMod val="50000"/>
+                            </a:schemeClr>
+                          </a:solidFill>
+                        </a:rPr>
+                        <a:t>threshold</a:t>
+                      </a:r>
+                      <a:endParaRPr lang="en-VN" sz="2000" b="1" dirty="0">
+                        <a:solidFill>
+                          <a:schemeClr val="bg2">
+                            <a:lumMod val="50000"/>
+                          </a:schemeClr>
+                        </a:solidFill>
+                      </a:endParaRPr>
+                    </a:p>
+                  </a:txBody>
+                  <a:tcPr/>
+                </a:tc>
+                <a:tc>
+                  <a:txBody>
+                    <a:bodyPr/>
+                    <a:lstStyle/>
+                    <a:p>
+                      <a:pPr algn="ctr"/>
+                      <a:r>
+                        <a:rPr lang="en-VN" sz="2000" b="0" i="0" u="none" strike="noStrike" cap="none" dirty="0">
+                          <a:solidFill>
+                            <a:schemeClr val="dk1"/>
+                          </a:solidFill>
+                          <a:effectLst/>
+                          <a:latin typeface="+mn-lt"/>
+                          <a:ea typeface="+mn-ea"/>
+                          <a:cs typeface="+mn-cs"/>
+                          <a:sym typeface="Arial"/>
+                        </a:rPr>
+                        <a:t>0.35</a:t>
+                      </a:r>
+                    </a:p>
+                    <a:p>
+                      <a:pPr algn="ctr"/>
+                      <a:endParaRPr lang="en-VN" sz="2000" dirty="0"/>
+                    </a:p>
+                  </a:txBody>
+                  <a:tcPr/>
+                </a:tc>
+                <a:tc>
+                  <a:txBody>
+                    <a:bodyPr/>
+                    <a:lstStyle/>
+                    <a:p>
+                      <a:pPr algn="ctr"/>
+                      <a:r>
+                        <a:rPr lang="en-VN" sz="2000" b="0" i="0" u="none" strike="noStrike" cap="none" dirty="0">
+                          <a:solidFill>
+                            <a:schemeClr val="dk1"/>
+                          </a:solidFill>
+                          <a:effectLst/>
+                          <a:latin typeface="+mn-lt"/>
+                          <a:ea typeface="+mn-ea"/>
+                          <a:cs typeface="+mn-cs"/>
+                          <a:sym typeface="Arial"/>
+                        </a:rPr>
+                        <a:t>0.4</a:t>
+                      </a:r>
+                    </a:p>
+                  </a:txBody>
+                  <a:tcPr/>
+                </a:tc>
+                <a:tc>
+                  <a:txBody>
+                    <a:bodyPr/>
+                    <a:lstStyle/>
+                    <a:p>
+                      <a:pPr algn="ctr"/>
+                      <a:r>
+                        <a:rPr lang="en-VN" sz="2000" b="0" i="0" u="none" strike="noStrike" cap="none" dirty="0">
+                          <a:solidFill>
+                            <a:schemeClr val="dk1"/>
+                          </a:solidFill>
+                          <a:effectLst/>
+                          <a:latin typeface="+mn-lt"/>
+                          <a:ea typeface="+mn-ea"/>
+                          <a:cs typeface="+mn-cs"/>
+                          <a:sym typeface="Arial"/>
+                        </a:rPr>
+                        <a:t>0.4237 </a:t>
+                      </a:r>
+                    </a:p>
+                    <a:p>
+                      <a:pPr algn="ctr"/>
+                      <a:endParaRPr lang="en-VN" sz="2000" dirty="0"/>
+                    </a:p>
+                  </a:txBody>
+                  <a:tcPr/>
+                </a:tc>
+                <a:tc>
+                  <a:txBody>
+                    <a:bodyPr/>
+                    <a:lstStyle/>
+                    <a:p>
+                      <a:pPr algn="ctr"/>
+                      <a:r>
+                        <a:rPr lang="en-VN" sz="2000" b="0" i="0" u="none" strike="noStrike" cap="none" dirty="0">
+                          <a:solidFill>
+                            <a:schemeClr val="dk1"/>
+                          </a:solidFill>
+                          <a:effectLst/>
+                          <a:latin typeface="+mn-lt"/>
+                          <a:ea typeface="+mn-ea"/>
+                          <a:cs typeface="+mn-cs"/>
+                          <a:sym typeface="Arial"/>
+                        </a:rPr>
+                        <a:t>0.4009</a:t>
+                      </a:r>
+                    </a:p>
+                    <a:p>
+                      <a:pPr algn="ctr"/>
+                      <a:endParaRPr lang="en-VN" sz="2000" dirty="0"/>
+                    </a:p>
+                  </a:txBody>
+                  <a:tcPr/>
+                </a:tc>
+                <a:extLst>
+                  <a:ext uri="{0D108BD9-81ED-4DB2-BD59-A6C34878D82A}">
+                    <a16:rowId xmlns:a16="http://schemas.microsoft.com/office/drawing/2014/main" val="3732852221"/>
+                  </a:ext>
+                </a:extLst>
+              </a:tr>
+            </a:tbl>
+          </a:graphicData>
+        </a:graphic>
+      </p:graphicFrame>
+      <p:sp>
+        <p:nvSpPr>
+          <p:cNvPr id="3" name="TextBox 2">
+            <a:extLst>
+              <a:ext uri="{FF2B5EF4-FFF2-40B4-BE49-F238E27FC236}">
+                <a16:creationId xmlns:a16="http://schemas.microsoft.com/office/drawing/2014/main" id="{60E14EEE-28A9-B64D-95B0-010D0C9C9FEB}"/>
+              </a:ext>
+            </a:extLst>
+          </p:cNvPr>
+          <p:cNvSpPr txBox="1"/>
+          <p:nvPr/>
+        </p:nvSpPr>
+        <p:spPr>
+          <a:xfrm>
+            <a:off x="826669" y="6048097"/>
+            <a:ext cx="8309610" cy="477054"/>
+          </a:xfrm>
+          <a:prstGeom prst="rect">
+            <a:avLst/>
+          </a:prstGeom>
+          <a:noFill/>
+        </p:spPr>
+        <p:txBody>
+          <a:bodyPr wrap="square" rtlCol="0">
+            <a:spAutoFit/>
+          </a:bodyPr>
+          <a:lstStyle/>
+          <a:p>
+            <a:r>
+              <a:rPr lang="en-VN" sz="2500" dirty="0">
+                <a:solidFill>
+                  <a:schemeClr val="bg2">
+                    <a:lumMod val="50000"/>
+                  </a:schemeClr>
+                </a:solidFill>
+                <a:sym typeface="Wingdings" pitchFamily="2" charset="2"/>
+              </a:rPr>
+              <a:t> Threshold: (0.35+0.4+0.4237+0.4009)/4 ~= </a:t>
+            </a:r>
+            <a:r>
+              <a:rPr lang="en-VN" sz="2500" b="1" dirty="0">
+                <a:solidFill>
+                  <a:schemeClr val="bg2">
+                    <a:lumMod val="50000"/>
+                  </a:schemeClr>
+                </a:solidFill>
+              </a:rPr>
+              <a:t>0.37</a:t>
+            </a:r>
+          </a:p>
+        </p:txBody>
+      </p:sp>
+    </p:spTree>
+    <p:extLst>
+      <p:ext uri="{BB962C8B-B14F-4D97-AF65-F5344CB8AC3E}">
+        <p14:creationId xmlns:p14="http://schemas.microsoft.com/office/powerpoint/2010/main" val="4219292196"/>
+      </p:ext>
+    </p:extLst>
+  </p:cSld>
+  <p:clrMapOvr>
+    <a:masterClrMapping/>
+  </p:clrMapOvr>
+</p:sld>
+</file>
+
 <file path=ppt/theme/theme1.xml><?xml version="1.0" encoding="utf-8"?>
 <a:theme xmlns:a="http://schemas.openxmlformats.org/drawingml/2006/main" name="Office Theme">
   <a:themeElements>
